--- a/render/TinyRenderer.pptx
+++ b/render/TinyRenderer.pptx
@@ -8,6 +8,12 @@
     <p:sldId id="256" r:id="rId2"/>
     <p:sldId id="257" r:id="rId3"/>
     <p:sldId id="259" r:id="rId4"/>
+    <p:sldId id="260" r:id="rId5"/>
+    <p:sldId id="261" r:id="rId6"/>
+    <p:sldId id="262" r:id="rId7"/>
+    <p:sldId id="263" r:id="rId8"/>
+    <p:sldId id="264" r:id="rId9"/>
+    <p:sldId id="265" r:id="rId10"/>
   </p:sldIdLst>
   <p:sldSz cx="12192000" cy="6858000"/>
   <p:notesSz cx="6858000" cy="9144000"/>
@@ -272,7 +278,7 @@
           <a:p>
             <a:fld id="{D975DD19-BC94-4039-8C23-459E84C63CD3}" type="datetimeFigureOut">
               <a:rPr lang="zh-CN" altLang="en-US" smtClean="0"/>
-              <a:t>2023/12/24</a:t>
+              <a:t>2024/1/14</a:t>
             </a:fld>
             <a:endParaRPr lang="zh-CN" altLang="en-US"/>
           </a:p>
@@ -470,7 +476,7 @@
           <a:p>
             <a:fld id="{D975DD19-BC94-4039-8C23-459E84C63CD3}" type="datetimeFigureOut">
               <a:rPr lang="zh-CN" altLang="en-US" smtClean="0"/>
-              <a:t>2023/12/24</a:t>
+              <a:t>2024/1/14</a:t>
             </a:fld>
             <a:endParaRPr lang="zh-CN" altLang="en-US"/>
           </a:p>
@@ -678,7 +684,7 @@
           <a:p>
             <a:fld id="{D975DD19-BC94-4039-8C23-459E84C63CD3}" type="datetimeFigureOut">
               <a:rPr lang="zh-CN" altLang="en-US" smtClean="0"/>
-              <a:t>2023/12/24</a:t>
+              <a:t>2024/1/14</a:t>
             </a:fld>
             <a:endParaRPr lang="zh-CN" altLang="en-US"/>
           </a:p>
@@ -876,7 +882,7 @@
           <a:p>
             <a:fld id="{D975DD19-BC94-4039-8C23-459E84C63CD3}" type="datetimeFigureOut">
               <a:rPr lang="zh-CN" altLang="en-US" smtClean="0"/>
-              <a:t>2023/12/24</a:t>
+              <a:t>2024/1/14</a:t>
             </a:fld>
             <a:endParaRPr lang="zh-CN" altLang="en-US"/>
           </a:p>
@@ -1151,7 +1157,7 @@
           <a:p>
             <a:fld id="{D975DD19-BC94-4039-8C23-459E84C63CD3}" type="datetimeFigureOut">
               <a:rPr lang="zh-CN" altLang="en-US" smtClean="0"/>
-              <a:t>2023/12/24</a:t>
+              <a:t>2024/1/14</a:t>
             </a:fld>
             <a:endParaRPr lang="zh-CN" altLang="en-US"/>
           </a:p>
@@ -1416,7 +1422,7 @@
           <a:p>
             <a:fld id="{D975DD19-BC94-4039-8C23-459E84C63CD3}" type="datetimeFigureOut">
               <a:rPr lang="zh-CN" altLang="en-US" smtClean="0"/>
-              <a:t>2023/12/24</a:t>
+              <a:t>2024/1/14</a:t>
             </a:fld>
             <a:endParaRPr lang="zh-CN" altLang="en-US"/>
           </a:p>
@@ -1828,7 +1834,7 @@
           <a:p>
             <a:fld id="{D975DD19-BC94-4039-8C23-459E84C63CD3}" type="datetimeFigureOut">
               <a:rPr lang="zh-CN" altLang="en-US" smtClean="0"/>
-              <a:t>2023/12/24</a:t>
+              <a:t>2024/1/14</a:t>
             </a:fld>
             <a:endParaRPr lang="zh-CN" altLang="en-US"/>
           </a:p>
@@ -1969,7 +1975,7 @@
           <a:p>
             <a:fld id="{D975DD19-BC94-4039-8C23-459E84C63CD3}" type="datetimeFigureOut">
               <a:rPr lang="zh-CN" altLang="en-US" smtClean="0"/>
-              <a:t>2023/12/24</a:t>
+              <a:t>2024/1/14</a:t>
             </a:fld>
             <a:endParaRPr lang="zh-CN" altLang="en-US"/>
           </a:p>
@@ -2082,7 +2088,7 @@
           <a:p>
             <a:fld id="{D975DD19-BC94-4039-8C23-459E84C63CD3}" type="datetimeFigureOut">
               <a:rPr lang="zh-CN" altLang="en-US" smtClean="0"/>
-              <a:t>2023/12/24</a:t>
+              <a:t>2024/1/14</a:t>
             </a:fld>
             <a:endParaRPr lang="zh-CN" altLang="en-US"/>
           </a:p>
@@ -2393,7 +2399,7 @@
           <a:p>
             <a:fld id="{D975DD19-BC94-4039-8C23-459E84C63CD3}" type="datetimeFigureOut">
               <a:rPr lang="zh-CN" altLang="en-US" smtClean="0"/>
-              <a:t>2023/12/24</a:t>
+              <a:t>2024/1/14</a:t>
             </a:fld>
             <a:endParaRPr lang="zh-CN" altLang="en-US"/>
           </a:p>
@@ -2681,7 +2687,7 @@
           <a:p>
             <a:fld id="{D975DD19-BC94-4039-8C23-459E84C63CD3}" type="datetimeFigureOut">
               <a:rPr lang="zh-CN" altLang="en-US" smtClean="0"/>
-              <a:t>2023/12/24</a:t>
+              <a:t>2024/1/14</a:t>
             </a:fld>
             <a:endParaRPr lang="zh-CN" altLang="en-US"/>
           </a:p>
@@ -2922,7 +2928,7 @@
           <a:p>
             <a:fld id="{D975DD19-BC94-4039-8C23-459E84C63CD3}" type="datetimeFigureOut">
               <a:rPr lang="zh-CN" altLang="en-US" smtClean="0"/>
-              <a:t>2023/12/24</a:t>
+              <a:t>2024/1/14</a:t>
             </a:fld>
             <a:endParaRPr lang="zh-CN" altLang="en-US"/>
           </a:p>
@@ -5169,7 +5175,7 @@
         </p:nvSpPr>
         <p:spPr>
           <a:xfrm>
-            <a:off x="571500" y="1333917"/>
+            <a:off x="444500" y="1245017"/>
             <a:ext cx="7035800" cy="1754326"/>
           </a:xfrm>
           <a:prstGeom prst="rect">
@@ -5232,8 +5238,106 @@
               <a:buAutoNum type="arabicPeriod"/>
             </a:pPr>
             <a:r>
-              <a:rPr lang="zh-CN" altLang="en-US"/>
+              <a:rPr lang="zh-CN" altLang="en-US" dirty="0"/>
               <a:t>在左右边界点之间画一条水平线段</a:t>
+            </a:r>
+            <a:endParaRPr lang="en-US" altLang="zh-CN" dirty="0"/>
+          </a:p>
+        </p:txBody>
+      </p:sp>
+      <p:sp>
+        <p:nvSpPr>
+          <p:cNvPr id="2" name="文本框 1">
+            <a:extLst>
+              <a:ext uri="{FF2B5EF4-FFF2-40B4-BE49-F238E27FC236}">
+                <a16:creationId xmlns:a16="http://schemas.microsoft.com/office/drawing/2014/main" id="{07199A70-866E-1B87-375A-9A2514430192}"/>
+              </a:ext>
+            </a:extLst>
+          </p:cNvPr>
+          <p:cNvSpPr txBox="1"/>
+          <p:nvPr/>
+        </p:nvSpPr>
+        <p:spPr>
+          <a:xfrm>
+            <a:off x="304800" y="3429000"/>
+            <a:ext cx="9563100" cy="923330"/>
+          </a:xfrm>
+          <a:prstGeom prst="rect">
+            <a:avLst/>
+          </a:prstGeom>
+          <a:noFill/>
+        </p:spPr>
+        <p:txBody>
+          <a:bodyPr wrap="square" rtlCol="0">
+            <a:spAutoFit/>
+          </a:bodyPr>
+          <a:lstStyle/>
+          <a:p>
+            <a:r>
+              <a:rPr lang="zh-CN" altLang="en-US" dirty="0"/>
+              <a:t>第一种方法，利用线扫描，就是利用</a:t>
+            </a:r>
+            <a:r>
+              <a:rPr lang="en-US" altLang="zh-CN" dirty="0"/>
+              <a:t>y</a:t>
+            </a:r>
+            <a:r>
+              <a:rPr lang="zh-CN" altLang="en-US" dirty="0"/>
+              <a:t>值来区分绘画分段，</a:t>
+            </a:r>
+            <a:r>
+              <a:rPr lang="en-US" altLang="zh-CN" dirty="0" err="1"/>
+              <a:t>ymin</a:t>
+            </a:r>
+            <a:r>
+              <a:rPr lang="en-US" altLang="zh-CN" dirty="0"/>
+              <a:t>-&gt;</a:t>
+            </a:r>
+            <a:r>
+              <a:rPr lang="en-US" altLang="zh-CN" dirty="0" err="1"/>
+              <a:t>ymid</a:t>
+            </a:r>
+            <a:r>
+              <a:rPr lang="en-US" altLang="zh-CN" dirty="0"/>
+              <a:t>  </a:t>
+            </a:r>
+            <a:r>
+              <a:rPr lang="en-US" altLang="zh-CN" dirty="0" err="1"/>
+              <a:t>ymid</a:t>
+            </a:r>
+            <a:r>
+              <a:rPr lang="en-US" altLang="zh-CN" dirty="0"/>
+              <a:t>-&gt;</a:t>
+            </a:r>
+            <a:r>
+              <a:rPr lang="en-US" altLang="zh-CN" dirty="0" err="1"/>
+              <a:t>ymax</a:t>
+            </a:r>
+            <a:endParaRPr lang="en-US" altLang="zh-CN" dirty="0"/>
+          </a:p>
+          <a:p>
+            <a:endParaRPr lang="en-US" altLang="zh-CN" dirty="0"/>
+          </a:p>
+          <a:p>
+            <a:r>
+              <a:rPr lang="zh-CN" altLang="en-US" dirty="0"/>
+              <a:t>那么对于每段的</a:t>
+            </a:r>
+            <a:r>
+              <a:rPr lang="en-US" altLang="zh-CN" dirty="0"/>
+              <a:t>y</a:t>
+            </a:r>
+            <a:r>
+              <a:rPr lang="zh-CN" altLang="en-US" dirty="0"/>
+              <a:t>，</a:t>
+            </a:r>
+            <a:r>
+              <a:rPr lang="en-US" altLang="zh-CN" dirty="0"/>
+              <a:t>x</a:t>
+            </a:r>
+            <a:r>
+              <a:rPr lang="zh-CN" altLang="en-US" dirty="0"/>
+              <a:t>的范围是确定的，有两条直线的反斜率可以求出</a:t>
             </a:r>
             <a:endParaRPr lang="en-US" altLang="zh-CN" dirty="0"/>
           </a:p>
@@ -5243,6 +5347,4116 @@
     <p:extLst>
       <p:ext uri="{BB962C8B-B14F-4D97-AF65-F5344CB8AC3E}">
         <p14:creationId xmlns:p14="http://schemas.microsoft.com/office/powerpoint/2010/main" val="2166693681"/>
+      </p:ext>
+    </p:extLst>
+  </p:cSld>
+  <p:clrMapOvr>
+    <a:masterClrMapping/>
+  </p:clrMapOvr>
+</p:sld>
+</file>
+
+<file path=ppt/slides/slide4.xml><?xml version="1.0" encoding="utf-8"?>
+<p:sld xmlns:a="http://schemas.openxmlformats.org/drawingml/2006/main" xmlns:r="http://schemas.openxmlformats.org/officeDocument/2006/relationships" xmlns:p="http://schemas.openxmlformats.org/presentationml/2006/main">
+  <p:cSld>
+    <p:spTree>
+      <p:nvGrpSpPr>
+        <p:cNvPr id="1" name=""/>
+        <p:cNvGrpSpPr/>
+        <p:nvPr/>
+      </p:nvGrpSpPr>
+      <p:grpSpPr>
+        <a:xfrm>
+          <a:off x="0" y="0"/>
+          <a:ext cx="0" cy="0"/>
+          <a:chOff x="0" y="0"/>
+          <a:chExt cx="0" cy="0"/>
+        </a:xfrm>
+      </p:grpSpPr>
+      <p:sp>
+        <p:nvSpPr>
+          <p:cNvPr id="4" name="文本框 3">
+            <a:extLst>
+              <a:ext uri="{FF2B5EF4-FFF2-40B4-BE49-F238E27FC236}">
+                <a16:creationId xmlns:a16="http://schemas.microsoft.com/office/drawing/2014/main" id="{B5DF206B-2419-2CEB-C57A-8560798268E2}"/>
+              </a:ext>
+            </a:extLst>
+          </p:cNvPr>
+          <p:cNvSpPr txBox="1"/>
+          <p:nvPr/>
+        </p:nvSpPr>
+        <p:spPr>
+          <a:xfrm>
+            <a:off x="571500" y="466725"/>
+            <a:ext cx="2667000" cy="369332"/>
+          </a:xfrm>
+          <a:prstGeom prst="rect">
+            <a:avLst/>
+          </a:prstGeom>
+          <a:noFill/>
+        </p:spPr>
+        <p:txBody>
+          <a:bodyPr wrap="square" rtlCol="0">
+            <a:spAutoFit/>
+          </a:bodyPr>
+          <a:lstStyle/>
+          <a:p>
+            <a:r>
+              <a:rPr lang="zh-CN" altLang="en-US" dirty="0"/>
+              <a:t>三角形的渲染</a:t>
+            </a:r>
+          </a:p>
+        </p:txBody>
+      </p:sp>
+      <p:sp>
+        <p:nvSpPr>
+          <p:cNvPr id="2" name="文本框 1">
+            <a:extLst>
+              <a:ext uri="{FF2B5EF4-FFF2-40B4-BE49-F238E27FC236}">
+                <a16:creationId xmlns:a16="http://schemas.microsoft.com/office/drawing/2014/main" id="{07199A70-866E-1B87-375A-9A2514430192}"/>
+              </a:ext>
+            </a:extLst>
+          </p:cNvPr>
+          <p:cNvSpPr txBox="1"/>
+          <p:nvPr/>
+        </p:nvSpPr>
+        <p:spPr>
+          <a:xfrm>
+            <a:off x="431800" y="1244600"/>
+            <a:ext cx="9563100" cy="3970318"/>
+          </a:xfrm>
+          <a:prstGeom prst="rect">
+            <a:avLst/>
+          </a:prstGeom>
+          <a:noFill/>
+        </p:spPr>
+        <p:txBody>
+          <a:bodyPr wrap="square" rtlCol="0">
+            <a:spAutoFit/>
+          </a:bodyPr>
+          <a:lstStyle/>
+          <a:p>
+            <a:r>
+              <a:rPr lang="zh-CN" altLang="en-US" dirty="0"/>
+              <a:t>第二种方法，利用包围盒，然后利用重心坐标检测这个点是不是在三角形内部</a:t>
+            </a:r>
+            <a:endParaRPr lang="en-US" altLang="zh-CN" dirty="0"/>
+          </a:p>
+          <a:p>
+            <a:r>
+              <a:rPr lang="zh-CN" altLang="en-US" dirty="0"/>
+              <a:t>对一个由三个坐标构成的数组</a:t>
+            </a:r>
+            <a:r>
+              <a:rPr lang="en-US" altLang="zh-CN" dirty="0"/>
+              <a:t>points[3]</a:t>
+            </a:r>
+            <a:r>
+              <a:rPr lang="zh-CN" altLang="en-US" dirty="0"/>
+              <a:t>，我们可以找到一个有两个坐标构成的包围盒</a:t>
+            </a:r>
+            <a:r>
+              <a:rPr lang="en-US" altLang="zh-CN" dirty="0" err="1"/>
+              <a:t>bbox</a:t>
+            </a:r>
+            <a:r>
+              <a:rPr lang="en-US" altLang="zh-CN" dirty="0"/>
+              <a:t>[2]</a:t>
+            </a:r>
+            <a:r>
+              <a:rPr lang="zh-CN" altLang="en-US" dirty="0"/>
+              <a:t>，那么对于每个在这个</a:t>
+            </a:r>
+            <a:r>
+              <a:rPr lang="en-US" altLang="zh-CN" dirty="0" err="1"/>
+              <a:t>bbox</a:t>
+            </a:r>
+            <a:r>
+              <a:rPr lang="zh-CN" altLang="en-US" dirty="0"/>
+              <a:t>中的像素点，我们需要去判断其是否在</a:t>
+            </a:r>
+            <a:r>
+              <a:rPr lang="en-US" altLang="zh-CN" dirty="0"/>
+              <a:t>points[3]</a:t>
+            </a:r>
+            <a:r>
+              <a:rPr lang="zh-CN" altLang="en-US" dirty="0"/>
+              <a:t>里面，如果在那么就着色。</a:t>
+            </a:r>
+            <a:endParaRPr lang="en-US" altLang="zh-CN" dirty="0"/>
+          </a:p>
+          <a:p>
+            <a:endParaRPr lang="en-US" altLang="zh-CN" dirty="0"/>
+          </a:p>
+          <a:p>
+            <a:r>
+              <a:rPr lang="zh-CN" altLang="en-US" dirty="0"/>
+              <a:t>伪代码如下</a:t>
+            </a:r>
+            <a:endParaRPr lang="en-US" altLang="zh-CN" dirty="0"/>
+          </a:p>
+          <a:p>
+            <a:r>
+              <a:rPr lang="en-US" altLang="zh-CN" dirty="0"/>
+              <a:t>triangle(vec2 points[3]) { </a:t>
+            </a:r>
+          </a:p>
+          <a:p>
+            <a:r>
+              <a:rPr lang="en-US" altLang="zh-CN" dirty="0"/>
+              <a:t>    vec2 </a:t>
+            </a:r>
+            <a:r>
+              <a:rPr lang="en-US" altLang="zh-CN" dirty="0" err="1"/>
+              <a:t>bbox</a:t>
+            </a:r>
+            <a:r>
+              <a:rPr lang="en-US" altLang="zh-CN" dirty="0"/>
+              <a:t>[2] = </a:t>
+            </a:r>
+            <a:r>
+              <a:rPr lang="en-US" altLang="zh-CN" dirty="0" err="1"/>
+              <a:t>find_bounding_box</a:t>
+            </a:r>
+            <a:r>
+              <a:rPr lang="en-US" altLang="zh-CN" dirty="0"/>
+              <a:t>(points); </a:t>
+            </a:r>
+          </a:p>
+          <a:p>
+            <a:r>
+              <a:rPr lang="en-US" altLang="zh-CN" dirty="0"/>
+              <a:t>    	for (each pixel in the bounding box) { </a:t>
+            </a:r>
+          </a:p>
+          <a:p>
+            <a:r>
+              <a:rPr lang="en-US" altLang="zh-CN" dirty="0"/>
+              <a:t>        		if (inside(points, pixel)) { </a:t>
+            </a:r>
+          </a:p>
+          <a:p>
+            <a:r>
+              <a:rPr lang="en-US" altLang="zh-CN" dirty="0"/>
+              <a:t>            			</a:t>
+            </a:r>
+            <a:r>
+              <a:rPr lang="en-US" altLang="zh-CN" dirty="0" err="1"/>
+              <a:t>put_pixel</a:t>
+            </a:r>
+            <a:r>
+              <a:rPr lang="en-US" altLang="zh-CN" dirty="0"/>
+              <a:t>(pixel); </a:t>
+            </a:r>
+          </a:p>
+          <a:p>
+            <a:r>
+              <a:rPr lang="en-US" altLang="zh-CN" dirty="0"/>
+              <a:t>       		 } </a:t>
+            </a:r>
+          </a:p>
+          <a:p>
+            <a:r>
+              <a:rPr lang="en-US" altLang="zh-CN" dirty="0"/>
+              <a:t>   	 } </a:t>
+            </a:r>
+          </a:p>
+          <a:p>
+            <a:r>
+              <a:rPr lang="en-US" altLang="zh-CN" dirty="0"/>
+              <a:t>}</a:t>
+            </a:r>
+          </a:p>
+        </p:txBody>
+      </p:sp>
+    </p:spTree>
+    <p:extLst>
+      <p:ext uri="{BB962C8B-B14F-4D97-AF65-F5344CB8AC3E}">
+        <p14:creationId xmlns:p14="http://schemas.microsoft.com/office/powerpoint/2010/main" val="25725758"/>
+      </p:ext>
+    </p:extLst>
+  </p:cSld>
+  <p:clrMapOvr>
+    <a:masterClrMapping/>
+  </p:clrMapOvr>
+</p:sld>
+</file>
+
+<file path=ppt/slides/slide5.xml><?xml version="1.0" encoding="utf-8"?>
+<p:sld xmlns:a="http://schemas.openxmlformats.org/drawingml/2006/main" xmlns:r="http://schemas.openxmlformats.org/officeDocument/2006/relationships" xmlns:p="http://schemas.openxmlformats.org/presentationml/2006/main">
+  <p:cSld>
+    <p:spTree>
+      <p:nvGrpSpPr>
+        <p:cNvPr id="1" name=""/>
+        <p:cNvGrpSpPr/>
+        <p:nvPr/>
+      </p:nvGrpSpPr>
+      <p:grpSpPr>
+        <a:xfrm>
+          <a:off x="0" y="0"/>
+          <a:ext cx="0" cy="0"/>
+          <a:chOff x="0" y="0"/>
+          <a:chExt cx="0" cy="0"/>
+        </a:xfrm>
+      </p:grpSpPr>
+      <mc:AlternateContent xmlns:mc="http://schemas.openxmlformats.org/markup-compatibility/2006" xmlns:a14="http://schemas.microsoft.com/office/drawing/2010/main">
+        <mc:Choice Requires="a14">
+          <p:sp>
+            <p:nvSpPr>
+              <p:cNvPr id="4" name="文本框 3">
+                <a:extLst>
+                  <a:ext uri="{FF2B5EF4-FFF2-40B4-BE49-F238E27FC236}">
+                    <a16:creationId xmlns:a16="http://schemas.microsoft.com/office/drawing/2014/main" id="{403AA7F1-7A60-46EF-CEDC-34EDEDA861BE}"/>
+                  </a:ext>
+                </a:extLst>
+              </p:cNvPr>
+              <p:cNvSpPr txBox="1"/>
+              <p:nvPr/>
+            </p:nvSpPr>
+            <p:spPr>
+              <a:xfrm>
+                <a:off x="508000" y="517525"/>
+                <a:ext cx="9055100" cy="646331"/>
+              </a:xfrm>
+              <a:prstGeom prst="rect">
+                <a:avLst/>
+              </a:prstGeom>
+              <a:noFill/>
+            </p:spPr>
+            <p:txBody>
+              <a:bodyPr wrap="square" rtlCol="0">
+                <a:spAutoFit/>
+              </a:bodyPr>
+              <a:lstStyle/>
+              <a:p>
+                <a:r>
+                  <a:rPr lang="zh-CN" altLang="en-US" dirty="0"/>
+                  <a:t>那么首先如何寻找重心坐标，首先一个点</a:t>
+                </a:r>
+                <a:r>
+                  <a:rPr lang="en-US" altLang="zh-CN" dirty="0"/>
+                  <a:t>P</a:t>
+                </a:r>
+                <a:r>
+                  <a:rPr lang="zh-CN" altLang="en-US" dirty="0"/>
+                  <a:t>对于三角形</a:t>
+                </a:r>
+                <a:r>
+                  <a:rPr lang="en-US" altLang="zh-CN" dirty="0"/>
+                  <a:t>ABC</a:t>
+                </a:r>
+                <a:r>
+                  <a:rPr lang="zh-CN" altLang="en-US" dirty="0"/>
+                  <a:t>的三个顶点，可以这样表示</a:t>
+                </a:r>
+                <a14:m>
+                  <m:oMath xmlns:m="http://schemas.openxmlformats.org/officeDocument/2006/math">
+                    <m:r>
+                      <a:rPr kumimoji="0" lang="zh-CN" altLang="en-US" sz="1800" b="0" i="1" u="none" strike="noStrike" kern="1200" cap="none" spc="0" normalizeH="0" baseline="0" noProof="0" smtClean="0">
+                        <a:ln>
+                          <a:noFill/>
+                        </a:ln>
+                        <a:solidFill>
+                          <a:prstClr val="black"/>
+                        </a:solidFill>
+                        <a:effectLst/>
+                        <a:uLnTx/>
+                        <a:uFillTx/>
+                        <a:latin typeface="Cambria Math" panose="02040503050406030204" pitchFamily="18" charset="0"/>
+                        <a:cs typeface="+mn-cs"/>
+                      </a:rPr>
+                      <m:t>𝑃</m:t>
+                    </m:r>
+                    <m:r>
+                      <a:rPr kumimoji="0" lang="zh-CN" altLang="en-US" sz="1800" b="0" i="1" u="none" strike="noStrike" kern="1200" cap="none" spc="0" normalizeH="0" baseline="0" noProof="0" smtClean="0">
+                        <a:ln>
+                          <a:noFill/>
+                        </a:ln>
+                        <a:solidFill>
+                          <a:prstClr val="black"/>
+                        </a:solidFill>
+                        <a:effectLst/>
+                        <a:uLnTx/>
+                        <a:uFillTx/>
+                        <a:latin typeface="Cambria Math" panose="02040503050406030204" pitchFamily="18" charset="0"/>
+                        <a:cs typeface="+mn-cs"/>
+                      </a:rPr>
+                      <m:t>=</m:t>
+                    </m:r>
+                    <m:d>
+                      <m:dPr>
+                        <m:ctrlPr>
+                          <a:rPr kumimoji="0" lang="zh-CN" altLang="en-US" sz="1800" b="0" i="1" u="none" strike="noStrike" kern="1200" cap="none" spc="0" normalizeH="0" baseline="0" noProof="0" smtClean="0">
+                            <a:ln>
+                              <a:noFill/>
+                            </a:ln>
+                            <a:solidFill>
+                              <a:srgbClr val="836967"/>
+                            </a:solidFill>
+                            <a:effectLst/>
+                            <a:uLnTx/>
+                            <a:uFillTx/>
+                            <a:latin typeface="Cambria Math" panose="02040503050406030204" pitchFamily="18" charset="0"/>
+                            <a:cs typeface="+mn-cs"/>
+                          </a:rPr>
+                        </m:ctrlPr>
+                      </m:dPr>
+                      <m:e>
+                        <m:r>
+                          <a:rPr kumimoji="0" lang="zh-CN" altLang="en-US" sz="1800" b="0" i="1" u="none" strike="noStrike" kern="1200" cap="none" spc="0" normalizeH="0" baseline="0" noProof="0" smtClean="0">
+                            <a:ln>
+                              <a:noFill/>
+                            </a:ln>
+                            <a:solidFill>
+                              <a:prstClr val="black"/>
+                            </a:solidFill>
+                            <a:effectLst/>
+                            <a:uLnTx/>
+                            <a:uFillTx/>
+                            <a:latin typeface="Cambria Math" panose="02040503050406030204" pitchFamily="18" charset="0"/>
+                            <a:cs typeface="+mn-cs"/>
+                          </a:rPr>
+                          <m:t>1−</m:t>
+                        </m:r>
+                        <m:r>
+                          <a:rPr kumimoji="0" lang="zh-CN" altLang="en-US" sz="1800" b="0" i="1" u="none" strike="noStrike" kern="1200" cap="none" spc="0" normalizeH="0" baseline="0" noProof="0" smtClean="0">
+                            <a:ln>
+                              <a:noFill/>
+                            </a:ln>
+                            <a:solidFill>
+                              <a:prstClr val="black"/>
+                            </a:solidFill>
+                            <a:effectLst/>
+                            <a:uLnTx/>
+                            <a:uFillTx/>
+                            <a:latin typeface="Cambria Math" panose="02040503050406030204" pitchFamily="18" charset="0"/>
+                            <a:cs typeface="+mn-cs"/>
+                          </a:rPr>
+                          <m:t>𝑢</m:t>
+                        </m:r>
+                        <m:r>
+                          <a:rPr kumimoji="0" lang="zh-CN" altLang="en-US" sz="1800" b="0" i="1" u="none" strike="noStrike" kern="1200" cap="none" spc="0" normalizeH="0" baseline="0" noProof="0" smtClean="0">
+                            <a:ln>
+                              <a:noFill/>
+                            </a:ln>
+                            <a:solidFill>
+                              <a:prstClr val="black"/>
+                            </a:solidFill>
+                            <a:effectLst/>
+                            <a:uLnTx/>
+                            <a:uFillTx/>
+                            <a:latin typeface="Cambria Math" panose="02040503050406030204" pitchFamily="18" charset="0"/>
+                            <a:cs typeface="+mn-cs"/>
+                          </a:rPr>
+                          <m:t>−</m:t>
+                        </m:r>
+                        <m:r>
+                          <a:rPr kumimoji="0" lang="zh-CN" altLang="en-US" sz="1800" b="0" i="1" u="none" strike="noStrike" kern="1200" cap="none" spc="0" normalizeH="0" baseline="0" noProof="0" smtClean="0">
+                            <a:ln>
+                              <a:noFill/>
+                            </a:ln>
+                            <a:solidFill>
+                              <a:prstClr val="black"/>
+                            </a:solidFill>
+                            <a:effectLst/>
+                            <a:uLnTx/>
+                            <a:uFillTx/>
+                            <a:latin typeface="Cambria Math" panose="02040503050406030204" pitchFamily="18" charset="0"/>
+                            <a:cs typeface="+mn-cs"/>
+                          </a:rPr>
+                          <m:t>𝜈</m:t>
+                        </m:r>
+                      </m:e>
+                    </m:d>
+                    <m:r>
+                      <a:rPr kumimoji="0" lang="zh-CN" altLang="en-US" sz="1800" b="0" i="1" u="none" strike="noStrike" kern="1200" cap="none" spc="0" normalizeH="0" baseline="0" noProof="0" smtClean="0">
+                        <a:ln>
+                          <a:noFill/>
+                        </a:ln>
+                        <a:solidFill>
+                          <a:prstClr val="black"/>
+                        </a:solidFill>
+                        <a:effectLst/>
+                        <a:uLnTx/>
+                        <a:uFillTx/>
+                        <a:latin typeface="Cambria Math" panose="02040503050406030204" pitchFamily="18" charset="0"/>
+                        <a:cs typeface="+mn-cs"/>
+                      </a:rPr>
+                      <m:t>𝐴</m:t>
+                    </m:r>
+                    <m:r>
+                      <a:rPr kumimoji="0" lang="zh-CN" altLang="en-US" sz="1800" b="0" i="1" u="none" strike="noStrike" kern="1200" cap="none" spc="0" normalizeH="0" baseline="0" noProof="0" smtClean="0">
+                        <a:ln>
+                          <a:noFill/>
+                        </a:ln>
+                        <a:solidFill>
+                          <a:prstClr val="black"/>
+                        </a:solidFill>
+                        <a:effectLst/>
+                        <a:uLnTx/>
+                        <a:uFillTx/>
+                        <a:latin typeface="Cambria Math" panose="02040503050406030204" pitchFamily="18" charset="0"/>
+                        <a:cs typeface="+mn-cs"/>
+                      </a:rPr>
+                      <m:t>+</m:t>
+                    </m:r>
+                    <m:r>
+                      <a:rPr kumimoji="0" lang="zh-CN" altLang="en-US" sz="1800" b="0" i="1" u="none" strike="noStrike" kern="1200" cap="none" spc="0" normalizeH="0" baseline="0" noProof="0" smtClean="0">
+                        <a:ln>
+                          <a:noFill/>
+                        </a:ln>
+                        <a:solidFill>
+                          <a:prstClr val="black"/>
+                        </a:solidFill>
+                        <a:effectLst/>
+                        <a:uLnTx/>
+                        <a:uFillTx/>
+                        <a:latin typeface="Cambria Math" panose="02040503050406030204" pitchFamily="18" charset="0"/>
+                        <a:cs typeface="+mn-cs"/>
+                      </a:rPr>
+                      <m:t>𝑢𝐵</m:t>
+                    </m:r>
+                    <m:r>
+                      <a:rPr kumimoji="0" lang="zh-CN" altLang="en-US" sz="1800" b="0" i="1" u="none" strike="noStrike" kern="1200" cap="none" spc="0" normalizeH="0" baseline="0" noProof="0" smtClean="0">
+                        <a:ln>
+                          <a:noFill/>
+                        </a:ln>
+                        <a:solidFill>
+                          <a:prstClr val="black"/>
+                        </a:solidFill>
+                        <a:effectLst/>
+                        <a:uLnTx/>
+                        <a:uFillTx/>
+                        <a:latin typeface="Cambria Math" panose="02040503050406030204" pitchFamily="18" charset="0"/>
+                        <a:cs typeface="+mn-cs"/>
+                      </a:rPr>
+                      <m:t>+</m:t>
+                    </m:r>
+                    <m:r>
+                      <a:rPr kumimoji="0" lang="zh-CN" altLang="en-US" sz="1800" b="0" i="1" u="none" strike="noStrike" kern="1200" cap="none" spc="0" normalizeH="0" baseline="0" noProof="0" smtClean="0">
+                        <a:ln>
+                          <a:noFill/>
+                        </a:ln>
+                        <a:solidFill>
+                          <a:prstClr val="black"/>
+                        </a:solidFill>
+                        <a:effectLst/>
+                        <a:uLnTx/>
+                        <a:uFillTx/>
+                        <a:latin typeface="Cambria Math" panose="02040503050406030204" pitchFamily="18" charset="0"/>
+                        <a:cs typeface="+mn-cs"/>
+                      </a:rPr>
+                      <m:t>𝜈</m:t>
+                    </m:r>
+                    <m:r>
+                      <a:rPr kumimoji="0" lang="zh-CN" altLang="en-US" sz="1800" b="0" i="1" u="none" strike="noStrike" kern="1200" cap="none" spc="0" normalizeH="0" baseline="0" noProof="0" smtClean="0">
+                        <a:ln>
+                          <a:noFill/>
+                        </a:ln>
+                        <a:solidFill>
+                          <a:prstClr val="black"/>
+                        </a:solidFill>
+                        <a:effectLst/>
+                        <a:uLnTx/>
+                        <a:uFillTx/>
+                        <a:latin typeface="Cambria Math" panose="02040503050406030204" pitchFamily="18" charset="0"/>
+                        <a:cs typeface="+mn-cs"/>
+                      </a:rPr>
+                      <m:t>𝐶</m:t>
+                    </m:r>
+                  </m:oMath>
+                </a14:m>
+                <a:endParaRPr lang="zh-CN" altLang="en-US" dirty="0"/>
+              </a:p>
+            </p:txBody>
+          </p:sp>
+        </mc:Choice>
+        <mc:Fallback xmlns="">
+          <p:sp>
+            <p:nvSpPr>
+              <p:cNvPr id="4" name="文本框 3">
+                <a:extLst>
+                  <a:ext uri="{FF2B5EF4-FFF2-40B4-BE49-F238E27FC236}">
+                    <a16:creationId xmlns:a16="http://schemas.microsoft.com/office/drawing/2014/main" id="{403AA7F1-7A60-46EF-CEDC-34EDEDA861BE}"/>
+                  </a:ext>
+                </a:extLst>
+              </p:cNvPr>
+              <p:cNvSpPr txBox="1">
+                <a:spLocks noRot="1" noChangeAspect="1" noMove="1" noResize="1" noEditPoints="1" noAdjustHandles="1" noChangeArrowheads="1" noChangeShapeType="1" noTextEdit="1"/>
+              </p:cNvSpPr>
+              <p:nvPr/>
+            </p:nvSpPr>
+            <p:spPr>
+              <a:xfrm>
+                <a:off x="508000" y="517525"/>
+                <a:ext cx="9055100" cy="646331"/>
+              </a:xfrm>
+              <a:prstGeom prst="rect">
+                <a:avLst/>
+              </a:prstGeom>
+              <a:blipFill>
+                <a:blip r:embed="rId2"/>
+                <a:stretch>
+                  <a:fillRect l="-538" t="-5660"/>
+                </a:stretch>
+              </a:blipFill>
+            </p:spPr>
+            <p:txBody>
+              <a:bodyPr/>
+              <a:lstStyle/>
+              <a:p>
+                <a:r>
+                  <a:rPr lang="zh-CN" altLang="en-US">
+                    <a:noFill/>
+                  </a:rPr>
+                  <a:t> </a:t>
+                </a:r>
+              </a:p>
+            </p:txBody>
+          </p:sp>
+        </mc:Fallback>
+      </mc:AlternateContent>
+      <mc:AlternateContent xmlns:mc="http://schemas.openxmlformats.org/markup-compatibility/2006" xmlns:a14="http://schemas.microsoft.com/office/drawing/2010/main">
+        <mc:Choice Requires="a14">
+          <p:sp>
+            <p:nvSpPr>
+              <p:cNvPr id="5" name="文本框 4">
+                <a:extLst>
+                  <a:ext uri="{FF2B5EF4-FFF2-40B4-BE49-F238E27FC236}">
+                    <a16:creationId xmlns:a16="http://schemas.microsoft.com/office/drawing/2014/main" id="{2001A8A6-DC1C-7F7C-D8E5-BF64C72C1AC8}"/>
+                  </a:ext>
+                </a:extLst>
+              </p:cNvPr>
+              <p:cNvSpPr txBox="1"/>
+              <p:nvPr/>
+            </p:nvSpPr>
+            <p:spPr>
+              <a:xfrm>
+                <a:off x="508000" y="1901825"/>
+                <a:ext cx="9055100" cy="3228063"/>
+              </a:xfrm>
+              <a:prstGeom prst="rect">
+                <a:avLst/>
+              </a:prstGeom>
+              <a:noFill/>
+            </p:spPr>
+            <p:txBody>
+              <a:bodyPr wrap="square" rtlCol="0">
+                <a:spAutoFit/>
+              </a:bodyPr>
+              <a:lstStyle/>
+              <a:p>
+                <a:r>
+                  <a:rPr lang="zh-CN" altLang="en-US" dirty="0"/>
+                  <a:t>相当于，对于</a:t>
+                </a:r>
+                <a:r>
+                  <a:rPr lang="en-US" altLang="zh-CN" dirty="0"/>
+                  <a:t>P</a:t>
+                </a:r>
+                <a:r>
+                  <a:rPr lang="zh-CN" altLang="en-US" dirty="0"/>
+                  <a:t>我们用</a:t>
+                </a:r>
+                <a:r>
+                  <a:rPr lang="en-US" altLang="zh-CN" dirty="0"/>
+                  <a:t>A</a:t>
+                </a:r>
+                <a:r>
+                  <a:rPr lang="zh-CN" altLang="en-US" dirty="0"/>
+                  <a:t>来表示，那么</a:t>
+                </a:r>
+                <a:r>
+                  <a:rPr lang="en-US" altLang="zh-CN" dirty="0"/>
+                  <a:t>AP</a:t>
+                </a:r>
+                <a:r>
+                  <a:rPr lang="zh-CN" altLang="en-US" dirty="0"/>
+                  <a:t>这个向量是可以用</a:t>
+                </a:r>
+                <a:r>
+                  <a:rPr lang="en-US" altLang="zh-CN" dirty="0"/>
+                  <a:t>AB</a:t>
+                </a:r>
+                <a:r>
+                  <a:rPr lang="zh-CN" altLang="en-US" dirty="0"/>
+                  <a:t>和</a:t>
+                </a:r>
+                <a:r>
+                  <a:rPr lang="en-US" altLang="zh-CN" dirty="0"/>
+                  <a:t>AC</a:t>
+                </a:r>
+                <a:r>
+                  <a:rPr lang="zh-CN" altLang="en-US" dirty="0"/>
+                  <a:t>的线性组合得到的。</a:t>
+                </a:r>
+                <a:endParaRPr lang="en-US" altLang="zh-CN" dirty="0"/>
+              </a:p>
+              <a:p>
+                <a:r>
+                  <a:rPr lang="zh-CN" altLang="en-US" dirty="0"/>
+                  <a:t>所以有如下关系：</a:t>
+                </a:r>
+                <a:endParaRPr lang="en-US" altLang="zh-CN" dirty="0"/>
+              </a:p>
+              <a:p>
+                <a:pPr/>
+                <a14:m>
+                  <m:oMathPara xmlns:m="http://schemas.openxmlformats.org/officeDocument/2006/math">
+                    <m:oMathParaPr>
+                      <m:jc m:val="centerGroup"/>
+                    </m:oMathParaPr>
+                    <m:oMath xmlns:m="http://schemas.openxmlformats.org/officeDocument/2006/math">
+                      <m:r>
+                        <a:rPr lang="zh-CN" altLang="en-US" i="1" dirty="0" smtClean="0">
+                          <a:latin typeface="Cambria Math" panose="02040503050406030204" pitchFamily="18" charset="0"/>
+                        </a:rPr>
+                        <m:t>𝑢</m:t>
+                      </m:r>
+                      <m:acc>
+                        <m:accPr>
+                          <m:chr m:val="⃗"/>
+                          <m:ctrlPr>
+                            <a:rPr lang="zh-CN" altLang="en-US" i="1" dirty="0">
+                              <a:solidFill>
+                                <a:srgbClr val="836967"/>
+                              </a:solidFill>
+                              <a:latin typeface="Cambria Math" panose="02040503050406030204" pitchFamily="18" charset="0"/>
+                            </a:rPr>
+                          </m:ctrlPr>
+                        </m:accPr>
+                        <m:e>
+                          <m:r>
+                            <a:rPr lang="zh-CN" altLang="en-US" i="1" dirty="0">
+                              <a:latin typeface="Cambria Math" panose="02040503050406030204" pitchFamily="18" charset="0"/>
+                            </a:rPr>
+                            <m:t>𝐴𝐵</m:t>
+                          </m:r>
+                        </m:e>
+                      </m:acc>
+                      <m:r>
+                        <a:rPr lang="zh-CN" altLang="en-US" i="0" dirty="0">
+                          <a:latin typeface="Cambria Math" panose="02040503050406030204" pitchFamily="18" charset="0"/>
+                        </a:rPr>
+                        <m:t>+</m:t>
+                      </m:r>
+                      <m:r>
+                        <a:rPr lang="zh-CN" altLang="en-US" i="1" dirty="0">
+                          <a:latin typeface="Cambria Math" panose="02040503050406030204" pitchFamily="18" charset="0"/>
+                        </a:rPr>
+                        <m:t>𝜈</m:t>
+                      </m:r>
+                      <m:acc>
+                        <m:accPr>
+                          <m:chr m:val="⃗"/>
+                          <m:ctrlPr>
+                            <a:rPr lang="zh-CN" altLang="en-US" i="1" dirty="0">
+                              <a:solidFill>
+                                <a:srgbClr val="836967"/>
+                              </a:solidFill>
+                              <a:latin typeface="Cambria Math" panose="02040503050406030204" pitchFamily="18" charset="0"/>
+                            </a:rPr>
+                          </m:ctrlPr>
+                        </m:accPr>
+                        <m:e>
+                          <m:r>
+                            <a:rPr lang="zh-CN" altLang="en-US" i="1" dirty="0">
+                              <a:latin typeface="Cambria Math" panose="02040503050406030204" pitchFamily="18" charset="0"/>
+                            </a:rPr>
+                            <m:t>𝐴𝐶</m:t>
+                          </m:r>
+                        </m:e>
+                      </m:acc>
+                      <m:r>
+                        <a:rPr lang="zh-CN" altLang="en-US" i="0" dirty="0">
+                          <a:latin typeface="Cambria Math" panose="02040503050406030204" pitchFamily="18" charset="0"/>
+                        </a:rPr>
+                        <m:t>+</m:t>
+                      </m:r>
+                      <m:acc>
+                        <m:accPr>
+                          <m:chr m:val="⃗"/>
+                          <m:ctrlPr>
+                            <a:rPr lang="zh-CN" altLang="en-US" i="1" dirty="0">
+                              <a:solidFill>
+                                <a:srgbClr val="836967"/>
+                              </a:solidFill>
+                              <a:latin typeface="Cambria Math" panose="02040503050406030204" pitchFamily="18" charset="0"/>
+                            </a:rPr>
+                          </m:ctrlPr>
+                        </m:accPr>
+                        <m:e>
+                          <m:r>
+                            <a:rPr lang="zh-CN" altLang="en-US" i="1" dirty="0">
+                              <a:latin typeface="Cambria Math" panose="02040503050406030204" pitchFamily="18" charset="0"/>
+                            </a:rPr>
+                            <m:t>𝑃𝐴</m:t>
+                          </m:r>
+                        </m:e>
+                      </m:acc>
+                      <m:r>
+                        <a:rPr lang="zh-CN" altLang="en-US" i="0" dirty="0">
+                          <a:latin typeface="Cambria Math" panose="02040503050406030204" pitchFamily="18" charset="0"/>
+                        </a:rPr>
+                        <m:t>=0</m:t>
+                      </m:r>
+                    </m:oMath>
+                  </m:oMathPara>
+                </a14:m>
+                <a:endParaRPr lang="en-US" altLang="zh-CN" dirty="0"/>
+              </a:p>
+              <a:p>
+                <a:r>
+                  <a:rPr lang="zh-CN" altLang="en-US" dirty="0"/>
+                  <a:t>那么我们在将其变为</a:t>
+                </a:r>
+                <a:r>
+                  <a:rPr lang="en-US" altLang="zh-CN" dirty="0" err="1"/>
+                  <a:t>x,y</a:t>
+                </a:r>
+                <a:r>
+                  <a:rPr lang="zh-CN" altLang="en-US" dirty="0"/>
+                  <a:t>坐标</a:t>
+                </a:r>
+                <a:endParaRPr lang="en-US" altLang="zh-CN" dirty="0"/>
+              </a:p>
+              <a:p>
+                <a:pPr/>
+                <a14:m>
+                  <m:oMathPara xmlns:m="http://schemas.openxmlformats.org/officeDocument/2006/math">
+                    <m:oMathParaPr>
+                      <m:jc m:val="centerGroup"/>
+                    </m:oMathParaPr>
+                    <m:oMath xmlns:m="http://schemas.openxmlformats.org/officeDocument/2006/math">
+                      <m:d>
+                        <m:dPr>
+                          <m:begChr m:val="{"/>
+                          <m:endChr m:val=""/>
+                          <m:ctrlPr>
+                            <a:rPr lang="zh-CN" altLang="en-US" i="1" dirty="0" smtClean="0">
+                              <a:solidFill>
+                                <a:srgbClr val="836967"/>
+                              </a:solidFill>
+                              <a:latin typeface="Cambria Math" panose="02040503050406030204" pitchFamily="18" charset="0"/>
+                            </a:rPr>
+                          </m:ctrlPr>
+                        </m:dPr>
+                        <m:e>
+                          <m:m>
+                            <m:mPr>
+                              <m:plcHide m:val="on"/>
+                              <m:mcs>
+                                <m:mc>
+                                  <m:mcPr>
+                                    <m:count m:val="1"/>
+                                    <m:mcJc m:val="center"/>
+                                  </m:mcPr>
+                                </m:mc>
+                              </m:mcs>
+                              <m:ctrlPr>
+                                <a:rPr lang="zh-CN" altLang="en-US" i="1" dirty="0">
+                                  <a:solidFill>
+                                    <a:srgbClr val="836967"/>
+                                  </a:solidFill>
+                                  <a:latin typeface="Cambria Math" panose="02040503050406030204" pitchFamily="18" charset="0"/>
+                                </a:rPr>
+                              </m:ctrlPr>
+                            </m:mPr>
+                            <m:mr>
+                              <m:e>
+                                <m:r>
+                                  <a:rPr lang="zh-CN" altLang="en-US" i="1" dirty="0">
+                                    <a:latin typeface="Cambria Math" panose="02040503050406030204" pitchFamily="18" charset="0"/>
+                                  </a:rPr>
+                                  <m:t>𝑢</m:t>
+                                </m:r>
+                                <m:acc>
+                                  <m:accPr>
+                                    <m:chr m:val="⃗"/>
+                                    <m:ctrlPr>
+                                      <a:rPr lang="zh-CN" altLang="en-US" i="1" dirty="0">
+                                        <a:solidFill>
+                                          <a:srgbClr val="836967"/>
+                                        </a:solidFill>
+                                        <a:latin typeface="Cambria Math" panose="02040503050406030204" pitchFamily="18" charset="0"/>
+                                      </a:rPr>
+                                    </m:ctrlPr>
+                                  </m:accPr>
+                                  <m:e>
+                                    <m:r>
+                                      <a:rPr lang="zh-CN" altLang="en-US" i="1" dirty="0">
+                                        <a:latin typeface="Cambria Math" panose="02040503050406030204" pitchFamily="18" charset="0"/>
+                                      </a:rPr>
+                                      <m:t>𝐴</m:t>
+                                    </m:r>
+                                    <m:sSub>
+                                      <m:sSubPr>
+                                        <m:ctrlPr>
+                                          <a:rPr lang="zh-CN" altLang="en-US" i="1" dirty="0">
+                                            <a:solidFill>
+                                              <a:srgbClr val="836967"/>
+                                            </a:solidFill>
+                                            <a:latin typeface="Cambria Math" panose="02040503050406030204" pitchFamily="18" charset="0"/>
+                                          </a:rPr>
+                                        </m:ctrlPr>
+                                      </m:sSubPr>
+                                      <m:e>
+                                        <m:r>
+                                          <a:rPr lang="zh-CN" altLang="en-US" i="1" dirty="0">
+                                            <a:latin typeface="Cambria Math" panose="02040503050406030204" pitchFamily="18" charset="0"/>
+                                          </a:rPr>
+                                          <m:t>𝐵</m:t>
+                                        </m:r>
+                                      </m:e>
+                                      <m:sub>
+                                        <m:r>
+                                          <a:rPr lang="zh-CN" altLang="en-US" i="1" dirty="0">
+                                            <a:latin typeface="Cambria Math" panose="02040503050406030204" pitchFamily="18" charset="0"/>
+                                          </a:rPr>
+                                          <m:t>𝑥</m:t>
+                                        </m:r>
+                                      </m:sub>
+                                    </m:sSub>
+                                  </m:e>
+                                </m:acc>
+                                <m:r>
+                                  <a:rPr lang="zh-CN" altLang="en-US" i="0" dirty="0">
+                                    <a:latin typeface="Cambria Math" panose="02040503050406030204" pitchFamily="18" charset="0"/>
+                                  </a:rPr>
+                                  <m:t>+</m:t>
+                                </m:r>
+                                <m:r>
+                                  <a:rPr lang="zh-CN" altLang="en-US" i="1" dirty="0">
+                                    <a:latin typeface="Cambria Math" panose="02040503050406030204" pitchFamily="18" charset="0"/>
+                                  </a:rPr>
+                                  <m:t>𝜈</m:t>
+                                </m:r>
+                                <m:acc>
+                                  <m:accPr>
+                                    <m:chr m:val="⃗"/>
+                                    <m:ctrlPr>
+                                      <a:rPr lang="zh-CN" altLang="en-US" i="1" dirty="0">
+                                        <a:solidFill>
+                                          <a:srgbClr val="836967"/>
+                                        </a:solidFill>
+                                        <a:latin typeface="Cambria Math" panose="02040503050406030204" pitchFamily="18" charset="0"/>
+                                      </a:rPr>
+                                    </m:ctrlPr>
+                                  </m:accPr>
+                                  <m:e>
+                                    <m:r>
+                                      <a:rPr lang="zh-CN" altLang="en-US" i="1" dirty="0">
+                                        <a:latin typeface="Cambria Math" panose="02040503050406030204" pitchFamily="18" charset="0"/>
+                                      </a:rPr>
+                                      <m:t>𝐴</m:t>
+                                    </m:r>
+                                    <m:sSub>
+                                      <m:sSubPr>
+                                        <m:ctrlPr>
+                                          <a:rPr lang="zh-CN" altLang="en-US" i="1" dirty="0">
+                                            <a:solidFill>
+                                              <a:srgbClr val="836967"/>
+                                            </a:solidFill>
+                                            <a:latin typeface="Cambria Math" panose="02040503050406030204" pitchFamily="18" charset="0"/>
+                                          </a:rPr>
+                                        </m:ctrlPr>
+                                      </m:sSubPr>
+                                      <m:e>
+                                        <m:r>
+                                          <a:rPr lang="zh-CN" altLang="en-US" i="1" dirty="0">
+                                            <a:latin typeface="Cambria Math" panose="02040503050406030204" pitchFamily="18" charset="0"/>
+                                          </a:rPr>
+                                          <m:t>𝐶</m:t>
+                                        </m:r>
+                                      </m:e>
+                                      <m:sub>
+                                        <m:r>
+                                          <a:rPr lang="zh-CN" altLang="en-US" i="1" dirty="0">
+                                            <a:latin typeface="Cambria Math" panose="02040503050406030204" pitchFamily="18" charset="0"/>
+                                          </a:rPr>
+                                          <m:t>𝑥</m:t>
+                                        </m:r>
+                                      </m:sub>
+                                    </m:sSub>
+                                  </m:e>
+                                </m:acc>
+                                <m:r>
+                                  <a:rPr lang="zh-CN" altLang="en-US" i="0" dirty="0">
+                                    <a:latin typeface="Cambria Math" panose="02040503050406030204" pitchFamily="18" charset="0"/>
+                                  </a:rPr>
+                                  <m:t>+</m:t>
+                                </m:r>
+                                <m:acc>
+                                  <m:accPr>
+                                    <m:chr m:val="⃗"/>
+                                    <m:ctrlPr>
+                                      <a:rPr lang="zh-CN" altLang="en-US" i="1" dirty="0">
+                                        <a:solidFill>
+                                          <a:srgbClr val="836967"/>
+                                        </a:solidFill>
+                                        <a:latin typeface="Cambria Math" panose="02040503050406030204" pitchFamily="18" charset="0"/>
+                                      </a:rPr>
+                                    </m:ctrlPr>
+                                  </m:accPr>
+                                  <m:e>
+                                    <m:r>
+                                      <a:rPr lang="zh-CN" altLang="en-US" i="1" dirty="0">
+                                        <a:latin typeface="Cambria Math" panose="02040503050406030204" pitchFamily="18" charset="0"/>
+                                      </a:rPr>
+                                      <m:t>𝑃</m:t>
+                                    </m:r>
+                                    <m:sSub>
+                                      <m:sSubPr>
+                                        <m:ctrlPr>
+                                          <a:rPr lang="zh-CN" altLang="en-US" i="1" dirty="0">
+                                            <a:solidFill>
+                                              <a:srgbClr val="836967"/>
+                                            </a:solidFill>
+                                            <a:latin typeface="Cambria Math" panose="02040503050406030204" pitchFamily="18" charset="0"/>
+                                          </a:rPr>
+                                        </m:ctrlPr>
+                                      </m:sSubPr>
+                                      <m:e>
+                                        <m:r>
+                                          <a:rPr lang="zh-CN" altLang="en-US" i="1" dirty="0">
+                                            <a:latin typeface="Cambria Math" panose="02040503050406030204" pitchFamily="18" charset="0"/>
+                                          </a:rPr>
+                                          <m:t>𝐴</m:t>
+                                        </m:r>
+                                      </m:e>
+                                      <m:sub>
+                                        <m:r>
+                                          <a:rPr lang="zh-CN" altLang="en-US" i="1" dirty="0">
+                                            <a:latin typeface="Cambria Math" panose="02040503050406030204" pitchFamily="18" charset="0"/>
+                                          </a:rPr>
+                                          <m:t>𝑥</m:t>
+                                        </m:r>
+                                      </m:sub>
+                                    </m:sSub>
+                                  </m:e>
+                                </m:acc>
+                                <m:r>
+                                  <a:rPr lang="zh-CN" altLang="en-US" i="0" dirty="0">
+                                    <a:latin typeface="Cambria Math" panose="02040503050406030204" pitchFamily="18" charset="0"/>
+                                  </a:rPr>
+                                  <m:t>=0</m:t>
+                                </m:r>
+                              </m:e>
+                            </m:mr>
+                            <m:mr>
+                              <m:e>
+                                <m:r>
+                                  <a:rPr lang="zh-CN" altLang="en-US" i="1" dirty="0">
+                                    <a:latin typeface="Cambria Math" panose="02040503050406030204" pitchFamily="18" charset="0"/>
+                                  </a:rPr>
+                                  <m:t>𝑢</m:t>
+                                </m:r>
+                                <m:acc>
+                                  <m:accPr>
+                                    <m:chr m:val="⃗"/>
+                                    <m:ctrlPr>
+                                      <a:rPr lang="zh-CN" altLang="en-US" i="1" dirty="0">
+                                        <a:solidFill>
+                                          <a:srgbClr val="836967"/>
+                                        </a:solidFill>
+                                        <a:latin typeface="Cambria Math" panose="02040503050406030204" pitchFamily="18" charset="0"/>
+                                      </a:rPr>
+                                    </m:ctrlPr>
+                                  </m:accPr>
+                                  <m:e>
+                                    <m:r>
+                                      <a:rPr lang="zh-CN" altLang="en-US" i="1" dirty="0">
+                                        <a:latin typeface="Cambria Math" panose="02040503050406030204" pitchFamily="18" charset="0"/>
+                                      </a:rPr>
+                                      <m:t>𝐴</m:t>
+                                    </m:r>
+                                    <m:sSub>
+                                      <m:sSubPr>
+                                        <m:ctrlPr>
+                                          <a:rPr lang="zh-CN" altLang="en-US" i="1" dirty="0">
+                                            <a:solidFill>
+                                              <a:srgbClr val="836967"/>
+                                            </a:solidFill>
+                                            <a:latin typeface="Cambria Math" panose="02040503050406030204" pitchFamily="18" charset="0"/>
+                                          </a:rPr>
+                                        </m:ctrlPr>
+                                      </m:sSubPr>
+                                      <m:e>
+                                        <m:r>
+                                          <a:rPr lang="zh-CN" altLang="en-US" i="1" dirty="0">
+                                            <a:latin typeface="Cambria Math" panose="02040503050406030204" pitchFamily="18" charset="0"/>
+                                          </a:rPr>
+                                          <m:t>𝐵</m:t>
+                                        </m:r>
+                                      </m:e>
+                                      <m:sub>
+                                        <m:r>
+                                          <a:rPr lang="zh-CN" altLang="en-US" i="1" dirty="0">
+                                            <a:latin typeface="Cambria Math" panose="02040503050406030204" pitchFamily="18" charset="0"/>
+                                          </a:rPr>
+                                          <m:t>𝑦</m:t>
+                                        </m:r>
+                                      </m:sub>
+                                    </m:sSub>
+                                  </m:e>
+                                </m:acc>
+                                <m:r>
+                                  <a:rPr lang="zh-CN" altLang="en-US" i="0" dirty="0">
+                                    <a:latin typeface="Cambria Math" panose="02040503050406030204" pitchFamily="18" charset="0"/>
+                                  </a:rPr>
+                                  <m:t>+</m:t>
+                                </m:r>
+                                <m:r>
+                                  <a:rPr lang="zh-CN" altLang="en-US" i="1" dirty="0">
+                                    <a:latin typeface="Cambria Math" panose="02040503050406030204" pitchFamily="18" charset="0"/>
+                                  </a:rPr>
+                                  <m:t>𝜈</m:t>
+                                </m:r>
+                                <m:acc>
+                                  <m:accPr>
+                                    <m:chr m:val="⃗"/>
+                                    <m:ctrlPr>
+                                      <a:rPr lang="zh-CN" altLang="en-US" i="1" dirty="0">
+                                        <a:solidFill>
+                                          <a:srgbClr val="836967"/>
+                                        </a:solidFill>
+                                        <a:latin typeface="Cambria Math" panose="02040503050406030204" pitchFamily="18" charset="0"/>
+                                      </a:rPr>
+                                    </m:ctrlPr>
+                                  </m:accPr>
+                                  <m:e>
+                                    <m:r>
+                                      <a:rPr lang="zh-CN" altLang="en-US" i="1" dirty="0">
+                                        <a:latin typeface="Cambria Math" panose="02040503050406030204" pitchFamily="18" charset="0"/>
+                                      </a:rPr>
+                                      <m:t>𝐴</m:t>
+                                    </m:r>
+                                    <m:sSub>
+                                      <m:sSubPr>
+                                        <m:ctrlPr>
+                                          <a:rPr lang="zh-CN" altLang="en-US" i="1" dirty="0">
+                                            <a:solidFill>
+                                              <a:srgbClr val="836967"/>
+                                            </a:solidFill>
+                                            <a:latin typeface="Cambria Math" panose="02040503050406030204" pitchFamily="18" charset="0"/>
+                                          </a:rPr>
+                                        </m:ctrlPr>
+                                      </m:sSubPr>
+                                      <m:e>
+                                        <m:r>
+                                          <a:rPr lang="zh-CN" altLang="en-US" i="1" dirty="0">
+                                            <a:latin typeface="Cambria Math" panose="02040503050406030204" pitchFamily="18" charset="0"/>
+                                          </a:rPr>
+                                          <m:t>𝐶</m:t>
+                                        </m:r>
+                                      </m:e>
+                                      <m:sub>
+                                        <m:r>
+                                          <a:rPr lang="zh-CN" altLang="en-US" i="1" dirty="0">
+                                            <a:latin typeface="Cambria Math" panose="02040503050406030204" pitchFamily="18" charset="0"/>
+                                          </a:rPr>
+                                          <m:t>𝑦</m:t>
+                                        </m:r>
+                                      </m:sub>
+                                    </m:sSub>
+                                  </m:e>
+                                </m:acc>
+                                <m:r>
+                                  <a:rPr lang="zh-CN" altLang="en-US" i="0" dirty="0">
+                                    <a:latin typeface="Cambria Math" panose="02040503050406030204" pitchFamily="18" charset="0"/>
+                                  </a:rPr>
+                                  <m:t>+</m:t>
+                                </m:r>
+                                <m:acc>
+                                  <m:accPr>
+                                    <m:chr m:val="⃗"/>
+                                    <m:ctrlPr>
+                                      <a:rPr lang="zh-CN" altLang="en-US" i="1" dirty="0">
+                                        <a:solidFill>
+                                          <a:srgbClr val="836967"/>
+                                        </a:solidFill>
+                                        <a:latin typeface="Cambria Math" panose="02040503050406030204" pitchFamily="18" charset="0"/>
+                                      </a:rPr>
+                                    </m:ctrlPr>
+                                  </m:accPr>
+                                  <m:e>
+                                    <m:r>
+                                      <a:rPr lang="zh-CN" altLang="en-US" i="1" dirty="0">
+                                        <a:latin typeface="Cambria Math" panose="02040503050406030204" pitchFamily="18" charset="0"/>
+                                      </a:rPr>
+                                      <m:t>𝑃</m:t>
+                                    </m:r>
+                                    <m:sSub>
+                                      <m:sSubPr>
+                                        <m:ctrlPr>
+                                          <a:rPr lang="zh-CN" altLang="en-US" i="1" dirty="0">
+                                            <a:solidFill>
+                                              <a:srgbClr val="836967"/>
+                                            </a:solidFill>
+                                            <a:latin typeface="Cambria Math" panose="02040503050406030204" pitchFamily="18" charset="0"/>
+                                          </a:rPr>
+                                        </m:ctrlPr>
+                                      </m:sSubPr>
+                                      <m:e>
+                                        <m:r>
+                                          <a:rPr lang="zh-CN" altLang="en-US" i="1" dirty="0">
+                                            <a:latin typeface="Cambria Math" panose="02040503050406030204" pitchFamily="18" charset="0"/>
+                                          </a:rPr>
+                                          <m:t>𝐴</m:t>
+                                        </m:r>
+                                      </m:e>
+                                      <m:sub>
+                                        <m:r>
+                                          <a:rPr lang="zh-CN" altLang="en-US" i="1" dirty="0">
+                                            <a:latin typeface="Cambria Math" panose="02040503050406030204" pitchFamily="18" charset="0"/>
+                                          </a:rPr>
+                                          <m:t>𝑦</m:t>
+                                        </m:r>
+                                      </m:sub>
+                                    </m:sSub>
+                                  </m:e>
+                                </m:acc>
+                                <m:r>
+                                  <a:rPr lang="zh-CN" altLang="en-US" i="0" dirty="0">
+                                    <a:latin typeface="Cambria Math" panose="02040503050406030204" pitchFamily="18" charset="0"/>
+                                  </a:rPr>
+                                  <m:t>=0</m:t>
+                                </m:r>
+                              </m:e>
+                            </m:mr>
+                          </m:m>
+                        </m:e>
+                      </m:d>
+                    </m:oMath>
+                  </m:oMathPara>
+                </a14:m>
+                <a:endParaRPr lang="en-US" altLang="zh-CN" dirty="0"/>
+              </a:p>
+              <a:p>
+                <a:r>
+                  <a:rPr lang="zh-CN" altLang="en-US" dirty="0"/>
+                  <a:t>这就意味着</a:t>
+                </a:r>
+                <a:r>
+                  <a:rPr lang="en-US" altLang="zh-CN" dirty="0"/>
+                  <a:t>P</a:t>
+                </a:r>
+                <a:r>
+                  <a:rPr lang="zh-CN" altLang="en-US" dirty="0"/>
+                  <a:t>可以用一个与</a:t>
+                </a:r>
+                <a:r>
+                  <a:rPr lang="en-US" altLang="zh-CN" dirty="0"/>
+                  <a:t>(</a:t>
+                </a:r>
+                <a:r>
+                  <a:rPr lang="en-US" altLang="zh-CN" dirty="0" err="1"/>
+                  <a:t>ABx,ACx,PAx</a:t>
+                </a:r>
+                <a:r>
+                  <a:rPr lang="en-US" altLang="zh-CN" dirty="0"/>
+                  <a:t>)</a:t>
+                </a:r>
+                <a:r>
+                  <a:rPr lang="zh-CN" altLang="en-US" dirty="0"/>
+                  <a:t>和（</a:t>
+                </a:r>
+                <a:r>
+                  <a:rPr lang="en-US" altLang="zh-CN" dirty="0" err="1"/>
+                  <a:t>ABy,ACy,PAy</a:t>
+                </a:r>
+                <a:r>
+                  <a:rPr lang="zh-CN" altLang="en-US" dirty="0"/>
+                  <a:t>）都正交的</a:t>
+                </a:r>
+                <a:r>
+                  <a:rPr lang="en-US" altLang="zh-CN" dirty="0"/>
+                  <a:t>(u,v,1)</a:t>
+                </a:r>
+                <a:r>
+                  <a:rPr lang="zh-CN" altLang="en-US" dirty="0"/>
+                  <a:t>向量。来表示。</a:t>
+                </a:r>
+                <a:endParaRPr lang="en-US" altLang="zh-CN" dirty="0"/>
+              </a:p>
+              <a:p>
+                <a:r>
+                  <a:rPr lang="zh-CN" altLang="en-US" dirty="0"/>
+                  <a:t>那么考虑如果</a:t>
+                </a:r>
+                <a:r>
+                  <a:rPr lang="en-US" altLang="zh-CN" dirty="0"/>
+                  <a:t>p</a:t>
+                </a:r>
+                <a:r>
+                  <a:rPr lang="zh-CN" altLang="en-US" dirty="0"/>
+                  <a:t>在三角形内部，</a:t>
+                </a:r>
+                <a:r>
+                  <a:rPr lang="en-US" altLang="zh-CN" dirty="0" err="1"/>
+                  <a:t>u,v</a:t>
+                </a:r>
+                <a:r>
+                  <a:rPr lang="zh-CN" altLang="en-US" dirty="0"/>
+                  <a:t>都应该是大于等于</a:t>
+                </a:r>
+                <a:r>
+                  <a:rPr lang="en-US" altLang="zh-CN" dirty="0"/>
+                  <a:t>0</a:t>
+                </a:r>
+                <a:r>
+                  <a:rPr lang="zh-CN" altLang="en-US" dirty="0"/>
+                  <a:t>的，默认不算边</a:t>
+                </a:r>
+                <a:endParaRPr lang="en-US" altLang="zh-CN" dirty="0"/>
+              </a:p>
+              <a:p>
+                <a:endParaRPr lang="en-US" altLang="zh-CN" dirty="0"/>
+              </a:p>
+              <a:p>
+                <a:r>
+                  <a:rPr lang="zh-CN" altLang="en-US" dirty="0"/>
+                  <a:t>在</a:t>
+                </a:r>
+                <a:r>
+                  <a:rPr lang="en-US" altLang="zh-CN" dirty="0"/>
+                  <a:t>C++</a:t>
+                </a:r>
+                <a:r>
+                  <a:rPr lang="zh-CN" altLang="en-US" dirty="0"/>
+                  <a:t>中可以使用</a:t>
+                </a:r>
+                <a:r>
+                  <a:rPr lang="en-US" altLang="zh-CN" dirty="0"/>
+                  <a:t>^</a:t>
+                </a:r>
+                <a:r>
+                  <a:rPr lang="zh-CN" altLang="en-US" dirty="0"/>
+                  <a:t>来求正交向量</a:t>
+                </a:r>
+              </a:p>
+            </p:txBody>
+          </p:sp>
+        </mc:Choice>
+        <mc:Fallback xmlns="">
+          <p:sp>
+            <p:nvSpPr>
+              <p:cNvPr id="5" name="文本框 4">
+                <a:extLst>
+                  <a:ext uri="{FF2B5EF4-FFF2-40B4-BE49-F238E27FC236}">
+                    <a16:creationId xmlns:a16="http://schemas.microsoft.com/office/drawing/2014/main" id="{2001A8A6-DC1C-7F7C-D8E5-BF64C72C1AC8}"/>
+                  </a:ext>
+                </a:extLst>
+              </p:cNvPr>
+              <p:cNvSpPr txBox="1">
+                <a:spLocks noRot="1" noChangeAspect="1" noMove="1" noResize="1" noEditPoints="1" noAdjustHandles="1" noChangeArrowheads="1" noChangeShapeType="1" noTextEdit="1"/>
+              </p:cNvSpPr>
+              <p:nvPr/>
+            </p:nvSpPr>
+            <p:spPr>
+              <a:xfrm>
+                <a:off x="508000" y="1901825"/>
+                <a:ext cx="9055100" cy="3228063"/>
+              </a:xfrm>
+              <a:prstGeom prst="rect">
+                <a:avLst/>
+              </a:prstGeom>
+              <a:blipFill>
+                <a:blip r:embed="rId3"/>
+                <a:stretch>
+                  <a:fillRect l="-538" t="-1132" r="-2490" b="-1887"/>
+                </a:stretch>
+              </a:blipFill>
+            </p:spPr>
+            <p:txBody>
+              <a:bodyPr/>
+              <a:lstStyle/>
+              <a:p>
+                <a:r>
+                  <a:rPr lang="zh-CN" altLang="en-US">
+                    <a:noFill/>
+                  </a:rPr>
+                  <a:t> </a:t>
+                </a:r>
+              </a:p>
+            </p:txBody>
+          </p:sp>
+        </mc:Fallback>
+      </mc:AlternateContent>
+    </p:spTree>
+    <p:extLst>
+      <p:ext uri="{BB962C8B-B14F-4D97-AF65-F5344CB8AC3E}">
+        <p14:creationId xmlns:p14="http://schemas.microsoft.com/office/powerpoint/2010/main" val="2162847487"/>
+      </p:ext>
+    </p:extLst>
+  </p:cSld>
+  <p:clrMapOvr>
+    <a:masterClrMapping/>
+  </p:clrMapOvr>
+</p:sld>
+</file>
+
+<file path=ppt/slides/slide6.xml><?xml version="1.0" encoding="utf-8"?>
+<p:sld xmlns:a="http://schemas.openxmlformats.org/drawingml/2006/main" xmlns:r="http://schemas.openxmlformats.org/officeDocument/2006/relationships" xmlns:p="http://schemas.openxmlformats.org/presentationml/2006/main">
+  <p:cSld>
+    <p:spTree>
+      <p:nvGrpSpPr>
+        <p:cNvPr id="1" name=""/>
+        <p:cNvGrpSpPr/>
+        <p:nvPr/>
+      </p:nvGrpSpPr>
+      <p:grpSpPr>
+        <a:xfrm>
+          <a:off x="0" y="0"/>
+          <a:ext cx="0" cy="0"/>
+          <a:chOff x="0" y="0"/>
+          <a:chExt cx="0" cy="0"/>
+        </a:xfrm>
+      </p:grpSpPr>
+      <p:sp>
+        <p:nvSpPr>
+          <p:cNvPr id="4" name="文本框 3">
+            <a:extLst>
+              <a:ext uri="{FF2B5EF4-FFF2-40B4-BE49-F238E27FC236}">
+                <a16:creationId xmlns:a16="http://schemas.microsoft.com/office/drawing/2014/main" id="{403AA7F1-7A60-46EF-CEDC-34EDEDA861BE}"/>
+              </a:ext>
+            </a:extLst>
+          </p:cNvPr>
+          <p:cNvSpPr txBox="1"/>
+          <p:nvPr/>
+        </p:nvSpPr>
+        <p:spPr>
+          <a:xfrm>
+            <a:off x="330200" y="136525"/>
+            <a:ext cx="11620500" cy="3416320"/>
+          </a:xfrm>
+          <a:prstGeom prst="rect">
+            <a:avLst/>
+          </a:prstGeom>
+          <a:noFill/>
+        </p:spPr>
+        <p:txBody>
+          <a:bodyPr wrap="square" rtlCol="0">
+            <a:spAutoFit/>
+          </a:bodyPr>
+          <a:lstStyle/>
+          <a:p>
+            <a:r>
+              <a:rPr lang="zh-CN" altLang="en-US" dirty="0"/>
+              <a:t>求正交向量的代码</a:t>
+            </a:r>
+            <a:endParaRPr lang="en-US" altLang="zh-CN" dirty="0"/>
+          </a:p>
+          <a:p>
+            <a:r>
+              <a:rPr lang="en-US" altLang="zh-CN" sz="1800" dirty="0">
+                <a:solidFill>
+                  <a:srgbClr val="008000"/>
+                </a:solidFill>
+                <a:latin typeface="新宋体" panose="02010609030101010101" pitchFamily="49" charset="-122"/>
+                <a:ea typeface="新宋体" panose="02010609030101010101" pitchFamily="49" charset="-122"/>
+              </a:rPr>
+              <a:t>//</a:t>
+            </a:r>
+            <a:r>
+              <a:rPr lang="zh-CN" altLang="en-US" sz="1800" dirty="0">
+                <a:solidFill>
+                  <a:srgbClr val="008000"/>
+                </a:solidFill>
+                <a:latin typeface="新宋体" panose="02010609030101010101" pitchFamily="49" charset="-122"/>
+                <a:ea typeface="新宋体" panose="02010609030101010101" pitchFamily="49" charset="-122"/>
+              </a:rPr>
+              <a:t>获取</a:t>
+            </a:r>
+            <a:r>
+              <a:rPr lang="en-US" altLang="zh-CN" sz="1800" dirty="0">
+                <a:solidFill>
+                  <a:srgbClr val="008000"/>
+                </a:solidFill>
+                <a:latin typeface="新宋体" panose="02010609030101010101" pitchFamily="49" charset="-122"/>
+                <a:ea typeface="新宋体" panose="02010609030101010101" pitchFamily="49" charset="-122"/>
+              </a:rPr>
+              <a:t>(u,v,1)</a:t>
+            </a:r>
+            <a:r>
+              <a:rPr lang="zh-CN" altLang="en-US" sz="1800" dirty="0">
+                <a:solidFill>
+                  <a:srgbClr val="008000"/>
+                </a:solidFill>
+                <a:latin typeface="新宋体" panose="02010609030101010101" pitchFamily="49" charset="-122"/>
+                <a:ea typeface="新宋体" panose="02010609030101010101" pitchFamily="49" charset="-122"/>
+              </a:rPr>
+              <a:t>的坐标 </a:t>
+            </a:r>
+            <a:r>
+              <a:rPr lang="en-US" altLang="zh-CN" sz="1800" dirty="0">
+                <a:solidFill>
+                  <a:srgbClr val="008000"/>
+                </a:solidFill>
+                <a:latin typeface="新宋体" panose="02010609030101010101" pitchFamily="49" charset="-122"/>
+                <a:ea typeface="新宋体" panose="02010609030101010101" pitchFamily="49" charset="-122"/>
+              </a:rPr>
+              <a:t>pts </a:t>
+            </a:r>
+            <a:r>
+              <a:rPr lang="zh-CN" altLang="en-US" sz="1800" dirty="0">
+                <a:solidFill>
+                  <a:srgbClr val="008000"/>
+                </a:solidFill>
+                <a:latin typeface="新宋体" panose="02010609030101010101" pitchFamily="49" charset="-122"/>
+                <a:ea typeface="新宋体" panose="02010609030101010101" pitchFamily="49" charset="-122"/>
+              </a:rPr>
+              <a:t>表示三角形 ，</a:t>
+            </a:r>
+            <a:r>
+              <a:rPr lang="en-US" altLang="zh-CN" sz="1800" dirty="0">
+                <a:solidFill>
+                  <a:srgbClr val="008000"/>
+                </a:solidFill>
+                <a:latin typeface="新宋体" panose="02010609030101010101" pitchFamily="49" charset="-122"/>
+                <a:ea typeface="新宋体" panose="02010609030101010101" pitchFamily="49" charset="-122"/>
+              </a:rPr>
+              <a:t>P</a:t>
+            </a:r>
+            <a:r>
+              <a:rPr lang="zh-CN" altLang="en-US" sz="1800" dirty="0">
+                <a:solidFill>
+                  <a:srgbClr val="008000"/>
+                </a:solidFill>
+                <a:latin typeface="新宋体" panose="02010609030101010101" pitchFamily="49" charset="-122"/>
+                <a:ea typeface="新宋体" panose="02010609030101010101" pitchFamily="49" charset="-122"/>
+              </a:rPr>
+              <a:t>表示那一点</a:t>
+            </a:r>
+            <a:endParaRPr lang="zh-CN" altLang="en-US" sz="1800" dirty="0">
+              <a:solidFill>
+                <a:srgbClr val="000000"/>
+              </a:solidFill>
+              <a:latin typeface="新宋体" panose="02010609030101010101" pitchFamily="49" charset="-122"/>
+              <a:ea typeface="新宋体" panose="02010609030101010101" pitchFamily="49" charset="-122"/>
+            </a:endParaRPr>
+          </a:p>
+          <a:p>
+            <a:r>
+              <a:rPr lang="en-US" altLang="zh-CN" sz="1800" dirty="0">
+                <a:solidFill>
+                  <a:srgbClr val="2B91AF"/>
+                </a:solidFill>
+                <a:latin typeface="新宋体" panose="02010609030101010101" pitchFamily="49" charset="-122"/>
+                <a:ea typeface="新宋体" panose="02010609030101010101" pitchFamily="49" charset="-122"/>
+              </a:rPr>
+              <a:t>Vec3f</a:t>
+            </a:r>
+            <a:r>
+              <a:rPr lang="en-US" altLang="zh-CN" sz="1800" dirty="0">
+                <a:solidFill>
+                  <a:srgbClr val="000000"/>
+                </a:solidFill>
+                <a:latin typeface="新宋体" panose="02010609030101010101" pitchFamily="49" charset="-122"/>
+                <a:ea typeface="新宋体" panose="02010609030101010101" pitchFamily="49" charset="-122"/>
+              </a:rPr>
+              <a:t> barycentric(</a:t>
+            </a:r>
+            <a:r>
+              <a:rPr lang="en-US" altLang="zh-CN" sz="1800" dirty="0">
+                <a:solidFill>
+                  <a:srgbClr val="2B91AF"/>
+                </a:solidFill>
+                <a:latin typeface="新宋体" panose="02010609030101010101" pitchFamily="49" charset="-122"/>
+                <a:ea typeface="新宋体" panose="02010609030101010101" pitchFamily="49" charset="-122"/>
+              </a:rPr>
+              <a:t>Vec2i</a:t>
+            </a:r>
+            <a:r>
+              <a:rPr lang="en-US" altLang="zh-CN" sz="1800" dirty="0">
+                <a:solidFill>
+                  <a:srgbClr val="000000"/>
+                </a:solidFill>
+                <a:latin typeface="新宋体" panose="02010609030101010101" pitchFamily="49" charset="-122"/>
+                <a:ea typeface="新宋体" panose="02010609030101010101" pitchFamily="49" charset="-122"/>
+              </a:rPr>
+              <a:t>* </a:t>
+            </a:r>
+            <a:r>
+              <a:rPr lang="en-US" altLang="zh-CN" sz="1800" dirty="0">
+                <a:solidFill>
+                  <a:srgbClr val="808080"/>
+                </a:solidFill>
+                <a:latin typeface="新宋体" panose="02010609030101010101" pitchFamily="49" charset="-122"/>
+                <a:ea typeface="新宋体" panose="02010609030101010101" pitchFamily="49" charset="-122"/>
+              </a:rPr>
+              <a:t>pts</a:t>
+            </a:r>
+            <a:r>
+              <a:rPr lang="en-US" altLang="zh-CN" sz="1800" dirty="0">
+                <a:solidFill>
+                  <a:srgbClr val="000000"/>
+                </a:solidFill>
+                <a:latin typeface="新宋体" panose="02010609030101010101" pitchFamily="49" charset="-122"/>
+                <a:ea typeface="新宋体" panose="02010609030101010101" pitchFamily="49" charset="-122"/>
+              </a:rPr>
+              <a:t>, </a:t>
+            </a:r>
+            <a:r>
+              <a:rPr lang="en-US" altLang="zh-CN" sz="1800" dirty="0">
+                <a:solidFill>
+                  <a:srgbClr val="2B91AF"/>
+                </a:solidFill>
+                <a:latin typeface="新宋体" panose="02010609030101010101" pitchFamily="49" charset="-122"/>
+                <a:ea typeface="新宋体" panose="02010609030101010101" pitchFamily="49" charset="-122"/>
+              </a:rPr>
+              <a:t>Vec2i</a:t>
+            </a:r>
+            <a:r>
+              <a:rPr lang="en-US" altLang="zh-CN" sz="1800" dirty="0">
+                <a:solidFill>
+                  <a:srgbClr val="000000"/>
+                </a:solidFill>
+                <a:latin typeface="新宋体" panose="02010609030101010101" pitchFamily="49" charset="-122"/>
+                <a:ea typeface="新宋体" panose="02010609030101010101" pitchFamily="49" charset="-122"/>
+              </a:rPr>
+              <a:t> </a:t>
+            </a:r>
+            <a:r>
+              <a:rPr lang="en-US" altLang="zh-CN" sz="1800" dirty="0">
+                <a:solidFill>
+                  <a:srgbClr val="808080"/>
+                </a:solidFill>
+                <a:latin typeface="新宋体" panose="02010609030101010101" pitchFamily="49" charset="-122"/>
+                <a:ea typeface="新宋体" panose="02010609030101010101" pitchFamily="49" charset="-122"/>
+              </a:rPr>
+              <a:t>P</a:t>
+            </a:r>
+            <a:r>
+              <a:rPr lang="en-US" altLang="zh-CN" sz="1800" dirty="0">
+                <a:solidFill>
+                  <a:srgbClr val="000000"/>
+                </a:solidFill>
+                <a:latin typeface="新宋体" panose="02010609030101010101" pitchFamily="49" charset="-122"/>
+                <a:ea typeface="新宋体" panose="02010609030101010101" pitchFamily="49" charset="-122"/>
+              </a:rPr>
+              <a:t>)</a:t>
+            </a:r>
+          </a:p>
+          <a:p>
+            <a:r>
+              <a:rPr lang="en-US" altLang="zh-CN" sz="1800" dirty="0">
+                <a:solidFill>
+                  <a:srgbClr val="000000"/>
+                </a:solidFill>
+                <a:latin typeface="新宋体" panose="02010609030101010101" pitchFamily="49" charset="-122"/>
+                <a:ea typeface="新宋体" panose="02010609030101010101" pitchFamily="49" charset="-122"/>
+              </a:rPr>
+              <a:t>{</a:t>
+            </a:r>
+          </a:p>
+          <a:p>
+            <a:r>
+              <a:rPr lang="en-US" altLang="zh-CN" sz="1800" dirty="0">
+                <a:solidFill>
+                  <a:srgbClr val="008000"/>
+                </a:solidFill>
+                <a:latin typeface="新宋体" panose="02010609030101010101" pitchFamily="49" charset="-122"/>
+                <a:ea typeface="新宋体" panose="02010609030101010101" pitchFamily="49" charset="-122"/>
+              </a:rPr>
+              <a:t>	//</a:t>
+            </a:r>
+            <a:r>
+              <a:rPr lang="zh-CN" altLang="en-US" sz="1800" dirty="0">
+                <a:solidFill>
+                  <a:srgbClr val="008000"/>
+                </a:solidFill>
+                <a:latin typeface="新宋体" panose="02010609030101010101" pitchFamily="49" charset="-122"/>
+                <a:ea typeface="新宋体" panose="02010609030101010101" pitchFamily="49" charset="-122"/>
+              </a:rPr>
+              <a:t>两个向量叉乘</a:t>
+            </a:r>
+            <a:r>
+              <a:rPr lang="en-US" altLang="zh-CN" sz="1800" dirty="0">
+                <a:solidFill>
+                  <a:srgbClr val="008000"/>
+                </a:solidFill>
+                <a:latin typeface="新宋体" panose="02010609030101010101" pitchFamily="49" charset="-122"/>
+                <a:ea typeface="新宋体" panose="02010609030101010101" pitchFamily="49" charset="-122"/>
+              </a:rPr>
+              <a:t>^</a:t>
+            </a:r>
+            <a:r>
+              <a:rPr lang="zh-CN" altLang="en-US" sz="1800" dirty="0">
+                <a:solidFill>
+                  <a:srgbClr val="008000"/>
+                </a:solidFill>
+                <a:latin typeface="新宋体" panose="02010609030101010101" pitchFamily="49" charset="-122"/>
+                <a:ea typeface="新宋体" panose="02010609030101010101" pitchFamily="49" charset="-122"/>
+              </a:rPr>
+              <a:t>即可求得相交向量</a:t>
+            </a:r>
+            <a:endParaRPr lang="zh-CN" altLang="en-US" sz="1800" dirty="0">
+              <a:solidFill>
+                <a:srgbClr val="000000"/>
+              </a:solidFill>
+              <a:latin typeface="新宋体" panose="02010609030101010101" pitchFamily="49" charset="-122"/>
+              <a:ea typeface="新宋体" panose="02010609030101010101" pitchFamily="49" charset="-122"/>
+            </a:endParaRPr>
+          </a:p>
+          <a:p>
+            <a:r>
+              <a:rPr lang="en-US" altLang="zh-CN" sz="1800" dirty="0">
+                <a:solidFill>
+                  <a:srgbClr val="2B91AF"/>
+                </a:solidFill>
+                <a:latin typeface="新宋体" panose="02010609030101010101" pitchFamily="49" charset="-122"/>
+                <a:ea typeface="新宋体" panose="02010609030101010101" pitchFamily="49" charset="-122"/>
+              </a:rPr>
+              <a:t>	Vec3f</a:t>
+            </a:r>
+            <a:r>
+              <a:rPr lang="en-US" altLang="zh-CN" sz="1800" dirty="0">
+                <a:solidFill>
+                  <a:srgbClr val="000000"/>
+                </a:solidFill>
+                <a:latin typeface="新宋体" panose="02010609030101010101" pitchFamily="49" charset="-122"/>
+                <a:ea typeface="新宋体" panose="02010609030101010101" pitchFamily="49" charset="-122"/>
+              </a:rPr>
+              <a:t> u = </a:t>
+            </a:r>
+            <a:r>
+              <a:rPr lang="en-US" altLang="zh-CN" sz="1800" dirty="0">
+                <a:solidFill>
+                  <a:srgbClr val="2B91AF"/>
+                </a:solidFill>
+                <a:latin typeface="新宋体" panose="02010609030101010101" pitchFamily="49" charset="-122"/>
+                <a:ea typeface="新宋体" panose="02010609030101010101" pitchFamily="49" charset="-122"/>
+              </a:rPr>
+              <a:t>Vec3f</a:t>
+            </a:r>
+            <a:r>
+              <a:rPr lang="en-US" altLang="zh-CN" sz="1800" dirty="0">
+                <a:solidFill>
+                  <a:srgbClr val="000000"/>
+                </a:solidFill>
+                <a:latin typeface="新宋体" panose="02010609030101010101" pitchFamily="49" charset="-122"/>
+                <a:ea typeface="新宋体" panose="02010609030101010101" pitchFamily="49" charset="-122"/>
+              </a:rPr>
+              <a:t>(</a:t>
+            </a:r>
+            <a:r>
+              <a:rPr lang="en-US" altLang="zh-CN" sz="1800" dirty="0">
+                <a:solidFill>
+                  <a:srgbClr val="808080"/>
+                </a:solidFill>
+                <a:latin typeface="新宋体" panose="02010609030101010101" pitchFamily="49" charset="-122"/>
+                <a:ea typeface="新宋体" panose="02010609030101010101" pitchFamily="49" charset="-122"/>
+              </a:rPr>
+              <a:t>pts</a:t>
+            </a:r>
+            <a:r>
+              <a:rPr lang="en-US" altLang="zh-CN" sz="1800" dirty="0">
+                <a:solidFill>
+                  <a:srgbClr val="000000"/>
+                </a:solidFill>
+                <a:latin typeface="新宋体" panose="02010609030101010101" pitchFamily="49" charset="-122"/>
+                <a:ea typeface="新宋体" panose="02010609030101010101" pitchFamily="49" charset="-122"/>
+              </a:rPr>
+              <a:t>[1].x - </a:t>
+            </a:r>
+            <a:r>
+              <a:rPr lang="en-US" altLang="zh-CN" sz="1800" dirty="0">
+                <a:solidFill>
+                  <a:srgbClr val="808080"/>
+                </a:solidFill>
+                <a:latin typeface="新宋体" panose="02010609030101010101" pitchFamily="49" charset="-122"/>
+                <a:ea typeface="新宋体" panose="02010609030101010101" pitchFamily="49" charset="-122"/>
+              </a:rPr>
+              <a:t>pts</a:t>
+            </a:r>
+            <a:r>
+              <a:rPr lang="en-US" altLang="zh-CN" sz="1800" dirty="0">
+                <a:solidFill>
+                  <a:srgbClr val="000000"/>
+                </a:solidFill>
+                <a:latin typeface="新宋体" panose="02010609030101010101" pitchFamily="49" charset="-122"/>
+                <a:ea typeface="新宋体" panose="02010609030101010101" pitchFamily="49" charset="-122"/>
+              </a:rPr>
+              <a:t>[0].x, </a:t>
+            </a:r>
+            <a:r>
+              <a:rPr lang="en-US" altLang="zh-CN" sz="1800" dirty="0">
+                <a:solidFill>
+                  <a:srgbClr val="808080"/>
+                </a:solidFill>
+                <a:latin typeface="新宋体" panose="02010609030101010101" pitchFamily="49" charset="-122"/>
+                <a:ea typeface="新宋体" panose="02010609030101010101" pitchFamily="49" charset="-122"/>
+              </a:rPr>
+              <a:t>pts</a:t>
+            </a:r>
+            <a:r>
+              <a:rPr lang="en-US" altLang="zh-CN" sz="1800" dirty="0">
+                <a:solidFill>
+                  <a:srgbClr val="000000"/>
+                </a:solidFill>
+                <a:latin typeface="新宋体" panose="02010609030101010101" pitchFamily="49" charset="-122"/>
+                <a:ea typeface="新宋体" panose="02010609030101010101" pitchFamily="49" charset="-122"/>
+              </a:rPr>
+              <a:t>[2].x - </a:t>
+            </a:r>
+            <a:r>
+              <a:rPr lang="en-US" altLang="zh-CN" sz="1800" dirty="0">
+                <a:solidFill>
+                  <a:srgbClr val="808080"/>
+                </a:solidFill>
+                <a:latin typeface="新宋体" panose="02010609030101010101" pitchFamily="49" charset="-122"/>
+                <a:ea typeface="新宋体" panose="02010609030101010101" pitchFamily="49" charset="-122"/>
+              </a:rPr>
+              <a:t>pts</a:t>
+            </a:r>
+            <a:r>
+              <a:rPr lang="en-US" altLang="zh-CN" sz="1800" dirty="0">
+                <a:solidFill>
+                  <a:srgbClr val="000000"/>
+                </a:solidFill>
+                <a:latin typeface="新宋体" panose="02010609030101010101" pitchFamily="49" charset="-122"/>
+                <a:ea typeface="新宋体" panose="02010609030101010101" pitchFamily="49" charset="-122"/>
+              </a:rPr>
+              <a:t>[0].x, </a:t>
+            </a:r>
+            <a:r>
+              <a:rPr lang="en-US" altLang="zh-CN" sz="1800" dirty="0">
+                <a:solidFill>
+                  <a:srgbClr val="808080"/>
+                </a:solidFill>
+                <a:latin typeface="新宋体" panose="02010609030101010101" pitchFamily="49" charset="-122"/>
+                <a:ea typeface="新宋体" panose="02010609030101010101" pitchFamily="49" charset="-122"/>
+              </a:rPr>
+              <a:t>pts</a:t>
+            </a:r>
+            <a:r>
+              <a:rPr lang="en-US" altLang="zh-CN" sz="1800" dirty="0">
+                <a:solidFill>
+                  <a:srgbClr val="000000"/>
+                </a:solidFill>
+                <a:latin typeface="新宋体" panose="02010609030101010101" pitchFamily="49" charset="-122"/>
+                <a:ea typeface="新宋体" panose="02010609030101010101" pitchFamily="49" charset="-122"/>
+              </a:rPr>
+              <a:t>[0].x - </a:t>
+            </a:r>
+            <a:r>
+              <a:rPr lang="en-US" altLang="zh-CN" sz="1800" dirty="0" err="1">
+                <a:solidFill>
+                  <a:srgbClr val="808080"/>
+                </a:solidFill>
+                <a:latin typeface="新宋体" panose="02010609030101010101" pitchFamily="49" charset="-122"/>
+                <a:ea typeface="新宋体" panose="02010609030101010101" pitchFamily="49" charset="-122"/>
+              </a:rPr>
+              <a:t>P</a:t>
+            </a:r>
+            <a:r>
+              <a:rPr lang="en-US" altLang="zh-CN" sz="1800" dirty="0" err="1">
+                <a:solidFill>
+                  <a:srgbClr val="000000"/>
+                </a:solidFill>
+                <a:latin typeface="新宋体" panose="02010609030101010101" pitchFamily="49" charset="-122"/>
+                <a:ea typeface="新宋体" panose="02010609030101010101" pitchFamily="49" charset="-122"/>
+              </a:rPr>
+              <a:t>.x</a:t>
+            </a:r>
+            <a:r>
+              <a:rPr lang="en-US" altLang="zh-CN" sz="1800" dirty="0">
+                <a:solidFill>
+                  <a:srgbClr val="000000"/>
+                </a:solidFill>
+                <a:latin typeface="新宋体" panose="02010609030101010101" pitchFamily="49" charset="-122"/>
+                <a:ea typeface="新宋体" panose="02010609030101010101" pitchFamily="49" charset="-122"/>
+              </a:rPr>
+              <a:t>) </a:t>
+            </a:r>
+            <a:r>
+              <a:rPr lang="en-US" altLang="zh-CN" sz="1800" dirty="0">
+                <a:solidFill>
+                  <a:srgbClr val="008080"/>
+                </a:solidFill>
+                <a:latin typeface="新宋体" panose="02010609030101010101" pitchFamily="49" charset="-122"/>
+                <a:ea typeface="新宋体" panose="02010609030101010101" pitchFamily="49" charset="-122"/>
+              </a:rPr>
+              <a:t>^</a:t>
+            </a:r>
+            <a:r>
+              <a:rPr lang="en-US" altLang="zh-CN" sz="1800" dirty="0">
+                <a:solidFill>
+                  <a:srgbClr val="000000"/>
+                </a:solidFill>
+                <a:latin typeface="新宋体" panose="02010609030101010101" pitchFamily="49" charset="-122"/>
+                <a:ea typeface="新宋体" panose="02010609030101010101" pitchFamily="49" charset="-122"/>
+              </a:rPr>
+              <a:t> </a:t>
+            </a:r>
+            <a:r>
+              <a:rPr lang="en-US" altLang="zh-CN" sz="1800" dirty="0">
+                <a:solidFill>
+                  <a:srgbClr val="2B91AF"/>
+                </a:solidFill>
+                <a:latin typeface="新宋体" panose="02010609030101010101" pitchFamily="49" charset="-122"/>
+                <a:ea typeface="新宋体" panose="02010609030101010101" pitchFamily="49" charset="-122"/>
+              </a:rPr>
+              <a:t>Vec3f</a:t>
+            </a:r>
+            <a:r>
+              <a:rPr lang="en-US" altLang="zh-CN" sz="1800" dirty="0">
+                <a:solidFill>
+                  <a:srgbClr val="000000"/>
+                </a:solidFill>
+                <a:latin typeface="新宋体" panose="02010609030101010101" pitchFamily="49" charset="-122"/>
+                <a:ea typeface="新宋体" panose="02010609030101010101" pitchFamily="49" charset="-122"/>
+              </a:rPr>
+              <a:t>(</a:t>
+            </a:r>
+            <a:r>
+              <a:rPr lang="en-US" altLang="zh-CN" sz="1800" dirty="0">
+                <a:solidFill>
+                  <a:srgbClr val="808080"/>
+                </a:solidFill>
+                <a:latin typeface="新宋体" panose="02010609030101010101" pitchFamily="49" charset="-122"/>
+                <a:ea typeface="新宋体" panose="02010609030101010101" pitchFamily="49" charset="-122"/>
+              </a:rPr>
+              <a:t>pts</a:t>
+            </a:r>
+            <a:r>
+              <a:rPr lang="en-US" altLang="zh-CN" sz="1800" dirty="0">
+                <a:solidFill>
+                  <a:srgbClr val="000000"/>
+                </a:solidFill>
+                <a:latin typeface="新宋体" panose="02010609030101010101" pitchFamily="49" charset="-122"/>
+                <a:ea typeface="新宋体" panose="02010609030101010101" pitchFamily="49" charset="-122"/>
+              </a:rPr>
+              <a:t>[1].y- </a:t>
+            </a:r>
+            <a:r>
+              <a:rPr lang="en-US" altLang="zh-CN" sz="1800" dirty="0">
+                <a:solidFill>
+                  <a:srgbClr val="808080"/>
+                </a:solidFill>
+                <a:latin typeface="新宋体" panose="02010609030101010101" pitchFamily="49" charset="-122"/>
+                <a:ea typeface="新宋体" panose="02010609030101010101" pitchFamily="49" charset="-122"/>
+              </a:rPr>
+              <a:t>pts</a:t>
+            </a:r>
+            <a:r>
+              <a:rPr lang="en-US" altLang="zh-CN" sz="1800" dirty="0">
+                <a:solidFill>
+                  <a:srgbClr val="000000"/>
+                </a:solidFill>
+                <a:latin typeface="新宋体" panose="02010609030101010101" pitchFamily="49" charset="-122"/>
+                <a:ea typeface="新宋体" panose="02010609030101010101" pitchFamily="49" charset="-122"/>
+              </a:rPr>
+              <a:t>[0].y, </a:t>
+            </a:r>
+            <a:r>
+              <a:rPr lang="en-US" altLang="zh-CN" sz="1800" dirty="0">
+                <a:solidFill>
+                  <a:srgbClr val="808080"/>
+                </a:solidFill>
+                <a:latin typeface="新宋体" panose="02010609030101010101" pitchFamily="49" charset="-122"/>
+                <a:ea typeface="新宋体" panose="02010609030101010101" pitchFamily="49" charset="-122"/>
+              </a:rPr>
+              <a:t>pts</a:t>
+            </a:r>
+            <a:r>
+              <a:rPr lang="en-US" altLang="zh-CN" sz="1800" dirty="0">
+                <a:solidFill>
+                  <a:srgbClr val="000000"/>
+                </a:solidFill>
+                <a:latin typeface="新宋体" panose="02010609030101010101" pitchFamily="49" charset="-122"/>
+                <a:ea typeface="新宋体" panose="02010609030101010101" pitchFamily="49" charset="-122"/>
+              </a:rPr>
+              <a:t>[2].y - </a:t>
+            </a:r>
+            <a:r>
+              <a:rPr lang="en-US" altLang="zh-CN" sz="1800" dirty="0">
+                <a:solidFill>
+                  <a:srgbClr val="808080"/>
+                </a:solidFill>
+                <a:latin typeface="新宋体" panose="02010609030101010101" pitchFamily="49" charset="-122"/>
+                <a:ea typeface="新宋体" panose="02010609030101010101" pitchFamily="49" charset="-122"/>
+              </a:rPr>
+              <a:t>pts</a:t>
+            </a:r>
+            <a:r>
+              <a:rPr lang="en-US" altLang="zh-CN" sz="1800" dirty="0">
+                <a:solidFill>
+                  <a:srgbClr val="000000"/>
+                </a:solidFill>
+                <a:latin typeface="新宋体" panose="02010609030101010101" pitchFamily="49" charset="-122"/>
+                <a:ea typeface="新宋体" panose="02010609030101010101" pitchFamily="49" charset="-122"/>
+              </a:rPr>
+              <a:t>[0].y, </a:t>
+            </a:r>
+            <a:r>
+              <a:rPr lang="en-US" altLang="zh-CN" sz="1800" dirty="0">
+                <a:solidFill>
+                  <a:srgbClr val="808080"/>
+                </a:solidFill>
+                <a:latin typeface="新宋体" panose="02010609030101010101" pitchFamily="49" charset="-122"/>
+                <a:ea typeface="新宋体" panose="02010609030101010101" pitchFamily="49" charset="-122"/>
+              </a:rPr>
+              <a:t>pts</a:t>
+            </a:r>
+            <a:r>
+              <a:rPr lang="en-US" altLang="zh-CN" sz="1800" dirty="0">
+                <a:solidFill>
+                  <a:srgbClr val="000000"/>
+                </a:solidFill>
+                <a:latin typeface="新宋体" panose="02010609030101010101" pitchFamily="49" charset="-122"/>
+                <a:ea typeface="新宋体" panose="02010609030101010101" pitchFamily="49" charset="-122"/>
+              </a:rPr>
+              <a:t>[0].y - </a:t>
+            </a:r>
+            <a:r>
+              <a:rPr lang="en-US" altLang="zh-CN" sz="1800" dirty="0" err="1">
+                <a:solidFill>
+                  <a:srgbClr val="808080"/>
+                </a:solidFill>
+                <a:latin typeface="新宋体" panose="02010609030101010101" pitchFamily="49" charset="-122"/>
+                <a:ea typeface="新宋体" panose="02010609030101010101" pitchFamily="49" charset="-122"/>
+              </a:rPr>
+              <a:t>P</a:t>
+            </a:r>
+            <a:r>
+              <a:rPr lang="en-US" altLang="zh-CN" sz="1800" dirty="0" err="1">
+                <a:solidFill>
+                  <a:srgbClr val="000000"/>
+                </a:solidFill>
+                <a:latin typeface="新宋体" panose="02010609030101010101" pitchFamily="49" charset="-122"/>
+                <a:ea typeface="新宋体" panose="02010609030101010101" pitchFamily="49" charset="-122"/>
+              </a:rPr>
+              <a:t>.y</a:t>
+            </a:r>
+            <a:r>
+              <a:rPr lang="en-US" altLang="zh-CN" sz="1800" dirty="0">
+                <a:solidFill>
+                  <a:srgbClr val="000000"/>
+                </a:solidFill>
+                <a:latin typeface="新宋体" panose="02010609030101010101" pitchFamily="49" charset="-122"/>
+                <a:ea typeface="新宋体" panose="02010609030101010101" pitchFamily="49" charset="-122"/>
+              </a:rPr>
+              <a:t>);</a:t>
+            </a:r>
+          </a:p>
+          <a:p>
+            <a:r>
+              <a:rPr lang="en-US" altLang="zh-CN" sz="1800" dirty="0">
+                <a:solidFill>
+                  <a:srgbClr val="008000"/>
+                </a:solidFill>
+                <a:latin typeface="新宋体" panose="02010609030101010101" pitchFamily="49" charset="-122"/>
+                <a:ea typeface="新宋体" panose="02010609030101010101" pitchFamily="49" charset="-122"/>
+              </a:rPr>
+              <a:t>	//</a:t>
+            </a:r>
+            <a:r>
+              <a:rPr lang="zh-CN" altLang="en-US" sz="1800" dirty="0">
+                <a:solidFill>
+                  <a:srgbClr val="008000"/>
+                </a:solidFill>
+                <a:latin typeface="新宋体" panose="02010609030101010101" pitchFamily="49" charset="-122"/>
+                <a:ea typeface="新宋体" panose="02010609030101010101" pitchFamily="49" charset="-122"/>
+              </a:rPr>
+              <a:t>如果</a:t>
+            </a:r>
+            <a:r>
+              <a:rPr lang="en-US" altLang="zh-CN" sz="1800" dirty="0">
+                <a:solidFill>
+                  <a:srgbClr val="008000"/>
+                </a:solidFill>
+                <a:latin typeface="新宋体" panose="02010609030101010101" pitchFamily="49" charset="-122"/>
+                <a:ea typeface="新宋体" panose="02010609030101010101" pitchFamily="49" charset="-122"/>
+              </a:rPr>
+              <a:t>z</a:t>
+            </a:r>
+            <a:r>
+              <a:rPr lang="zh-CN" altLang="en-US" sz="1800" dirty="0">
+                <a:solidFill>
+                  <a:srgbClr val="008000"/>
+                </a:solidFill>
+                <a:latin typeface="新宋体" panose="02010609030101010101" pitchFamily="49" charset="-122"/>
+                <a:ea typeface="新宋体" panose="02010609030101010101" pitchFamily="49" charset="-122"/>
+              </a:rPr>
+              <a:t>值为</a:t>
+            </a:r>
+            <a:r>
+              <a:rPr lang="en-US" altLang="zh-CN" sz="1800" dirty="0">
+                <a:solidFill>
+                  <a:srgbClr val="008000"/>
+                </a:solidFill>
+                <a:latin typeface="新宋体" panose="02010609030101010101" pitchFamily="49" charset="-122"/>
+                <a:ea typeface="新宋体" panose="02010609030101010101" pitchFamily="49" charset="-122"/>
+              </a:rPr>
+              <a:t>0</a:t>
+            </a:r>
+            <a:r>
+              <a:rPr lang="zh-CN" altLang="en-US" sz="1800" dirty="0">
+                <a:solidFill>
+                  <a:srgbClr val="008000"/>
+                </a:solidFill>
+                <a:latin typeface="新宋体" panose="02010609030101010101" pitchFamily="49" charset="-122"/>
+                <a:ea typeface="新宋体" panose="02010609030101010101" pitchFamily="49" charset="-122"/>
+              </a:rPr>
+              <a:t>，说明这个三角形不存在</a:t>
+            </a:r>
+            <a:endParaRPr lang="zh-CN" altLang="en-US" sz="1800" dirty="0">
+              <a:solidFill>
+                <a:srgbClr val="000000"/>
+              </a:solidFill>
+              <a:latin typeface="新宋体" panose="02010609030101010101" pitchFamily="49" charset="-122"/>
+              <a:ea typeface="新宋体" panose="02010609030101010101" pitchFamily="49" charset="-122"/>
+            </a:endParaRPr>
+          </a:p>
+          <a:p>
+            <a:r>
+              <a:rPr lang="en-US" altLang="zh-CN" sz="1800" dirty="0">
+                <a:solidFill>
+                  <a:srgbClr val="0000FF"/>
+                </a:solidFill>
+                <a:latin typeface="新宋体" panose="02010609030101010101" pitchFamily="49" charset="-122"/>
+                <a:ea typeface="新宋体" panose="02010609030101010101" pitchFamily="49" charset="-122"/>
+              </a:rPr>
+              <a:t>	if</a:t>
+            </a:r>
+            <a:r>
+              <a:rPr lang="en-US" altLang="zh-CN" sz="1800" dirty="0">
+                <a:solidFill>
+                  <a:srgbClr val="000000"/>
+                </a:solidFill>
+                <a:latin typeface="新宋体" panose="02010609030101010101" pitchFamily="49" charset="-122"/>
+                <a:ea typeface="新宋体" panose="02010609030101010101" pitchFamily="49" charset="-122"/>
+              </a:rPr>
+              <a:t> (std::abs(</a:t>
+            </a:r>
+            <a:r>
+              <a:rPr lang="en-US" altLang="zh-CN" sz="1800" dirty="0" err="1">
+                <a:solidFill>
+                  <a:srgbClr val="000000"/>
+                </a:solidFill>
+                <a:latin typeface="新宋体" panose="02010609030101010101" pitchFamily="49" charset="-122"/>
+                <a:ea typeface="新宋体" panose="02010609030101010101" pitchFamily="49" charset="-122"/>
+              </a:rPr>
+              <a:t>u.z</a:t>
+            </a:r>
+            <a:r>
+              <a:rPr lang="en-US" altLang="zh-CN" sz="1800" dirty="0">
+                <a:solidFill>
+                  <a:srgbClr val="000000"/>
+                </a:solidFill>
+                <a:latin typeface="新宋体" panose="02010609030101010101" pitchFamily="49" charset="-122"/>
+                <a:ea typeface="新宋体" panose="02010609030101010101" pitchFamily="49" charset="-122"/>
+              </a:rPr>
+              <a:t>) &lt; 1) </a:t>
+            </a:r>
+            <a:r>
+              <a:rPr lang="en-US" altLang="zh-CN" sz="1800" dirty="0">
+                <a:solidFill>
+                  <a:srgbClr val="0000FF"/>
+                </a:solidFill>
+                <a:latin typeface="新宋体" panose="02010609030101010101" pitchFamily="49" charset="-122"/>
+                <a:ea typeface="新宋体" panose="02010609030101010101" pitchFamily="49" charset="-122"/>
+              </a:rPr>
+              <a:t>return</a:t>
+            </a:r>
+            <a:r>
+              <a:rPr lang="en-US" altLang="zh-CN" sz="1800" dirty="0">
+                <a:solidFill>
+                  <a:srgbClr val="000000"/>
+                </a:solidFill>
+                <a:latin typeface="新宋体" panose="02010609030101010101" pitchFamily="49" charset="-122"/>
+                <a:ea typeface="新宋体" panose="02010609030101010101" pitchFamily="49" charset="-122"/>
+              </a:rPr>
+              <a:t> </a:t>
+            </a:r>
+            <a:r>
+              <a:rPr lang="en-US" altLang="zh-CN" sz="1800" dirty="0">
+                <a:solidFill>
+                  <a:srgbClr val="2B91AF"/>
+                </a:solidFill>
+                <a:latin typeface="新宋体" panose="02010609030101010101" pitchFamily="49" charset="-122"/>
+                <a:ea typeface="新宋体" panose="02010609030101010101" pitchFamily="49" charset="-122"/>
+              </a:rPr>
+              <a:t>Vec3f</a:t>
+            </a:r>
+            <a:r>
+              <a:rPr lang="en-US" altLang="zh-CN" sz="1800" dirty="0">
+                <a:solidFill>
+                  <a:srgbClr val="000000"/>
+                </a:solidFill>
+                <a:latin typeface="新宋体" panose="02010609030101010101" pitchFamily="49" charset="-122"/>
+                <a:ea typeface="新宋体" panose="02010609030101010101" pitchFamily="49" charset="-122"/>
+              </a:rPr>
+              <a:t>(-1, 1, 1);</a:t>
+            </a:r>
+          </a:p>
+          <a:p>
+            <a:r>
+              <a:rPr lang="en-US" altLang="zh-CN" sz="1800" dirty="0">
+                <a:solidFill>
+                  <a:srgbClr val="008000"/>
+                </a:solidFill>
+                <a:latin typeface="新宋体" panose="02010609030101010101" pitchFamily="49" charset="-122"/>
+                <a:ea typeface="新宋体" panose="02010609030101010101" pitchFamily="49" charset="-122"/>
+              </a:rPr>
+              <a:t>	//P</a:t>
+            </a:r>
+            <a:r>
+              <a:rPr lang="zh-CN" altLang="en-US" sz="1800" dirty="0">
+                <a:solidFill>
+                  <a:srgbClr val="008000"/>
+                </a:solidFill>
+                <a:latin typeface="新宋体" panose="02010609030101010101" pitchFamily="49" charset="-122"/>
+                <a:ea typeface="新宋体" panose="02010609030101010101" pitchFamily="49" charset="-122"/>
+              </a:rPr>
+              <a:t>的重心坐标</a:t>
+            </a:r>
+            <a:endParaRPr lang="zh-CN" altLang="en-US" sz="1800" dirty="0">
+              <a:solidFill>
+                <a:srgbClr val="000000"/>
+              </a:solidFill>
+              <a:latin typeface="新宋体" panose="02010609030101010101" pitchFamily="49" charset="-122"/>
+              <a:ea typeface="新宋体" panose="02010609030101010101" pitchFamily="49" charset="-122"/>
+            </a:endParaRPr>
+          </a:p>
+          <a:p>
+            <a:r>
+              <a:rPr lang="en-US" altLang="zh-CN" sz="1800" dirty="0">
+                <a:solidFill>
+                  <a:srgbClr val="0000FF"/>
+                </a:solidFill>
+                <a:latin typeface="新宋体" panose="02010609030101010101" pitchFamily="49" charset="-122"/>
+                <a:ea typeface="新宋体" panose="02010609030101010101" pitchFamily="49" charset="-122"/>
+              </a:rPr>
+              <a:t>	return</a:t>
+            </a:r>
+            <a:r>
+              <a:rPr lang="en-US" altLang="zh-CN" sz="1800" dirty="0">
+                <a:solidFill>
+                  <a:srgbClr val="000000"/>
+                </a:solidFill>
+                <a:latin typeface="新宋体" panose="02010609030101010101" pitchFamily="49" charset="-122"/>
+                <a:ea typeface="新宋体" panose="02010609030101010101" pitchFamily="49" charset="-122"/>
+              </a:rPr>
+              <a:t> </a:t>
+            </a:r>
+            <a:r>
+              <a:rPr lang="en-US" altLang="zh-CN" sz="1800" dirty="0">
+                <a:solidFill>
+                  <a:srgbClr val="2B91AF"/>
+                </a:solidFill>
+                <a:latin typeface="新宋体" panose="02010609030101010101" pitchFamily="49" charset="-122"/>
+                <a:ea typeface="新宋体" panose="02010609030101010101" pitchFamily="49" charset="-122"/>
+              </a:rPr>
+              <a:t>Vec3f</a:t>
+            </a:r>
+            <a:r>
+              <a:rPr lang="en-US" altLang="zh-CN" sz="1800" dirty="0">
+                <a:solidFill>
+                  <a:srgbClr val="000000"/>
+                </a:solidFill>
+                <a:latin typeface="新宋体" panose="02010609030101010101" pitchFamily="49" charset="-122"/>
+                <a:ea typeface="新宋体" panose="02010609030101010101" pitchFamily="49" charset="-122"/>
+              </a:rPr>
+              <a:t>(1.f - (</a:t>
+            </a:r>
+            <a:r>
+              <a:rPr lang="en-US" altLang="zh-CN" sz="1800" dirty="0" err="1">
+                <a:solidFill>
+                  <a:srgbClr val="000000"/>
+                </a:solidFill>
+                <a:latin typeface="新宋体" panose="02010609030101010101" pitchFamily="49" charset="-122"/>
+                <a:ea typeface="新宋体" panose="02010609030101010101" pitchFamily="49" charset="-122"/>
+              </a:rPr>
+              <a:t>u.x</a:t>
+            </a:r>
+            <a:r>
+              <a:rPr lang="en-US" altLang="zh-CN" sz="1800" dirty="0">
+                <a:solidFill>
+                  <a:srgbClr val="000000"/>
+                </a:solidFill>
+                <a:latin typeface="新宋体" panose="02010609030101010101" pitchFamily="49" charset="-122"/>
+                <a:ea typeface="新宋体" panose="02010609030101010101" pitchFamily="49" charset="-122"/>
+              </a:rPr>
+              <a:t> + </a:t>
+            </a:r>
+            <a:r>
+              <a:rPr lang="en-US" altLang="zh-CN" sz="1800" dirty="0" err="1">
+                <a:solidFill>
+                  <a:srgbClr val="000000"/>
+                </a:solidFill>
+                <a:latin typeface="新宋体" panose="02010609030101010101" pitchFamily="49" charset="-122"/>
+                <a:ea typeface="新宋体" panose="02010609030101010101" pitchFamily="49" charset="-122"/>
+              </a:rPr>
+              <a:t>u.y</a:t>
+            </a:r>
+            <a:r>
+              <a:rPr lang="en-US" altLang="zh-CN" sz="1800" dirty="0">
+                <a:solidFill>
+                  <a:srgbClr val="000000"/>
+                </a:solidFill>
+                <a:latin typeface="新宋体" panose="02010609030101010101" pitchFamily="49" charset="-122"/>
+                <a:ea typeface="新宋体" panose="02010609030101010101" pitchFamily="49" charset="-122"/>
+              </a:rPr>
+              <a:t>) / </a:t>
+            </a:r>
+            <a:r>
+              <a:rPr lang="en-US" altLang="zh-CN" sz="1800" dirty="0" err="1">
+                <a:solidFill>
+                  <a:srgbClr val="000000"/>
+                </a:solidFill>
+                <a:latin typeface="新宋体" panose="02010609030101010101" pitchFamily="49" charset="-122"/>
+                <a:ea typeface="新宋体" panose="02010609030101010101" pitchFamily="49" charset="-122"/>
+              </a:rPr>
+              <a:t>u.z</a:t>
+            </a:r>
+            <a:r>
+              <a:rPr lang="en-US" altLang="zh-CN" sz="1800" dirty="0">
+                <a:solidFill>
+                  <a:srgbClr val="000000"/>
+                </a:solidFill>
+                <a:latin typeface="新宋体" panose="02010609030101010101" pitchFamily="49" charset="-122"/>
+                <a:ea typeface="新宋体" panose="02010609030101010101" pitchFamily="49" charset="-122"/>
+              </a:rPr>
+              <a:t>, </a:t>
+            </a:r>
+            <a:r>
+              <a:rPr lang="en-US" altLang="zh-CN" sz="1800" dirty="0" err="1">
+                <a:solidFill>
+                  <a:srgbClr val="000000"/>
+                </a:solidFill>
+                <a:latin typeface="新宋体" panose="02010609030101010101" pitchFamily="49" charset="-122"/>
+                <a:ea typeface="新宋体" panose="02010609030101010101" pitchFamily="49" charset="-122"/>
+              </a:rPr>
+              <a:t>u.y</a:t>
+            </a:r>
+            <a:r>
+              <a:rPr lang="en-US" altLang="zh-CN" sz="1800" dirty="0">
+                <a:solidFill>
+                  <a:srgbClr val="000000"/>
+                </a:solidFill>
+                <a:latin typeface="新宋体" panose="02010609030101010101" pitchFamily="49" charset="-122"/>
+                <a:ea typeface="新宋体" panose="02010609030101010101" pitchFamily="49" charset="-122"/>
+              </a:rPr>
+              <a:t> / </a:t>
+            </a:r>
+            <a:r>
+              <a:rPr lang="en-US" altLang="zh-CN" sz="1800" dirty="0" err="1">
+                <a:solidFill>
+                  <a:srgbClr val="000000"/>
+                </a:solidFill>
+                <a:latin typeface="新宋体" panose="02010609030101010101" pitchFamily="49" charset="-122"/>
+                <a:ea typeface="新宋体" panose="02010609030101010101" pitchFamily="49" charset="-122"/>
+              </a:rPr>
+              <a:t>u.z</a:t>
+            </a:r>
+            <a:r>
+              <a:rPr lang="en-US" altLang="zh-CN" sz="1800" dirty="0">
+                <a:solidFill>
+                  <a:srgbClr val="000000"/>
+                </a:solidFill>
+                <a:latin typeface="新宋体" panose="02010609030101010101" pitchFamily="49" charset="-122"/>
+                <a:ea typeface="新宋体" panose="02010609030101010101" pitchFamily="49" charset="-122"/>
+              </a:rPr>
+              <a:t>, </a:t>
+            </a:r>
+            <a:r>
+              <a:rPr lang="en-US" altLang="zh-CN" sz="1800" dirty="0" err="1">
+                <a:solidFill>
+                  <a:srgbClr val="000000"/>
+                </a:solidFill>
+                <a:latin typeface="新宋体" panose="02010609030101010101" pitchFamily="49" charset="-122"/>
+                <a:ea typeface="新宋体" panose="02010609030101010101" pitchFamily="49" charset="-122"/>
+              </a:rPr>
+              <a:t>u.x</a:t>
+            </a:r>
+            <a:r>
+              <a:rPr lang="en-US" altLang="zh-CN" sz="1800" dirty="0">
+                <a:solidFill>
+                  <a:srgbClr val="000000"/>
+                </a:solidFill>
+                <a:latin typeface="新宋体" panose="02010609030101010101" pitchFamily="49" charset="-122"/>
+                <a:ea typeface="新宋体" panose="02010609030101010101" pitchFamily="49" charset="-122"/>
+              </a:rPr>
+              <a:t> / </a:t>
+            </a:r>
+            <a:r>
+              <a:rPr lang="en-US" altLang="zh-CN" sz="1800" dirty="0" err="1">
+                <a:solidFill>
+                  <a:srgbClr val="000000"/>
+                </a:solidFill>
+                <a:latin typeface="新宋体" panose="02010609030101010101" pitchFamily="49" charset="-122"/>
+                <a:ea typeface="新宋体" panose="02010609030101010101" pitchFamily="49" charset="-122"/>
+              </a:rPr>
+              <a:t>u.z</a:t>
+            </a:r>
+            <a:r>
+              <a:rPr lang="en-US" altLang="zh-CN" sz="1800" dirty="0">
+                <a:solidFill>
+                  <a:srgbClr val="000000"/>
+                </a:solidFill>
+                <a:latin typeface="新宋体" panose="02010609030101010101" pitchFamily="49" charset="-122"/>
+                <a:ea typeface="新宋体" panose="02010609030101010101" pitchFamily="49" charset="-122"/>
+              </a:rPr>
+              <a:t>);</a:t>
+            </a:r>
+          </a:p>
+          <a:p>
+            <a:r>
+              <a:rPr lang="en-US" altLang="zh-CN" sz="1800" dirty="0">
+                <a:solidFill>
+                  <a:srgbClr val="000000"/>
+                </a:solidFill>
+                <a:latin typeface="新宋体" panose="02010609030101010101" pitchFamily="49" charset="-122"/>
+                <a:ea typeface="新宋体" panose="02010609030101010101" pitchFamily="49" charset="-122"/>
+              </a:rPr>
+              <a:t>}</a:t>
+            </a:r>
+            <a:endParaRPr lang="zh-CN" altLang="en-US" dirty="0"/>
+          </a:p>
+        </p:txBody>
+      </p:sp>
+      <p:pic>
+        <p:nvPicPr>
+          <p:cNvPr id="9" name="图片 8">
+            <a:extLst>
+              <a:ext uri="{FF2B5EF4-FFF2-40B4-BE49-F238E27FC236}">
+                <a16:creationId xmlns:a16="http://schemas.microsoft.com/office/drawing/2014/main" id="{8A6C6B4C-ED4C-219E-F3DB-85CD41CD50BA}"/>
+              </a:ext>
+            </a:extLst>
+          </p:cNvPr>
+          <p:cNvPicPr>
+            <a:picLocks noChangeAspect="1"/>
+          </p:cNvPicPr>
+          <p:nvPr/>
+        </p:nvPicPr>
+        <p:blipFill>
+          <a:blip r:embed="rId2"/>
+          <a:stretch>
+            <a:fillRect/>
+          </a:stretch>
+        </p:blipFill>
+        <p:spPr>
+          <a:xfrm>
+            <a:off x="8675660" y="3416320"/>
+            <a:ext cx="3275040" cy="3305155"/>
+          </a:xfrm>
+          <a:prstGeom prst="rect">
+            <a:avLst/>
+          </a:prstGeom>
+        </p:spPr>
+      </p:pic>
+      <p:sp>
+        <p:nvSpPr>
+          <p:cNvPr id="10" name="文本框 9">
+            <a:extLst>
+              <a:ext uri="{FF2B5EF4-FFF2-40B4-BE49-F238E27FC236}">
+                <a16:creationId xmlns:a16="http://schemas.microsoft.com/office/drawing/2014/main" id="{DF0C3912-D039-C860-3051-4FC17EA10C60}"/>
+              </a:ext>
+            </a:extLst>
+          </p:cNvPr>
+          <p:cNvSpPr txBox="1"/>
+          <p:nvPr/>
+        </p:nvSpPr>
+        <p:spPr>
+          <a:xfrm>
+            <a:off x="330200" y="4245912"/>
+            <a:ext cx="7855715" cy="923330"/>
+          </a:xfrm>
+          <a:prstGeom prst="rect">
+            <a:avLst/>
+          </a:prstGeom>
+          <a:noFill/>
+        </p:spPr>
+        <p:txBody>
+          <a:bodyPr wrap="square" rtlCol="0">
+            <a:spAutoFit/>
+          </a:bodyPr>
+          <a:lstStyle/>
+          <a:p>
+            <a:r>
+              <a:rPr lang="zh-CN" altLang="en-US" dirty="0"/>
+              <a:t>由于没有考虑每个面的深度，所以导致了绘制出来的结果都击中在一个平面上</a:t>
+            </a:r>
+            <a:endParaRPr lang="en-US" altLang="zh-CN" dirty="0"/>
+          </a:p>
+          <a:p>
+            <a:r>
+              <a:rPr lang="zh-CN" altLang="en-US" dirty="0"/>
+              <a:t>即不同深度的面，颜色的深浅应该不同</a:t>
+            </a:r>
+          </a:p>
+        </p:txBody>
+      </p:sp>
+    </p:spTree>
+    <p:extLst>
+      <p:ext uri="{BB962C8B-B14F-4D97-AF65-F5344CB8AC3E}">
+        <p14:creationId xmlns:p14="http://schemas.microsoft.com/office/powerpoint/2010/main" val="1821974773"/>
+      </p:ext>
+    </p:extLst>
+  </p:cSld>
+  <p:clrMapOvr>
+    <a:masterClrMapping/>
+  </p:clrMapOvr>
+</p:sld>
+</file>
+
+<file path=ppt/slides/slide7.xml><?xml version="1.0" encoding="utf-8"?>
+<p:sld xmlns:a="http://schemas.openxmlformats.org/drawingml/2006/main" xmlns:r="http://schemas.openxmlformats.org/officeDocument/2006/relationships" xmlns:p="http://schemas.openxmlformats.org/presentationml/2006/main">
+  <p:cSld>
+    <p:spTree>
+      <p:nvGrpSpPr>
+        <p:cNvPr id="1" name=""/>
+        <p:cNvGrpSpPr/>
+        <p:nvPr/>
+      </p:nvGrpSpPr>
+      <p:grpSpPr>
+        <a:xfrm>
+          <a:off x="0" y="0"/>
+          <a:ext cx="0" cy="0"/>
+          <a:chOff x="0" y="0"/>
+          <a:chExt cx="0" cy="0"/>
+        </a:xfrm>
+      </p:grpSpPr>
+      <p:sp>
+        <p:nvSpPr>
+          <p:cNvPr id="5" name="文本框 4">
+            <a:extLst>
+              <a:ext uri="{FF2B5EF4-FFF2-40B4-BE49-F238E27FC236}">
+                <a16:creationId xmlns:a16="http://schemas.microsoft.com/office/drawing/2014/main" id="{2001A8A6-DC1C-7F7C-D8E5-BF64C72C1AC8}"/>
+              </a:ext>
+            </a:extLst>
+          </p:cNvPr>
+          <p:cNvSpPr txBox="1"/>
+          <p:nvPr/>
+        </p:nvSpPr>
+        <p:spPr>
+          <a:xfrm>
+            <a:off x="2184400" y="1025545"/>
+            <a:ext cx="9055100" cy="4247317"/>
+          </a:xfrm>
+          <a:prstGeom prst="rect">
+            <a:avLst/>
+          </a:prstGeom>
+          <a:noFill/>
+        </p:spPr>
+        <p:txBody>
+          <a:bodyPr wrap="square" rtlCol="0">
+            <a:spAutoFit/>
+          </a:bodyPr>
+          <a:lstStyle/>
+          <a:p>
+            <a:r>
+              <a:rPr lang="zh-CN" altLang="en-US" dirty="0"/>
+              <a:t>求包围和</a:t>
+            </a:r>
+            <a:endParaRPr lang="en-US" altLang="zh-CN" dirty="0"/>
+          </a:p>
+          <a:p>
+            <a:r>
+              <a:rPr lang="en-US" altLang="zh-CN" sz="1800" dirty="0">
+                <a:solidFill>
+                  <a:srgbClr val="008000"/>
+                </a:solidFill>
+                <a:latin typeface="新宋体" panose="02010609030101010101" pitchFamily="49" charset="-122"/>
+                <a:ea typeface="新宋体" panose="02010609030101010101" pitchFamily="49" charset="-122"/>
+              </a:rPr>
+              <a:t>//</a:t>
+            </a:r>
+            <a:r>
+              <a:rPr lang="zh-CN" altLang="en-US" sz="1800" dirty="0">
+                <a:solidFill>
+                  <a:srgbClr val="008000"/>
+                </a:solidFill>
+                <a:latin typeface="新宋体" panose="02010609030101010101" pitchFamily="49" charset="-122"/>
+                <a:ea typeface="新宋体" panose="02010609030101010101" pitchFamily="49" charset="-122"/>
+              </a:rPr>
+              <a:t>定义包围盒</a:t>
+            </a:r>
+            <a:endParaRPr lang="zh-CN" altLang="en-US" sz="1800" dirty="0">
+              <a:solidFill>
+                <a:srgbClr val="000000"/>
+              </a:solidFill>
+              <a:latin typeface="新宋体" panose="02010609030101010101" pitchFamily="49" charset="-122"/>
+              <a:ea typeface="新宋体" panose="02010609030101010101" pitchFamily="49" charset="-122"/>
+            </a:endParaRPr>
+          </a:p>
+          <a:p>
+            <a:r>
+              <a:rPr lang="en-US" altLang="zh-CN" sz="1800" dirty="0">
+                <a:solidFill>
+                  <a:srgbClr val="2B91AF"/>
+                </a:solidFill>
+                <a:latin typeface="新宋体" panose="02010609030101010101" pitchFamily="49" charset="-122"/>
+                <a:ea typeface="新宋体" panose="02010609030101010101" pitchFamily="49" charset="-122"/>
+              </a:rPr>
+              <a:t>Vec2i</a:t>
+            </a:r>
+            <a:r>
+              <a:rPr lang="en-US" altLang="zh-CN" sz="1800" dirty="0">
+                <a:solidFill>
+                  <a:srgbClr val="000000"/>
+                </a:solidFill>
+                <a:latin typeface="新宋体" panose="02010609030101010101" pitchFamily="49" charset="-122"/>
+                <a:ea typeface="新宋体" panose="02010609030101010101" pitchFamily="49" charset="-122"/>
+              </a:rPr>
+              <a:t> </a:t>
+            </a:r>
+            <a:r>
+              <a:rPr lang="en-US" altLang="zh-CN" sz="1800" dirty="0" err="1">
+                <a:solidFill>
+                  <a:srgbClr val="000000"/>
+                </a:solidFill>
+                <a:latin typeface="新宋体" panose="02010609030101010101" pitchFamily="49" charset="-122"/>
+                <a:ea typeface="新宋体" panose="02010609030101010101" pitchFamily="49" charset="-122"/>
+              </a:rPr>
+              <a:t>bboxmin</a:t>
+            </a:r>
+            <a:r>
+              <a:rPr lang="en-US" altLang="zh-CN" sz="1800" dirty="0">
+                <a:solidFill>
+                  <a:srgbClr val="000000"/>
+                </a:solidFill>
+                <a:latin typeface="新宋体" panose="02010609030101010101" pitchFamily="49" charset="-122"/>
+                <a:ea typeface="新宋体" panose="02010609030101010101" pitchFamily="49" charset="-122"/>
+              </a:rPr>
+              <a:t>(</a:t>
+            </a:r>
+            <a:r>
+              <a:rPr lang="en-US" altLang="zh-CN" sz="1800" dirty="0" err="1">
+                <a:solidFill>
+                  <a:srgbClr val="808080"/>
+                </a:solidFill>
+                <a:latin typeface="新宋体" panose="02010609030101010101" pitchFamily="49" charset="-122"/>
+                <a:ea typeface="新宋体" panose="02010609030101010101" pitchFamily="49" charset="-122"/>
+              </a:rPr>
+              <a:t>image</a:t>
+            </a:r>
+            <a:r>
+              <a:rPr lang="en-US" altLang="zh-CN" sz="1800" dirty="0" err="1">
+                <a:solidFill>
+                  <a:srgbClr val="000000"/>
+                </a:solidFill>
+                <a:latin typeface="新宋体" panose="02010609030101010101" pitchFamily="49" charset="-122"/>
+                <a:ea typeface="新宋体" panose="02010609030101010101" pitchFamily="49" charset="-122"/>
+              </a:rPr>
+              <a:t>.get_width</a:t>
+            </a:r>
+            <a:r>
+              <a:rPr lang="en-US" altLang="zh-CN" sz="1800" dirty="0">
+                <a:solidFill>
+                  <a:srgbClr val="000000"/>
+                </a:solidFill>
+                <a:latin typeface="新宋体" panose="02010609030101010101" pitchFamily="49" charset="-122"/>
+                <a:ea typeface="新宋体" panose="02010609030101010101" pitchFamily="49" charset="-122"/>
+              </a:rPr>
+              <a:t>() - 1, </a:t>
+            </a:r>
+            <a:r>
+              <a:rPr lang="en-US" altLang="zh-CN" sz="1800" dirty="0" err="1">
+                <a:solidFill>
+                  <a:srgbClr val="808080"/>
+                </a:solidFill>
+                <a:latin typeface="新宋体" panose="02010609030101010101" pitchFamily="49" charset="-122"/>
+                <a:ea typeface="新宋体" panose="02010609030101010101" pitchFamily="49" charset="-122"/>
+              </a:rPr>
+              <a:t>image</a:t>
+            </a:r>
+            <a:r>
+              <a:rPr lang="en-US" altLang="zh-CN" sz="1800" dirty="0" err="1">
+                <a:solidFill>
+                  <a:srgbClr val="000000"/>
+                </a:solidFill>
+                <a:latin typeface="新宋体" panose="02010609030101010101" pitchFamily="49" charset="-122"/>
+                <a:ea typeface="新宋体" panose="02010609030101010101" pitchFamily="49" charset="-122"/>
+              </a:rPr>
+              <a:t>.get_height</a:t>
+            </a:r>
+            <a:r>
+              <a:rPr lang="en-US" altLang="zh-CN" sz="1800" dirty="0">
+                <a:solidFill>
+                  <a:srgbClr val="000000"/>
+                </a:solidFill>
+                <a:latin typeface="新宋体" panose="02010609030101010101" pitchFamily="49" charset="-122"/>
+                <a:ea typeface="新宋体" panose="02010609030101010101" pitchFamily="49" charset="-122"/>
+              </a:rPr>
+              <a:t>() - 1);</a:t>
+            </a:r>
+          </a:p>
+          <a:p>
+            <a:r>
+              <a:rPr lang="en-US" altLang="zh-CN" sz="1800" dirty="0">
+                <a:solidFill>
+                  <a:srgbClr val="2B91AF"/>
+                </a:solidFill>
+                <a:latin typeface="新宋体" panose="02010609030101010101" pitchFamily="49" charset="-122"/>
+                <a:ea typeface="新宋体" panose="02010609030101010101" pitchFamily="49" charset="-122"/>
+              </a:rPr>
+              <a:t>Vec2i</a:t>
+            </a:r>
+            <a:r>
+              <a:rPr lang="en-US" altLang="zh-CN" sz="1800" dirty="0">
+                <a:solidFill>
+                  <a:srgbClr val="000000"/>
+                </a:solidFill>
+                <a:latin typeface="新宋体" panose="02010609030101010101" pitchFamily="49" charset="-122"/>
+                <a:ea typeface="新宋体" panose="02010609030101010101" pitchFamily="49" charset="-122"/>
+              </a:rPr>
+              <a:t> </a:t>
+            </a:r>
+            <a:r>
+              <a:rPr lang="en-US" altLang="zh-CN" sz="1800" dirty="0" err="1">
+                <a:solidFill>
+                  <a:srgbClr val="000000"/>
+                </a:solidFill>
+                <a:latin typeface="新宋体" panose="02010609030101010101" pitchFamily="49" charset="-122"/>
+                <a:ea typeface="新宋体" panose="02010609030101010101" pitchFamily="49" charset="-122"/>
+              </a:rPr>
+              <a:t>bboxmax</a:t>
+            </a:r>
+            <a:r>
+              <a:rPr lang="en-US" altLang="zh-CN" sz="1800" dirty="0">
+                <a:solidFill>
+                  <a:srgbClr val="000000"/>
+                </a:solidFill>
+                <a:latin typeface="新宋体" panose="02010609030101010101" pitchFamily="49" charset="-122"/>
+                <a:ea typeface="新宋体" panose="02010609030101010101" pitchFamily="49" charset="-122"/>
+              </a:rPr>
+              <a:t>(0, 0);</a:t>
+            </a:r>
+          </a:p>
+          <a:p>
+            <a:r>
+              <a:rPr lang="en-US" altLang="zh-CN" sz="1800" dirty="0">
+                <a:solidFill>
+                  <a:srgbClr val="2B91AF"/>
+                </a:solidFill>
+                <a:latin typeface="新宋体" panose="02010609030101010101" pitchFamily="49" charset="-122"/>
+                <a:ea typeface="新宋体" panose="02010609030101010101" pitchFamily="49" charset="-122"/>
+              </a:rPr>
+              <a:t>Vec2i</a:t>
+            </a:r>
+            <a:r>
+              <a:rPr lang="en-US" altLang="zh-CN" sz="1800" dirty="0">
+                <a:solidFill>
+                  <a:srgbClr val="000000"/>
+                </a:solidFill>
+                <a:latin typeface="新宋体" panose="02010609030101010101" pitchFamily="49" charset="-122"/>
+                <a:ea typeface="新宋体" panose="02010609030101010101" pitchFamily="49" charset="-122"/>
+              </a:rPr>
+              <a:t> clamp(</a:t>
+            </a:r>
+            <a:r>
+              <a:rPr lang="en-US" altLang="zh-CN" sz="1800" dirty="0" err="1">
+                <a:solidFill>
+                  <a:srgbClr val="808080"/>
+                </a:solidFill>
+                <a:latin typeface="新宋体" panose="02010609030101010101" pitchFamily="49" charset="-122"/>
+                <a:ea typeface="新宋体" panose="02010609030101010101" pitchFamily="49" charset="-122"/>
+              </a:rPr>
+              <a:t>image</a:t>
+            </a:r>
+            <a:r>
+              <a:rPr lang="en-US" altLang="zh-CN" sz="1800" dirty="0" err="1">
+                <a:solidFill>
+                  <a:srgbClr val="000000"/>
+                </a:solidFill>
+                <a:latin typeface="新宋体" panose="02010609030101010101" pitchFamily="49" charset="-122"/>
+                <a:ea typeface="新宋体" panose="02010609030101010101" pitchFamily="49" charset="-122"/>
+              </a:rPr>
+              <a:t>.get_width</a:t>
+            </a:r>
+            <a:r>
+              <a:rPr lang="en-US" altLang="zh-CN" sz="1800" dirty="0">
+                <a:solidFill>
+                  <a:srgbClr val="000000"/>
+                </a:solidFill>
+                <a:latin typeface="新宋体" panose="02010609030101010101" pitchFamily="49" charset="-122"/>
+                <a:ea typeface="新宋体" panose="02010609030101010101" pitchFamily="49" charset="-122"/>
+              </a:rPr>
+              <a:t>() - 1, </a:t>
+            </a:r>
+            <a:r>
+              <a:rPr lang="en-US" altLang="zh-CN" sz="1800" dirty="0" err="1">
+                <a:solidFill>
+                  <a:srgbClr val="808080"/>
+                </a:solidFill>
+                <a:latin typeface="新宋体" panose="02010609030101010101" pitchFamily="49" charset="-122"/>
+                <a:ea typeface="新宋体" panose="02010609030101010101" pitchFamily="49" charset="-122"/>
+              </a:rPr>
+              <a:t>image</a:t>
+            </a:r>
+            <a:r>
+              <a:rPr lang="en-US" altLang="zh-CN" sz="1800" dirty="0" err="1">
+                <a:solidFill>
+                  <a:srgbClr val="000000"/>
+                </a:solidFill>
+                <a:latin typeface="新宋体" panose="02010609030101010101" pitchFamily="49" charset="-122"/>
+                <a:ea typeface="新宋体" panose="02010609030101010101" pitchFamily="49" charset="-122"/>
+              </a:rPr>
+              <a:t>.get_height</a:t>
+            </a:r>
+            <a:r>
+              <a:rPr lang="en-US" altLang="zh-CN" sz="1800" dirty="0">
+                <a:solidFill>
+                  <a:srgbClr val="000000"/>
+                </a:solidFill>
+                <a:latin typeface="新宋体" panose="02010609030101010101" pitchFamily="49" charset="-122"/>
+                <a:ea typeface="新宋体" panose="02010609030101010101" pitchFamily="49" charset="-122"/>
+              </a:rPr>
+              <a:t>() - 1);</a:t>
+            </a:r>
+          </a:p>
+          <a:p>
+            <a:r>
+              <a:rPr lang="en-US" altLang="zh-CN" sz="1800" dirty="0">
+                <a:solidFill>
+                  <a:srgbClr val="008000"/>
+                </a:solidFill>
+                <a:latin typeface="新宋体" panose="02010609030101010101" pitchFamily="49" charset="-122"/>
+                <a:ea typeface="新宋体" panose="02010609030101010101" pitchFamily="49" charset="-122"/>
+              </a:rPr>
+              <a:t>//</a:t>
+            </a:r>
+            <a:r>
+              <a:rPr lang="zh-CN" altLang="en-US" sz="1800" dirty="0">
+                <a:solidFill>
+                  <a:srgbClr val="008000"/>
+                </a:solidFill>
+                <a:latin typeface="新宋体" panose="02010609030101010101" pitchFamily="49" charset="-122"/>
+                <a:ea typeface="新宋体" panose="02010609030101010101" pitchFamily="49" charset="-122"/>
+              </a:rPr>
+              <a:t>遍历三个顶点</a:t>
+            </a:r>
+            <a:endParaRPr lang="zh-CN" altLang="en-US" sz="1800" dirty="0">
+              <a:solidFill>
+                <a:srgbClr val="000000"/>
+              </a:solidFill>
+              <a:latin typeface="新宋体" panose="02010609030101010101" pitchFamily="49" charset="-122"/>
+              <a:ea typeface="新宋体" panose="02010609030101010101" pitchFamily="49" charset="-122"/>
+            </a:endParaRPr>
+          </a:p>
+          <a:p>
+            <a:r>
+              <a:rPr lang="nn-NO" altLang="zh-CN" sz="1800" dirty="0">
+                <a:solidFill>
+                  <a:srgbClr val="0000FF"/>
+                </a:solidFill>
+                <a:latin typeface="新宋体" panose="02010609030101010101" pitchFamily="49" charset="-122"/>
+                <a:ea typeface="新宋体" panose="02010609030101010101" pitchFamily="49" charset="-122"/>
+              </a:rPr>
+              <a:t>for</a:t>
+            </a:r>
+            <a:r>
+              <a:rPr lang="nn-NO" altLang="zh-CN" sz="1800" dirty="0">
+                <a:solidFill>
+                  <a:srgbClr val="000000"/>
+                </a:solidFill>
+                <a:latin typeface="新宋体" panose="02010609030101010101" pitchFamily="49" charset="-122"/>
+                <a:ea typeface="新宋体" panose="02010609030101010101" pitchFamily="49" charset="-122"/>
+              </a:rPr>
+              <a:t> (</a:t>
+            </a:r>
+            <a:r>
+              <a:rPr lang="nn-NO" altLang="zh-CN" sz="1800" dirty="0">
+                <a:solidFill>
+                  <a:srgbClr val="0000FF"/>
+                </a:solidFill>
+                <a:latin typeface="新宋体" panose="02010609030101010101" pitchFamily="49" charset="-122"/>
+                <a:ea typeface="新宋体" panose="02010609030101010101" pitchFamily="49" charset="-122"/>
+              </a:rPr>
+              <a:t>int</a:t>
+            </a:r>
+            <a:r>
+              <a:rPr lang="nn-NO" altLang="zh-CN" sz="1800" dirty="0">
+                <a:solidFill>
+                  <a:srgbClr val="000000"/>
+                </a:solidFill>
+                <a:latin typeface="新宋体" panose="02010609030101010101" pitchFamily="49" charset="-122"/>
+                <a:ea typeface="新宋体" panose="02010609030101010101" pitchFamily="49" charset="-122"/>
+              </a:rPr>
+              <a:t> i = 0; i &lt; 3; i++)</a:t>
+            </a:r>
+          </a:p>
+          <a:p>
+            <a:r>
+              <a:rPr lang="en-US" altLang="zh-CN" sz="1800" dirty="0">
+                <a:solidFill>
+                  <a:srgbClr val="000000"/>
+                </a:solidFill>
+                <a:latin typeface="新宋体" panose="02010609030101010101" pitchFamily="49" charset="-122"/>
+                <a:ea typeface="新宋体" panose="02010609030101010101" pitchFamily="49" charset="-122"/>
+              </a:rPr>
+              <a:t>{</a:t>
+            </a:r>
+          </a:p>
+          <a:p>
+            <a:pPr lvl="1"/>
+            <a:r>
+              <a:rPr lang="en-US" altLang="zh-CN" dirty="0">
+                <a:solidFill>
+                  <a:srgbClr val="008000"/>
+                </a:solidFill>
+                <a:latin typeface="新宋体" panose="02010609030101010101" pitchFamily="49" charset="-122"/>
+                <a:ea typeface="新宋体" panose="02010609030101010101" pitchFamily="49" charset="-122"/>
+              </a:rPr>
+              <a:t>//</a:t>
+            </a:r>
+            <a:r>
+              <a:rPr lang="zh-CN" altLang="en-US" dirty="0">
+                <a:solidFill>
+                  <a:srgbClr val="008000"/>
+                </a:solidFill>
+                <a:latin typeface="新宋体" panose="02010609030101010101" pitchFamily="49" charset="-122"/>
+                <a:ea typeface="新宋体" panose="02010609030101010101" pitchFamily="49" charset="-122"/>
+              </a:rPr>
+              <a:t>最小</a:t>
+            </a:r>
+            <a:r>
+              <a:rPr lang="en-US" altLang="zh-CN" dirty="0">
+                <a:solidFill>
+                  <a:srgbClr val="008000"/>
+                </a:solidFill>
+                <a:latin typeface="新宋体" panose="02010609030101010101" pitchFamily="49" charset="-122"/>
+                <a:ea typeface="新宋体" panose="02010609030101010101" pitchFamily="49" charset="-122"/>
+              </a:rPr>
+              <a:t>x ,y</a:t>
+            </a:r>
+            <a:r>
+              <a:rPr lang="zh-CN" altLang="en-US" dirty="0">
+                <a:solidFill>
+                  <a:srgbClr val="008000"/>
+                </a:solidFill>
+                <a:latin typeface="新宋体" panose="02010609030101010101" pitchFamily="49" charset="-122"/>
+                <a:ea typeface="新宋体" panose="02010609030101010101" pitchFamily="49" charset="-122"/>
+              </a:rPr>
+              <a:t>就是三个顶点中最小的</a:t>
+            </a:r>
+            <a:r>
+              <a:rPr lang="en-US" altLang="zh-CN" dirty="0">
+                <a:solidFill>
+                  <a:srgbClr val="008000"/>
+                </a:solidFill>
+                <a:latin typeface="新宋体" panose="02010609030101010101" pitchFamily="49" charset="-122"/>
+                <a:ea typeface="新宋体" panose="02010609030101010101" pitchFamily="49" charset="-122"/>
+              </a:rPr>
+              <a:t>x</a:t>
+            </a:r>
+            <a:r>
+              <a:rPr lang="zh-CN" altLang="en-US" dirty="0">
+                <a:solidFill>
+                  <a:srgbClr val="008000"/>
+                </a:solidFill>
+                <a:latin typeface="新宋体" panose="02010609030101010101" pitchFamily="49" charset="-122"/>
+                <a:ea typeface="新宋体" panose="02010609030101010101" pitchFamily="49" charset="-122"/>
+              </a:rPr>
+              <a:t>和</a:t>
+            </a:r>
+            <a:r>
+              <a:rPr lang="en-US" altLang="zh-CN" dirty="0">
+                <a:solidFill>
+                  <a:srgbClr val="008000"/>
+                </a:solidFill>
+                <a:latin typeface="新宋体" panose="02010609030101010101" pitchFamily="49" charset="-122"/>
+                <a:ea typeface="新宋体" panose="02010609030101010101" pitchFamily="49" charset="-122"/>
+              </a:rPr>
+              <a:t>y</a:t>
+            </a:r>
+            <a:endParaRPr lang="zh-CN" altLang="en-US" dirty="0">
+              <a:solidFill>
+                <a:srgbClr val="000000"/>
+              </a:solidFill>
+              <a:latin typeface="新宋体" panose="02010609030101010101" pitchFamily="49" charset="-122"/>
+              <a:ea typeface="新宋体" panose="02010609030101010101" pitchFamily="49" charset="-122"/>
+            </a:endParaRPr>
+          </a:p>
+          <a:p>
+            <a:r>
+              <a:rPr lang="en-US" altLang="zh-CN" sz="1800" dirty="0">
+                <a:solidFill>
+                  <a:srgbClr val="000000"/>
+                </a:solidFill>
+                <a:latin typeface="新宋体" panose="02010609030101010101" pitchFamily="49" charset="-122"/>
+                <a:ea typeface="新宋体" panose="02010609030101010101" pitchFamily="49" charset="-122"/>
+              </a:rPr>
+              <a:t>	</a:t>
+            </a:r>
+            <a:r>
+              <a:rPr lang="en-US" altLang="zh-CN" sz="1800" dirty="0" err="1">
+                <a:solidFill>
+                  <a:srgbClr val="000000"/>
+                </a:solidFill>
+                <a:latin typeface="新宋体" panose="02010609030101010101" pitchFamily="49" charset="-122"/>
+                <a:ea typeface="新宋体" panose="02010609030101010101" pitchFamily="49" charset="-122"/>
+              </a:rPr>
+              <a:t>bboxmin.x</a:t>
+            </a:r>
+            <a:r>
+              <a:rPr lang="en-US" altLang="zh-CN" sz="1800" dirty="0">
+                <a:solidFill>
+                  <a:srgbClr val="000000"/>
+                </a:solidFill>
+                <a:latin typeface="新宋体" panose="02010609030101010101" pitchFamily="49" charset="-122"/>
+                <a:ea typeface="新宋体" panose="02010609030101010101" pitchFamily="49" charset="-122"/>
+              </a:rPr>
+              <a:t> = std::max(0, std::min(</a:t>
+            </a:r>
+            <a:r>
+              <a:rPr lang="en-US" altLang="zh-CN" sz="1800" dirty="0" err="1">
+                <a:solidFill>
+                  <a:srgbClr val="000000"/>
+                </a:solidFill>
+                <a:latin typeface="新宋体" panose="02010609030101010101" pitchFamily="49" charset="-122"/>
+                <a:ea typeface="新宋体" panose="02010609030101010101" pitchFamily="49" charset="-122"/>
+              </a:rPr>
+              <a:t>bboxmin.x</a:t>
+            </a:r>
+            <a:r>
+              <a:rPr lang="en-US" altLang="zh-CN" sz="1800" dirty="0">
+                <a:solidFill>
+                  <a:srgbClr val="000000"/>
+                </a:solidFill>
+                <a:latin typeface="新宋体" panose="02010609030101010101" pitchFamily="49" charset="-122"/>
+                <a:ea typeface="新宋体" panose="02010609030101010101" pitchFamily="49" charset="-122"/>
+              </a:rPr>
+              <a:t>, </a:t>
+            </a:r>
+            <a:r>
+              <a:rPr lang="en-US" altLang="zh-CN" sz="1800" dirty="0">
+                <a:solidFill>
+                  <a:srgbClr val="808080"/>
+                </a:solidFill>
+                <a:latin typeface="新宋体" panose="02010609030101010101" pitchFamily="49" charset="-122"/>
+                <a:ea typeface="新宋体" panose="02010609030101010101" pitchFamily="49" charset="-122"/>
+              </a:rPr>
+              <a:t>pts</a:t>
+            </a:r>
+            <a:r>
+              <a:rPr lang="en-US" altLang="zh-CN" sz="1800" dirty="0">
+                <a:solidFill>
+                  <a:srgbClr val="000000"/>
+                </a:solidFill>
+                <a:latin typeface="新宋体" panose="02010609030101010101" pitchFamily="49" charset="-122"/>
+                <a:ea typeface="新宋体" panose="02010609030101010101" pitchFamily="49" charset="-122"/>
+              </a:rPr>
+              <a:t>[</a:t>
+            </a:r>
+            <a:r>
+              <a:rPr lang="en-US" altLang="zh-CN" sz="1800" dirty="0" err="1">
+                <a:solidFill>
+                  <a:srgbClr val="000000"/>
+                </a:solidFill>
+                <a:latin typeface="新宋体" panose="02010609030101010101" pitchFamily="49" charset="-122"/>
+                <a:ea typeface="新宋体" panose="02010609030101010101" pitchFamily="49" charset="-122"/>
+              </a:rPr>
+              <a:t>i</a:t>
+            </a:r>
+            <a:r>
+              <a:rPr lang="en-US" altLang="zh-CN" sz="1800" dirty="0">
+                <a:solidFill>
+                  <a:srgbClr val="000000"/>
+                </a:solidFill>
+                <a:latin typeface="新宋体" panose="02010609030101010101" pitchFamily="49" charset="-122"/>
+                <a:ea typeface="新宋体" panose="02010609030101010101" pitchFamily="49" charset="-122"/>
+              </a:rPr>
+              <a:t>].x));</a:t>
+            </a:r>
+          </a:p>
+          <a:p>
+            <a:r>
+              <a:rPr lang="en-US" altLang="zh-CN" sz="1800" dirty="0">
+                <a:solidFill>
+                  <a:srgbClr val="000000"/>
+                </a:solidFill>
+                <a:latin typeface="新宋体" panose="02010609030101010101" pitchFamily="49" charset="-122"/>
+                <a:ea typeface="新宋体" panose="02010609030101010101" pitchFamily="49" charset="-122"/>
+              </a:rPr>
+              <a:t>	</a:t>
+            </a:r>
+            <a:r>
+              <a:rPr lang="en-US" altLang="zh-CN" sz="1800" dirty="0" err="1">
+                <a:solidFill>
+                  <a:srgbClr val="000000"/>
+                </a:solidFill>
+                <a:latin typeface="新宋体" panose="02010609030101010101" pitchFamily="49" charset="-122"/>
+                <a:ea typeface="新宋体" panose="02010609030101010101" pitchFamily="49" charset="-122"/>
+              </a:rPr>
+              <a:t>bboxmin.y</a:t>
+            </a:r>
+            <a:r>
+              <a:rPr lang="en-US" altLang="zh-CN" sz="1800" dirty="0">
+                <a:solidFill>
+                  <a:srgbClr val="000000"/>
+                </a:solidFill>
+                <a:latin typeface="新宋体" panose="02010609030101010101" pitchFamily="49" charset="-122"/>
+                <a:ea typeface="新宋体" panose="02010609030101010101" pitchFamily="49" charset="-122"/>
+              </a:rPr>
+              <a:t> = std::max(0, std::min(</a:t>
+            </a:r>
+            <a:r>
+              <a:rPr lang="en-US" altLang="zh-CN" sz="1800" dirty="0" err="1">
+                <a:solidFill>
+                  <a:srgbClr val="000000"/>
+                </a:solidFill>
+                <a:latin typeface="新宋体" panose="02010609030101010101" pitchFamily="49" charset="-122"/>
+                <a:ea typeface="新宋体" panose="02010609030101010101" pitchFamily="49" charset="-122"/>
+              </a:rPr>
+              <a:t>bboxmin.y</a:t>
+            </a:r>
+            <a:r>
+              <a:rPr lang="en-US" altLang="zh-CN" sz="1800" dirty="0">
+                <a:solidFill>
+                  <a:srgbClr val="000000"/>
+                </a:solidFill>
+                <a:latin typeface="新宋体" panose="02010609030101010101" pitchFamily="49" charset="-122"/>
+                <a:ea typeface="新宋体" panose="02010609030101010101" pitchFamily="49" charset="-122"/>
+              </a:rPr>
+              <a:t>, </a:t>
+            </a:r>
+            <a:r>
+              <a:rPr lang="en-US" altLang="zh-CN" sz="1800" dirty="0">
+                <a:solidFill>
+                  <a:srgbClr val="808080"/>
+                </a:solidFill>
+                <a:latin typeface="新宋体" panose="02010609030101010101" pitchFamily="49" charset="-122"/>
+                <a:ea typeface="新宋体" panose="02010609030101010101" pitchFamily="49" charset="-122"/>
+              </a:rPr>
+              <a:t>pts</a:t>
+            </a:r>
+            <a:r>
+              <a:rPr lang="en-US" altLang="zh-CN" sz="1800" dirty="0">
+                <a:solidFill>
+                  <a:srgbClr val="000000"/>
+                </a:solidFill>
+                <a:latin typeface="新宋体" panose="02010609030101010101" pitchFamily="49" charset="-122"/>
+                <a:ea typeface="新宋体" panose="02010609030101010101" pitchFamily="49" charset="-122"/>
+              </a:rPr>
+              <a:t>[</a:t>
+            </a:r>
+            <a:r>
+              <a:rPr lang="en-US" altLang="zh-CN" sz="1800" dirty="0" err="1">
+                <a:solidFill>
+                  <a:srgbClr val="000000"/>
+                </a:solidFill>
+                <a:latin typeface="新宋体" panose="02010609030101010101" pitchFamily="49" charset="-122"/>
+                <a:ea typeface="新宋体" panose="02010609030101010101" pitchFamily="49" charset="-122"/>
+              </a:rPr>
+              <a:t>i</a:t>
+            </a:r>
+            <a:r>
+              <a:rPr lang="en-US" altLang="zh-CN" sz="1800" dirty="0">
+                <a:solidFill>
+                  <a:srgbClr val="000000"/>
+                </a:solidFill>
+                <a:latin typeface="新宋体" panose="02010609030101010101" pitchFamily="49" charset="-122"/>
+                <a:ea typeface="新宋体" panose="02010609030101010101" pitchFamily="49" charset="-122"/>
+              </a:rPr>
+              <a:t>].y));</a:t>
+            </a:r>
+          </a:p>
+          <a:p>
+            <a:endParaRPr lang="zh-CN" altLang="en-US" sz="1800" dirty="0">
+              <a:solidFill>
+                <a:srgbClr val="000000"/>
+              </a:solidFill>
+              <a:latin typeface="新宋体" panose="02010609030101010101" pitchFamily="49" charset="-122"/>
+              <a:ea typeface="新宋体" panose="02010609030101010101" pitchFamily="49" charset="-122"/>
+            </a:endParaRPr>
+          </a:p>
+          <a:p>
+            <a:r>
+              <a:rPr lang="en-US" altLang="zh-CN" sz="1800" dirty="0">
+                <a:solidFill>
+                  <a:srgbClr val="000000"/>
+                </a:solidFill>
+                <a:latin typeface="新宋体" panose="02010609030101010101" pitchFamily="49" charset="-122"/>
+                <a:ea typeface="新宋体" panose="02010609030101010101" pitchFamily="49" charset="-122"/>
+              </a:rPr>
+              <a:t>	</a:t>
+            </a:r>
+            <a:r>
+              <a:rPr lang="en-US" altLang="zh-CN" sz="1800" dirty="0" err="1">
+                <a:solidFill>
+                  <a:srgbClr val="000000"/>
+                </a:solidFill>
+                <a:latin typeface="新宋体" panose="02010609030101010101" pitchFamily="49" charset="-122"/>
+                <a:ea typeface="新宋体" panose="02010609030101010101" pitchFamily="49" charset="-122"/>
+              </a:rPr>
+              <a:t>bboxmax.x</a:t>
+            </a:r>
+            <a:r>
+              <a:rPr lang="en-US" altLang="zh-CN" sz="1800" dirty="0">
+                <a:solidFill>
+                  <a:srgbClr val="000000"/>
+                </a:solidFill>
+                <a:latin typeface="新宋体" panose="02010609030101010101" pitchFamily="49" charset="-122"/>
+                <a:ea typeface="新宋体" panose="02010609030101010101" pitchFamily="49" charset="-122"/>
+              </a:rPr>
+              <a:t> = std::min(</a:t>
+            </a:r>
+            <a:r>
+              <a:rPr lang="en-US" altLang="zh-CN" sz="1800" dirty="0" err="1">
+                <a:solidFill>
+                  <a:srgbClr val="000000"/>
+                </a:solidFill>
+                <a:latin typeface="新宋体" panose="02010609030101010101" pitchFamily="49" charset="-122"/>
+                <a:ea typeface="新宋体" panose="02010609030101010101" pitchFamily="49" charset="-122"/>
+              </a:rPr>
+              <a:t>clamp.x</a:t>
+            </a:r>
+            <a:r>
+              <a:rPr lang="en-US" altLang="zh-CN" sz="1800" dirty="0">
+                <a:solidFill>
+                  <a:srgbClr val="000000"/>
+                </a:solidFill>
+                <a:latin typeface="新宋体" panose="02010609030101010101" pitchFamily="49" charset="-122"/>
+                <a:ea typeface="新宋体" panose="02010609030101010101" pitchFamily="49" charset="-122"/>
+              </a:rPr>
+              <a:t>, std::max(</a:t>
+            </a:r>
+            <a:r>
+              <a:rPr lang="en-US" altLang="zh-CN" sz="1800" dirty="0" err="1">
+                <a:solidFill>
+                  <a:srgbClr val="000000"/>
+                </a:solidFill>
+                <a:latin typeface="新宋体" panose="02010609030101010101" pitchFamily="49" charset="-122"/>
+                <a:ea typeface="新宋体" panose="02010609030101010101" pitchFamily="49" charset="-122"/>
+              </a:rPr>
+              <a:t>bboxmax.x</a:t>
+            </a:r>
+            <a:r>
+              <a:rPr lang="en-US" altLang="zh-CN" sz="1800" dirty="0">
+                <a:solidFill>
+                  <a:srgbClr val="000000"/>
+                </a:solidFill>
+                <a:latin typeface="新宋体" panose="02010609030101010101" pitchFamily="49" charset="-122"/>
+                <a:ea typeface="新宋体" panose="02010609030101010101" pitchFamily="49" charset="-122"/>
+              </a:rPr>
+              <a:t>, </a:t>
+            </a:r>
+            <a:r>
+              <a:rPr lang="en-US" altLang="zh-CN" sz="1800" dirty="0">
+                <a:solidFill>
+                  <a:srgbClr val="808080"/>
+                </a:solidFill>
+                <a:latin typeface="新宋体" panose="02010609030101010101" pitchFamily="49" charset="-122"/>
+                <a:ea typeface="新宋体" panose="02010609030101010101" pitchFamily="49" charset="-122"/>
+              </a:rPr>
+              <a:t>pts</a:t>
+            </a:r>
+            <a:r>
+              <a:rPr lang="en-US" altLang="zh-CN" sz="1800" dirty="0">
+                <a:solidFill>
+                  <a:srgbClr val="000000"/>
+                </a:solidFill>
+                <a:latin typeface="新宋体" panose="02010609030101010101" pitchFamily="49" charset="-122"/>
+                <a:ea typeface="新宋体" panose="02010609030101010101" pitchFamily="49" charset="-122"/>
+              </a:rPr>
+              <a:t>[</a:t>
+            </a:r>
+            <a:r>
+              <a:rPr lang="en-US" altLang="zh-CN" sz="1800" dirty="0" err="1">
+                <a:solidFill>
+                  <a:srgbClr val="000000"/>
+                </a:solidFill>
+                <a:latin typeface="新宋体" panose="02010609030101010101" pitchFamily="49" charset="-122"/>
+                <a:ea typeface="新宋体" panose="02010609030101010101" pitchFamily="49" charset="-122"/>
+              </a:rPr>
+              <a:t>i</a:t>
+            </a:r>
+            <a:r>
+              <a:rPr lang="en-US" altLang="zh-CN" sz="1800" dirty="0">
+                <a:solidFill>
+                  <a:srgbClr val="000000"/>
+                </a:solidFill>
+                <a:latin typeface="新宋体" panose="02010609030101010101" pitchFamily="49" charset="-122"/>
+                <a:ea typeface="新宋体" panose="02010609030101010101" pitchFamily="49" charset="-122"/>
+              </a:rPr>
+              <a:t>].x));</a:t>
+            </a:r>
+          </a:p>
+          <a:p>
+            <a:r>
+              <a:rPr lang="en-US" altLang="zh-CN" sz="1800" dirty="0">
+                <a:solidFill>
+                  <a:srgbClr val="000000"/>
+                </a:solidFill>
+                <a:latin typeface="新宋体" panose="02010609030101010101" pitchFamily="49" charset="-122"/>
+                <a:ea typeface="新宋体" panose="02010609030101010101" pitchFamily="49" charset="-122"/>
+              </a:rPr>
+              <a:t>	</a:t>
+            </a:r>
+            <a:r>
+              <a:rPr lang="en-US" altLang="zh-CN" sz="1800" dirty="0" err="1">
+                <a:solidFill>
+                  <a:srgbClr val="000000"/>
+                </a:solidFill>
+                <a:latin typeface="新宋体" panose="02010609030101010101" pitchFamily="49" charset="-122"/>
+                <a:ea typeface="新宋体" panose="02010609030101010101" pitchFamily="49" charset="-122"/>
+              </a:rPr>
+              <a:t>bboxmax.y</a:t>
+            </a:r>
+            <a:r>
+              <a:rPr lang="en-US" altLang="zh-CN" sz="1800" dirty="0">
+                <a:solidFill>
+                  <a:srgbClr val="000000"/>
+                </a:solidFill>
+                <a:latin typeface="新宋体" panose="02010609030101010101" pitchFamily="49" charset="-122"/>
+                <a:ea typeface="新宋体" panose="02010609030101010101" pitchFamily="49" charset="-122"/>
+              </a:rPr>
+              <a:t> = std::min(</a:t>
+            </a:r>
+            <a:r>
+              <a:rPr lang="en-US" altLang="zh-CN" sz="1800" dirty="0" err="1">
+                <a:solidFill>
+                  <a:srgbClr val="000000"/>
+                </a:solidFill>
+                <a:latin typeface="新宋体" panose="02010609030101010101" pitchFamily="49" charset="-122"/>
+                <a:ea typeface="新宋体" panose="02010609030101010101" pitchFamily="49" charset="-122"/>
+              </a:rPr>
+              <a:t>clamp.y</a:t>
+            </a:r>
+            <a:r>
+              <a:rPr lang="en-US" altLang="zh-CN" sz="1800" dirty="0">
+                <a:solidFill>
+                  <a:srgbClr val="000000"/>
+                </a:solidFill>
+                <a:latin typeface="新宋体" panose="02010609030101010101" pitchFamily="49" charset="-122"/>
+                <a:ea typeface="新宋体" panose="02010609030101010101" pitchFamily="49" charset="-122"/>
+              </a:rPr>
+              <a:t>, std::max(</a:t>
+            </a:r>
+            <a:r>
+              <a:rPr lang="en-US" altLang="zh-CN" sz="1800" dirty="0" err="1">
+                <a:solidFill>
+                  <a:srgbClr val="000000"/>
+                </a:solidFill>
+                <a:latin typeface="新宋体" panose="02010609030101010101" pitchFamily="49" charset="-122"/>
+                <a:ea typeface="新宋体" panose="02010609030101010101" pitchFamily="49" charset="-122"/>
+              </a:rPr>
+              <a:t>bboxmax.y</a:t>
+            </a:r>
+            <a:r>
+              <a:rPr lang="en-US" altLang="zh-CN" sz="1800" dirty="0">
+                <a:solidFill>
+                  <a:srgbClr val="000000"/>
+                </a:solidFill>
+                <a:latin typeface="新宋体" panose="02010609030101010101" pitchFamily="49" charset="-122"/>
+                <a:ea typeface="新宋体" panose="02010609030101010101" pitchFamily="49" charset="-122"/>
+              </a:rPr>
+              <a:t>, </a:t>
+            </a:r>
+            <a:r>
+              <a:rPr lang="en-US" altLang="zh-CN" sz="1800" dirty="0">
+                <a:solidFill>
+                  <a:srgbClr val="808080"/>
+                </a:solidFill>
+                <a:latin typeface="新宋体" panose="02010609030101010101" pitchFamily="49" charset="-122"/>
+                <a:ea typeface="新宋体" panose="02010609030101010101" pitchFamily="49" charset="-122"/>
+              </a:rPr>
+              <a:t>pts</a:t>
+            </a:r>
+            <a:r>
+              <a:rPr lang="en-US" altLang="zh-CN" sz="1800" dirty="0">
+                <a:solidFill>
+                  <a:srgbClr val="000000"/>
+                </a:solidFill>
+                <a:latin typeface="新宋体" panose="02010609030101010101" pitchFamily="49" charset="-122"/>
+                <a:ea typeface="新宋体" panose="02010609030101010101" pitchFamily="49" charset="-122"/>
+              </a:rPr>
+              <a:t>[</a:t>
+            </a:r>
+            <a:r>
+              <a:rPr lang="en-US" altLang="zh-CN" sz="1800" dirty="0" err="1">
+                <a:solidFill>
+                  <a:srgbClr val="000000"/>
+                </a:solidFill>
+                <a:latin typeface="新宋体" panose="02010609030101010101" pitchFamily="49" charset="-122"/>
+                <a:ea typeface="新宋体" panose="02010609030101010101" pitchFamily="49" charset="-122"/>
+              </a:rPr>
+              <a:t>i</a:t>
+            </a:r>
+            <a:r>
+              <a:rPr lang="en-US" altLang="zh-CN" sz="1800" dirty="0">
+                <a:solidFill>
+                  <a:srgbClr val="000000"/>
+                </a:solidFill>
+                <a:latin typeface="新宋体" panose="02010609030101010101" pitchFamily="49" charset="-122"/>
+                <a:ea typeface="新宋体" panose="02010609030101010101" pitchFamily="49" charset="-122"/>
+              </a:rPr>
+              <a:t>].y));</a:t>
+            </a:r>
+          </a:p>
+          <a:p>
+            <a:r>
+              <a:rPr lang="en-US" altLang="zh-CN" sz="1800" dirty="0">
+                <a:solidFill>
+                  <a:srgbClr val="000000"/>
+                </a:solidFill>
+                <a:latin typeface="新宋体" panose="02010609030101010101" pitchFamily="49" charset="-122"/>
+                <a:ea typeface="新宋体" panose="02010609030101010101" pitchFamily="49" charset="-122"/>
+              </a:rPr>
+              <a:t>}</a:t>
+            </a:r>
+            <a:endParaRPr lang="zh-CN" altLang="en-US" dirty="0"/>
+          </a:p>
+        </p:txBody>
+      </p:sp>
+    </p:spTree>
+    <p:extLst>
+      <p:ext uri="{BB962C8B-B14F-4D97-AF65-F5344CB8AC3E}">
+        <p14:creationId xmlns:p14="http://schemas.microsoft.com/office/powerpoint/2010/main" val="3683904699"/>
+      </p:ext>
+    </p:extLst>
+  </p:cSld>
+  <p:clrMapOvr>
+    <a:masterClrMapping/>
+  </p:clrMapOvr>
+</p:sld>
+</file>
+
+<file path=ppt/slides/slide8.xml><?xml version="1.0" encoding="utf-8"?>
+<p:sld xmlns:a="http://schemas.openxmlformats.org/drawingml/2006/main" xmlns:r="http://schemas.openxmlformats.org/officeDocument/2006/relationships" xmlns:p="http://schemas.openxmlformats.org/presentationml/2006/main">
+  <p:cSld>
+    <p:spTree>
+      <p:nvGrpSpPr>
+        <p:cNvPr id="1" name=""/>
+        <p:cNvGrpSpPr/>
+        <p:nvPr/>
+      </p:nvGrpSpPr>
+      <p:grpSpPr>
+        <a:xfrm>
+          <a:off x="0" y="0"/>
+          <a:ext cx="0" cy="0"/>
+          <a:chOff x="0" y="0"/>
+          <a:chExt cx="0" cy="0"/>
+        </a:xfrm>
+      </p:grpSpPr>
+      <p:sp>
+        <p:nvSpPr>
+          <p:cNvPr id="2" name="文本框 1">
+            <a:extLst>
+              <a:ext uri="{FF2B5EF4-FFF2-40B4-BE49-F238E27FC236}">
+                <a16:creationId xmlns:a16="http://schemas.microsoft.com/office/drawing/2014/main" id="{BE1112E5-AA78-D091-FF67-6A3AAD0BFA60}"/>
+              </a:ext>
+            </a:extLst>
+          </p:cNvPr>
+          <p:cNvSpPr txBox="1"/>
+          <p:nvPr/>
+        </p:nvSpPr>
+        <p:spPr>
+          <a:xfrm>
+            <a:off x="660706" y="588312"/>
+            <a:ext cx="10290060" cy="4801314"/>
+          </a:xfrm>
+          <a:prstGeom prst="rect">
+            <a:avLst/>
+          </a:prstGeom>
+          <a:noFill/>
+        </p:spPr>
+        <p:txBody>
+          <a:bodyPr wrap="square" rtlCol="0">
+            <a:spAutoFit/>
+          </a:bodyPr>
+          <a:lstStyle/>
+          <a:p>
+            <a:r>
+              <a:rPr lang="zh-CN" altLang="en-US" dirty="0"/>
+              <a:t>现在需要解决的问题，就是如何分配这个光照强度，</a:t>
+            </a:r>
+            <a:endParaRPr lang="en-US" altLang="zh-CN" dirty="0"/>
+          </a:p>
+          <a:p>
+            <a:r>
+              <a:rPr lang="zh-CN" altLang="en-US" dirty="0"/>
+              <a:t>如果一个平面与光线垂直，那么其的强度最大，如果一个平面与光线平行，那么其强度为</a:t>
+            </a:r>
+            <a:r>
+              <a:rPr lang="en-US" altLang="zh-CN" dirty="0"/>
+              <a:t>0</a:t>
+            </a:r>
+          </a:p>
+          <a:p>
+            <a:endParaRPr lang="en-US" altLang="zh-CN" dirty="0"/>
+          </a:p>
+          <a:p>
+            <a:r>
+              <a:rPr lang="zh-CN" altLang="en-US" dirty="0"/>
+              <a:t>所以，可以利用法线与光线的夹角来确定接受到的光强比例。</a:t>
+            </a:r>
+            <a:endParaRPr lang="en-US" altLang="zh-CN" dirty="0"/>
+          </a:p>
+          <a:p>
+            <a:endParaRPr lang="en-US" altLang="zh-CN" dirty="0"/>
+          </a:p>
+          <a:p>
+            <a:r>
+              <a:rPr lang="zh-CN" altLang="en-US" dirty="0"/>
+              <a:t>定义光照为</a:t>
+            </a:r>
+            <a:r>
+              <a:rPr lang="en-US" altLang="zh-CN" dirty="0"/>
+              <a:t>Vec3f </a:t>
+            </a:r>
+            <a:r>
+              <a:rPr lang="en-US" altLang="zh-CN" dirty="0" err="1"/>
+              <a:t>light_dir</a:t>
+            </a:r>
+            <a:r>
+              <a:rPr lang="en-US" altLang="zh-CN" dirty="0"/>
+              <a:t>(0,0,1)</a:t>
+            </a:r>
+            <a:r>
+              <a:rPr lang="zh-CN" altLang="en-US" dirty="0"/>
+              <a:t>，将我们的正交向量与光照求点积后，就得到了系数，然后对</a:t>
+            </a:r>
+            <a:r>
+              <a:rPr lang="en-US" altLang="zh-CN" dirty="0" err="1"/>
+              <a:t>TGAColor</a:t>
+            </a:r>
+            <a:r>
+              <a:rPr lang="zh-CN" altLang="en-US" dirty="0"/>
+              <a:t>的值乘以系数得到不同的光照强度。</a:t>
+            </a:r>
+            <a:endParaRPr lang="en-US" altLang="zh-CN" dirty="0"/>
+          </a:p>
+          <a:p>
+            <a:r>
+              <a:rPr lang="en-US" altLang="zh-CN" sz="1800" dirty="0">
+                <a:solidFill>
+                  <a:srgbClr val="008000"/>
+                </a:solidFill>
+                <a:latin typeface="新宋体" panose="02010609030101010101" pitchFamily="49" charset="-122"/>
+                <a:ea typeface="新宋体" panose="02010609030101010101" pitchFamily="49" charset="-122"/>
+              </a:rPr>
+              <a:t>//</a:t>
+            </a:r>
+            <a:r>
+              <a:rPr lang="zh-CN" altLang="en-US" sz="1800" dirty="0">
+                <a:solidFill>
+                  <a:srgbClr val="008000"/>
+                </a:solidFill>
+                <a:latin typeface="新宋体" panose="02010609030101010101" pitchFamily="49" charset="-122"/>
+                <a:ea typeface="新宋体" panose="02010609030101010101" pitchFamily="49" charset="-122"/>
+              </a:rPr>
+              <a:t>三角形面的法线</a:t>
+            </a:r>
+            <a:endParaRPr lang="zh-CN" altLang="en-US" sz="1800" dirty="0">
+              <a:solidFill>
+                <a:srgbClr val="000000"/>
+              </a:solidFill>
+              <a:latin typeface="新宋体" panose="02010609030101010101" pitchFamily="49" charset="-122"/>
+              <a:ea typeface="新宋体" panose="02010609030101010101" pitchFamily="49" charset="-122"/>
+            </a:endParaRPr>
+          </a:p>
+          <a:p>
+            <a:r>
+              <a:rPr lang="en-US" altLang="zh-CN" sz="1800" dirty="0">
+                <a:solidFill>
+                  <a:srgbClr val="2B91AF"/>
+                </a:solidFill>
+                <a:latin typeface="新宋体" panose="02010609030101010101" pitchFamily="49" charset="-122"/>
+                <a:ea typeface="新宋体" panose="02010609030101010101" pitchFamily="49" charset="-122"/>
+              </a:rPr>
+              <a:t>Vec3f</a:t>
+            </a:r>
+            <a:r>
+              <a:rPr lang="en-US" altLang="zh-CN" sz="1800" dirty="0">
+                <a:solidFill>
+                  <a:srgbClr val="000000"/>
+                </a:solidFill>
+                <a:latin typeface="新宋体" panose="02010609030101010101" pitchFamily="49" charset="-122"/>
+                <a:ea typeface="新宋体" panose="02010609030101010101" pitchFamily="49" charset="-122"/>
+              </a:rPr>
+              <a:t> n = (</a:t>
+            </a:r>
+            <a:r>
+              <a:rPr lang="en-US" altLang="zh-CN" sz="1800" dirty="0" err="1">
+                <a:solidFill>
+                  <a:srgbClr val="000000"/>
+                </a:solidFill>
+                <a:latin typeface="新宋体" panose="02010609030101010101" pitchFamily="49" charset="-122"/>
+                <a:ea typeface="新宋体" panose="02010609030101010101" pitchFamily="49" charset="-122"/>
+              </a:rPr>
+              <a:t>world_coords</a:t>
+            </a:r>
+            <a:r>
+              <a:rPr lang="en-US" altLang="zh-CN" sz="1800" dirty="0">
+                <a:solidFill>
+                  <a:srgbClr val="000000"/>
+                </a:solidFill>
+                <a:latin typeface="新宋体" panose="02010609030101010101" pitchFamily="49" charset="-122"/>
+                <a:ea typeface="新宋体" panose="02010609030101010101" pitchFamily="49" charset="-122"/>
+              </a:rPr>
+              <a:t>[2] </a:t>
+            </a:r>
+            <a:r>
+              <a:rPr lang="en-US" altLang="zh-CN" sz="1800" dirty="0">
+                <a:solidFill>
+                  <a:srgbClr val="008080"/>
+                </a:solidFill>
+                <a:latin typeface="新宋体" panose="02010609030101010101" pitchFamily="49" charset="-122"/>
+                <a:ea typeface="新宋体" panose="02010609030101010101" pitchFamily="49" charset="-122"/>
+              </a:rPr>
+              <a:t>-</a:t>
+            </a:r>
+            <a:r>
+              <a:rPr lang="en-US" altLang="zh-CN" sz="1800" dirty="0">
+                <a:solidFill>
+                  <a:srgbClr val="000000"/>
+                </a:solidFill>
+                <a:latin typeface="新宋体" panose="02010609030101010101" pitchFamily="49" charset="-122"/>
+                <a:ea typeface="新宋体" panose="02010609030101010101" pitchFamily="49" charset="-122"/>
+              </a:rPr>
+              <a:t> </a:t>
+            </a:r>
+            <a:r>
+              <a:rPr lang="en-US" altLang="zh-CN" sz="1800" dirty="0" err="1">
+                <a:solidFill>
+                  <a:srgbClr val="000000"/>
+                </a:solidFill>
+                <a:latin typeface="新宋体" panose="02010609030101010101" pitchFamily="49" charset="-122"/>
+                <a:ea typeface="新宋体" panose="02010609030101010101" pitchFamily="49" charset="-122"/>
+              </a:rPr>
+              <a:t>world_coords</a:t>
+            </a:r>
+            <a:r>
+              <a:rPr lang="en-US" altLang="zh-CN" sz="1800" dirty="0">
+                <a:solidFill>
+                  <a:srgbClr val="000000"/>
+                </a:solidFill>
+                <a:latin typeface="新宋体" panose="02010609030101010101" pitchFamily="49" charset="-122"/>
+                <a:ea typeface="新宋体" panose="02010609030101010101" pitchFamily="49" charset="-122"/>
+              </a:rPr>
+              <a:t>[0]) </a:t>
+            </a:r>
+            <a:r>
+              <a:rPr lang="en-US" altLang="zh-CN" sz="1800" dirty="0">
+                <a:solidFill>
+                  <a:srgbClr val="008080"/>
+                </a:solidFill>
+                <a:latin typeface="新宋体" panose="02010609030101010101" pitchFamily="49" charset="-122"/>
+                <a:ea typeface="新宋体" panose="02010609030101010101" pitchFamily="49" charset="-122"/>
+              </a:rPr>
+              <a:t>^</a:t>
+            </a:r>
+            <a:r>
+              <a:rPr lang="en-US" altLang="zh-CN" sz="1800" dirty="0">
+                <a:solidFill>
+                  <a:srgbClr val="000000"/>
+                </a:solidFill>
+                <a:latin typeface="新宋体" panose="02010609030101010101" pitchFamily="49" charset="-122"/>
+                <a:ea typeface="新宋体" panose="02010609030101010101" pitchFamily="49" charset="-122"/>
+              </a:rPr>
+              <a:t> (</a:t>
+            </a:r>
+            <a:r>
+              <a:rPr lang="en-US" altLang="zh-CN" sz="1800" dirty="0" err="1">
+                <a:solidFill>
+                  <a:srgbClr val="000000"/>
+                </a:solidFill>
+                <a:latin typeface="新宋体" panose="02010609030101010101" pitchFamily="49" charset="-122"/>
+                <a:ea typeface="新宋体" panose="02010609030101010101" pitchFamily="49" charset="-122"/>
+              </a:rPr>
+              <a:t>world_coords</a:t>
+            </a:r>
+            <a:r>
+              <a:rPr lang="en-US" altLang="zh-CN" sz="1800" dirty="0">
+                <a:solidFill>
+                  <a:srgbClr val="000000"/>
+                </a:solidFill>
+                <a:latin typeface="新宋体" panose="02010609030101010101" pitchFamily="49" charset="-122"/>
+                <a:ea typeface="新宋体" panose="02010609030101010101" pitchFamily="49" charset="-122"/>
+              </a:rPr>
+              <a:t>[1] </a:t>
+            </a:r>
+            <a:r>
+              <a:rPr lang="en-US" altLang="zh-CN" sz="1800" dirty="0">
+                <a:solidFill>
+                  <a:srgbClr val="008080"/>
+                </a:solidFill>
+                <a:latin typeface="新宋体" panose="02010609030101010101" pitchFamily="49" charset="-122"/>
+                <a:ea typeface="新宋体" panose="02010609030101010101" pitchFamily="49" charset="-122"/>
+              </a:rPr>
+              <a:t>-</a:t>
+            </a:r>
+            <a:r>
+              <a:rPr lang="en-US" altLang="zh-CN" sz="1800" dirty="0">
+                <a:solidFill>
+                  <a:srgbClr val="000000"/>
+                </a:solidFill>
+                <a:latin typeface="新宋体" panose="02010609030101010101" pitchFamily="49" charset="-122"/>
+                <a:ea typeface="新宋体" panose="02010609030101010101" pitchFamily="49" charset="-122"/>
+              </a:rPr>
+              <a:t> </a:t>
+            </a:r>
+            <a:r>
+              <a:rPr lang="en-US" altLang="zh-CN" sz="1800" dirty="0" err="1">
+                <a:solidFill>
+                  <a:srgbClr val="000000"/>
+                </a:solidFill>
+                <a:latin typeface="新宋体" panose="02010609030101010101" pitchFamily="49" charset="-122"/>
+                <a:ea typeface="新宋体" panose="02010609030101010101" pitchFamily="49" charset="-122"/>
+              </a:rPr>
+              <a:t>world_coords</a:t>
+            </a:r>
+            <a:r>
+              <a:rPr lang="en-US" altLang="zh-CN" sz="1800" dirty="0">
+                <a:solidFill>
+                  <a:srgbClr val="000000"/>
+                </a:solidFill>
+                <a:latin typeface="新宋体" panose="02010609030101010101" pitchFamily="49" charset="-122"/>
+                <a:ea typeface="新宋体" panose="02010609030101010101" pitchFamily="49" charset="-122"/>
+              </a:rPr>
+              <a:t>[0]);</a:t>
+            </a:r>
+          </a:p>
+          <a:p>
+            <a:r>
+              <a:rPr lang="en-US" altLang="zh-CN" sz="1800" dirty="0">
+                <a:solidFill>
+                  <a:srgbClr val="008000"/>
+                </a:solidFill>
+                <a:latin typeface="新宋体" panose="02010609030101010101" pitchFamily="49" charset="-122"/>
+                <a:ea typeface="新宋体" panose="02010609030101010101" pitchFamily="49" charset="-122"/>
+              </a:rPr>
+              <a:t>//</a:t>
+            </a:r>
+            <a:r>
+              <a:rPr lang="zh-CN" altLang="en-US" sz="1800" dirty="0">
+                <a:solidFill>
+                  <a:srgbClr val="008000"/>
+                </a:solidFill>
+                <a:latin typeface="新宋体" panose="02010609030101010101" pitchFamily="49" charset="-122"/>
+                <a:ea typeface="新宋体" panose="02010609030101010101" pitchFamily="49" charset="-122"/>
+              </a:rPr>
+              <a:t>归一化</a:t>
+            </a:r>
+            <a:endParaRPr lang="zh-CN" altLang="en-US" sz="1800" dirty="0">
+              <a:solidFill>
+                <a:srgbClr val="000000"/>
+              </a:solidFill>
+              <a:latin typeface="新宋体" panose="02010609030101010101" pitchFamily="49" charset="-122"/>
+              <a:ea typeface="新宋体" panose="02010609030101010101" pitchFamily="49" charset="-122"/>
+            </a:endParaRPr>
+          </a:p>
+          <a:p>
+            <a:r>
+              <a:rPr lang="en-US" altLang="zh-CN" sz="1800" dirty="0" err="1">
+                <a:solidFill>
+                  <a:srgbClr val="000000"/>
+                </a:solidFill>
+                <a:latin typeface="新宋体" panose="02010609030101010101" pitchFamily="49" charset="-122"/>
+                <a:ea typeface="新宋体" panose="02010609030101010101" pitchFamily="49" charset="-122"/>
+              </a:rPr>
+              <a:t>n.normalize</a:t>
+            </a:r>
+            <a:r>
+              <a:rPr lang="en-US" altLang="zh-CN" sz="1800" dirty="0">
+                <a:solidFill>
+                  <a:srgbClr val="000000"/>
+                </a:solidFill>
+                <a:latin typeface="新宋体" panose="02010609030101010101" pitchFamily="49" charset="-122"/>
+                <a:ea typeface="新宋体" panose="02010609030101010101" pitchFamily="49" charset="-122"/>
+              </a:rPr>
+              <a:t>();</a:t>
+            </a:r>
+          </a:p>
+          <a:p>
+            <a:r>
+              <a:rPr lang="en-US" altLang="zh-CN" sz="1800" dirty="0">
+                <a:solidFill>
+                  <a:srgbClr val="008000"/>
+                </a:solidFill>
+                <a:latin typeface="新宋体" panose="02010609030101010101" pitchFamily="49" charset="-122"/>
+                <a:ea typeface="新宋体" panose="02010609030101010101" pitchFamily="49" charset="-122"/>
+              </a:rPr>
+              <a:t>//</a:t>
+            </a:r>
+            <a:r>
+              <a:rPr lang="zh-CN" altLang="en-US" sz="1800" dirty="0">
+                <a:solidFill>
+                  <a:srgbClr val="008000"/>
+                </a:solidFill>
+                <a:latin typeface="新宋体" panose="02010609030101010101" pitchFamily="49" charset="-122"/>
+                <a:ea typeface="新宋体" panose="02010609030101010101" pitchFamily="49" charset="-122"/>
+              </a:rPr>
+              <a:t>光照强度比例</a:t>
+            </a:r>
+            <a:endParaRPr lang="zh-CN" altLang="en-US" sz="1800" dirty="0">
+              <a:solidFill>
+                <a:srgbClr val="000000"/>
+              </a:solidFill>
+              <a:latin typeface="新宋体" panose="02010609030101010101" pitchFamily="49" charset="-122"/>
+              <a:ea typeface="新宋体" panose="02010609030101010101" pitchFamily="49" charset="-122"/>
+            </a:endParaRPr>
+          </a:p>
+          <a:p>
+            <a:r>
+              <a:rPr lang="en-US" altLang="zh-CN" sz="1800" dirty="0">
+                <a:solidFill>
+                  <a:srgbClr val="0000FF"/>
+                </a:solidFill>
+                <a:latin typeface="新宋体" panose="02010609030101010101" pitchFamily="49" charset="-122"/>
+                <a:ea typeface="新宋体" panose="02010609030101010101" pitchFamily="49" charset="-122"/>
+              </a:rPr>
+              <a:t>float</a:t>
+            </a:r>
+            <a:r>
+              <a:rPr lang="en-US" altLang="zh-CN" sz="1800" dirty="0">
+                <a:solidFill>
+                  <a:srgbClr val="000000"/>
+                </a:solidFill>
+                <a:latin typeface="新宋体" panose="02010609030101010101" pitchFamily="49" charset="-122"/>
+                <a:ea typeface="新宋体" panose="02010609030101010101" pitchFamily="49" charset="-122"/>
+              </a:rPr>
+              <a:t> intensity = n </a:t>
+            </a:r>
+            <a:r>
+              <a:rPr lang="en-US" altLang="zh-CN" sz="1800" dirty="0">
+                <a:solidFill>
+                  <a:srgbClr val="008080"/>
+                </a:solidFill>
+                <a:latin typeface="新宋体" panose="02010609030101010101" pitchFamily="49" charset="-122"/>
+                <a:ea typeface="新宋体" panose="02010609030101010101" pitchFamily="49" charset="-122"/>
+              </a:rPr>
+              <a:t>*</a:t>
+            </a:r>
+            <a:r>
+              <a:rPr lang="en-US" altLang="zh-CN" sz="1800" dirty="0">
+                <a:solidFill>
+                  <a:srgbClr val="000000"/>
+                </a:solidFill>
+                <a:latin typeface="新宋体" panose="02010609030101010101" pitchFamily="49" charset="-122"/>
+                <a:ea typeface="新宋体" panose="02010609030101010101" pitchFamily="49" charset="-122"/>
+              </a:rPr>
+              <a:t> </a:t>
+            </a:r>
+            <a:r>
+              <a:rPr lang="en-US" altLang="zh-CN" sz="1800" dirty="0" err="1">
+                <a:solidFill>
+                  <a:srgbClr val="000000"/>
+                </a:solidFill>
+                <a:latin typeface="新宋体" panose="02010609030101010101" pitchFamily="49" charset="-122"/>
+                <a:ea typeface="新宋体" panose="02010609030101010101" pitchFamily="49" charset="-122"/>
+              </a:rPr>
+              <a:t>light_Dir</a:t>
+            </a:r>
+            <a:r>
+              <a:rPr lang="en-US" altLang="zh-CN" sz="1800" dirty="0">
+                <a:solidFill>
+                  <a:srgbClr val="000000"/>
+                </a:solidFill>
+                <a:latin typeface="新宋体" panose="02010609030101010101" pitchFamily="49" charset="-122"/>
+                <a:ea typeface="新宋体" panose="02010609030101010101" pitchFamily="49" charset="-122"/>
+              </a:rPr>
+              <a:t>;</a:t>
+            </a:r>
+          </a:p>
+          <a:p>
+            <a:r>
+              <a:rPr lang="en-US" altLang="zh-CN" sz="1800" dirty="0">
+                <a:solidFill>
+                  <a:srgbClr val="008000"/>
+                </a:solidFill>
+                <a:latin typeface="新宋体" panose="02010609030101010101" pitchFamily="49" charset="-122"/>
+                <a:ea typeface="新宋体" panose="02010609030101010101" pitchFamily="49" charset="-122"/>
+              </a:rPr>
+              <a:t>//</a:t>
+            </a:r>
+            <a:r>
+              <a:rPr lang="zh-CN" altLang="en-US" sz="1800" dirty="0">
+                <a:solidFill>
+                  <a:srgbClr val="008000"/>
+                </a:solidFill>
+                <a:latin typeface="新宋体" panose="02010609030101010101" pitchFamily="49" charset="-122"/>
+                <a:ea typeface="新宋体" panose="02010609030101010101" pitchFamily="49" charset="-122"/>
+              </a:rPr>
+              <a:t>以不同颜色绘制每个三角形</a:t>
+            </a:r>
+            <a:endParaRPr lang="zh-CN" altLang="en-US" sz="1800" dirty="0">
+              <a:solidFill>
+                <a:srgbClr val="000000"/>
+              </a:solidFill>
+              <a:latin typeface="新宋体" panose="02010609030101010101" pitchFamily="49" charset="-122"/>
+              <a:ea typeface="新宋体" panose="02010609030101010101" pitchFamily="49" charset="-122"/>
+            </a:endParaRPr>
+          </a:p>
+          <a:p>
+            <a:r>
+              <a:rPr lang="en-US" altLang="zh-CN" sz="1800" dirty="0">
+                <a:solidFill>
+                  <a:srgbClr val="000000"/>
+                </a:solidFill>
+                <a:latin typeface="新宋体" panose="02010609030101010101" pitchFamily="49" charset="-122"/>
+                <a:ea typeface="新宋体" panose="02010609030101010101" pitchFamily="49" charset="-122"/>
+              </a:rPr>
+              <a:t>std::</a:t>
+            </a:r>
+            <a:r>
+              <a:rPr lang="en-US" altLang="zh-CN" sz="1800" dirty="0" err="1">
+                <a:solidFill>
+                  <a:srgbClr val="000000"/>
+                </a:solidFill>
+                <a:latin typeface="新宋体" panose="02010609030101010101" pitchFamily="49" charset="-122"/>
+                <a:ea typeface="新宋体" panose="02010609030101010101" pitchFamily="49" charset="-122"/>
+              </a:rPr>
+              <a:t>cout</a:t>
+            </a:r>
+            <a:r>
+              <a:rPr lang="en-US" altLang="zh-CN" sz="1800" dirty="0">
+                <a:solidFill>
+                  <a:srgbClr val="000000"/>
+                </a:solidFill>
+                <a:latin typeface="新宋体" panose="02010609030101010101" pitchFamily="49" charset="-122"/>
+                <a:ea typeface="新宋体" panose="02010609030101010101" pitchFamily="49" charset="-122"/>
+              </a:rPr>
+              <a:t> </a:t>
+            </a:r>
+            <a:r>
+              <a:rPr lang="en-US" altLang="zh-CN" sz="1800" dirty="0">
+                <a:solidFill>
+                  <a:srgbClr val="008080"/>
+                </a:solidFill>
+                <a:latin typeface="新宋体" panose="02010609030101010101" pitchFamily="49" charset="-122"/>
+                <a:ea typeface="新宋体" panose="02010609030101010101" pitchFamily="49" charset="-122"/>
+              </a:rPr>
+              <a:t>&lt;&lt;</a:t>
+            </a:r>
+            <a:r>
+              <a:rPr lang="en-US" altLang="zh-CN" sz="1800" dirty="0">
+                <a:solidFill>
+                  <a:srgbClr val="000000"/>
+                </a:solidFill>
+                <a:latin typeface="新宋体" panose="02010609030101010101" pitchFamily="49" charset="-122"/>
+                <a:ea typeface="新宋体" panose="02010609030101010101" pitchFamily="49" charset="-122"/>
+              </a:rPr>
+              <a:t> </a:t>
+            </a:r>
+            <a:r>
+              <a:rPr lang="en-US" altLang="zh-CN" sz="1800" dirty="0" err="1">
+                <a:solidFill>
+                  <a:srgbClr val="000000"/>
+                </a:solidFill>
+                <a:latin typeface="新宋体" panose="02010609030101010101" pitchFamily="49" charset="-122"/>
+                <a:ea typeface="新宋体" panose="02010609030101010101" pitchFamily="49" charset="-122"/>
+              </a:rPr>
+              <a:t>i</a:t>
+            </a:r>
+            <a:r>
+              <a:rPr lang="en-US" altLang="zh-CN" sz="1800" dirty="0">
+                <a:solidFill>
+                  <a:srgbClr val="000000"/>
+                </a:solidFill>
+                <a:latin typeface="新宋体" panose="02010609030101010101" pitchFamily="49" charset="-122"/>
+                <a:ea typeface="新宋体" panose="02010609030101010101" pitchFamily="49" charset="-122"/>
+              </a:rPr>
+              <a:t> </a:t>
+            </a:r>
+            <a:r>
+              <a:rPr lang="en-US" altLang="zh-CN" sz="1800" dirty="0">
+                <a:solidFill>
+                  <a:srgbClr val="008080"/>
+                </a:solidFill>
+                <a:latin typeface="新宋体" panose="02010609030101010101" pitchFamily="49" charset="-122"/>
+                <a:ea typeface="新宋体" panose="02010609030101010101" pitchFamily="49" charset="-122"/>
+              </a:rPr>
+              <a:t>&lt;&lt;</a:t>
+            </a:r>
+            <a:r>
+              <a:rPr lang="en-US" altLang="zh-CN" sz="1800" dirty="0">
+                <a:solidFill>
+                  <a:srgbClr val="000000"/>
+                </a:solidFill>
+                <a:latin typeface="新宋体" panose="02010609030101010101" pitchFamily="49" charset="-122"/>
+                <a:ea typeface="新宋体" panose="02010609030101010101" pitchFamily="49" charset="-122"/>
+              </a:rPr>
+              <a:t> std::</a:t>
+            </a:r>
+            <a:r>
+              <a:rPr lang="en-US" altLang="zh-CN" sz="1800" dirty="0" err="1">
+                <a:solidFill>
+                  <a:srgbClr val="000000"/>
+                </a:solidFill>
+                <a:latin typeface="新宋体" panose="02010609030101010101" pitchFamily="49" charset="-122"/>
+                <a:ea typeface="新宋体" panose="02010609030101010101" pitchFamily="49" charset="-122"/>
+              </a:rPr>
+              <a:t>endl</a:t>
+            </a:r>
+            <a:r>
+              <a:rPr lang="en-US" altLang="zh-CN" sz="1800" dirty="0">
+                <a:solidFill>
+                  <a:srgbClr val="000000"/>
+                </a:solidFill>
+                <a:latin typeface="新宋体" panose="02010609030101010101" pitchFamily="49" charset="-122"/>
+                <a:ea typeface="新宋体" panose="02010609030101010101" pitchFamily="49" charset="-122"/>
+              </a:rPr>
+              <a:t>;</a:t>
+            </a:r>
+          </a:p>
+          <a:p>
+            <a:r>
+              <a:rPr lang="en-US" altLang="zh-CN" sz="1800" dirty="0">
+                <a:solidFill>
+                  <a:srgbClr val="008000"/>
+                </a:solidFill>
+                <a:latin typeface="新宋体" panose="02010609030101010101" pitchFamily="49" charset="-122"/>
+                <a:ea typeface="新宋体" panose="02010609030101010101" pitchFamily="49" charset="-122"/>
+              </a:rPr>
+              <a:t>//if(intensity &gt; 0)</a:t>
+            </a:r>
+            <a:endParaRPr lang="en-US" altLang="zh-CN" sz="1800" dirty="0">
+              <a:solidFill>
+                <a:srgbClr val="000000"/>
+              </a:solidFill>
+              <a:latin typeface="新宋体" panose="02010609030101010101" pitchFamily="49" charset="-122"/>
+              <a:ea typeface="新宋体" panose="02010609030101010101" pitchFamily="49" charset="-122"/>
+            </a:endParaRPr>
+          </a:p>
+          <a:p>
+            <a:r>
+              <a:rPr lang="en-US" altLang="zh-CN" sz="1800" dirty="0">
+                <a:solidFill>
+                  <a:srgbClr val="000000"/>
+                </a:solidFill>
+                <a:latin typeface="新宋体" panose="02010609030101010101" pitchFamily="49" charset="-122"/>
+                <a:ea typeface="新宋体" panose="02010609030101010101" pitchFamily="49" charset="-122"/>
+              </a:rPr>
+              <a:t>triangle(</a:t>
+            </a:r>
+            <a:r>
+              <a:rPr lang="en-US" altLang="zh-CN" sz="1800" dirty="0" err="1">
+                <a:solidFill>
+                  <a:srgbClr val="000000"/>
+                </a:solidFill>
+                <a:latin typeface="新宋体" panose="02010609030101010101" pitchFamily="49" charset="-122"/>
+                <a:ea typeface="新宋体" panose="02010609030101010101" pitchFamily="49" charset="-122"/>
+              </a:rPr>
+              <a:t>screen_coords</a:t>
+            </a:r>
+            <a:r>
+              <a:rPr lang="en-US" altLang="zh-CN" sz="1800" dirty="0">
+                <a:solidFill>
+                  <a:srgbClr val="000000"/>
+                </a:solidFill>
+                <a:latin typeface="新宋体" panose="02010609030101010101" pitchFamily="49" charset="-122"/>
+                <a:ea typeface="新宋体" panose="02010609030101010101" pitchFamily="49" charset="-122"/>
+              </a:rPr>
+              <a:t>, image, </a:t>
+            </a:r>
+            <a:r>
+              <a:rPr lang="en-US" altLang="zh-CN" sz="1800" dirty="0" err="1">
+                <a:solidFill>
+                  <a:srgbClr val="2B91AF"/>
+                </a:solidFill>
+                <a:latin typeface="新宋体" panose="02010609030101010101" pitchFamily="49" charset="-122"/>
+                <a:ea typeface="新宋体" panose="02010609030101010101" pitchFamily="49" charset="-122"/>
+              </a:rPr>
+              <a:t>TGAColor</a:t>
+            </a:r>
+            <a:r>
+              <a:rPr lang="en-US" altLang="zh-CN" sz="1800" dirty="0">
+                <a:solidFill>
+                  <a:srgbClr val="000000"/>
+                </a:solidFill>
+                <a:latin typeface="新宋体" panose="02010609030101010101" pitchFamily="49" charset="-122"/>
+                <a:ea typeface="新宋体" panose="02010609030101010101" pitchFamily="49" charset="-122"/>
+              </a:rPr>
+              <a:t>(intensity*255,intensity*255,intensity*255,255));</a:t>
+            </a:r>
+            <a:endParaRPr lang="zh-CN" altLang="en-US" dirty="0"/>
+          </a:p>
+        </p:txBody>
+      </p:sp>
+    </p:spTree>
+    <p:extLst>
+      <p:ext uri="{BB962C8B-B14F-4D97-AF65-F5344CB8AC3E}">
+        <p14:creationId xmlns:p14="http://schemas.microsoft.com/office/powerpoint/2010/main" val="642613187"/>
+      </p:ext>
+    </p:extLst>
+  </p:cSld>
+  <p:clrMapOvr>
+    <a:masterClrMapping/>
+  </p:clrMapOvr>
+</p:sld>
+</file>
+
+<file path=ppt/slides/slide9.xml><?xml version="1.0" encoding="utf-8"?>
+<p:sld xmlns:a="http://schemas.openxmlformats.org/drawingml/2006/main" xmlns:r="http://schemas.openxmlformats.org/officeDocument/2006/relationships" xmlns:p="http://schemas.openxmlformats.org/presentationml/2006/main">
+  <p:cSld>
+    <p:spTree>
+      <p:nvGrpSpPr>
+        <p:cNvPr id="1" name=""/>
+        <p:cNvGrpSpPr/>
+        <p:nvPr/>
+      </p:nvGrpSpPr>
+      <p:grpSpPr>
+        <a:xfrm>
+          <a:off x="0" y="0"/>
+          <a:ext cx="0" cy="0"/>
+          <a:chOff x="0" y="0"/>
+          <a:chExt cx="0" cy="0"/>
+        </a:xfrm>
+      </p:grpSpPr>
+      <p:sp>
+        <p:nvSpPr>
+          <p:cNvPr id="3" name="文本框 2">
+            <a:extLst>
+              <a:ext uri="{FF2B5EF4-FFF2-40B4-BE49-F238E27FC236}">
+                <a16:creationId xmlns:a16="http://schemas.microsoft.com/office/drawing/2014/main" id="{82FF2EED-F294-EC12-A0DE-CF5EA0F984A8}"/>
+              </a:ext>
+            </a:extLst>
+          </p:cNvPr>
+          <p:cNvSpPr txBox="1"/>
+          <p:nvPr/>
+        </p:nvSpPr>
+        <p:spPr>
+          <a:xfrm>
+            <a:off x="660706" y="588312"/>
+            <a:ext cx="10290060" cy="1200329"/>
+          </a:xfrm>
+          <a:prstGeom prst="rect">
+            <a:avLst/>
+          </a:prstGeom>
+          <a:noFill/>
+        </p:spPr>
+        <p:txBody>
+          <a:bodyPr wrap="square" rtlCol="0">
+            <a:spAutoFit/>
+          </a:bodyPr>
+          <a:lstStyle/>
+          <a:p>
+            <a:r>
+              <a:rPr lang="en-US" altLang="zh-CN" dirty="0" err="1"/>
+              <a:t>Zbuffer</a:t>
+            </a:r>
+            <a:r>
+              <a:rPr lang="zh-CN" altLang="en-US" dirty="0"/>
+              <a:t>：解决三角形深度问题，遮挡问题</a:t>
+            </a:r>
+            <a:endParaRPr lang="en-US" altLang="zh-CN" dirty="0"/>
+          </a:p>
+          <a:p>
+            <a:r>
+              <a:rPr lang="zh-CN" altLang="en-US" dirty="0"/>
+              <a:t>最开始可以利用画家算法：即从最深的三角形开始绘制，一直绘制到最外层的三角形，但是对于多相机或者两个三角形相互交错的情况，那么哪个三角形在前，哪个三角形在在后就完全由分界线决定了。</a:t>
+            </a:r>
+            <a:endParaRPr lang="en-US" altLang="zh-CN" dirty="0"/>
+          </a:p>
+          <a:p>
+            <a:r>
+              <a:rPr lang="zh-CN" altLang="en-US" dirty="0"/>
+              <a:t>就以为对于同一个三角形，我们在绘制的过程中可能会先会一部分，然后再画另外一部分</a:t>
+            </a:r>
+          </a:p>
+        </p:txBody>
+      </p:sp>
+    </p:spTree>
+    <p:extLst>
+      <p:ext uri="{BB962C8B-B14F-4D97-AF65-F5344CB8AC3E}">
+        <p14:creationId xmlns:p14="http://schemas.microsoft.com/office/powerpoint/2010/main" val="499006555"/>
       </p:ext>
     </p:extLst>
   </p:cSld>

--- a/render/TinyRenderer.pptx
+++ b/render/TinyRenderer.pptx
@@ -14,6 +14,8 @@
     <p:sldId id="263" r:id="rId8"/>
     <p:sldId id="264" r:id="rId9"/>
     <p:sldId id="265" r:id="rId10"/>
+    <p:sldId id="266" r:id="rId11"/>
+    <p:sldId id="267" r:id="rId12"/>
   </p:sldIdLst>
   <p:sldSz cx="12192000" cy="6858000"/>
   <p:notesSz cx="6858000" cy="9144000"/>
@@ -4026,6 +4028,827 @@
     <p:extLst>
       <p:ext uri="{BB962C8B-B14F-4D97-AF65-F5344CB8AC3E}">
         <p14:creationId xmlns:p14="http://schemas.microsoft.com/office/powerpoint/2010/main" val="881855741"/>
+      </p:ext>
+    </p:extLst>
+  </p:cSld>
+  <p:clrMapOvr>
+    <a:masterClrMapping/>
+  </p:clrMapOvr>
+</p:sld>
+</file>
+
+<file path=ppt/slides/slide10.xml><?xml version="1.0" encoding="utf-8"?>
+<p:sld xmlns:a="http://schemas.openxmlformats.org/drawingml/2006/main" xmlns:r="http://schemas.openxmlformats.org/officeDocument/2006/relationships" xmlns:p="http://schemas.openxmlformats.org/presentationml/2006/main">
+  <p:cSld>
+    <p:spTree>
+      <p:nvGrpSpPr>
+        <p:cNvPr id="1" name=""/>
+        <p:cNvGrpSpPr/>
+        <p:nvPr/>
+      </p:nvGrpSpPr>
+      <p:grpSpPr>
+        <a:xfrm>
+          <a:off x="0" y="0"/>
+          <a:ext cx="0" cy="0"/>
+          <a:chOff x="0" y="0"/>
+          <a:chExt cx="0" cy="0"/>
+        </a:xfrm>
+      </p:grpSpPr>
+      <p:sp>
+        <p:nvSpPr>
+          <p:cNvPr id="4" name="文本框 3">
+            <a:extLst>
+              <a:ext uri="{FF2B5EF4-FFF2-40B4-BE49-F238E27FC236}">
+                <a16:creationId xmlns:a16="http://schemas.microsoft.com/office/drawing/2014/main" id="{B88A6D8D-B5B8-030A-7C22-784AF648EBD1}"/>
+              </a:ext>
+            </a:extLst>
+          </p:cNvPr>
+          <p:cNvSpPr txBox="1"/>
+          <p:nvPr/>
+        </p:nvSpPr>
+        <p:spPr>
+          <a:xfrm>
+            <a:off x="803925" y="852717"/>
+            <a:ext cx="10290060" cy="2031325"/>
+          </a:xfrm>
+          <a:prstGeom prst="rect">
+            <a:avLst/>
+          </a:prstGeom>
+          <a:noFill/>
+        </p:spPr>
+        <p:txBody>
+          <a:bodyPr wrap="square" rtlCol="0">
+            <a:spAutoFit/>
+          </a:bodyPr>
+          <a:lstStyle/>
+          <a:p>
+            <a:r>
+              <a:rPr lang="en-US" altLang="zh-CN" sz="1800" dirty="0">
+                <a:solidFill>
+                  <a:srgbClr val="000000"/>
+                </a:solidFill>
+                <a:latin typeface="新宋体" panose="02010609030101010101" pitchFamily="49" charset="-122"/>
+                <a:ea typeface="新宋体" panose="02010609030101010101" pitchFamily="49" charset="-122"/>
+              </a:rPr>
+              <a:t>rasterize(</a:t>
+            </a:r>
+            <a:r>
+              <a:rPr lang="en-US" altLang="zh-CN" sz="1800" dirty="0">
+                <a:solidFill>
+                  <a:srgbClr val="2B91AF"/>
+                </a:solidFill>
+                <a:latin typeface="新宋体" panose="02010609030101010101" pitchFamily="49" charset="-122"/>
+                <a:ea typeface="新宋体" panose="02010609030101010101" pitchFamily="49" charset="-122"/>
+              </a:rPr>
+              <a:t>Vec2i</a:t>
+            </a:r>
+            <a:r>
+              <a:rPr lang="en-US" altLang="zh-CN" sz="1800" dirty="0">
+                <a:solidFill>
+                  <a:srgbClr val="000000"/>
+                </a:solidFill>
+                <a:latin typeface="新宋体" panose="02010609030101010101" pitchFamily="49" charset="-122"/>
+                <a:ea typeface="新宋体" panose="02010609030101010101" pitchFamily="49" charset="-122"/>
+              </a:rPr>
+              <a:t>(20, 34), </a:t>
+            </a:r>
+            <a:r>
+              <a:rPr lang="en-US" altLang="zh-CN" sz="1800" dirty="0">
+                <a:solidFill>
+                  <a:srgbClr val="2B91AF"/>
+                </a:solidFill>
+                <a:latin typeface="新宋体" panose="02010609030101010101" pitchFamily="49" charset="-122"/>
+                <a:ea typeface="新宋体" panose="02010609030101010101" pitchFamily="49" charset="-122"/>
+              </a:rPr>
+              <a:t>Vec2i</a:t>
+            </a:r>
+            <a:r>
+              <a:rPr lang="en-US" altLang="zh-CN" sz="1800" dirty="0">
+                <a:solidFill>
+                  <a:srgbClr val="000000"/>
+                </a:solidFill>
+                <a:latin typeface="新宋体" panose="02010609030101010101" pitchFamily="49" charset="-122"/>
+                <a:ea typeface="新宋体" panose="02010609030101010101" pitchFamily="49" charset="-122"/>
+              </a:rPr>
+              <a:t>(744, 400), image, red, </a:t>
+            </a:r>
+            <a:r>
+              <a:rPr lang="en-US" altLang="zh-CN" sz="1800" dirty="0" err="1">
+                <a:solidFill>
+                  <a:srgbClr val="000000"/>
+                </a:solidFill>
+                <a:latin typeface="新宋体" panose="02010609030101010101" pitchFamily="49" charset="-122"/>
+                <a:ea typeface="新宋体" panose="02010609030101010101" pitchFamily="49" charset="-122"/>
+              </a:rPr>
+              <a:t>ybuffer</a:t>
+            </a:r>
+            <a:r>
+              <a:rPr lang="en-US" altLang="zh-CN" sz="1800" dirty="0">
+                <a:solidFill>
+                  <a:srgbClr val="000000"/>
+                </a:solidFill>
+                <a:latin typeface="新宋体" panose="02010609030101010101" pitchFamily="49" charset="-122"/>
+                <a:ea typeface="新宋体" panose="02010609030101010101" pitchFamily="49" charset="-122"/>
+              </a:rPr>
+              <a:t>);</a:t>
+            </a:r>
+          </a:p>
+          <a:p>
+            <a:endParaRPr lang="en-US" altLang="zh-CN" dirty="0">
+              <a:solidFill>
+                <a:srgbClr val="000000"/>
+              </a:solidFill>
+              <a:latin typeface="新宋体" panose="02010609030101010101" pitchFamily="49" charset="-122"/>
+              <a:ea typeface="新宋体" panose="02010609030101010101" pitchFamily="49" charset="-122"/>
+            </a:endParaRPr>
+          </a:p>
+          <a:p>
+            <a:endParaRPr lang="en-US" altLang="zh-CN" sz="1800" dirty="0">
+              <a:solidFill>
+                <a:srgbClr val="000000"/>
+              </a:solidFill>
+              <a:latin typeface="新宋体" panose="02010609030101010101" pitchFamily="49" charset="-122"/>
+              <a:ea typeface="新宋体" panose="02010609030101010101" pitchFamily="49" charset="-122"/>
+            </a:endParaRPr>
+          </a:p>
+          <a:p>
+            <a:r>
+              <a:rPr lang="en-US" altLang="zh-CN" sz="1800" dirty="0">
+                <a:solidFill>
+                  <a:srgbClr val="000000"/>
+                </a:solidFill>
+                <a:latin typeface="新宋体" panose="02010609030101010101" pitchFamily="49" charset="-122"/>
+                <a:ea typeface="新宋体" panose="02010609030101010101" pitchFamily="49" charset="-122"/>
+              </a:rPr>
+              <a:t>rasterize(</a:t>
+            </a:r>
+            <a:r>
+              <a:rPr lang="en-US" altLang="zh-CN" sz="1800" dirty="0">
+                <a:solidFill>
+                  <a:srgbClr val="2B91AF"/>
+                </a:solidFill>
+                <a:latin typeface="新宋体" panose="02010609030101010101" pitchFamily="49" charset="-122"/>
+                <a:ea typeface="新宋体" panose="02010609030101010101" pitchFamily="49" charset="-122"/>
+              </a:rPr>
+              <a:t>Vec2i</a:t>
+            </a:r>
+            <a:r>
+              <a:rPr lang="en-US" altLang="zh-CN" sz="1800" dirty="0">
+                <a:solidFill>
+                  <a:srgbClr val="000000"/>
+                </a:solidFill>
+                <a:latin typeface="新宋体" panose="02010609030101010101" pitchFamily="49" charset="-122"/>
+                <a:ea typeface="新宋体" panose="02010609030101010101" pitchFamily="49" charset="-122"/>
+              </a:rPr>
+              <a:t>(120, 434), </a:t>
+            </a:r>
+            <a:r>
+              <a:rPr lang="en-US" altLang="zh-CN" sz="1800" dirty="0">
+                <a:solidFill>
+                  <a:srgbClr val="2B91AF"/>
+                </a:solidFill>
+                <a:latin typeface="新宋体" panose="02010609030101010101" pitchFamily="49" charset="-122"/>
+                <a:ea typeface="新宋体" panose="02010609030101010101" pitchFamily="49" charset="-122"/>
+              </a:rPr>
+              <a:t>Vec2i</a:t>
+            </a:r>
+            <a:r>
+              <a:rPr lang="en-US" altLang="zh-CN" sz="1800" dirty="0">
+                <a:solidFill>
+                  <a:srgbClr val="000000"/>
+                </a:solidFill>
+                <a:latin typeface="新宋体" panose="02010609030101010101" pitchFamily="49" charset="-122"/>
+                <a:ea typeface="新宋体" panose="02010609030101010101" pitchFamily="49" charset="-122"/>
+              </a:rPr>
+              <a:t>(444, 400), image, green, </a:t>
+            </a:r>
+            <a:r>
+              <a:rPr lang="en-US" altLang="zh-CN" sz="1800" dirty="0" err="1">
+                <a:solidFill>
+                  <a:srgbClr val="000000"/>
+                </a:solidFill>
+                <a:latin typeface="新宋体" panose="02010609030101010101" pitchFamily="49" charset="-122"/>
+                <a:ea typeface="新宋体" panose="02010609030101010101" pitchFamily="49" charset="-122"/>
+              </a:rPr>
+              <a:t>ybuffer</a:t>
+            </a:r>
+            <a:r>
+              <a:rPr lang="en-US" altLang="zh-CN" sz="1800" dirty="0">
+                <a:solidFill>
+                  <a:srgbClr val="000000"/>
+                </a:solidFill>
+                <a:latin typeface="新宋体" panose="02010609030101010101" pitchFamily="49" charset="-122"/>
+                <a:ea typeface="新宋体" panose="02010609030101010101" pitchFamily="49" charset="-122"/>
+              </a:rPr>
+              <a:t>);</a:t>
+            </a:r>
+          </a:p>
+          <a:p>
+            <a:endParaRPr lang="en-US" altLang="zh-CN" dirty="0">
+              <a:solidFill>
+                <a:srgbClr val="000000"/>
+              </a:solidFill>
+              <a:latin typeface="新宋体" panose="02010609030101010101" pitchFamily="49" charset="-122"/>
+              <a:ea typeface="新宋体" panose="02010609030101010101" pitchFamily="49" charset="-122"/>
+            </a:endParaRPr>
+          </a:p>
+          <a:p>
+            <a:endParaRPr lang="en-US" altLang="zh-CN" sz="1800" dirty="0">
+              <a:solidFill>
+                <a:srgbClr val="000000"/>
+              </a:solidFill>
+              <a:latin typeface="新宋体" panose="02010609030101010101" pitchFamily="49" charset="-122"/>
+              <a:ea typeface="新宋体" panose="02010609030101010101" pitchFamily="49" charset="-122"/>
+            </a:endParaRPr>
+          </a:p>
+          <a:p>
+            <a:r>
+              <a:rPr lang="en-US" altLang="zh-CN" sz="1800" dirty="0">
+                <a:solidFill>
+                  <a:srgbClr val="000000"/>
+                </a:solidFill>
+                <a:latin typeface="新宋体" panose="02010609030101010101" pitchFamily="49" charset="-122"/>
+                <a:ea typeface="新宋体" panose="02010609030101010101" pitchFamily="49" charset="-122"/>
+              </a:rPr>
+              <a:t>rasterize(</a:t>
+            </a:r>
+            <a:r>
+              <a:rPr lang="en-US" altLang="zh-CN" sz="1800" dirty="0">
+                <a:solidFill>
+                  <a:srgbClr val="2B91AF"/>
+                </a:solidFill>
+                <a:latin typeface="新宋体" panose="02010609030101010101" pitchFamily="49" charset="-122"/>
+                <a:ea typeface="新宋体" panose="02010609030101010101" pitchFamily="49" charset="-122"/>
+              </a:rPr>
+              <a:t>Vec2i</a:t>
+            </a:r>
+            <a:r>
+              <a:rPr lang="en-US" altLang="zh-CN" sz="1800" dirty="0">
+                <a:solidFill>
+                  <a:srgbClr val="000000"/>
+                </a:solidFill>
+                <a:latin typeface="新宋体" panose="02010609030101010101" pitchFamily="49" charset="-122"/>
+                <a:ea typeface="新宋体" panose="02010609030101010101" pitchFamily="49" charset="-122"/>
+              </a:rPr>
+              <a:t>(330, 463), </a:t>
+            </a:r>
+            <a:r>
+              <a:rPr lang="en-US" altLang="zh-CN" sz="1800" dirty="0">
+                <a:solidFill>
+                  <a:srgbClr val="2B91AF"/>
+                </a:solidFill>
+                <a:latin typeface="新宋体" panose="02010609030101010101" pitchFamily="49" charset="-122"/>
+                <a:ea typeface="新宋体" panose="02010609030101010101" pitchFamily="49" charset="-122"/>
+              </a:rPr>
+              <a:t>Vec2i</a:t>
+            </a:r>
+            <a:r>
+              <a:rPr lang="en-US" altLang="zh-CN" sz="1800" dirty="0">
+                <a:solidFill>
+                  <a:srgbClr val="000000"/>
+                </a:solidFill>
+                <a:latin typeface="新宋体" panose="02010609030101010101" pitchFamily="49" charset="-122"/>
+                <a:ea typeface="新宋体" panose="02010609030101010101" pitchFamily="49" charset="-122"/>
+              </a:rPr>
+              <a:t>(594, 200), image, blue, </a:t>
+            </a:r>
+            <a:r>
+              <a:rPr lang="en-US" altLang="zh-CN" sz="1800" dirty="0" err="1">
+                <a:solidFill>
+                  <a:srgbClr val="000000"/>
+                </a:solidFill>
+                <a:latin typeface="新宋体" panose="02010609030101010101" pitchFamily="49" charset="-122"/>
+                <a:ea typeface="新宋体" panose="02010609030101010101" pitchFamily="49" charset="-122"/>
+              </a:rPr>
+              <a:t>ybuffer</a:t>
+            </a:r>
+            <a:r>
+              <a:rPr lang="en-US" altLang="zh-CN" sz="1800" dirty="0">
+                <a:solidFill>
+                  <a:srgbClr val="000000"/>
+                </a:solidFill>
+                <a:latin typeface="新宋体" panose="02010609030101010101" pitchFamily="49" charset="-122"/>
+                <a:ea typeface="新宋体" panose="02010609030101010101" pitchFamily="49" charset="-122"/>
+              </a:rPr>
+              <a:t>);</a:t>
+            </a:r>
+            <a:endParaRPr lang="zh-CN" altLang="en-US" dirty="0"/>
+          </a:p>
+        </p:txBody>
+      </p:sp>
+      <p:pic>
+        <p:nvPicPr>
+          <p:cNvPr id="6" name="图片 5">
+            <a:extLst>
+              <a:ext uri="{FF2B5EF4-FFF2-40B4-BE49-F238E27FC236}">
+                <a16:creationId xmlns:a16="http://schemas.microsoft.com/office/drawing/2014/main" id="{0B0E0E90-1046-AFD3-83E4-BDEB90832B27}"/>
+              </a:ext>
+            </a:extLst>
+          </p:cNvPr>
+          <p:cNvPicPr>
+            <a:picLocks noChangeAspect="1"/>
+          </p:cNvPicPr>
+          <p:nvPr/>
+        </p:nvPicPr>
+        <p:blipFill>
+          <a:blip r:embed="rId2"/>
+          <a:stretch>
+            <a:fillRect/>
+          </a:stretch>
+        </p:blipFill>
+        <p:spPr>
+          <a:xfrm>
+            <a:off x="424172" y="1272416"/>
+            <a:ext cx="10526594" cy="457264"/>
+          </a:xfrm>
+          <a:prstGeom prst="rect">
+            <a:avLst/>
+          </a:prstGeom>
+        </p:spPr>
+      </p:pic>
+      <p:pic>
+        <p:nvPicPr>
+          <p:cNvPr id="8" name="图片 7">
+            <a:extLst>
+              <a:ext uri="{FF2B5EF4-FFF2-40B4-BE49-F238E27FC236}">
+                <a16:creationId xmlns:a16="http://schemas.microsoft.com/office/drawing/2014/main" id="{65157EA6-E2BA-6D6F-6C8E-A517FDFC7C93}"/>
+              </a:ext>
+            </a:extLst>
+          </p:cNvPr>
+          <p:cNvPicPr>
+            <a:picLocks noChangeAspect="1"/>
+          </p:cNvPicPr>
+          <p:nvPr/>
+        </p:nvPicPr>
+        <p:blipFill>
+          <a:blip r:embed="rId3"/>
+          <a:stretch>
+            <a:fillRect/>
+          </a:stretch>
+        </p:blipFill>
+        <p:spPr>
+          <a:xfrm>
+            <a:off x="495619" y="2035360"/>
+            <a:ext cx="10383699" cy="543001"/>
+          </a:xfrm>
+          <a:prstGeom prst="rect">
+            <a:avLst/>
+          </a:prstGeom>
+        </p:spPr>
+      </p:pic>
+      <p:pic>
+        <p:nvPicPr>
+          <p:cNvPr id="10" name="图片 9">
+            <a:extLst>
+              <a:ext uri="{FF2B5EF4-FFF2-40B4-BE49-F238E27FC236}">
+                <a16:creationId xmlns:a16="http://schemas.microsoft.com/office/drawing/2014/main" id="{703EA06A-9A65-79B4-51B5-5B1126FE65D5}"/>
+              </a:ext>
+            </a:extLst>
+          </p:cNvPr>
+          <p:cNvPicPr>
+            <a:picLocks noChangeAspect="1"/>
+          </p:cNvPicPr>
+          <p:nvPr/>
+        </p:nvPicPr>
+        <p:blipFill>
+          <a:blip r:embed="rId4"/>
+          <a:stretch>
+            <a:fillRect/>
+          </a:stretch>
+        </p:blipFill>
+        <p:spPr>
+          <a:xfrm>
+            <a:off x="495619" y="2962210"/>
+            <a:ext cx="10498015" cy="466790"/>
+          </a:xfrm>
+          <a:prstGeom prst="rect">
+            <a:avLst/>
+          </a:prstGeom>
+        </p:spPr>
+      </p:pic>
+      <p:sp>
+        <p:nvSpPr>
+          <p:cNvPr id="11" name="文本框 10">
+            <a:extLst>
+              <a:ext uri="{FF2B5EF4-FFF2-40B4-BE49-F238E27FC236}">
+                <a16:creationId xmlns:a16="http://schemas.microsoft.com/office/drawing/2014/main" id="{9FD7AEF4-232D-189F-8938-46DD13537F9D}"/>
+              </a:ext>
+            </a:extLst>
+          </p:cNvPr>
+          <p:cNvSpPr txBox="1"/>
+          <p:nvPr/>
+        </p:nvSpPr>
+        <p:spPr>
+          <a:xfrm>
+            <a:off x="589258" y="3554259"/>
+            <a:ext cx="10290060" cy="369332"/>
+          </a:xfrm>
+          <a:prstGeom prst="rect">
+            <a:avLst/>
+          </a:prstGeom>
+          <a:noFill/>
+        </p:spPr>
+        <p:txBody>
+          <a:bodyPr wrap="square" rtlCol="0">
+            <a:spAutoFit/>
+          </a:bodyPr>
+          <a:lstStyle/>
+          <a:p>
+            <a:r>
+              <a:rPr lang="zh-CN" altLang="en-US" sz="1800" dirty="0">
+                <a:solidFill>
+                  <a:srgbClr val="000000"/>
+                </a:solidFill>
+                <a:latin typeface="新宋体" panose="02010609030101010101" pitchFamily="49" charset="-122"/>
+                <a:ea typeface="新宋体" panose="02010609030101010101" pitchFamily="49" charset="-122"/>
+              </a:rPr>
+              <a:t>三条线同时绘制的效果如下</a:t>
+            </a:r>
+            <a:endParaRPr lang="en-US" altLang="zh-CN" sz="1800" dirty="0">
+              <a:solidFill>
+                <a:srgbClr val="000000"/>
+              </a:solidFill>
+              <a:latin typeface="新宋体" panose="02010609030101010101" pitchFamily="49" charset="-122"/>
+              <a:ea typeface="新宋体" panose="02010609030101010101" pitchFamily="49" charset="-122"/>
+            </a:endParaRPr>
+          </a:p>
+        </p:txBody>
+      </p:sp>
+      <p:pic>
+        <p:nvPicPr>
+          <p:cNvPr id="13" name="图片 12">
+            <a:extLst>
+              <a:ext uri="{FF2B5EF4-FFF2-40B4-BE49-F238E27FC236}">
+                <a16:creationId xmlns:a16="http://schemas.microsoft.com/office/drawing/2014/main" id="{7053ACD9-0F3E-3374-3B7D-8A652FC07690}"/>
+              </a:ext>
+            </a:extLst>
+          </p:cNvPr>
+          <p:cNvPicPr>
+            <a:picLocks noChangeAspect="1"/>
+          </p:cNvPicPr>
+          <p:nvPr/>
+        </p:nvPicPr>
+        <p:blipFill>
+          <a:blip r:embed="rId5"/>
+          <a:stretch>
+            <a:fillRect/>
+          </a:stretch>
+        </p:blipFill>
+        <p:spPr>
+          <a:xfrm>
+            <a:off x="495619" y="4011610"/>
+            <a:ext cx="10564699" cy="647790"/>
+          </a:xfrm>
+          <a:prstGeom prst="rect">
+            <a:avLst/>
+          </a:prstGeom>
+        </p:spPr>
+      </p:pic>
+    </p:spTree>
+    <p:extLst>
+      <p:ext uri="{BB962C8B-B14F-4D97-AF65-F5344CB8AC3E}">
+        <p14:creationId xmlns:p14="http://schemas.microsoft.com/office/powerpoint/2010/main" val="1221987977"/>
+      </p:ext>
+    </p:extLst>
+  </p:cSld>
+  <p:clrMapOvr>
+    <a:masterClrMapping/>
+  </p:clrMapOvr>
+</p:sld>
+</file>
+
+<file path=ppt/slides/slide11.xml><?xml version="1.0" encoding="utf-8"?>
+<p:sld xmlns:a="http://schemas.openxmlformats.org/drawingml/2006/main" xmlns:r="http://schemas.openxmlformats.org/officeDocument/2006/relationships" xmlns:p="http://schemas.openxmlformats.org/presentationml/2006/main">
+  <p:cSld>
+    <p:spTree>
+      <p:nvGrpSpPr>
+        <p:cNvPr id="1" name=""/>
+        <p:cNvGrpSpPr/>
+        <p:nvPr/>
+      </p:nvGrpSpPr>
+      <p:grpSpPr>
+        <a:xfrm>
+          <a:off x="0" y="0"/>
+          <a:ext cx="0" cy="0"/>
+          <a:chOff x="0" y="0"/>
+          <a:chExt cx="0" cy="0"/>
+        </a:xfrm>
+      </p:grpSpPr>
+      <p:sp>
+        <p:nvSpPr>
+          <p:cNvPr id="11" name="文本框 10">
+            <a:extLst>
+              <a:ext uri="{FF2B5EF4-FFF2-40B4-BE49-F238E27FC236}">
+                <a16:creationId xmlns:a16="http://schemas.microsoft.com/office/drawing/2014/main" id="{9FD7AEF4-232D-189F-8938-46DD13537F9D}"/>
+              </a:ext>
+            </a:extLst>
+          </p:cNvPr>
+          <p:cNvSpPr txBox="1"/>
+          <p:nvPr/>
+        </p:nvSpPr>
+        <p:spPr>
+          <a:xfrm>
+            <a:off x="633326" y="535637"/>
+            <a:ext cx="10290060" cy="1477328"/>
+          </a:xfrm>
+          <a:prstGeom prst="rect">
+            <a:avLst/>
+          </a:prstGeom>
+          <a:noFill/>
+        </p:spPr>
+        <p:txBody>
+          <a:bodyPr wrap="square" rtlCol="0">
+            <a:spAutoFit/>
+          </a:bodyPr>
+          <a:lstStyle/>
+          <a:p>
+            <a:r>
+              <a:rPr lang="zh-CN" altLang="en-US" sz="1800" dirty="0">
+                <a:solidFill>
+                  <a:srgbClr val="000000"/>
+                </a:solidFill>
+                <a:latin typeface="新宋体" panose="02010609030101010101" pitchFamily="49" charset="-122"/>
+                <a:ea typeface="新宋体" panose="02010609030101010101" pitchFamily="49" charset="-122"/>
+              </a:rPr>
+              <a:t>扩展到三维空间，从</a:t>
+            </a:r>
+            <a:r>
+              <a:rPr lang="en-US" altLang="zh-CN" sz="1800" dirty="0">
+                <a:solidFill>
+                  <a:srgbClr val="000000"/>
+                </a:solidFill>
+                <a:latin typeface="新宋体" panose="02010609030101010101" pitchFamily="49" charset="-122"/>
+                <a:ea typeface="新宋体" panose="02010609030101010101" pitchFamily="49" charset="-122"/>
+              </a:rPr>
+              <a:t>z</a:t>
+            </a:r>
+            <a:r>
+              <a:rPr lang="zh-CN" altLang="en-US" sz="1800" dirty="0">
+                <a:solidFill>
+                  <a:srgbClr val="000000"/>
+                </a:solidFill>
+                <a:latin typeface="新宋体" panose="02010609030101010101" pitchFamily="49" charset="-122"/>
+                <a:ea typeface="新宋体" panose="02010609030101010101" pitchFamily="49" charset="-122"/>
+              </a:rPr>
+              <a:t>轴向下看，此时的</a:t>
+            </a:r>
+            <a:r>
+              <a:rPr lang="en-US" altLang="zh-CN" sz="1800" dirty="0" err="1">
+                <a:solidFill>
+                  <a:srgbClr val="000000"/>
+                </a:solidFill>
+                <a:latin typeface="新宋体" panose="02010609030101010101" pitchFamily="49" charset="-122"/>
+                <a:ea typeface="新宋体" panose="02010609030101010101" pitchFamily="49" charset="-122"/>
+              </a:rPr>
+              <a:t>zbuffer</a:t>
+            </a:r>
+            <a:r>
+              <a:rPr lang="zh-CN" altLang="en-US" sz="1800" dirty="0">
+                <a:solidFill>
+                  <a:srgbClr val="000000"/>
+                </a:solidFill>
+                <a:latin typeface="新宋体" panose="02010609030101010101" pitchFamily="49" charset="-122"/>
+                <a:ea typeface="新宋体" panose="02010609030101010101" pitchFamily="49" charset="-122"/>
+              </a:rPr>
+              <a:t>就必须是二维的了，</a:t>
+            </a:r>
+            <a:r>
+              <a:rPr lang="en-US" altLang="zh-CN" sz="1800" dirty="0">
+                <a:solidFill>
+                  <a:srgbClr val="000000"/>
+                </a:solidFill>
+                <a:latin typeface="新宋体" panose="02010609030101010101" pitchFamily="49" charset="-122"/>
+                <a:ea typeface="新宋体" panose="02010609030101010101" pitchFamily="49" charset="-122"/>
+              </a:rPr>
+              <a:t>int[width][height];</a:t>
+            </a:r>
+          </a:p>
+          <a:p>
+            <a:r>
+              <a:rPr lang="zh-CN" altLang="en-US" sz="1800" dirty="0">
+                <a:solidFill>
+                  <a:srgbClr val="000000"/>
+                </a:solidFill>
+                <a:latin typeface="新宋体" panose="02010609030101010101" pitchFamily="49" charset="-122"/>
+                <a:ea typeface="新宋体" panose="02010609030101010101" pitchFamily="49" charset="-122"/>
+              </a:rPr>
+              <a:t>当然我们也可以用一个</a:t>
+            </a:r>
+            <a:r>
+              <a:rPr lang="zh-CN" altLang="en-US" dirty="0">
+                <a:solidFill>
+                  <a:srgbClr val="000000"/>
+                </a:solidFill>
+                <a:latin typeface="新宋体" panose="02010609030101010101" pitchFamily="49" charset="-122"/>
+                <a:ea typeface="新宋体" panose="02010609030101010101" pitchFamily="49" charset="-122"/>
+              </a:rPr>
+              <a:t>一维数组来表示，对于每个二维矩阵的点，</a:t>
+            </a:r>
+            <a:r>
+              <a:rPr lang="en-US" altLang="zh-CN" dirty="0">
+                <a:solidFill>
+                  <a:srgbClr val="000000"/>
+                </a:solidFill>
+                <a:latin typeface="新宋体" panose="02010609030101010101" pitchFamily="49" charset="-122"/>
+                <a:ea typeface="新宋体" panose="02010609030101010101" pitchFamily="49" charset="-122"/>
+              </a:rPr>
+              <a:t>int </a:t>
+            </a:r>
+            <a:r>
+              <a:rPr lang="en-US" altLang="zh-CN" dirty="0" err="1">
+                <a:solidFill>
+                  <a:srgbClr val="000000"/>
+                </a:solidFill>
+                <a:latin typeface="新宋体" panose="02010609030101010101" pitchFamily="49" charset="-122"/>
+                <a:ea typeface="新宋体" panose="02010609030101010101" pitchFamily="49" charset="-122"/>
+              </a:rPr>
+              <a:t>zb</a:t>
+            </a:r>
+            <a:r>
+              <a:rPr lang="en-US" altLang="zh-CN" dirty="0">
+                <a:solidFill>
+                  <a:srgbClr val="000000"/>
+                </a:solidFill>
+                <a:latin typeface="新宋体" panose="02010609030101010101" pitchFamily="49" charset="-122"/>
+                <a:ea typeface="新宋体" panose="02010609030101010101" pitchFamily="49" charset="-122"/>
+              </a:rPr>
+              <a:t> = </a:t>
+            </a:r>
+            <a:r>
+              <a:rPr lang="en-US" altLang="zh-CN" dirty="0" err="1">
+                <a:solidFill>
+                  <a:srgbClr val="000000"/>
+                </a:solidFill>
+                <a:latin typeface="新宋体" panose="02010609030101010101" pitchFamily="49" charset="-122"/>
+                <a:ea typeface="新宋体" panose="02010609030101010101" pitchFamily="49" charset="-122"/>
+              </a:rPr>
+              <a:t>x+y</a:t>
+            </a:r>
+            <a:r>
+              <a:rPr lang="en-US" altLang="zh-CN" dirty="0">
+                <a:solidFill>
+                  <a:srgbClr val="000000"/>
+                </a:solidFill>
+                <a:latin typeface="新宋体" panose="02010609030101010101" pitchFamily="49" charset="-122"/>
+                <a:ea typeface="新宋体" panose="02010609030101010101" pitchFamily="49" charset="-122"/>
+              </a:rPr>
+              <a:t>*width;</a:t>
+            </a:r>
+          </a:p>
+          <a:p>
+            <a:endParaRPr lang="en-US" altLang="zh-CN" sz="1800" dirty="0">
+              <a:solidFill>
+                <a:srgbClr val="000000"/>
+              </a:solidFill>
+              <a:latin typeface="新宋体" panose="02010609030101010101" pitchFamily="49" charset="-122"/>
+              <a:ea typeface="新宋体" panose="02010609030101010101" pitchFamily="49" charset="-122"/>
+            </a:endParaRPr>
+          </a:p>
+          <a:p>
+            <a:r>
+              <a:rPr lang="zh-CN" altLang="en-US" sz="1800" dirty="0">
+                <a:solidFill>
+                  <a:srgbClr val="000000"/>
+                </a:solidFill>
+                <a:latin typeface="新宋体" panose="02010609030101010101" pitchFamily="49" charset="-122"/>
+                <a:ea typeface="新宋体" panose="02010609030101010101" pitchFamily="49" charset="-122"/>
+              </a:rPr>
+              <a:t>实际上，当我们求重心坐标时，就有一个</a:t>
+            </a:r>
+            <a:r>
+              <a:rPr lang="en-US" altLang="zh-CN" sz="1800" dirty="0">
+                <a:solidFill>
+                  <a:srgbClr val="000000"/>
+                </a:solidFill>
+                <a:latin typeface="新宋体" panose="02010609030101010101" pitchFamily="49" charset="-122"/>
+                <a:ea typeface="新宋体" panose="02010609030101010101" pitchFamily="49" charset="-122"/>
+              </a:rPr>
+              <a:t>z</a:t>
+            </a:r>
+            <a:r>
+              <a:rPr lang="zh-CN" altLang="en-US" sz="1800" dirty="0">
+                <a:solidFill>
+                  <a:srgbClr val="000000"/>
+                </a:solidFill>
+                <a:latin typeface="新宋体" panose="02010609030101010101" pitchFamily="49" charset="-122"/>
+                <a:ea typeface="新宋体" panose="02010609030101010101" pitchFamily="49" charset="-122"/>
+              </a:rPr>
+              <a:t>值存在了，因为我们在二维平面求取</a:t>
+            </a:r>
+            <a:r>
+              <a:rPr lang="en-US" altLang="zh-CN" sz="1800" dirty="0">
+                <a:solidFill>
+                  <a:srgbClr val="000000"/>
+                </a:solidFill>
+                <a:latin typeface="新宋体" panose="02010609030101010101" pitchFamily="49" charset="-122"/>
+                <a:ea typeface="新宋体" panose="02010609030101010101" pitchFamily="49" charset="-122"/>
+              </a:rPr>
+              <a:t>y</a:t>
+            </a:r>
+            <a:r>
+              <a:rPr lang="zh-CN" altLang="en-US" sz="1800" dirty="0">
+                <a:solidFill>
+                  <a:srgbClr val="000000"/>
+                </a:solidFill>
+                <a:latin typeface="新宋体" panose="02010609030101010101" pitchFamily="49" charset="-122"/>
+                <a:ea typeface="新宋体" panose="02010609030101010101" pitchFamily="49" charset="-122"/>
+              </a:rPr>
+              <a:t>的时候使用的</a:t>
+            </a:r>
+            <a:r>
+              <a:rPr lang="en-US" altLang="zh-CN" sz="1800" dirty="0">
+                <a:solidFill>
+                  <a:srgbClr val="000000"/>
+                </a:solidFill>
+                <a:latin typeface="新宋体" panose="02010609030101010101" pitchFamily="49" charset="-122"/>
+                <a:ea typeface="新宋体" panose="02010609030101010101" pitchFamily="49" charset="-122"/>
+              </a:rPr>
+              <a:t>t</a:t>
+            </a:r>
+            <a:r>
+              <a:rPr lang="zh-CN" altLang="en-US" sz="1800" dirty="0">
+                <a:solidFill>
+                  <a:srgbClr val="000000"/>
+                </a:solidFill>
+                <a:latin typeface="新宋体" panose="02010609030101010101" pitchFamily="49" charset="-122"/>
+                <a:ea typeface="新宋体" panose="02010609030101010101" pitchFamily="49" charset="-122"/>
+              </a:rPr>
+              <a:t>相当于就是重心坐标（</a:t>
+            </a:r>
+            <a:r>
+              <a:rPr lang="en-US" altLang="zh-CN" sz="1800" dirty="0">
+                <a:solidFill>
+                  <a:srgbClr val="000000"/>
+                </a:solidFill>
+                <a:latin typeface="新宋体" panose="02010609030101010101" pitchFamily="49" charset="-122"/>
+                <a:ea typeface="新宋体" panose="02010609030101010101" pitchFamily="49" charset="-122"/>
+              </a:rPr>
+              <a:t>1-t,t</a:t>
+            </a:r>
+            <a:r>
+              <a:rPr lang="zh-CN" altLang="en-US" sz="1800" dirty="0">
+                <a:solidFill>
+                  <a:srgbClr val="000000"/>
+                </a:solidFill>
+                <a:latin typeface="新宋体" panose="02010609030101010101" pitchFamily="49" charset="-122"/>
+                <a:ea typeface="新宋体" panose="02010609030101010101" pitchFamily="49" charset="-122"/>
+              </a:rPr>
+              <a:t>），所以像素点</a:t>
+            </a:r>
+            <a:r>
+              <a:rPr lang="en-US" altLang="zh-CN" sz="1800" dirty="0">
+                <a:solidFill>
+                  <a:srgbClr val="000000"/>
+                </a:solidFill>
+                <a:latin typeface="新宋体" panose="02010609030101010101" pitchFamily="49" charset="-122"/>
+                <a:ea typeface="新宋体" panose="02010609030101010101" pitchFamily="49" charset="-122"/>
+              </a:rPr>
+              <a:t>P</a:t>
+            </a:r>
+            <a:r>
+              <a:rPr lang="zh-CN" altLang="en-US" sz="1800" dirty="0">
+                <a:solidFill>
+                  <a:srgbClr val="000000"/>
+                </a:solidFill>
+                <a:latin typeface="新宋体" panose="02010609030101010101" pitchFamily="49" charset="-122"/>
+                <a:ea typeface="新宋体" panose="02010609030101010101" pitchFamily="49" charset="-122"/>
+              </a:rPr>
+              <a:t>的</a:t>
+            </a:r>
+            <a:r>
+              <a:rPr lang="en-US" altLang="zh-CN" sz="1800" dirty="0">
+                <a:solidFill>
+                  <a:srgbClr val="000000"/>
+                </a:solidFill>
+                <a:latin typeface="新宋体" panose="02010609030101010101" pitchFamily="49" charset="-122"/>
+                <a:ea typeface="新宋体" panose="02010609030101010101" pitchFamily="49" charset="-122"/>
+              </a:rPr>
+              <a:t>z</a:t>
+            </a:r>
+            <a:r>
+              <a:rPr lang="zh-CN" altLang="en-US" sz="1800" dirty="0">
+                <a:solidFill>
+                  <a:srgbClr val="000000"/>
+                </a:solidFill>
+                <a:latin typeface="新宋体" panose="02010609030101010101" pitchFamily="49" charset="-122"/>
+                <a:ea typeface="新宋体" panose="02010609030101010101" pitchFamily="49" charset="-122"/>
+              </a:rPr>
+              <a:t>值应该就是三角形三个顶点与重心坐标的点乘之和</a:t>
+            </a:r>
+            <a:endParaRPr lang="en-US" altLang="zh-CN" sz="1800" dirty="0">
+              <a:solidFill>
+                <a:srgbClr val="000000"/>
+              </a:solidFill>
+              <a:latin typeface="新宋体" panose="02010609030101010101" pitchFamily="49" charset="-122"/>
+              <a:ea typeface="新宋体" panose="02010609030101010101" pitchFamily="49" charset="-122"/>
+            </a:endParaRPr>
+          </a:p>
+        </p:txBody>
+      </p:sp>
+    </p:spTree>
+    <p:extLst>
+      <p:ext uri="{BB962C8B-B14F-4D97-AF65-F5344CB8AC3E}">
+        <p14:creationId xmlns:p14="http://schemas.microsoft.com/office/powerpoint/2010/main" val="1988271100"/>
       </p:ext>
     </p:extLst>
   </p:cSld>
@@ -5916,8 +6739,8 @@
           </p:sp>
         </mc:Fallback>
       </mc:AlternateContent>
-      <mc:AlternateContent xmlns:mc="http://schemas.openxmlformats.org/markup-compatibility/2006" xmlns:a14="http://schemas.microsoft.com/office/drawing/2010/main">
-        <mc:Choice Requires="a14">
+      <mc:AlternateContent xmlns:mc="http://schemas.openxmlformats.org/markup-compatibility/2006">
+        <mc:Choice xmlns:a14="http://schemas.microsoft.com/office/drawing/2010/main" Requires="a14">
           <p:sp>
             <p:nvSpPr>
               <p:cNvPr id="5" name="文本框 4">
@@ -6616,15 +7439,7 @@
               <a:p>
                 <a:r>
                   <a:rPr lang="zh-CN" altLang="en-US" dirty="0"/>
-                  <a:t>在</a:t>
-                </a:r>
-                <a:r>
-                  <a:rPr lang="en-US" altLang="zh-CN" dirty="0"/>
-                  <a:t>C++</a:t>
-                </a:r>
-                <a:r>
-                  <a:rPr lang="zh-CN" altLang="en-US" dirty="0"/>
-                  <a:t>中可以使用</a:t>
+                  <a:t>重载了，可以使用</a:t>
                 </a:r>
                 <a:r>
                   <a:rPr lang="en-US" altLang="zh-CN" dirty="0"/>
@@ -6638,7 +7453,7 @@
             </p:txBody>
           </p:sp>
         </mc:Choice>
-        <mc:Fallback xmlns="">
+        <mc:Fallback>
           <p:sp>
             <p:nvSpPr>
               <p:cNvPr id="5" name="文本框 4">
@@ -9414,7 +10229,7 @@
         </p:nvSpPr>
         <p:spPr>
           <a:xfrm>
-            <a:off x="660706" y="588312"/>
+            <a:off x="660706" y="103570"/>
             <a:ext cx="10290060" cy="1200329"/>
           </a:xfrm>
           <a:prstGeom prst="rect">
@@ -9450,6 +10265,1264 @@
               <a:rPr lang="zh-CN" altLang="en-US" dirty="0"/>
               <a:t>就以为对于同一个三角形，我们在绘制的过程中可能会先会一部分，然后再画另外一部分</a:t>
             </a:r>
+          </a:p>
+        </p:txBody>
+      </p:sp>
+      <p:sp>
+        <p:nvSpPr>
+          <p:cNvPr id="2" name="文本框 1">
+            <a:extLst>
+              <a:ext uri="{FF2B5EF4-FFF2-40B4-BE49-F238E27FC236}">
+                <a16:creationId xmlns:a16="http://schemas.microsoft.com/office/drawing/2014/main" id="{4D007018-23C6-1630-A479-4346EA4C9C4A}"/>
+              </a:ext>
+            </a:extLst>
+          </p:cNvPr>
+          <p:cNvSpPr txBox="1"/>
+          <p:nvPr/>
+        </p:nvSpPr>
+        <p:spPr>
+          <a:xfrm>
+            <a:off x="660706" y="1303899"/>
+            <a:ext cx="10290060" cy="5447645"/>
+          </a:xfrm>
+          <a:prstGeom prst="rect">
+            <a:avLst/>
+          </a:prstGeom>
+          <a:noFill/>
+        </p:spPr>
+        <p:txBody>
+          <a:bodyPr wrap="square" rtlCol="0">
+            <a:spAutoFit/>
+          </a:bodyPr>
+          <a:lstStyle/>
+          <a:p>
+            <a:r>
+              <a:rPr lang="zh-CN" altLang="en-US" dirty="0"/>
+              <a:t>首先我们考虑</a:t>
+            </a:r>
+            <a:r>
+              <a:rPr lang="en-US" altLang="zh-CN" dirty="0"/>
+              <a:t>2</a:t>
+            </a:r>
+            <a:r>
+              <a:rPr lang="zh-CN" altLang="en-US" dirty="0"/>
+              <a:t>维情况，即从</a:t>
+            </a:r>
+            <a:r>
+              <a:rPr lang="en-US" altLang="zh-CN" dirty="0"/>
+              <a:t>y</a:t>
+            </a:r>
+            <a:r>
+              <a:rPr lang="zh-CN" altLang="en-US" dirty="0"/>
+              <a:t>轴向下看，多条线重合在</a:t>
+            </a:r>
+            <a:r>
+              <a:rPr lang="en-US" altLang="zh-CN" dirty="0"/>
+              <a:t>x</a:t>
+            </a:r>
+            <a:r>
+              <a:rPr lang="zh-CN" altLang="en-US" dirty="0"/>
+              <a:t>轴上，我们应该如何绘制不同颜色的重叠效果，就需要利用</a:t>
+            </a:r>
+            <a:r>
+              <a:rPr lang="en-US" altLang="zh-CN" dirty="0" err="1"/>
+              <a:t>ybuffer</a:t>
+            </a:r>
+            <a:r>
+              <a:rPr lang="zh-CN" altLang="en-US" dirty="0"/>
+              <a:t>这个数组那存储每个像素点</a:t>
+            </a:r>
+            <a:r>
+              <a:rPr lang="en-US" altLang="zh-CN" dirty="0"/>
+              <a:t>x</a:t>
+            </a:r>
+            <a:r>
+              <a:rPr lang="zh-CN" altLang="en-US" dirty="0"/>
+              <a:t>对应的</a:t>
+            </a:r>
+            <a:r>
+              <a:rPr lang="en-US" altLang="zh-CN" dirty="0"/>
+              <a:t>y</a:t>
+            </a:r>
+            <a:r>
+              <a:rPr lang="zh-CN" altLang="en-US" dirty="0"/>
+              <a:t>值。</a:t>
+            </a:r>
+            <a:endParaRPr lang="en-US" altLang="zh-CN" dirty="0"/>
+          </a:p>
+          <a:p>
+            <a:r>
+              <a:rPr lang="zh-CN" altLang="en-US" dirty="0"/>
+              <a:t>每个</a:t>
+            </a:r>
+            <a:r>
+              <a:rPr lang="en-US" altLang="zh-CN" dirty="0"/>
+              <a:t>y</a:t>
+            </a:r>
+            <a:r>
+              <a:rPr lang="zh-CN" altLang="en-US" dirty="0"/>
+              <a:t>值可以通过当前</a:t>
+            </a:r>
+            <a:r>
+              <a:rPr lang="en-US" altLang="zh-CN" dirty="0"/>
+              <a:t>x</a:t>
+            </a:r>
+            <a:r>
+              <a:rPr lang="zh-CN" altLang="en-US" dirty="0"/>
+              <a:t>在这段线段上的位置比例求得</a:t>
+            </a:r>
+            <a:endParaRPr lang="en-US" altLang="zh-CN" dirty="0"/>
+          </a:p>
+          <a:p>
+            <a:r>
+              <a:rPr lang="zh-CN" altLang="en-US" dirty="0"/>
+              <a:t>当出现一个更大的</a:t>
+            </a:r>
+            <a:r>
+              <a:rPr lang="en-US" altLang="zh-CN" dirty="0"/>
+              <a:t>y</a:t>
+            </a:r>
+            <a:r>
+              <a:rPr lang="zh-CN" altLang="en-US" dirty="0"/>
+              <a:t>是，我们就需要更新</a:t>
+            </a:r>
+            <a:r>
+              <a:rPr lang="en-US" altLang="zh-CN" dirty="0" err="1"/>
+              <a:t>ybuffer</a:t>
+            </a:r>
+            <a:r>
+              <a:rPr lang="zh-CN" altLang="en-US" dirty="0"/>
+              <a:t>数组，然后将这个点绘制到图片上</a:t>
+            </a:r>
+            <a:endParaRPr lang="en-US" altLang="zh-CN" dirty="0"/>
+          </a:p>
+          <a:p>
+            <a:r>
+              <a:rPr lang="en-US" altLang="zh-CN" sz="1200" dirty="0">
+                <a:solidFill>
+                  <a:srgbClr val="0000FF"/>
+                </a:solidFill>
+                <a:latin typeface="新宋体" panose="02010609030101010101" pitchFamily="49" charset="-122"/>
+                <a:ea typeface="新宋体" panose="02010609030101010101" pitchFamily="49" charset="-122"/>
+              </a:rPr>
+              <a:t>void</a:t>
+            </a:r>
+            <a:r>
+              <a:rPr lang="en-US" altLang="zh-CN" sz="1200" dirty="0">
+                <a:solidFill>
+                  <a:srgbClr val="000000"/>
+                </a:solidFill>
+                <a:latin typeface="新宋体" panose="02010609030101010101" pitchFamily="49" charset="-122"/>
+                <a:ea typeface="新宋体" panose="02010609030101010101" pitchFamily="49" charset="-122"/>
+              </a:rPr>
+              <a:t> rasterize(</a:t>
+            </a:r>
+            <a:r>
+              <a:rPr lang="en-US" altLang="zh-CN" sz="1200" dirty="0">
+                <a:solidFill>
+                  <a:srgbClr val="2B91AF"/>
+                </a:solidFill>
+                <a:latin typeface="新宋体" panose="02010609030101010101" pitchFamily="49" charset="-122"/>
+                <a:ea typeface="新宋体" panose="02010609030101010101" pitchFamily="49" charset="-122"/>
+              </a:rPr>
+              <a:t>Vec2i</a:t>
+            </a:r>
+            <a:r>
+              <a:rPr lang="en-US" altLang="zh-CN" sz="1200" dirty="0">
+                <a:solidFill>
+                  <a:srgbClr val="000000"/>
+                </a:solidFill>
+                <a:latin typeface="新宋体" panose="02010609030101010101" pitchFamily="49" charset="-122"/>
+                <a:ea typeface="新宋体" panose="02010609030101010101" pitchFamily="49" charset="-122"/>
+              </a:rPr>
+              <a:t> </a:t>
+            </a:r>
+            <a:r>
+              <a:rPr lang="en-US" altLang="zh-CN" sz="1200" dirty="0">
+                <a:solidFill>
+                  <a:srgbClr val="808080"/>
+                </a:solidFill>
+                <a:latin typeface="新宋体" panose="02010609030101010101" pitchFamily="49" charset="-122"/>
+                <a:ea typeface="新宋体" panose="02010609030101010101" pitchFamily="49" charset="-122"/>
+              </a:rPr>
+              <a:t>p0</a:t>
+            </a:r>
+            <a:r>
+              <a:rPr lang="en-US" altLang="zh-CN" sz="1200" dirty="0">
+                <a:solidFill>
+                  <a:srgbClr val="000000"/>
+                </a:solidFill>
+                <a:latin typeface="新宋体" panose="02010609030101010101" pitchFamily="49" charset="-122"/>
+                <a:ea typeface="新宋体" panose="02010609030101010101" pitchFamily="49" charset="-122"/>
+              </a:rPr>
+              <a:t>, </a:t>
+            </a:r>
+            <a:r>
+              <a:rPr lang="en-US" altLang="zh-CN" sz="1200" dirty="0">
+                <a:solidFill>
+                  <a:srgbClr val="2B91AF"/>
+                </a:solidFill>
+                <a:latin typeface="新宋体" panose="02010609030101010101" pitchFamily="49" charset="-122"/>
+                <a:ea typeface="新宋体" panose="02010609030101010101" pitchFamily="49" charset="-122"/>
+              </a:rPr>
+              <a:t>Vec2i</a:t>
+            </a:r>
+            <a:r>
+              <a:rPr lang="en-US" altLang="zh-CN" sz="1200" dirty="0">
+                <a:solidFill>
+                  <a:srgbClr val="000000"/>
+                </a:solidFill>
+                <a:latin typeface="新宋体" panose="02010609030101010101" pitchFamily="49" charset="-122"/>
+                <a:ea typeface="新宋体" panose="02010609030101010101" pitchFamily="49" charset="-122"/>
+              </a:rPr>
+              <a:t> </a:t>
+            </a:r>
+            <a:r>
+              <a:rPr lang="en-US" altLang="zh-CN" sz="1200" dirty="0">
+                <a:solidFill>
+                  <a:srgbClr val="808080"/>
+                </a:solidFill>
+                <a:latin typeface="新宋体" panose="02010609030101010101" pitchFamily="49" charset="-122"/>
+                <a:ea typeface="新宋体" panose="02010609030101010101" pitchFamily="49" charset="-122"/>
+              </a:rPr>
+              <a:t>p1</a:t>
+            </a:r>
+            <a:r>
+              <a:rPr lang="en-US" altLang="zh-CN" sz="1200" dirty="0">
+                <a:solidFill>
+                  <a:srgbClr val="000000"/>
+                </a:solidFill>
+                <a:latin typeface="新宋体" panose="02010609030101010101" pitchFamily="49" charset="-122"/>
+                <a:ea typeface="新宋体" panose="02010609030101010101" pitchFamily="49" charset="-122"/>
+              </a:rPr>
+              <a:t>, </a:t>
+            </a:r>
+            <a:r>
+              <a:rPr lang="en-US" altLang="zh-CN" sz="1200" dirty="0" err="1">
+                <a:solidFill>
+                  <a:srgbClr val="2B91AF"/>
+                </a:solidFill>
+                <a:latin typeface="新宋体" panose="02010609030101010101" pitchFamily="49" charset="-122"/>
+                <a:ea typeface="新宋体" panose="02010609030101010101" pitchFamily="49" charset="-122"/>
+              </a:rPr>
+              <a:t>TGAImage</a:t>
+            </a:r>
+            <a:r>
+              <a:rPr lang="en-US" altLang="zh-CN" sz="1200" dirty="0">
+                <a:solidFill>
+                  <a:srgbClr val="000000"/>
+                </a:solidFill>
+                <a:latin typeface="新宋体" panose="02010609030101010101" pitchFamily="49" charset="-122"/>
+                <a:ea typeface="新宋体" panose="02010609030101010101" pitchFamily="49" charset="-122"/>
+              </a:rPr>
+              <a:t>&amp; </a:t>
+            </a:r>
+            <a:r>
+              <a:rPr lang="en-US" altLang="zh-CN" sz="1200" dirty="0">
+                <a:solidFill>
+                  <a:srgbClr val="808080"/>
+                </a:solidFill>
+                <a:latin typeface="新宋体" panose="02010609030101010101" pitchFamily="49" charset="-122"/>
+                <a:ea typeface="新宋体" panose="02010609030101010101" pitchFamily="49" charset="-122"/>
+              </a:rPr>
+              <a:t>image</a:t>
+            </a:r>
+            <a:r>
+              <a:rPr lang="en-US" altLang="zh-CN" sz="1200" dirty="0">
+                <a:solidFill>
+                  <a:srgbClr val="000000"/>
+                </a:solidFill>
+                <a:latin typeface="新宋体" panose="02010609030101010101" pitchFamily="49" charset="-122"/>
+                <a:ea typeface="新宋体" panose="02010609030101010101" pitchFamily="49" charset="-122"/>
+              </a:rPr>
+              <a:t>, </a:t>
+            </a:r>
+            <a:r>
+              <a:rPr lang="en-US" altLang="zh-CN" sz="1200" dirty="0">
+                <a:solidFill>
+                  <a:srgbClr val="0000FF"/>
+                </a:solidFill>
+                <a:latin typeface="新宋体" panose="02010609030101010101" pitchFamily="49" charset="-122"/>
+                <a:ea typeface="新宋体" panose="02010609030101010101" pitchFamily="49" charset="-122"/>
+              </a:rPr>
+              <a:t>const</a:t>
+            </a:r>
+            <a:r>
+              <a:rPr lang="en-US" altLang="zh-CN" sz="1200" dirty="0">
+                <a:solidFill>
+                  <a:srgbClr val="000000"/>
+                </a:solidFill>
+                <a:latin typeface="新宋体" panose="02010609030101010101" pitchFamily="49" charset="-122"/>
+                <a:ea typeface="新宋体" panose="02010609030101010101" pitchFamily="49" charset="-122"/>
+              </a:rPr>
+              <a:t> </a:t>
+            </a:r>
+            <a:r>
+              <a:rPr lang="en-US" altLang="zh-CN" sz="1200" dirty="0" err="1">
+                <a:solidFill>
+                  <a:srgbClr val="2B91AF"/>
+                </a:solidFill>
+                <a:latin typeface="新宋体" panose="02010609030101010101" pitchFamily="49" charset="-122"/>
+                <a:ea typeface="新宋体" panose="02010609030101010101" pitchFamily="49" charset="-122"/>
+              </a:rPr>
+              <a:t>TGAColor</a:t>
+            </a:r>
+            <a:r>
+              <a:rPr lang="en-US" altLang="zh-CN" sz="1200" dirty="0">
+                <a:solidFill>
+                  <a:srgbClr val="000000"/>
+                </a:solidFill>
+                <a:latin typeface="新宋体" panose="02010609030101010101" pitchFamily="49" charset="-122"/>
+                <a:ea typeface="新宋体" panose="02010609030101010101" pitchFamily="49" charset="-122"/>
+              </a:rPr>
+              <a:t>&amp; </a:t>
+            </a:r>
+            <a:r>
+              <a:rPr lang="en-US" altLang="zh-CN" sz="1200" dirty="0">
+                <a:solidFill>
+                  <a:srgbClr val="808080"/>
+                </a:solidFill>
+                <a:latin typeface="新宋体" panose="02010609030101010101" pitchFamily="49" charset="-122"/>
+                <a:ea typeface="新宋体" panose="02010609030101010101" pitchFamily="49" charset="-122"/>
+              </a:rPr>
+              <a:t>color</a:t>
+            </a:r>
+            <a:r>
+              <a:rPr lang="en-US" altLang="zh-CN" sz="1200" dirty="0">
+                <a:solidFill>
+                  <a:srgbClr val="000000"/>
+                </a:solidFill>
+                <a:latin typeface="新宋体" panose="02010609030101010101" pitchFamily="49" charset="-122"/>
+                <a:ea typeface="新宋体" panose="02010609030101010101" pitchFamily="49" charset="-122"/>
+              </a:rPr>
+              <a:t>, </a:t>
+            </a:r>
+            <a:r>
+              <a:rPr lang="en-US" altLang="zh-CN" sz="1200" dirty="0">
+                <a:solidFill>
+                  <a:srgbClr val="0000FF"/>
+                </a:solidFill>
+                <a:latin typeface="新宋体" panose="02010609030101010101" pitchFamily="49" charset="-122"/>
+                <a:ea typeface="新宋体" panose="02010609030101010101" pitchFamily="49" charset="-122"/>
+              </a:rPr>
+              <a:t>int</a:t>
+            </a:r>
+            <a:r>
+              <a:rPr lang="en-US" altLang="zh-CN" sz="1200" dirty="0">
+                <a:solidFill>
+                  <a:srgbClr val="000000"/>
+                </a:solidFill>
+                <a:latin typeface="新宋体" panose="02010609030101010101" pitchFamily="49" charset="-122"/>
+                <a:ea typeface="新宋体" panose="02010609030101010101" pitchFamily="49" charset="-122"/>
+              </a:rPr>
+              <a:t> </a:t>
+            </a:r>
+            <a:r>
+              <a:rPr lang="en-US" altLang="zh-CN" sz="1200" dirty="0" err="1">
+                <a:solidFill>
+                  <a:srgbClr val="808080"/>
+                </a:solidFill>
+                <a:latin typeface="新宋体" panose="02010609030101010101" pitchFamily="49" charset="-122"/>
+                <a:ea typeface="新宋体" panose="02010609030101010101" pitchFamily="49" charset="-122"/>
+              </a:rPr>
+              <a:t>ybuffer</a:t>
+            </a:r>
+            <a:r>
+              <a:rPr lang="en-US" altLang="zh-CN" sz="1200" dirty="0">
+                <a:solidFill>
+                  <a:srgbClr val="000000"/>
+                </a:solidFill>
+                <a:latin typeface="新宋体" panose="02010609030101010101" pitchFamily="49" charset="-122"/>
+                <a:ea typeface="新宋体" panose="02010609030101010101" pitchFamily="49" charset="-122"/>
+              </a:rPr>
+              <a:t>[])</a:t>
+            </a:r>
+          </a:p>
+          <a:p>
+            <a:r>
+              <a:rPr lang="en-US" altLang="zh-CN" sz="1200" dirty="0">
+                <a:solidFill>
+                  <a:srgbClr val="000000"/>
+                </a:solidFill>
+                <a:latin typeface="新宋体" panose="02010609030101010101" pitchFamily="49" charset="-122"/>
+                <a:ea typeface="新宋体" panose="02010609030101010101" pitchFamily="49" charset="-122"/>
+              </a:rPr>
+              <a:t>{</a:t>
+            </a:r>
+          </a:p>
+          <a:p>
+            <a:r>
+              <a:rPr lang="en-US" altLang="zh-CN" sz="1200" dirty="0">
+                <a:solidFill>
+                  <a:srgbClr val="008000"/>
+                </a:solidFill>
+                <a:latin typeface="新宋体" panose="02010609030101010101" pitchFamily="49" charset="-122"/>
+                <a:ea typeface="新宋体" panose="02010609030101010101" pitchFamily="49" charset="-122"/>
+              </a:rPr>
+              <a:t>	//</a:t>
+            </a:r>
+            <a:r>
+              <a:rPr lang="zh-CN" altLang="en-US" sz="1200" dirty="0">
+                <a:solidFill>
+                  <a:srgbClr val="008000"/>
+                </a:solidFill>
+                <a:latin typeface="新宋体" panose="02010609030101010101" pitchFamily="49" charset="-122"/>
+                <a:ea typeface="新宋体" panose="02010609030101010101" pitchFamily="49" charset="-122"/>
+              </a:rPr>
+              <a:t>保证从小到大</a:t>
+            </a:r>
+            <a:endParaRPr lang="zh-CN" altLang="en-US" sz="1200" dirty="0">
+              <a:solidFill>
+                <a:srgbClr val="000000"/>
+              </a:solidFill>
+              <a:latin typeface="新宋体" panose="02010609030101010101" pitchFamily="49" charset="-122"/>
+              <a:ea typeface="新宋体" panose="02010609030101010101" pitchFamily="49" charset="-122"/>
+            </a:endParaRPr>
+          </a:p>
+          <a:p>
+            <a:r>
+              <a:rPr lang="en-US" altLang="zh-CN" sz="1200" dirty="0">
+                <a:solidFill>
+                  <a:srgbClr val="0000FF"/>
+                </a:solidFill>
+                <a:latin typeface="新宋体" panose="02010609030101010101" pitchFamily="49" charset="-122"/>
+                <a:ea typeface="新宋体" panose="02010609030101010101" pitchFamily="49" charset="-122"/>
+              </a:rPr>
+              <a:t>	if</a:t>
+            </a:r>
+            <a:r>
+              <a:rPr lang="en-US" altLang="zh-CN" sz="1200" dirty="0">
+                <a:solidFill>
+                  <a:srgbClr val="000000"/>
+                </a:solidFill>
+                <a:latin typeface="新宋体" panose="02010609030101010101" pitchFamily="49" charset="-122"/>
+                <a:ea typeface="新宋体" panose="02010609030101010101" pitchFamily="49" charset="-122"/>
+              </a:rPr>
+              <a:t> (</a:t>
+            </a:r>
+            <a:r>
+              <a:rPr lang="en-US" altLang="zh-CN" sz="1200" dirty="0">
+                <a:solidFill>
+                  <a:srgbClr val="808080"/>
+                </a:solidFill>
+                <a:latin typeface="新宋体" panose="02010609030101010101" pitchFamily="49" charset="-122"/>
+                <a:ea typeface="新宋体" panose="02010609030101010101" pitchFamily="49" charset="-122"/>
+              </a:rPr>
+              <a:t>p0</a:t>
+            </a:r>
+            <a:r>
+              <a:rPr lang="en-US" altLang="zh-CN" sz="1200" dirty="0">
+                <a:solidFill>
+                  <a:srgbClr val="000000"/>
+                </a:solidFill>
+                <a:latin typeface="新宋体" panose="02010609030101010101" pitchFamily="49" charset="-122"/>
+                <a:ea typeface="新宋体" panose="02010609030101010101" pitchFamily="49" charset="-122"/>
+              </a:rPr>
+              <a:t>.x &gt; </a:t>
+            </a:r>
+            <a:r>
+              <a:rPr lang="en-US" altLang="zh-CN" sz="1200" dirty="0">
+                <a:solidFill>
+                  <a:srgbClr val="808080"/>
+                </a:solidFill>
+                <a:latin typeface="新宋体" panose="02010609030101010101" pitchFamily="49" charset="-122"/>
+                <a:ea typeface="新宋体" panose="02010609030101010101" pitchFamily="49" charset="-122"/>
+              </a:rPr>
+              <a:t>p1</a:t>
+            </a:r>
+            <a:r>
+              <a:rPr lang="en-US" altLang="zh-CN" sz="1200" dirty="0">
+                <a:solidFill>
+                  <a:srgbClr val="000000"/>
+                </a:solidFill>
+                <a:latin typeface="新宋体" panose="02010609030101010101" pitchFamily="49" charset="-122"/>
+                <a:ea typeface="新宋体" panose="02010609030101010101" pitchFamily="49" charset="-122"/>
+              </a:rPr>
+              <a:t>.x)</a:t>
+            </a:r>
+          </a:p>
+          <a:p>
+            <a:r>
+              <a:rPr lang="en-US" altLang="zh-CN" sz="1200" dirty="0">
+                <a:solidFill>
+                  <a:srgbClr val="000000"/>
+                </a:solidFill>
+                <a:latin typeface="新宋体" panose="02010609030101010101" pitchFamily="49" charset="-122"/>
+                <a:ea typeface="新宋体" panose="02010609030101010101" pitchFamily="49" charset="-122"/>
+              </a:rPr>
+              <a:t>	{</a:t>
+            </a:r>
+          </a:p>
+          <a:p>
+            <a:r>
+              <a:rPr lang="en-US" altLang="zh-CN" sz="1200" dirty="0">
+                <a:solidFill>
+                  <a:srgbClr val="000000"/>
+                </a:solidFill>
+                <a:latin typeface="新宋体" panose="02010609030101010101" pitchFamily="49" charset="-122"/>
+                <a:ea typeface="新宋体" panose="02010609030101010101" pitchFamily="49" charset="-122"/>
+              </a:rPr>
+              <a:t>		std::swap(</a:t>
+            </a:r>
+            <a:r>
+              <a:rPr lang="en-US" altLang="zh-CN" sz="1200" dirty="0">
+                <a:solidFill>
+                  <a:srgbClr val="808080"/>
+                </a:solidFill>
+                <a:latin typeface="新宋体" panose="02010609030101010101" pitchFamily="49" charset="-122"/>
+                <a:ea typeface="新宋体" panose="02010609030101010101" pitchFamily="49" charset="-122"/>
+              </a:rPr>
+              <a:t>p0</a:t>
+            </a:r>
+            <a:r>
+              <a:rPr lang="en-US" altLang="zh-CN" sz="1200" dirty="0">
+                <a:solidFill>
+                  <a:srgbClr val="000000"/>
+                </a:solidFill>
+                <a:latin typeface="新宋体" panose="02010609030101010101" pitchFamily="49" charset="-122"/>
+                <a:ea typeface="新宋体" panose="02010609030101010101" pitchFamily="49" charset="-122"/>
+              </a:rPr>
+              <a:t>, </a:t>
+            </a:r>
+            <a:r>
+              <a:rPr lang="en-US" altLang="zh-CN" sz="1200" dirty="0">
+                <a:solidFill>
+                  <a:srgbClr val="808080"/>
+                </a:solidFill>
+                <a:latin typeface="新宋体" panose="02010609030101010101" pitchFamily="49" charset="-122"/>
+                <a:ea typeface="新宋体" panose="02010609030101010101" pitchFamily="49" charset="-122"/>
+              </a:rPr>
+              <a:t>p1</a:t>
+            </a:r>
+            <a:r>
+              <a:rPr lang="en-US" altLang="zh-CN" sz="1200" dirty="0">
+                <a:solidFill>
+                  <a:srgbClr val="000000"/>
+                </a:solidFill>
+                <a:latin typeface="新宋体" panose="02010609030101010101" pitchFamily="49" charset="-122"/>
+                <a:ea typeface="新宋体" panose="02010609030101010101" pitchFamily="49" charset="-122"/>
+              </a:rPr>
+              <a:t>);</a:t>
+            </a:r>
+          </a:p>
+          <a:p>
+            <a:pPr lvl="1"/>
+            <a:r>
+              <a:rPr lang="en-US" altLang="zh-CN" sz="1200" dirty="0">
+                <a:solidFill>
+                  <a:srgbClr val="000000"/>
+                </a:solidFill>
+                <a:latin typeface="新宋体" panose="02010609030101010101" pitchFamily="49" charset="-122"/>
+                <a:ea typeface="新宋体" panose="02010609030101010101" pitchFamily="49" charset="-122"/>
+              </a:rPr>
+              <a:t>	}</a:t>
+            </a:r>
+            <a:endParaRPr lang="zh-CN" altLang="en-US" sz="1200" dirty="0">
+              <a:solidFill>
+                <a:srgbClr val="000000"/>
+              </a:solidFill>
+              <a:latin typeface="新宋体" panose="02010609030101010101" pitchFamily="49" charset="-122"/>
+              <a:ea typeface="新宋体" panose="02010609030101010101" pitchFamily="49" charset="-122"/>
+            </a:endParaRPr>
+          </a:p>
+          <a:p>
+            <a:r>
+              <a:rPr lang="en-US" altLang="zh-CN" sz="1200" dirty="0">
+                <a:solidFill>
+                  <a:srgbClr val="008000"/>
+                </a:solidFill>
+                <a:latin typeface="新宋体" panose="02010609030101010101" pitchFamily="49" charset="-122"/>
+                <a:ea typeface="新宋体" panose="02010609030101010101" pitchFamily="49" charset="-122"/>
+              </a:rPr>
+              <a:t>	//</a:t>
+            </a:r>
+            <a:r>
+              <a:rPr lang="zh-CN" altLang="en-US" sz="1200" dirty="0">
+                <a:solidFill>
+                  <a:srgbClr val="008000"/>
+                </a:solidFill>
+                <a:latin typeface="新宋体" panose="02010609030101010101" pitchFamily="49" charset="-122"/>
+                <a:ea typeface="新宋体" panose="02010609030101010101" pitchFamily="49" charset="-122"/>
+              </a:rPr>
+              <a:t>从</a:t>
+            </a:r>
+            <a:r>
+              <a:rPr lang="en-US" altLang="zh-CN" sz="1200" dirty="0">
+                <a:solidFill>
+                  <a:srgbClr val="008000"/>
+                </a:solidFill>
+                <a:latin typeface="新宋体" panose="02010609030101010101" pitchFamily="49" charset="-122"/>
+                <a:ea typeface="新宋体" panose="02010609030101010101" pitchFamily="49" charset="-122"/>
+              </a:rPr>
+              <a:t>x0</a:t>
+            </a:r>
+            <a:r>
+              <a:rPr lang="zh-CN" altLang="en-US" sz="1200" dirty="0">
+                <a:solidFill>
+                  <a:srgbClr val="008000"/>
+                </a:solidFill>
+                <a:latin typeface="新宋体" panose="02010609030101010101" pitchFamily="49" charset="-122"/>
+                <a:ea typeface="新宋体" panose="02010609030101010101" pitchFamily="49" charset="-122"/>
+              </a:rPr>
+              <a:t>开始到</a:t>
+            </a:r>
+            <a:r>
+              <a:rPr lang="en-US" altLang="zh-CN" sz="1200" dirty="0">
+                <a:solidFill>
+                  <a:srgbClr val="008000"/>
+                </a:solidFill>
+                <a:latin typeface="新宋体" panose="02010609030101010101" pitchFamily="49" charset="-122"/>
+                <a:ea typeface="新宋体" panose="02010609030101010101" pitchFamily="49" charset="-122"/>
+              </a:rPr>
+              <a:t>x1</a:t>
+            </a:r>
+            <a:r>
+              <a:rPr lang="zh-CN" altLang="en-US" sz="1200" dirty="0">
+                <a:solidFill>
+                  <a:srgbClr val="008000"/>
+                </a:solidFill>
+                <a:latin typeface="新宋体" panose="02010609030101010101" pitchFamily="49" charset="-122"/>
+                <a:ea typeface="新宋体" panose="02010609030101010101" pitchFamily="49" charset="-122"/>
+              </a:rPr>
+              <a:t>更新</a:t>
+            </a:r>
+            <a:r>
+              <a:rPr lang="en-US" altLang="zh-CN" sz="1200" dirty="0" err="1">
+                <a:solidFill>
+                  <a:srgbClr val="008000"/>
+                </a:solidFill>
+                <a:latin typeface="新宋体" panose="02010609030101010101" pitchFamily="49" charset="-122"/>
+                <a:ea typeface="新宋体" panose="02010609030101010101" pitchFamily="49" charset="-122"/>
+              </a:rPr>
+              <a:t>ybuffer</a:t>
+            </a:r>
+            <a:r>
+              <a:rPr lang="zh-CN" altLang="en-US" sz="1200" dirty="0">
+                <a:solidFill>
+                  <a:srgbClr val="008000"/>
+                </a:solidFill>
+                <a:latin typeface="新宋体" panose="02010609030101010101" pitchFamily="49" charset="-122"/>
+                <a:ea typeface="新宋体" panose="02010609030101010101" pitchFamily="49" charset="-122"/>
+              </a:rPr>
+              <a:t>并绘制点</a:t>
+            </a:r>
+            <a:endParaRPr lang="zh-CN" altLang="en-US" sz="1200" dirty="0">
+              <a:solidFill>
+                <a:srgbClr val="000000"/>
+              </a:solidFill>
+              <a:latin typeface="新宋体" panose="02010609030101010101" pitchFamily="49" charset="-122"/>
+              <a:ea typeface="新宋体" panose="02010609030101010101" pitchFamily="49" charset="-122"/>
+            </a:endParaRPr>
+          </a:p>
+          <a:p>
+            <a:r>
+              <a:rPr lang="en-US" altLang="zh-CN" sz="1200" dirty="0">
+                <a:solidFill>
+                  <a:srgbClr val="0000FF"/>
+                </a:solidFill>
+                <a:latin typeface="新宋体" panose="02010609030101010101" pitchFamily="49" charset="-122"/>
+                <a:ea typeface="新宋体" panose="02010609030101010101" pitchFamily="49" charset="-122"/>
+              </a:rPr>
+              <a:t>	for</a:t>
+            </a:r>
+            <a:r>
+              <a:rPr lang="en-US" altLang="zh-CN" sz="1200" dirty="0">
+                <a:solidFill>
+                  <a:srgbClr val="000000"/>
+                </a:solidFill>
+                <a:latin typeface="新宋体" panose="02010609030101010101" pitchFamily="49" charset="-122"/>
+                <a:ea typeface="新宋体" panose="02010609030101010101" pitchFamily="49" charset="-122"/>
+              </a:rPr>
+              <a:t> (</a:t>
+            </a:r>
+            <a:r>
+              <a:rPr lang="en-US" altLang="zh-CN" sz="1200" dirty="0">
+                <a:solidFill>
+                  <a:srgbClr val="0000FF"/>
+                </a:solidFill>
+                <a:latin typeface="新宋体" panose="02010609030101010101" pitchFamily="49" charset="-122"/>
+                <a:ea typeface="新宋体" panose="02010609030101010101" pitchFamily="49" charset="-122"/>
+              </a:rPr>
+              <a:t>int</a:t>
+            </a:r>
+            <a:r>
+              <a:rPr lang="en-US" altLang="zh-CN" sz="1200" dirty="0">
+                <a:solidFill>
+                  <a:srgbClr val="000000"/>
+                </a:solidFill>
+                <a:latin typeface="新宋体" panose="02010609030101010101" pitchFamily="49" charset="-122"/>
+                <a:ea typeface="新宋体" panose="02010609030101010101" pitchFamily="49" charset="-122"/>
+              </a:rPr>
+              <a:t> x = </a:t>
+            </a:r>
+            <a:r>
+              <a:rPr lang="en-US" altLang="zh-CN" sz="1200" dirty="0">
+                <a:solidFill>
+                  <a:srgbClr val="808080"/>
+                </a:solidFill>
+                <a:latin typeface="新宋体" panose="02010609030101010101" pitchFamily="49" charset="-122"/>
+                <a:ea typeface="新宋体" panose="02010609030101010101" pitchFamily="49" charset="-122"/>
+              </a:rPr>
+              <a:t>p0</a:t>
+            </a:r>
+            <a:r>
+              <a:rPr lang="en-US" altLang="zh-CN" sz="1200" dirty="0">
+                <a:solidFill>
+                  <a:srgbClr val="000000"/>
+                </a:solidFill>
+                <a:latin typeface="新宋体" panose="02010609030101010101" pitchFamily="49" charset="-122"/>
+                <a:ea typeface="新宋体" panose="02010609030101010101" pitchFamily="49" charset="-122"/>
+              </a:rPr>
+              <a:t>.x; x &lt;= </a:t>
+            </a:r>
+            <a:r>
+              <a:rPr lang="en-US" altLang="zh-CN" sz="1200" dirty="0">
+                <a:solidFill>
+                  <a:srgbClr val="808080"/>
+                </a:solidFill>
+                <a:latin typeface="新宋体" panose="02010609030101010101" pitchFamily="49" charset="-122"/>
+                <a:ea typeface="新宋体" panose="02010609030101010101" pitchFamily="49" charset="-122"/>
+              </a:rPr>
+              <a:t>p1</a:t>
+            </a:r>
+            <a:r>
+              <a:rPr lang="en-US" altLang="zh-CN" sz="1200" dirty="0">
+                <a:solidFill>
+                  <a:srgbClr val="000000"/>
+                </a:solidFill>
+                <a:latin typeface="新宋体" panose="02010609030101010101" pitchFamily="49" charset="-122"/>
+                <a:ea typeface="新宋体" panose="02010609030101010101" pitchFamily="49" charset="-122"/>
+              </a:rPr>
+              <a:t>.x; x++)</a:t>
+            </a:r>
+          </a:p>
+          <a:p>
+            <a:r>
+              <a:rPr lang="en-US" altLang="zh-CN" sz="1200" dirty="0">
+                <a:solidFill>
+                  <a:srgbClr val="000000"/>
+                </a:solidFill>
+                <a:latin typeface="新宋体" panose="02010609030101010101" pitchFamily="49" charset="-122"/>
+                <a:ea typeface="新宋体" panose="02010609030101010101" pitchFamily="49" charset="-122"/>
+              </a:rPr>
+              <a:t>	{</a:t>
+            </a:r>
+          </a:p>
+          <a:p>
+            <a:r>
+              <a:rPr lang="en-US" altLang="zh-CN" sz="1200" dirty="0">
+                <a:solidFill>
+                  <a:srgbClr val="008000"/>
+                </a:solidFill>
+                <a:latin typeface="新宋体" panose="02010609030101010101" pitchFamily="49" charset="-122"/>
+                <a:ea typeface="新宋体" panose="02010609030101010101" pitchFamily="49" charset="-122"/>
+              </a:rPr>
+              <a:t>		//</a:t>
+            </a:r>
+            <a:r>
+              <a:rPr lang="zh-CN" altLang="en-US" sz="1200" dirty="0">
+                <a:solidFill>
+                  <a:srgbClr val="008000"/>
+                </a:solidFill>
+                <a:latin typeface="新宋体" panose="02010609030101010101" pitchFamily="49" charset="-122"/>
+                <a:ea typeface="新宋体" panose="02010609030101010101" pitchFamily="49" charset="-122"/>
+              </a:rPr>
+              <a:t>利用比例求取</a:t>
+            </a:r>
+            <a:r>
+              <a:rPr lang="en-US" altLang="zh-CN" sz="1200" dirty="0">
+                <a:solidFill>
+                  <a:srgbClr val="008000"/>
+                </a:solidFill>
+                <a:latin typeface="新宋体" panose="02010609030101010101" pitchFamily="49" charset="-122"/>
+                <a:ea typeface="新宋体" panose="02010609030101010101" pitchFamily="49" charset="-122"/>
+              </a:rPr>
+              <a:t>x</a:t>
+            </a:r>
+            <a:r>
+              <a:rPr lang="zh-CN" altLang="en-US" sz="1200" dirty="0">
+                <a:solidFill>
+                  <a:srgbClr val="008000"/>
+                </a:solidFill>
+                <a:latin typeface="新宋体" panose="02010609030101010101" pitchFamily="49" charset="-122"/>
+                <a:ea typeface="新宋体" panose="02010609030101010101" pitchFamily="49" charset="-122"/>
+              </a:rPr>
+              <a:t>对应的</a:t>
+            </a:r>
+            <a:r>
+              <a:rPr lang="en-US" altLang="zh-CN" sz="1200" dirty="0">
+                <a:solidFill>
+                  <a:srgbClr val="008000"/>
+                </a:solidFill>
+                <a:latin typeface="新宋体" panose="02010609030101010101" pitchFamily="49" charset="-122"/>
+                <a:ea typeface="新宋体" panose="02010609030101010101" pitchFamily="49" charset="-122"/>
+              </a:rPr>
+              <a:t>y</a:t>
+            </a:r>
+            <a:endParaRPr lang="zh-CN" altLang="en-US" sz="1200" dirty="0">
+              <a:solidFill>
+                <a:srgbClr val="000000"/>
+              </a:solidFill>
+              <a:latin typeface="新宋体" panose="02010609030101010101" pitchFamily="49" charset="-122"/>
+              <a:ea typeface="新宋体" panose="02010609030101010101" pitchFamily="49" charset="-122"/>
+            </a:endParaRPr>
+          </a:p>
+          <a:p>
+            <a:r>
+              <a:rPr lang="en-US" altLang="zh-CN" sz="1200" dirty="0">
+                <a:solidFill>
+                  <a:srgbClr val="0000FF"/>
+                </a:solidFill>
+                <a:latin typeface="新宋体" panose="02010609030101010101" pitchFamily="49" charset="-122"/>
+                <a:ea typeface="新宋体" panose="02010609030101010101" pitchFamily="49" charset="-122"/>
+              </a:rPr>
+              <a:t>		float</a:t>
+            </a:r>
+            <a:r>
+              <a:rPr lang="en-US" altLang="zh-CN" sz="1200" dirty="0">
+                <a:solidFill>
+                  <a:srgbClr val="000000"/>
+                </a:solidFill>
+                <a:latin typeface="新宋体" panose="02010609030101010101" pitchFamily="49" charset="-122"/>
+                <a:ea typeface="新宋体" panose="02010609030101010101" pitchFamily="49" charset="-122"/>
+              </a:rPr>
+              <a:t> t = (x - </a:t>
+            </a:r>
+            <a:r>
+              <a:rPr lang="en-US" altLang="zh-CN" sz="1200" dirty="0">
+                <a:solidFill>
+                  <a:srgbClr val="808080"/>
+                </a:solidFill>
+                <a:latin typeface="新宋体" panose="02010609030101010101" pitchFamily="49" charset="-122"/>
+                <a:ea typeface="新宋体" panose="02010609030101010101" pitchFamily="49" charset="-122"/>
+              </a:rPr>
+              <a:t>p0</a:t>
+            </a:r>
+            <a:r>
+              <a:rPr lang="en-US" altLang="zh-CN" sz="1200" dirty="0">
+                <a:solidFill>
+                  <a:srgbClr val="000000"/>
+                </a:solidFill>
+                <a:latin typeface="新宋体" panose="02010609030101010101" pitchFamily="49" charset="-122"/>
+                <a:ea typeface="新宋体" panose="02010609030101010101" pitchFamily="49" charset="-122"/>
+              </a:rPr>
+              <a:t>.x) / </a:t>
+            </a:r>
+            <a:r>
+              <a:rPr lang="en-US" altLang="zh-CN" sz="1200" dirty="0">
+                <a:solidFill>
+                  <a:srgbClr val="0000FF"/>
+                </a:solidFill>
+                <a:latin typeface="新宋体" panose="02010609030101010101" pitchFamily="49" charset="-122"/>
+                <a:ea typeface="新宋体" panose="02010609030101010101" pitchFamily="49" charset="-122"/>
+              </a:rPr>
+              <a:t>float</a:t>
+            </a:r>
+            <a:r>
+              <a:rPr lang="en-US" altLang="zh-CN" sz="1200" dirty="0">
+                <a:solidFill>
+                  <a:srgbClr val="000000"/>
+                </a:solidFill>
+                <a:latin typeface="新宋体" panose="02010609030101010101" pitchFamily="49" charset="-122"/>
+                <a:ea typeface="新宋体" panose="02010609030101010101" pitchFamily="49" charset="-122"/>
+              </a:rPr>
+              <a:t>(</a:t>
+            </a:r>
+            <a:r>
+              <a:rPr lang="en-US" altLang="zh-CN" sz="1200" dirty="0">
+                <a:solidFill>
+                  <a:srgbClr val="808080"/>
+                </a:solidFill>
+                <a:latin typeface="新宋体" panose="02010609030101010101" pitchFamily="49" charset="-122"/>
+                <a:ea typeface="新宋体" panose="02010609030101010101" pitchFamily="49" charset="-122"/>
+              </a:rPr>
+              <a:t>p1</a:t>
+            </a:r>
+            <a:r>
+              <a:rPr lang="en-US" altLang="zh-CN" sz="1200" dirty="0">
+                <a:solidFill>
+                  <a:srgbClr val="000000"/>
+                </a:solidFill>
+                <a:latin typeface="新宋体" panose="02010609030101010101" pitchFamily="49" charset="-122"/>
+                <a:ea typeface="新宋体" panose="02010609030101010101" pitchFamily="49" charset="-122"/>
+              </a:rPr>
+              <a:t>.x - </a:t>
+            </a:r>
+            <a:r>
+              <a:rPr lang="en-US" altLang="zh-CN" sz="1200" dirty="0">
+                <a:solidFill>
+                  <a:srgbClr val="808080"/>
+                </a:solidFill>
+                <a:latin typeface="新宋体" panose="02010609030101010101" pitchFamily="49" charset="-122"/>
+                <a:ea typeface="新宋体" panose="02010609030101010101" pitchFamily="49" charset="-122"/>
+              </a:rPr>
+              <a:t>p0</a:t>
+            </a:r>
+            <a:r>
+              <a:rPr lang="en-US" altLang="zh-CN" sz="1200" dirty="0">
+                <a:solidFill>
+                  <a:srgbClr val="000000"/>
+                </a:solidFill>
+                <a:latin typeface="新宋体" panose="02010609030101010101" pitchFamily="49" charset="-122"/>
+                <a:ea typeface="新宋体" panose="02010609030101010101" pitchFamily="49" charset="-122"/>
+              </a:rPr>
+              <a:t>.x);</a:t>
+            </a:r>
+          </a:p>
+          <a:p>
+            <a:r>
+              <a:rPr lang="fr-FR" altLang="zh-CN" sz="1200" dirty="0">
+                <a:solidFill>
+                  <a:srgbClr val="0000FF"/>
+                </a:solidFill>
+                <a:latin typeface="新宋体" panose="02010609030101010101" pitchFamily="49" charset="-122"/>
+                <a:ea typeface="新宋体" panose="02010609030101010101" pitchFamily="49" charset="-122"/>
+              </a:rPr>
+              <a:t>		int</a:t>
+            </a:r>
+            <a:r>
+              <a:rPr lang="fr-FR" altLang="zh-CN" sz="1200" dirty="0">
+                <a:solidFill>
+                  <a:srgbClr val="000000"/>
+                </a:solidFill>
+                <a:latin typeface="新宋体" panose="02010609030101010101" pitchFamily="49" charset="-122"/>
+                <a:ea typeface="新宋体" panose="02010609030101010101" pitchFamily="49" charset="-122"/>
+              </a:rPr>
+              <a:t> y = </a:t>
+            </a:r>
+            <a:r>
+              <a:rPr lang="fr-FR" altLang="zh-CN" sz="1200" dirty="0">
+                <a:solidFill>
+                  <a:srgbClr val="808080"/>
+                </a:solidFill>
+                <a:latin typeface="新宋体" panose="02010609030101010101" pitchFamily="49" charset="-122"/>
+                <a:ea typeface="新宋体" panose="02010609030101010101" pitchFamily="49" charset="-122"/>
+              </a:rPr>
+              <a:t>p0</a:t>
+            </a:r>
+            <a:r>
+              <a:rPr lang="fr-FR" altLang="zh-CN" sz="1200" dirty="0">
+                <a:solidFill>
+                  <a:srgbClr val="000000"/>
+                </a:solidFill>
+                <a:latin typeface="新宋体" panose="02010609030101010101" pitchFamily="49" charset="-122"/>
+                <a:ea typeface="新宋体" panose="02010609030101010101" pitchFamily="49" charset="-122"/>
+              </a:rPr>
+              <a:t>.y * (1 - t) + </a:t>
+            </a:r>
+            <a:r>
+              <a:rPr lang="fr-FR" altLang="zh-CN" sz="1200" dirty="0">
+                <a:solidFill>
+                  <a:srgbClr val="808080"/>
+                </a:solidFill>
+                <a:latin typeface="新宋体" panose="02010609030101010101" pitchFamily="49" charset="-122"/>
+                <a:ea typeface="新宋体" panose="02010609030101010101" pitchFamily="49" charset="-122"/>
+              </a:rPr>
+              <a:t>p1</a:t>
+            </a:r>
+            <a:r>
+              <a:rPr lang="fr-FR" altLang="zh-CN" sz="1200" dirty="0">
+                <a:solidFill>
+                  <a:srgbClr val="000000"/>
+                </a:solidFill>
+                <a:latin typeface="新宋体" panose="02010609030101010101" pitchFamily="49" charset="-122"/>
+                <a:ea typeface="新宋体" panose="02010609030101010101" pitchFamily="49" charset="-122"/>
+              </a:rPr>
+              <a:t>.y * t;</a:t>
+            </a:r>
+          </a:p>
+          <a:p>
+            <a:r>
+              <a:rPr lang="en-US" altLang="zh-CN" sz="1200" dirty="0">
+                <a:solidFill>
+                  <a:srgbClr val="008000"/>
+                </a:solidFill>
+                <a:latin typeface="新宋体" panose="02010609030101010101" pitchFamily="49" charset="-122"/>
+                <a:ea typeface="新宋体" panose="02010609030101010101" pitchFamily="49" charset="-122"/>
+              </a:rPr>
+              <a:t>		//</a:t>
+            </a:r>
+            <a:r>
+              <a:rPr lang="zh-CN" altLang="en-US" sz="1200" dirty="0">
+                <a:solidFill>
+                  <a:srgbClr val="008000"/>
+                </a:solidFill>
+                <a:latin typeface="新宋体" panose="02010609030101010101" pitchFamily="49" charset="-122"/>
+                <a:ea typeface="新宋体" panose="02010609030101010101" pitchFamily="49" charset="-122"/>
+              </a:rPr>
+              <a:t>更新</a:t>
+            </a:r>
+            <a:r>
+              <a:rPr lang="en-US" altLang="zh-CN" sz="1200" dirty="0" err="1">
+                <a:solidFill>
+                  <a:srgbClr val="008000"/>
+                </a:solidFill>
+                <a:latin typeface="新宋体" panose="02010609030101010101" pitchFamily="49" charset="-122"/>
+                <a:ea typeface="新宋体" panose="02010609030101010101" pitchFamily="49" charset="-122"/>
+              </a:rPr>
+              <a:t>ybuffer</a:t>
+            </a:r>
+            <a:r>
+              <a:rPr lang="zh-CN" altLang="en-US" sz="1200" dirty="0">
+                <a:solidFill>
+                  <a:srgbClr val="008000"/>
+                </a:solidFill>
+                <a:latin typeface="新宋体" panose="02010609030101010101" pitchFamily="49" charset="-122"/>
+                <a:ea typeface="新宋体" panose="02010609030101010101" pitchFamily="49" charset="-122"/>
+              </a:rPr>
+              <a:t>并绘制</a:t>
+            </a:r>
+            <a:endParaRPr lang="zh-CN" altLang="en-US" sz="1200" dirty="0">
+              <a:solidFill>
+                <a:srgbClr val="000000"/>
+              </a:solidFill>
+              <a:latin typeface="新宋体" panose="02010609030101010101" pitchFamily="49" charset="-122"/>
+              <a:ea typeface="新宋体" panose="02010609030101010101" pitchFamily="49" charset="-122"/>
+            </a:endParaRPr>
+          </a:p>
+          <a:p>
+            <a:r>
+              <a:rPr lang="en-US" altLang="zh-CN" sz="1200" dirty="0">
+                <a:solidFill>
+                  <a:srgbClr val="0000FF"/>
+                </a:solidFill>
+                <a:latin typeface="新宋体" panose="02010609030101010101" pitchFamily="49" charset="-122"/>
+                <a:ea typeface="新宋体" panose="02010609030101010101" pitchFamily="49" charset="-122"/>
+              </a:rPr>
+              <a:t>		if</a:t>
+            </a:r>
+            <a:r>
+              <a:rPr lang="en-US" altLang="zh-CN" sz="1200" dirty="0">
+                <a:solidFill>
+                  <a:srgbClr val="000000"/>
+                </a:solidFill>
+                <a:latin typeface="新宋体" panose="02010609030101010101" pitchFamily="49" charset="-122"/>
+                <a:ea typeface="新宋体" panose="02010609030101010101" pitchFamily="49" charset="-122"/>
+              </a:rPr>
+              <a:t> (</a:t>
+            </a:r>
+            <a:r>
+              <a:rPr lang="en-US" altLang="zh-CN" sz="1200" dirty="0" err="1">
+                <a:solidFill>
+                  <a:srgbClr val="808080"/>
+                </a:solidFill>
+                <a:latin typeface="新宋体" panose="02010609030101010101" pitchFamily="49" charset="-122"/>
+                <a:ea typeface="新宋体" panose="02010609030101010101" pitchFamily="49" charset="-122"/>
+              </a:rPr>
+              <a:t>ybuffer</a:t>
+            </a:r>
+            <a:r>
+              <a:rPr lang="en-US" altLang="zh-CN" sz="1200" dirty="0">
+                <a:solidFill>
+                  <a:srgbClr val="000000"/>
+                </a:solidFill>
+                <a:latin typeface="新宋体" panose="02010609030101010101" pitchFamily="49" charset="-122"/>
+                <a:ea typeface="新宋体" panose="02010609030101010101" pitchFamily="49" charset="-122"/>
+              </a:rPr>
+              <a:t>[x] &lt; y)</a:t>
+            </a:r>
+          </a:p>
+          <a:p>
+            <a:r>
+              <a:rPr lang="en-US" altLang="zh-CN" sz="1200" dirty="0">
+                <a:solidFill>
+                  <a:srgbClr val="000000"/>
+                </a:solidFill>
+                <a:latin typeface="新宋体" panose="02010609030101010101" pitchFamily="49" charset="-122"/>
+                <a:ea typeface="新宋体" panose="02010609030101010101" pitchFamily="49" charset="-122"/>
+              </a:rPr>
+              <a:t>		{</a:t>
+            </a:r>
+          </a:p>
+          <a:p>
+            <a:r>
+              <a:rPr lang="en-US" altLang="zh-CN" sz="1200" dirty="0">
+                <a:solidFill>
+                  <a:srgbClr val="808080"/>
+                </a:solidFill>
+                <a:latin typeface="新宋体" panose="02010609030101010101" pitchFamily="49" charset="-122"/>
+                <a:ea typeface="新宋体" panose="02010609030101010101" pitchFamily="49" charset="-122"/>
+              </a:rPr>
+              <a:t>			</a:t>
+            </a:r>
+            <a:r>
+              <a:rPr lang="en-US" altLang="zh-CN" sz="1200" dirty="0" err="1">
+                <a:solidFill>
+                  <a:srgbClr val="808080"/>
+                </a:solidFill>
+                <a:latin typeface="新宋体" panose="02010609030101010101" pitchFamily="49" charset="-122"/>
+                <a:ea typeface="新宋体" panose="02010609030101010101" pitchFamily="49" charset="-122"/>
+              </a:rPr>
+              <a:t>ybuffer</a:t>
+            </a:r>
+            <a:r>
+              <a:rPr lang="en-US" altLang="zh-CN" sz="1200" dirty="0">
+                <a:solidFill>
+                  <a:srgbClr val="000000"/>
+                </a:solidFill>
+                <a:latin typeface="新宋体" panose="02010609030101010101" pitchFamily="49" charset="-122"/>
+                <a:ea typeface="新宋体" panose="02010609030101010101" pitchFamily="49" charset="-122"/>
+              </a:rPr>
+              <a:t>[x] = y;</a:t>
+            </a:r>
+          </a:p>
+          <a:p>
+            <a:r>
+              <a:rPr lang="en-US" altLang="zh-CN" sz="1200" dirty="0">
+                <a:solidFill>
+                  <a:srgbClr val="008000"/>
+                </a:solidFill>
+                <a:latin typeface="新宋体" panose="02010609030101010101" pitchFamily="49" charset="-122"/>
+                <a:ea typeface="新宋体" panose="02010609030101010101" pitchFamily="49" charset="-122"/>
+              </a:rPr>
+              <a:t>			//</a:t>
+            </a:r>
+            <a:r>
+              <a:rPr lang="zh-CN" altLang="en-US" sz="1200" dirty="0">
+                <a:solidFill>
+                  <a:srgbClr val="008000"/>
+                </a:solidFill>
+                <a:latin typeface="新宋体" panose="02010609030101010101" pitchFamily="49" charset="-122"/>
+                <a:ea typeface="新宋体" panose="02010609030101010101" pitchFamily="49" charset="-122"/>
+              </a:rPr>
+              <a:t>由于渲染后为</a:t>
+            </a:r>
+            <a:r>
+              <a:rPr lang="en-US" altLang="zh-CN" sz="1200" dirty="0">
+                <a:solidFill>
+                  <a:srgbClr val="008000"/>
+                </a:solidFill>
+                <a:latin typeface="新宋体" panose="02010609030101010101" pitchFamily="49" charset="-122"/>
+                <a:ea typeface="新宋体" panose="02010609030101010101" pitchFamily="49" charset="-122"/>
+              </a:rPr>
+              <a:t>1</a:t>
+            </a:r>
+            <a:r>
+              <a:rPr lang="zh-CN" altLang="en-US" sz="1200" dirty="0">
+                <a:solidFill>
+                  <a:srgbClr val="008000"/>
+                </a:solidFill>
+                <a:latin typeface="新宋体" panose="02010609030101010101" pitchFamily="49" charset="-122"/>
+                <a:ea typeface="新宋体" panose="02010609030101010101" pitchFamily="49" charset="-122"/>
+              </a:rPr>
+              <a:t>维，所以</a:t>
+            </a:r>
+            <a:r>
+              <a:rPr lang="en-US" altLang="zh-CN" sz="1200" dirty="0">
+                <a:solidFill>
+                  <a:srgbClr val="008000"/>
+                </a:solidFill>
+                <a:latin typeface="新宋体" panose="02010609030101010101" pitchFamily="49" charset="-122"/>
+                <a:ea typeface="新宋体" panose="02010609030101010101" pitchFamily="49" charset="-122"/>
+              </a:rPr>
+              <a:t>y=0</a:t>
+            </a:r>
+            <a:endParaRPr lang="zh-CN" altLang="en-US" sz="1200" dirty="0">
+              <a:solidFill>
+                <a:srgbClr val="000000"/>
+              </a:solidFill>
+              <a:latin typeface="新宋体" panose="02010609030101010101" pitchFamily="49" charset="-122"/>
+              <a:ea typeface="新宋体" panose="02010609030101010101" pitchFamily="49" charset="-122"/>
+            </a:endParaRPr>
+          </a:p>
+          <a:p>
+            <a:r>
+              <a:rPr lang="en-US" altLang="zh-CN" sz="1200" dirty="0">
+                <a:solidFill>
+                  <a:srgbClr val="808080"/>
+                </a:solidFill>
+                <a:latin typeface="新宋体" panose="02010609030101010101" pitchFamily="49" charset="-122"/>
+                <a:ea typeface="新宋体" panose="02010609030101010101" pitchFamily="49" charset="-122"/>
+              </a:rPr>
+              <a:t>			</a:t>
+            </a:r>
+            <a:r>
+              <a:rPr lang="en-US" altLang="zh-CN" sz="1200" dirty="0" err="1">
+                <a:solidFill>
+                  <a:srgbClr val="808080"/>
+                </a:solidFill>
+                <a:latin typeface="新宋体" panose="02010609030101010101" pitchFamily="49" charset="-122"/>
+                <a:ea typeface="新宋体" panose="02010609030101010101" pitchFamily="49" charset="-122"/>
+              </a:rPr>
+              <a:t>image</a:t>
+            </a:r>
+            <a:r>
+              <a:rPr lang="en-US" altLang="zh-CN" sz="1200" dirty="0" err="1">
+                <a:solidFill>
+                  <a:srgbClr val="000000"/>
+                </a:solidFill>
+                <a:latin typeface="新宋体" panose="02010609030101010101" pitchFamily="49" charset="-122"/>
+                <a:ea typeface="新宋体" panose="02010609030101010101" pitchFamily="49" charset="-122"/>
+              </a:rPr>
+              <a:t>.set</a:t>
+            </a:r>
+            <a:r>
+              <a:rPr lang="en-US" altLang="zh-CN" sz="1200" dirty="0">
+                <a:solidFill>
+                  <a:srgbClr val="000000"/>
+                </a:solidFill>
+                <a:latin typeface="新宋体" panose="02010609030101010101" pitchFamily="49" charset="-122"/>
+                <a:ea typeface="新宋体" panose="02010609030101010101" pitchFamily="49" charset="-122"/>
+              </a:rPr>
+              <a:t>(x, 0, </a:t>
+            </a:r>
+            <a:r>
+              <a:rPr lang="en-US" altLang="zh-CN" sz="1200" dirty="0">
+                <a:solidFill>
+                  <a:srgbClr val="808080"/>
+                </a:solidFill>
+                <a:latin typeface="新宋体" panose="02010609030101010101" pitchFamily="49" charset="-122"/>
+                <a:ea typeface="新宋体" panose="02010609030101010101" pitchFamily="49" charset="-122"/>
+              </a:rPr>
+              <a:t>color</a:t>
+            </a:r>
+            <a:r>
+              <a:rPr lang="en-US" altLang="zh-CN" sz="1200" dirty="0">
+                <a:solidFill>
+                  <a:srgbClr val="000000"/>
+                </a:solidFill>
+                <a:latin typeface="新宋体" panose="02010609030101010101" pitchFamily="49" charset="-122"/>
+                <a:ea typeface="新宋体" panose="02010609030101010101" pitchFamily="49" charset="-122"/>
+              </a:rPr>
+              <a:t>);</a:t>
+            </a:r>
+          </a:p>
+          <a:p>
+            <a:r>
+              <a:rPr lang="en-US" altLang="zh-CN" sz="1200" dirty="0">
+                <a:solidFill>
+                  <a:srgbClr val="000000"/>
+                </a:solidFill>
+                <a:latin typeface="新宋体" panose="02010609030101010101" pitchFamily="49" charset="-122"/>
+                <a:ea typeface="新宋体" panose="02010609030101010101" pitchFamily="49" charset="-122"/>
+              </a:rPr>
+              <a:t>		}</a:t>
+            </a:r>
+          </a:p>
+          <a:p>
+            <a:r>
+              <a:rPr lang="en-US" altLang="zh-CN" sz="1200" dirty="0">
+                <a:solidFill>
+                  <a:srgbClr val="000000"/>
+                </a:solidFill>
+                <a:latin typeface="新宋体" panose="02010609030101010101" pitchFamily="49" charset="-122"/>
+                <a:ea typeface="新宋体" panose="02010609030101010101" pitchFamily="49" charset="-122"/>
+              </a:rPr>
+              <a:t>	}</a:t>
+            </a:r>
+          </a:p>
+          <a:p>
+            <a:r>
+              <a:rPr lang="en-US" altLang="zh-CN" sz="1200" dirty="0">
+                <a:solidFill>
+                  <a:srgbClr val="000000"/>
+                </a:solidFill>
+                <a:latin typeface="新宋体" panose="02010609030101010101" pitchFamily="49" charset="-122"/>
+                <a:ea typeface="新宋体" panose="02010609030101010101" pitchFamily="49" charset="-122"/>
+              </a:rPr>
+              <a:t>}</a:t>
+            </a:r>
+            <a:endParaRPr lang="zh-CN" altLang="en-US" sz="1200" dirty="0"/>
           </a:p>
         </p:txBody>
       </p:sp>

--- a/render/TinyRenderer.pptx
+++ b/render/TinyRenderer.pptx
@@ -16,6 +16,7 @@
     <p:sldId id="265" r:id="rId10"/>
     <p:sldId id="266" r:id="rId11"/>
     <p:sldId id="267" r:id="rId12"/>
+    <p:sldId id="268" r:id="rId13"/>
   </p:sldIdLst>
   <p:sldSz cx="12192000" cy="6858000"/>
   <p:notesSz cx="6858000" cy="9144000"/>
@@ -280,7 +281,7 @@
           <a:p>
             <a:fld id="{D975DD19-BC94-4039-8C23-459E84C63CD3}" type="datetimeFigureOut">
               <a:rPr lang="zh-CN" altLang="en-US" smtClean="0"/>
-              <a:t>2024/1/14</a:t>
+              <a:t>2024/1/16</a:t>
             </a:fld>
             <a:endParaRPr lang="zh-CN" altLang="en-US"/>
           </a:p>
@@ -478,7 +479,7 @@
           <a:p>
             <a:fld id="{D975DD19-BC94-4039-8C23-459E84C63CD3}" type="datetimeFigureOut">
               <a:rPr lang="zh-CN" altLang="en-US" smtClean="0"/>
-              <a:t>2024/1/14</a:t>
+              <a:t>2024/1/16</a:t>
             </a:fld>
             <a:endParaRPr lang="zh-CN" altLang="en-US"/>
           </a:p>
@@ -686,7 +687,7 @@
           <a:p>
             <a:fld id="{D975DD19-BC94-4039-8C23-459E84C63CD3}" type="datetimeFigureOut">
               <a:rPr lang="zh-CN" altLang="en-US" smtClean="0"/>
-              <a:t>2024/1/14</a:t>
+              <a:t>2024/1/16</a:t>
             </a:fld>
             <a:endParaRPr lang="zh-CN" altLang="en-US"/>
           </a:p>
@@ -884,7 +885,7 @@
           <a:p>
             <a:fld id="{D975DD19-BC94-4039-8C23-459E84C63CD3}" type="datetimeFigureOut">
               <a:rPr lang="zh-CN" altLang="en-US" smtClean="0"/>
-              <a:t>2024/1/14</a:t>
+              <a:t>2024/1/16</a:t>
             </a:fld>
             <a:endParaRPr lang="zh-CN" altLang="en-US"/>
           </a:p>
@@ -1159,7 +1160,7 @@
           <a:p>
             <a:fld id="{D975DD19-BC94-4039-8C23-459E84C63CD3}" type="datetimeFigureOut">
               <a:rPr lang="zh-CN" altLang="en-US" smtClean="0"/>
-              <a:t>2024/1/14</a:t>
+              <a:t>2024/1/16</a:t>
             </a:fld>
             <a:endParaRPr lang="zh-CN" altLang="en-US"/>
           </a:p>
@@ -1424,7 +1425,7 @@
           <a:p>
             <a:fld id="{D975DD19-BC94-4039-8C23-459E84C63CD3}" type="datetimeFigureOut">
               <a:rPr lang="zh-CN" altLang="en-US" smtClean="0"/>
-              <a:t>2024/1/14</a:t>
+              <a:t>2024/1/16</a:t>
             </a:fld>
             <a:endParaRPr lang="zh-CN" altLang="en-US"/>
           </a:p>
@@ -1836,7 +1837,7 @@
           <a:p>
             <a:fld id="{D975DD19-BC94-4039-8C23-459E84C63CD3}" type="datetimeFigureOut">
               <a:rPr lang="zh-CN" altLang="en-US" smtClean="0"/>
-              <a:t>2024/1/14</a:t>
+              <a:t>2024/1/16</a:t>
             </a:fld>
             <a:endParaRPr lang="zh-CN" altLang="en-US"/>
           </a:p>
@@ -1977,7 +1978,7 @@
           <a:p>
             <a:fld id="{D975DD19-BC94-4039-8C23-459E84C63CD3}" type="datetimeFigureOut">
               <a:rPr lang="zh-CN" altLang="en-US" smtClean="0"/>
-              <a:t>2024/1/14</a:t>
+              <a:t>2024/1/16</a:t>
             </a:fld>
             <a:endParaRPr lang="zh-CN" altLang="en-US"/>
           </a:p>
@@ -2090,7 +2091,7 @@
           <a:p>
             <a:fld id="{D975DD19-BC94-4039-8C23-459E84C63CD3}" type="datetimeFigureOut">
               <a:rPr lang="zh-CN" altLang="en-US" smtClean="0"/>
-              <a:t>2024/1/14</a:t>
+              <a:t>2024/1/16</a:t>
             </a:fld>
             <a:endParaRPr lang="zh-CN" altLang="en-US"/>
           </a:p>
@@ -2401,7 +2402,7 @@
           <a:p>
             <a:fld id="{D975DD19-BC94-4039-8C23-459E84C63CD3}" type="datetimeFigureOut">
               <a:rPr lang="zh-CN" altLang="en-US" smtClean="0"/>
-              <a:t>2024/1/14</a:t>
+              <a:t>2024/1/16</a:t>
             </a:fld>
             <a:endParaRPr lang="zh-CN" altLang="en-US"/>
           </a:p>
@@ -2689,7 +2690,7 @@
           <a:p>
             <a:fld id="{D975DD19-BC94-4039-8C23-459E84C63CD3}" type="datetimeFigureOut">
               <a:rPr lang="zh-CN" altLang="en-US" smtClean="0"/>
-              <a:t>2024/1/14</a:t>
+              <a:t>2024/1/16</a:t>
             </a:fld>
             <a:endParaRPr lang="zh-CN" altLang="en-US"/>
           </a:p>
@@ -2930,7 +2931,7 @@
           <a:p>
             <a:fld id="{D975DD19-BC94-4039-8C23-459E84C63CD3}" type="datetimeFigureOut">
               <a:rPr lang="zh-CN" altLang="en-US" smtClean="0"/>
-              <a:t>2024/1/14</a:t>
+              <a:t>2024/1/16</a:t>
             </a:fld>
             <a:endParaRPr lang="zh-CN" altLang="en-US"/>
           </a:p>
@@ -4548,8 +4549,8 @@
         </p:nvSpPr>
         <p:spPr>
           <a:xfrm>
-            <a:off x="633326" y="535637"/>
-            <a:ext cx="10290060" cy="1477328"/>
+            <a:off x="633325" y="535637"/>
+            <a:ext cx="11286925" cy="2862322"/>
           </a:xfrm>
           <a:prstGeom prst="rect">
             <a:avLst/>
@@ -4833,7 +4834,7 @@
                 <a:latin typeface="新宋体" panose="02010609030101010101" pitchFamily="49" charset="-122"/>
                 <a:ea typeface="新宋体" panose="02010609030101010101" pitchFamily="49" charset="-122"/>
               </a:rPr>
-              <a:t>值应该就是三角形三个顶点与重心坐标的点乘之和</a:t>
+              <a:t>值应该就是三角形三个顶点与重心坐标的点乘之和。</a:t>
             </a:r>
             <a:endParaRPr lang="en-US" altLang="zh-CN" sz="1800" dirty="0">
               <a:solidFill>
@@ -4843,12 +4844,908 @@
               <a:ea typeface="新宋体" panose="02010609030101010101" pitchFamily="49" charset="-122"/>
             </a:endParaRPr>
           </a:p>
+          <a:p>
+            <a:endParaRPr lang="en-US" altLang="zh-CN" dirty="0">
+              <a:solidFill>
+                <a:srgbClr val="000000"/>
+              </a:solidFill>
+              <a:latin typeface="新宋体" panose="02010609030101010101" pitchFamily="49" charset="-122"/>
+              <a:ea typeface="新宋体" panose="02010609030101010101" pitchFamily="49" charset="-122"/>
+            </a:endParaRPr>
+          </a:p>
+          <a:p>
+            <a:r>
+              <a:rPr lang="zh-CN" altLang="en-US" sz="1800" dirty="0">
+                <a:solidFill>
+                  <a:srgbClr val="000000"/>
+                </a:solidFill>
+                <a:latin typeface="新宋体" panose="02010609030101010101" pitchFamily="49" charset="-122"/>
+                <a:ea typeface="新宋体" panose="02010609030101010101" pitchFamily="49" charset="-122"/>
+              </a:rPr>
+              <a:t>同样我们获取</a:t>
+            </a:r>
+            <a:r>
+              <a:rPr lang="en-US" altLang="zh-CN" sz="1800" dirty="0">
+                <a:solidFill>
+                  <a:srgbClr val="000000"/>
+                </a:solidFill>
+                <a:latin typeface="新宋体" panose="02010609030101010101" pitchFamily="49" charset="-122"/>
+                <a:ea typeface="新宋体" panose="02010609030101010101" pitchFamily="49" charset="-122"/>
+              </a:rPr>
+              <a:t>obj</a:t>
+            </a:r>
+            <a:r>
+              <a:rPr lang="zh-CN" altLang="en-US" sz="1800" dirty="0">
+                <a:solidFill>
+                  <a:srgbClr val="000000"/>
+                </a:solidFill>
+                <a:latin typeface="新宋体" panose="02010609030101010101" pitchFamily="49" charset="-122"/>
+                <a:ea typeface="新宋体" panose="02010609030101010101" pitchFamily="49" charset="-122"/>
+              </a:rPr>
+              <a:t>文件中三个顶点值，然后传入绘制函数中，通过重心坐标求取当前像素点的</a:t>
+            </a:r>
+            <a:r>
+              <a:rPr lang="en-US" altLang="zh-CN" sz="1800" dirty="0">
+                <a:solidFill>
+                  <a:srgbClr val="000000"/>
+                </a:solidFill>
+                <a:latin typeface="新宋体" panose="02010609030101010101" pitchFamily="49" charset="-122"/>
+                <a:ea typeface="新宋体" panose="02010609030101010101" pitchFamily="49" charset="-122"/>
+              </a:rPr>
+              <a:t>z</a:t>
+            </a:r>
+            <a:r>
+              <a:rPr lang="zh-CN" altLang="en-US" sz="1800" dirty="0">
+                <a:solidFill>
+                  <a:srgbClr val="000000"/>
+                </a:solidFill>
+                <a:latin typeface="新宋体" panose="02010609030101010101" pitchFamily="49" charset="-122"/>
+                <a:ea typeface="新宋体" panose="02010609030101010101" pitchFamily="49" charset="-122"/>
+              </a:rPr>
+              <a:t>值</a:t>
+            </a:r>
+            <a:endParaRPr lang="en-US" altLang="zh-CN" sz="1800" dirty="0">
+              <a:solidFill>
+                <a:srgbClr val="000000"/>
+              </a:solidFill>
+              <a:latin typeface="新宋体" panose="02010609030101010101" pitchFamily="49" charset="-122"/>
+              <a:ea typeface="新宋体" panose="02010609030101010101" pitchFamily="49" charset="-122"/>
+            </a:endParaRPr>
+          </a:p>
+          <a:p>
+            <a:r>
+              <a:rPr lang="zh-CN" altLang="en-US" dirty="0">
+                <a:solidFill>
+                  <a:srgbClr val="000000"/>
+                </a:solidFill>
+                <a:latin typeface="新宋体" panose="02010609030101010101" pitchFamily="49" charset="-122"/>
+                <a:ea typeface="新宋体" panose="02010609030101010101" pitchFamily="49" charset="-122"/>
+              </a:rPr>
+              <a:t>当前像素点的重心坐标</a:t>
+            </a:r>
+            <a:r>
+              <a:rPr lang="en-US" altLang="zh-CN" dirty="0">
+                <a:solidFill>
+                  <a:srgbClr val="000000"/>
+                </a:solidFill>
+                <a:latin typeface="新宋体" panose="02010609030101010101" pitchFamily="49" charset="-122"/>
+                <a:ea typeface="新宋体" panose="02010609030101010101" pitchFamily="49" charset="-122"/>
+              </a:rPr>
+              <a:t>P = </a:t>
+            </a:r>
+            <a:r>
+              <a:rPr lang="en-US" altLang="zh-CN" sz="1800" dirty="0">
+                <a:solidFill>
+                  <a:srgbClr val="000000"/>
+                </a:solidFill>
+                <a:latin typeface="新宋体" panose="02010609030101010101" pitchFamily="49" charset="-122"/>
+                <a:ea typeface="新宋体" panose="02010609030101010101" pitchFamily="49" charset="-122"/>
+              </a:rPr>
+              <a:t>(</a:t>
+            </a:r>
+            <a:r>
+              <a:rPr lang="en-US" altLang="zh-CN" sz="1800" dirty="0">
+                <a:solidFill>
+                  <a:srgbClr val="808080"/>
+                </a:solidFill>
+                <a:latin typeface="新宋体" panose="02010609030101010101" pitchFamily="49" charset="-122"/>
+                <a:ea typeface="新宋体" panose="02010609030101010101" pitchFamily="49" charset="-122"/>
+              </a:rPr>
+              <a:t>pts</a:t>
+            </a:r>
+            <a:r>
+              <a:rPr lang="en-US" altLang="zh-CN" sz="1800" dirty="0">
+                <a:solidFill>
+                  <a:srgbClr val="000000"/>
+                </a:solidFill>
+                <a:latin typeface="新宋体" panose="02010609030101010101" pitchFamily="49" charset="-122"/>
+                <a:ea typeface="新宋体" panose="02010609030101010101" pitchFamily="49" charset="-122"/>
+              </a:rPr>
+              <a:t>[0] </a:t>
+            </a:r>
+            <a:r>
+              <a:rPr lang="en-US" altLang="zh-CN" sz="1800" dirty="0">
+                <a:solidFill>
+                  <a:srgbClr val="008080"/>
+                </a:solidFill>
+                <a:latin typeface="新宋体" panose="02010609030101010101" pitchFamily="49" charset="-122"/>
+                <a:ea typeface="新宋体" panose="02010609030101010101" pitchFamily="49" charset="-122"/>
+              </a:rPr>
+              <a:t>*</a:t>
+            </a:r>
+            <a:r>
+              <a:rPr lang="en-US" altLang="zh-CN" sz="1800" dirty="0">
+                <a:solidFill>
+                  <a:srgbClr val="000000"/>
+                </a:solidFill>
+                <a:latin typeface="新宋体" panose="02010609030101010101" pitchFamily="49" charset="-122"/>
+                <a:ea typeface="新宋体" panose="02010609030101010101" pitchFamily="49" charset="-122"/>
+              </a:rPr>
+              <a:t> </a:t>
+            </a:r>
+            <a:r>
+              <a:rPr lang="en-US" altLang="zh-CN" sz="1800" dirty="0" err="1">
+                <a:solidFill>
+                  <a:srgbClr val="000000"/>
+                </a:solidFill>
+                <a:latin typeface="新宋体" panose="02010609030101010101" pitchFamily="49" charset="-122"/>
+                <a:ea typeface="新宋体" panose="02010609030101010101" pitchFamily="49" charset="-122"/>
+              </a:rPr>
+              <a:t>bc_screen.x</a:t>
+            </a:r>
+            <a:r>
+              <a:rPr lang="en-US" altLang="zh-CN" sz="1800" dirty="0">
+                <a:solidFill>
+                  <a:srgbClr val="008080"/>
+                </a:solidFill>
+                <a:latin typeface="新宋体" panose="02010609030101010101" pitchFamily="49" charset="-122"/>
+                <a:ea typeface="新宋体" panose="02010609030101010101" pitchFamily="49" charset="-122"/>
+              </a:rPr>
+              <a:t>+</a:t>
+            </a:r>
+            <a:r>
+              <a:rPr lang="en-US" altLang="zh-CN" sz="1800" dirty="0">
+                <a:solidFill>
+                  <a:srgbClr val="000000"/>
+                </a:solidFill>
+                <a:latin typeface="新宋体" panose="02010609030101010101" pitchFamily="49" charset="-122"/>
+                <a:ea typeface="新宋体" panose="02010609030101010101" pitchFamily="49" charset="-122"/>
+              </a:rPr>
+              <a:t> </a:t>
+            </a:r>
+            <a:r>
+              <a:rPr lang="en-US" altLang="zh-CN" sz="1800" dirty="0">
+                <a:solidFill>
+                  <a:srgbClr val="808080"/>
+                </a:solidFill>
+                <a:latin typeface="新宋体" panose="02010609030101010101" pitchFamily="49" charset="-122"/>
+                <a:ea typeface="新宋体" panose="02010609030101010101" pitchFamily="49" charset="-122"/>
+              </a:rPr>
+              <a:t>pts</a:t>
+            </a:r>
+            <a:r>
+              <a:rPr lang="en-US" altLang="zh-CN" sz="1800" dirty="0">
+                <a:solidFill>
+                  <a:srgbClr val="000000"/>
+                </a:solidFill>
+                <a:latin typeface="新宋体" panose="02010609030101010101" pitchFamily="49" charset="-122"/>
+                <a:ea typeface="新宋体" panose="02010609030101010101" pitchFamily="49" charset="-122"/>
+              </a:rPr>
+              <a:t>[1] </a:t>
+            </a:r>
+            <a:r>
+              <a:rPr lang="en-US" altLang="zh-CN" sz="1800" dirty="0">
+                <a:solidFill>
+                  <a:srgbClr val="008080"/>
+                </a:solidFill>
+                <a:latin typeface="新宋体" panose="02010609030101010101" pitchFamily="49" charset="-122"/>
+                <a:ea typeface="新宋体" panose="02010609030101010101" pitchFamily="49" charset="-122"/>
+              </a:rPr>
+              <a:t>*</a:t>
+            </a:r>
+            <a:r>
+              <a:rPr lang="en-US" altLang="zh-CN" sz="1800" dirty="0">
+                <a:solidFill>
+                  <a:srgbClr val="000000"/>
+                </a:solidFill>
+                <a:latin typeface="新宋体" panose="02010609030101010101" pitchFamily="49" charset="-122"/>
+                <a:ea typeface="新宋体" panose="02010609030101010101" pitchFamily="49" charset="-122"/>
+              </a:rPr>
+              <a:t> </a:t>
+            </a:r>
+            <a:r>
+              <a:rPr lang="en-US" altLang="zh-CN" sz="1800" dirty="0" err="1">
+                <a:solidFill>
+                  <a:srgbClr val="000000"/>
+                </a:solidFill>
+                <a:latin typeface="新宋体" panose="02010609030101010101" pitchFamily="49" charset="-122"/>
+                <a:ea typeface="新宋体" panose="02010609030101010101" pitchFamily="49" charset="-122"/>
+              </a:rPr>
+              <a:t>bc_screen.y</a:t>
+            </a:r>
+            <a:r>
+              <a:rPr lang="en-US" altLang="zh-CN" sz="1800" dirty="0">
+                <a:solidFill>
+                  <a:srgbClr val="008080"/>
+                </a:solidFill>
+                <a:latin typeface="新宋体" panose="02010609030101010101" pitchFamily="49" charset="-122"/>
+                <a:ea typeface="新宋体" panose="02010609030101010101" pitchFamily="49" charset="-122"/>
+              </a:rPr>
+              <a:t>+</a:t>
+            </a:r>
+            <a:r>
+              <a:rPr lang="en-US" altLang="zh-CN" sz="1800" dirty="0">
+                <a:solidFill>
+                  <a:srgbClr val="000000"/>
+                </a:solidFill>
+                <a:latin typeface="新宋体" panose="02010609030101010101" pitchFamily="49" charset="-122"/>
+                <a:ea typeface="新宋体" panose="02010609030101010101" pitchFamily="49" charset="-122"/>
+              </a:rPr>
+              <a:t> </a:t>
+            </a:r>
+            <a:r>
+              <a:rPr lang="en-US" altLang="zh-CN" sz="1800" dirty="0">
+                <a:solidFill>
+                  <a:srgbClr val="808080"/>
+                </a:solidFill>
+                <a:latin typeface="新宋体" panose="02010609030101010101" pitchFamily="49" charset="-122"/>
+                <a:ea typeface="新宋体" panose="02010609030101010101" pitchFamily="49" charset="-122"/>
+              </a:rPr>
+              <a:t>pts</a:t>
+            </a:r>
+            <a:r>
+              <a:rPr lang="en-US" altLang="zh-CN" sz="1800" dirty="0">
+                <a:solidFill>
+                  <a:srgbClr val="000000"/>
+                </a:solidFill>
+                <a:latin typeface="新宋体" panose="02010609030101010101" pitchFamily="49" charset="-122"/>
+                <a:ea typeface="新宋体" panose="02010609030101010101" pitchFamily="49" charset="-122"/>
+              </a:rPr>
+              <a:t>[2] </a:t>
+            </a:r>
+            <a:r>
+              <a:rPr lang="en-US" altLang="zh-CN" sz="1800" dirty="0">
+                <a:solidFill>
+                  <a:srgbClr val="008080"/>
+                </a:solidFill>
+                <a:latin typeface="新宋体" panose="02010609030101010101" pitchFamily="49" charset="-122"/>
+                <a:ea typeface="新宋体" panose="02010609030101010101" pitchFamily="49" charset="-122"/>
+              </a:rPr>
+              <a:t>*</a:t>
+            </a:r>
+            <a:r>
+              <a:rPr lang="en-US" altLang="zh-CN" sz="1800" dirty="0">
+                <a:solidFill>
+                  <a:srgbClr val="000000"/>
+                </a:solidFill>
+                <a:latin typeface="新宋体" panose="02010609030101010101" pitchFamily="49" charset="-122"/>
+                <a:ea typeface="新宋体" panose="02010609030101010101" pitchFamily="49" charset="-122"/>
+              </a:rPr>
+              <a:t> </a:t>
+            </a:r>
+            <a:r>
+              <a:rPr lang="en-US" altLang="zh-CN" sz="1800" dirty="0" err="1">
+                <a:solidFill>
+                  <a:srgbClr val="000000"/>
+                </a:solidFill>
+                <a:latin typeface="新宋体" panose="02010609030101010101" pitchFamily="49" charset="-122"/>
+                <a:ea typeface="新宋体" panose="02010609030101010101" pitchFamily="49" charset="-122"/>
+              </a:rPr>
+              <a:t>bc_screen.z</a:t>
+            </a:r>
+            <a:r>
+              <a:rPr lang="en-US" altLang="zh-CN" sz="1800" dirty="0">
+                <a:solidFill>
+                  <a:srgbClr val="000000"/>
+                </a:solidFill>
+                <a:latin typeface="新宋体" panose="02010609030101010101" pitchFamily="49" charset="-122"/>
+                <a:ea typeface="新宋体" panose="02010609030101010101" pitchFamily="49" charset="-122"/>
+              </a:rPr>
+              <a:t>)</a:t>
+            </a:r>
+          </a:p>
+          <a:p>
+            <a:endParaRPr lang="en-US" altLang="zh-CN" dirty="0">
+              <a:solidFill>
+                <a:srgbClr val="000000"/>
+              </a:solidFill>
+              <a:latin typeface="新宋体" panose="02010609030101010101" pitchFamily="49" charset="-122"/>
+              <a:ea typeface="新宋体" panose="02010609030101010101" pitchFamily="49" charset="-122"/>
+            </a:endParaRPr>
+          </a:p>
+          <a:p>
+            <a:r>
+              <a:rPr lang="zh-CN" altLang="en-US" dirty="0">
+                <a:solidFill>
+                  <a:srgbClr val="000000"/>
+                </a:solidFill>
+                <a:latin typeface="新宋体" panose="02010609030101010101" pitchFamily="49" charset="-122"/>
+                <a:ea typeface="新宋体" panose="02010609030101010101" pitchFamily="49" charset="-122"/>
+              </a:rPr>
+              <a:t>更新当前的像素点所在位置的</a:t>
+            </a:r>
+            <a:r>
+              <a:rPr lang="en-US" altLang="zh-CN" dirty="0" err="1">
+                <a:solidFill>
+                  <a:srgbClr val="000000"/>
+                </a:solidFill>
+                <a:latin typeface="新宋体" panose="02010609030101010101" pitchFamily="49" charset="-122"/>
+                <a:ea typeface="新宋体" panose="02010609030101010101" pitchFamily="49" charset="-122"/>
+              </a:rPr>
+              <a:t>zbuffer</a:t>
+            </a:r>
+            <a:r>
+              <a:rPr lang="zh-CN" altLang="en-US" dirty="0">
+                <a:solidFill>
+                  <a:srgbClr val="000000"/>
+                </a:solidFill>
+                <a:latin typeface="新宋体" panose="02010609030101010101" pitchFamily="49" charset="-122"/>
+                <a:ea typeface="新宋体" panose="02010609030101010101" pitchFamily="49" charset="-122"/>
+              </a:rPr>
+              <a:t>，</a:t>
+            </a:r>
+            <a:r>
+              <a:rPr lang="en-US" altLang="zh-CN" sz="1800" dirty="0" err="1">
+                <a:solidFill>
+                  <a:srgbClr val="808080"/>
+                </a:solidFill>
+                <a:latin typeface="新宋体" panose="02010609030101010101" pitchFamily="49" charset="-122"/>
+                <a:ea typeface="新宋体" panose="02010609030101010101" pitchFamily="49" charset="-122"/>
+              </a:rPr>
+              <a:t>zbuffer</a:t>
+            </a:r>
+            <a:r>
+              <a:rPr lang="en-US" altLang="zh-CN" sz="1800" dirty="0">
+                <a:solidFill>
+                  <a:srgbClr val="000000"/>
+                </a:solidFill>
+                <a:latin typeface="新宋体" panose="02010609030101010101" pitchFamily="49" charset="-122"/>
+                <a:ea typeface="新宋体" panose="02010609030101010101" pitchFamily="49" charset="-122"/>
+              </a:rPr>
+              <a:t>[</a:t>
+            </a:r>
+            <a:r>
+              <a:rPr lang="en-US" altLang="zh-CN" sz="1800" dirty="0">
+                <a:solidFill>
+                  <a:srgbClr val="0000FF"/>
+                </a:solidFill>
+                <a:latin typeface="新宋体" panose="02010609030101010101" pitchFamily="49" charset="-122"/>
+                <a:ea typeface="新宋体" panose="02010609030101010101" pitchFamily="49" charset="-122"/>
+              </a:rPr>
+              <a:t>int</a:t>
+            </a:r>
+            <a:r>
+              <a:rPr lang="en-US" altLang="zh-CN" sz="1800" dirty="0">
+                <a:solidFill>
+                  <a:srgbClr val="000000"/>
+                </a:solidFill>
+                <a:latin typeface="新宋体" panose="02010609030101010101" pitchFamily="49" charset="-122"/>
+                <a:ea typeface="新宋体" panose="02010609030101010101" pitchFamily="49" charset="-122"/>
+              </a:rPr>
+              <a:t>(</a:t>
+            </a:r>
+            <a:r>
+              <a:rPr lang="en-US" altLang="zh-CN" sz="1800" dirty="0" err="1">
+                <a:solidFill>
+                  <a:srgbClr val="000000"/>
+                </a:solidFill>
+                <a:latin typeface="新宋体" panose="02010609030101010101" pitchFamily="49" charset="-122"/>
+                <a:ea typeface="新宋体" panose="02010609030101010101" pitchFamily="49" charset="-122"/>
+              </a:rPr>
+              <a:t>P.x</a:t>
+            </a:r>
+            <a:r>
+              <a:rPr lang="en-US" altLang="zh-CN" sz="1800" dirty="0">
+                <a:solidFill>
+                  <a:srgbClr val="000000"/>
+                </a:solidFill>
+                <a:latin typeface="新宋体" panose="02010609030101010101" pitchFamily="49" charset="-122"/>
+                <a:ea typeface="新宋体" panose="02010609030101010101" pitchFamily="49" charset="-122"/>
+              </a:rPr>
+              <a:t> + </a:t>
+            </a:r>
+            <a:r>
+              <a:rPr lang="en-US" altLang="zh-CN" sz="1800" dirty="0" err="1">
+                <a:solidFill>
+                  <a:srgbClr val="000000"/>
+                </a:solidFill>
+                <a:latin typeface="新宋体" panose="02010609030101010101" pitchFamily="49" charset="-122"/>
+                <a:ea typeface="新宋体" panose="02010609030101010101" pitchFamily="49" charset="-122"/>
+              </a:rPr>
+              <a:t>P.y</a:t>
+            </a:r>
+            <a:r>
+              <a:rPr lang="en-US" altLang="zh-CN" sz="1800" dirty="0">
+                <a:solidFill>
+                  <a:srgbClr val="000000"/>
+                </a:solidFill>
+                <a:latin typeface="新宋体" panose="02010609030101010101" pitchFamily="49" charset="-122"/>
+                <a:ea typeface="新宋体" panose="02010609030101010101" pitchFamily="49" charset="-122"/>
+              </a:rPr>
+              <a:t> * width)]</a:t>
+            </a:r>
+            <a:r>
+              <a:rPr lang="zh-CN" altLang="en-US" sz="1800" dirty="0">
+                <a:solidFill>
+                  <a:srgbClr val="000000"/>
+                </a:solidFill>
+                <a:latin typeface="新宋体" panose="02010609030101010101" pitchFamily="49" charset="-122"/>
+                <a:ea typeface="新宋体" panose="02010609030101010101" pitchFamily="49" charset="-122"/>
+              </a:rPr>
+              <a:t>，然后</a:t>
+            </a:r>
+            <a:r>
+              <a:rPr lang="en-US" altLang="zh-CN" sz="1800" dirty="0" err="1">
+                <a:solidFill>
+                  <a:srgbClr val="000000"/>
+                </a:solidFill>
+                <a:latin typeface="新宋体" panose="02010609030101010101" pitchFamily="49" charset="-122"/>
+                <a:ea typeface="新宋体" panose="02010609030101010101" pitchFamily="49" charset="-122"/>
+              </a:rPr>
+              <a:t>image.set</a:t>
+            </a:r>
+            <a:r>
+              <a:rPr lang="zh-CN" altLang="en-US" sz="1800" dirty="0">
+                <a:solidFill>
+                  <a:srgbClr val="000000"/>
+                </a:solidFill>
+                <a:latin typeface="新宋体" panose="02010609030101010101" pitchFamily="49" charset="-122"/>
+                <a:ea typeface="新宋体" panose="02010609030101010101" pitchFamily="49" charset="-122"/>
+              </a:rPr>
+              <a:t>即可</a:t>
+            </a:r>
+            <a:endParaRPr lang="en-US" altLang="zh-CN" sz="1800" dirty="0">
+              <a:solidFill>
+                <a:srgbClr val="000000"/>
+              </a:solidFill>
+              <a:latin typeface="新宋体" panose="02010609030101010101" pitchFamily="49" charset="-122"/>
+              <a:ea typeface="新宋体" panose="02010609030101010101" pitchFamily="49" charset="-122"/>
+            </a:endParaRPr>
+          </a:p>
+        </p:txBody>
+      </p:sp>
+      <p:pic>
+        <p:nvPicPr>
+          <p:cNvPr id="3" name="图片 2">
+            <a:extLst>
+              <a:ext uri="{FF2B5EF4-FFF2-40B4-BE49-F238E27FC236}">
+                <a16:creationId xmlns:a16="http://schemas.microsoft.com/office/drawing/2014/main" id="{3956044E-E0B9-B2B1-34E0-5D9554D0ADAD}"/>
+              </a:ext>
+            </a:extLst>
+          </p:cNvPr>
+          <p:cNvPicPr>
+            <a:picLocks noChangeAspect="1"/>
+          </p:cNvPicPr>
+          <p:nvPr/>
+        </p:nvPicPr>
+        <p:blipFill>
+          <a:blip r:embed="rId2"/>
+          <a:stretch>
+            <a:fillRect/>
+          </a:stretch>
+        </p:blipFill>
+        <p:spPr>
+          <a:xfrm>
+            <a:off x="633325" y="3460042"/>
+            <a:ext cx="3181794" cy="3177031"/>
+          </a:xfrm>
+          <a:prstGeom prst="rect">
+            <a:avLst/>
+          </a:prstGeom>
+        </p:spPr>
+      </p:pic>
+      <p:sp>
+        <p:nvSpPr>
+          <p:cNvPr id="4" name="文本框 3">
+            <a:extLst>
+              <a:ext uri="{FF2B5EF4-FFF2-40B4-BE49-F238E27FC236}">
+                <a16:creationId xmlns:a16="http://schemas.microsoft.com/office/drawing/2014/main" id="{0C90A896-DF50-41DA-5F8E-75BA1BB206DC}"/>
+              </a:ext>
+            </a:extLst>
+          </p:cNvPr>
+          <p:cNvSpPr txBox="1"/>
+          <p:nvPr/>
+        </p:nvSpPr>
+        <p:spPr>
+          <a:xfrm>
+            <a:off x="4197793" y="3642795"/>
+            <a:ext cx="4082607" cy="646331"/>
+          </a:xfrm>
+          <a:prstGeom prst="rect">
+            <a:avLst/>
+          </a:prstGeom>
+          <a:noFill/>
+        </p:spPr>
+        <p:txBody>
+          <a:bodyPr wrap="square" rtlCol="0">
+            <a:spAutoFit/>
+          </a:bodyPr>
+          <a:lstStyle/>
+          <a:p>
+            <a:r>
+              <a:rPr lang="zh-CN" altLang="en-US" sz="1800" dirty="0">
+                <a:solidFill>
+                  <a:srgbClr val="000000"/>
+                </a:solidFill>
+                <a:latin typeface="新宋体" panose="02010609030101010101" pitchFamily="49" charset="-122"/>
+                <a:ea typeface="新宋体" panose="02010609030101010101" pitchFamily="49" charset="-122"/>
+              </a:rPr>
+              <a:t>接下来利用纹理图，将纹理映射到这个模型上实现贴图</a:t>
+            </a:r>
+            <a:endParaRPr lang="en-US" altLang="zh-CN" sz="1800" dirty="0">
+              <a:solidFill>
+                <a:srgbClr val="000000"/>
+              </a:solidFill>
+              <a:latin typeface="新宋体" panose="02010609030101010101" pitchFamily="49" charset="-122"/>
+              <a:ea typeface="新宋体" panose="02010609030101010101" pitchFamily="49" charset="-122"/>
+            </a:endParaRPr>
+          </a:p>
+        </p:txBody>
+      </p:sp>
+      <p:pic>
+        <p:nvPicPr>
+          <p:cNvPr id="6" name="图片 5">
+            <a:extLst>
+              <a:ext uri="{FF2B5EF4-FFF2-40B4-BE49-F238E27FC236}">
+                <a16:creationId xmlns:a16="http://schemas.microsoft.com/office/drawing/2014/main" id="{980404F7-BD01-9F77-7B69-1F3D20CEE64C}"/>
+              </a:ext>
+            </a:extLst>
+          </p:cNvPr>
+          <p:cNvPicPr>
+            <a:picLocks noChangeAspect="1"/>
+          </p:cNvPicPr>
+          <p:nvPr/>
+        </p:nvPicPr>
+        <p:blipFill>
+          <a:blip r:embed="rId3"/>
+          <a:stretch>
+            <a:fillRect/>
+          </a:stretch>
+        </p:blipFill>
+        <p:spPr>
+          <a:xfrm>
+            <a:off x="8663074" y="3460042"/>
+            <a:ext cx="3062811" cy="3062811"/>
+          </a:xfrm>
+          <a:prstGeom prst="rect">
+            <a:avLst/>
+          </a:prstGeom>
+        </p:spPr>
+      </p:pic>
+    </p:spTree>
+    <p:extLst>
+      <p:ext uri="{BB962C8B-B14F-4D97-AF65-F5344CB8AC3E}">
+        <p14:creationId xmlns:p14="http://schemas.microsoft.com/office/powerpoint/2010/main" val="1988271100"/>
+      </p:ext>
+    </p:extLst>
+  </p:cSld>
+  <p:clrMapOvr>
+    <a:masterClrMapping/>
+  </p:clrMapOvr>
+</p:sld>
+</file>
+
+<file path=ppt/slides/slide12.xml><?xml version="1.0" encoding="utf-8"?>
+<p:sld xmlns:a="http://schemas.openxmlformats.org/drawingml/2006/main" xmlns:r="http://schemas.openxmlformats.org/officeDocument/2006/relationships" xmlns:p="http://schemas.openxmlformats.org/presentationml/2006/main">
+  <p:cSld>
+    <p:spTree>
+      <p:nvGrpSpPr>
+        <p:cNvPr id="1" name=""/>
+        <p:cNvGrpSpPr/>
+        <p:nvPr/>
+      </p:nvGrpSpPr>
+      <p:grpSpPr>
+        <a:xfrm>
+          <a:off x="0" y="0"/>
+          <a:ext cx="0" cy="0"/>
+          <a:chOff x="0" y="0"/>
+          <a:chExt cx="0" cy="0"/>
+        </a:xfrm>
+      </p:grpSpPr>
+      <p:sp>
+        <p:nvSpPr>
+          <p:cNvPr id="8" name="文本框 7">
+            <a:extLst>
+              <a:ext uri="{FF2B5EF4-FFF2-40B4-BE49-F238E27FC236}">
+                <a16:creationId xmlns:a16="http://schemas.microsoft.com/office/drawing/2014/main" id="{AEA12C06-AE2A-F135-B7EC-FE13FCC8F281}"/>
+              </a:ext>
+            </a:extLst>
+          </p:cNvPr>
+          <p:cNvSpPr txBox="1"/>
+          <p:nvPr/>
+        </p:nvSpPr>
+        <p:spPr>
+          <a:xfrm>
+            <a:off x="759278" y="922565"/>
+            <a:ext cx="11013621" cy="2585323"/>
+          </a:xfrm>
+          <a:prstGeom prst="rect">
+            <a:avLst/>
+          </a:prstGeom>
+          <a:noFill/>
+        </p:spPr>
+        <p:txBody>
+          <a:bodyPr wrap="square" rtlCol="0">
+            <a:spAutoFit/>
+          </a:bodyPr>
+          <a:lstStyle/>
+          <a:p>
+            <a:r>
+              <a:rPr lang="zh-CN" altLang="en-US" dirty="0"/>
+              <a:t>纹理贴图的作用就是给了每个像素点一个颜色，所以获取纹理坐标后，我们需要知道当前坐标所对应的颜色</a:t>
+            </a:r>
+            <a:endParaRPr lang="en-US" altLang="zh-CN" dirty="0"/>
+          </a:p>
+          <a:p>
+            <a:r>
+              <a:rPr lang="zh-CN" altLang="en-US" dirty="0"/>
+              <a:t>作者的代码中给了</a:t>
+            </a:r>
+            <a:r>
+              <a:rPr lang="en-US" altLang="zh-CN" dirty="0" err="1"/>
+              <a:t>tgaimage</a:t>
+            </a:r>
+            <a:r>
+              <a:rPr lang="zh-CN" altLang="en-US" dirty="0"/>
+              <a:t>类一个</a:t>
+            </a:r>
+            <a:r>
+              <a:rPr lang="en-US" altLang="zh-CN" dirty="0"/>
+              <a:t>get</a:t>
+            </a:r>
+            <a:r>
+              <a:rPr lang="zh-CN" altLang="en-US" dirty="0"/>
+              <a:t>函数用来获取</a:t>
+            </a:r>
+            <a:r>
+              <a:rPr lang="en-US" altLang="zh-CN" dirty="0"/>
+              <a:t>(</a:t>
+            </a:r>
+            <a:r>
+              <a:rPr lang="en-US" altLang="zh-CN" dirty="0" err="1"/>
+              <a:t>x,y</a:t>
+            </a:r>
+            <a:r>
+              <a:rPr lang="en-US" altLang="zh-CN" dirty="0"/>
+              <a:t>)</a:t>
+            </a:r>
+            <a:r>
+              <a:rPr lang="zh-CN" altLang="en-US" dirty="0"/>
+              <a:t>坐标下的</a:t>
+            </a:r>
+            <a:r>
+              <a:rPr lang="en-US" altLang="zh-CN" dirty="0" err="1"/>
+              <a:t>tgacolor</a:t>
+            </a:r>
+            <a:r>
+              <a:rPr lang="zh-CN" altLang="en-US" dirty="0"/>
+              <a:t>，所以我们只需要对每个像素点绘制之前，先获取当前像素点对应的纹理坐标，然后利用纹理坐标对纹理贴图调用</a:t>
+            </a:r>
+            <a:r>
+              <a:rPr lang="en-US" altLang="zh-CN" dirty="0"/>
+              <a:t>get</a:t>
+            </a:r>
+            <a:r>
+              <a:rPr lang="zh-CN" altLang="en-US" dirty="0"/>
+              <a:t>即可</a:t>
+            </a:r>
+            <a:endParaRPr lang="en-US" altLang="zh-CN" dirty="0"/>
+          </a:p>
+          <a:p>
+            <a:endParaRPr lang="en-US" altLang="zh-CN" dirty="0"/>
+          </a:p>
+          <a:p>
+            <a:r>
+              <a:rPr lang="zh-CN" altLang="en-US" dirty="0"/>
+              <a:t>对于每个像素点的纹理坐标，可以利用重心坐标根据顶点的纹理坐标求得（传入存储了三个顶点纹理坐标的数组），纹理坐标由于是映射到</a:t>
+            </a:r>
+            <a:r>
+              <a:rPr lang="en-US" altLang="zh-CN" dirty="0"/>
+              <a:t>(0,1)</a:t>
+            </a:r>
+            <a:r>
+              <a:rPr lang="zh-CN" altLang="en-US" dirty="0"/>
+              <a:t>之间的，所以为了获取实际颜色坐标，还需要乘以贴图对应的宽和高</a:t>
+            </a:r>
+            <a:r>
+              <a:rPr lang="en-US" altLang="zh-CN" dirty="0"/>
+              <a:t>—</a:t>
+            </a:r>
+            <a:r>
+              <a:rPr lang="zh-CN" altLang="en-US" dirty="0"/>
+              <a:t>这个才是</a:t>
+            </a:r>
+            <a:r>
+              <a:rPr lang="en-US" altLang="zh-CN" dirty="0"/>
+              <a:t>get</a:t>
+            </a:r>
+            <a:r>
+              <a:rPr lang="zh-CN" altLang="en-US" dirty="0"/>
+              <a:t>传入的数据。</a:t>
+            </a:r>
+            <a:endParaRPr lang="en-US" altLang="zh-CN" dirty="0"/>
+          </a:p>
+          <a:p>
+            <a:endParaRPr lang="en-US" altLang="zh-CN" dirty="0"/>
+          </a:p>
+          <a:p>
+            <a:r>
+              <a:rPr lang="zh-CN" altLang="en-US" dirty="0"/>
+              <a:t>得到</a:t>
+            </a:r>
+            <a:r>
+              <a:rPr lang="en-US" altLang="zh-CN" dirty="0"/>
+              <a:t>color</a:t>
+            </a:r>
+            <a:r>
+              <a:rPr lang="zh-CN" altLang="en-US" dirty="0"/>
+              <a:t>后，在对</a:t>
+            </a:r>
+            <a:r>
+              <a:rPr lang="en-US" altLang="zh-CN" dirty="0"/>
+              <a:t>color</a:t>
+            </a:r>
+            <a:r>
+              <a:rPr lang="zh-CN" altLang="en-US" dirty="0"/>
+              <a:t>的</a:t>
+            </a:r>
+            <a:r>
+              <a:rPr lang="en-US" altLang="zh-CN" dirty="0" err="1"/>
+              <a:t>rgb</a:t>
+            </a:r>
+            <a:r>
+              <a:rPr lang="zh-CN" altLang="en-US" dirty="0"/>
+              <a:t>三值乘以光强显示出立体感。</a:t>
+            </a:r>
+          </a:p>
+        </p:txBody>
+      </p:sp>
+      <p:sp>
+        <p:nvSpPr>
+          <p:cNvPr id="9" name="文本框 8">
+            <a:extLst>
+              <a:ext uri="{FF2B5EF4-FFF2-40B4-BE49-F238E27FC236}">
+                <a16:creationId xmlns:a16="http://schemas.microsoft.com/office/drawing/2014/main" id="{48E64F10-DB15-9F9E-FEE2-83BA10CE7EAF}"/>
+              </a:ext>
+            </a:extLst>
+          </p:cNvPr>
+          <p:cNvSpPr txBox="1"/>
+          <p:nvPr/>
+        </p:nvSpPr>
+        <p:spPr>
+          <a:xfrm>
+            <a:off x="759277" y="3622223"/>
+            <a:ext cx="11013621" cy="3139321"/>
+          </a:xfrm>
+          <a:prstGeom prst="rect">
+            <a:avLst/>
+          </a:prstGeom>
+          <a:noFill/>
+        </p:spPr>
+        <p:txBody>
+          <a:bodyPr wrap="square" rtlCol="0">
+            <a:spAutoFit/>
+          </a:bodyPr>
+          <a:lstStyle/>
+          <a:p>
+            <a:r>
+              <a:rPr lang="zh-CN" altLang="en-US" dirty="0"/>
+              <a:t>具体流程：</a:t>
+            </a:r>
+            <a:endParaRPr lang="en-US" altLang="zh-CN" dirty="0"/>
+          </a:p>
+          <a:p>
+            <a:pPr marL="342900" indent="-342900">
+              <a:buAutoNum type="arabicPeriod"/>
+            </a:pPr>
+            <a:r>
+              <a:rPr lang="zh-CN" altLang="en-US" dirty="0"/>
+              <a:t>遍历模型</a:t>
+            </a:r>
+            <a:r>
+              <a:rPr lang="en-US" altLang="zh-CN" dirty="0"/>
+              <a:t>obj</a:t>
+            </a:r>
+            <a:r>
+              <a:rPr lang="zh-CN" altLang="en-US" dirty="0"/>
+              <a:t>文件中的</a:t>
+            </a:r>
+            <a:r>
+              <a:rPr lang="en-US" altLang="zh-CN" dirty="0"/>
+              <a:t>f</a:t>
+            </a:r>
+            <a:r>
+              <a:rPr lang="zh-CN" altLang="en-US" dirty="0"/>
+              <a:t>数组，对每个三角形面进行操作</a:t>
+            </a:r>
+            <a:endParaRPr lang="en-US" altLang="zh-CN" dirty="0"/>
+          </a:p>
+          <a:p>
+            <a:pPr marL="342900" indent="-342900">
+              <a:buAutoNum type="arabicPeriod"/>
+            </a:pPr>
+            <a:r>
+              <a:rPr lang="zh-CN" altLang="en-US" dirty="0"/>
+              <a:t>对于一个三角形面，遍历三个顶点获取顶点坐标和纹理坐标</a:t>
+            </a:r>
+            <a:endParaRPr lang="en-US" altLang="zh-CN" dirty="0"/>
+          </a:p>
+          <a:p>
+            <a:pPr marL="342900" indent="-342900">
+              <a:buAutoNum type="arabicPeriod"/>
+            </a:pPr>
+            <a:r>
+              <a:rPr lang="zh-CN" altLang="en-US" dirty="0"/>
+              <a:t>顶点坐标用来求取重心坐标，光强然后更新</a:t>
+            </a:r>
+            <a:r>
+              <a:rPr lang="en-US" altLang="zh-CN" dirty="0" err="1"/>
+              <a:t>zbuffer</a:t>
+            </a:r>
+            <a:r>
+              <a:rPr lang="zh-CN" altLang="en-US" dirty="0"/>
+              <a:t>数组，纹理坐标用来获取颜色</a:t>
+            </a:r>
+            <a:endParaRPr lang="en-US" altLang="zh-CN" dirty="0"/>
+          </a:p>
+          <a:p>
+            <a:pPr marL="342900" indent="-342900">
+              <a:buAutoNum type="arabicPeriod"/>
+            </a:pPr>
+            <a:r>
+              <a:rPr lang="zh-CN" altLang="en-US" dirty="0"/>
+              <a:t>遍历三个顶点后，绘制这一个面</a:t>
+            </a:r>
+            <a:endParaRPr lang="en-US" altLang="zh-CN" dirty="0"/>
+          </a:p>
+          <a:p>
+            <a:pPr marL="342900" indent="-342900">
+              <a:buAutoNum type="arabicPeriod"/>
+            </a:pPr>
+            <a:r>
+              <a:rPr lang="zh-CN" altLang="en-US" dirty="0"/>
+              <a:t>循环</a:t>
+            </a:r>
+            <a:endParaRPr lang="en-US" altLang="zh-CN" dirty="0"/>
+          </a:p>
+          <a:p>
+            <a:pPr marL="342900" indent="-342900">
+              <a:buAutoNum type="arabicPeriod"/>
+            </a:pPr>
+            <a:endParaRPr lang="en-US" altLang="zh-CN" dirty="0"/>
+          </a:p>
+          <a:p>
+            <a:pPr marL="342900" indent="-342900">
+              <a:buAutoNum type="arabicPeriod"/>
+            </a:pPr>
+            <a:endParaRPr lang="en-US" altLang="zh-CN" dirty="0"/>
+          </a:p>
+          <a:p>
+            <a:r>
+              <a:rPr lang="en-US" altLang="zh-CN" dirty="0" err="1"/>
+              <a:t>zbuffer</a:t>
+            </a:r>
+            <a:r>
+              <a:rPr lang="zh-CN" altLang="en-US" dirty="0"/>
+              <a:t>数组是全局变量，每个点的绘制都要去比对当前位置的深度，这样才能决定是否被绘制</a:t>
+            </a:r>
+            <a:endParaRPr lang="en-US" altLang="zh-CN" dirty="0"/>
+          </a:p>
+          <a:p>
+            <a:endParaRPr lang="en-US" altLang="zh-CN" dirty="0"/>
+          </a:p>
+          <a:p>
+            <a:r>
+              <a:rPr lang="zh-CN" altLang="en-US" dirty="0"/>
+              <a:t>处理后的纹理坐标应当和像素点对应，即可以统一转换为整型变量</a:t>
+            </a:r>
+          </a:p>
         </p:txBody>
       </p:sp>
     </p:spTree>
     <p:extLst>
       <p:ext uri="{BB962C8B-B14F-4D97-AF65-F5344CB8AC3E}">
-        <p14:creationId xmlns:p14="http://schemas.microsoft.com/office/powerpoint/2010/main" val="1988271100"/>
+        <p14:creationId xmlns:p14="http://schemas.microsoft.com/office/powerpoint/2010/main" val="3465812080"/>
       </p:ext>
     </p:extLst>
   </p:cSld>
@@ -6739,8 +7636,8 @@
           </p:sp>
         </mc:Fallback>
       </mc:AlternateContent>
-      <mc:AlternateContent xmlns:mc="http://schemas.openxmlformats.org/markup-compatibility/2006">
-        <mc:Choice xmlns:a14="http://schemas.microsoft.com/office/drawing/2010/main" Requires="a14">
+      <mc:AlternateContent xmlns:mc="http://schemas.openxmlformats.org/markup-compatibility/2006" xmlns:a14="http://schemas.microsoft.com/office/drawing/2010/main">
+        <mc:Choice Requires="a14">
           <p:sp>
             <p:nvSpPr>
               <p:cNvPr id="5" name="文本框 4">
@@ -7453,7 +8350,7 @@
             </p:txBody>
           </p:sp>
         </mc:Choice>
-        <mc:Fallback>
+        <mc:Fallback xmlns="">
           <p:sp>
             <p:nvSpPr>
               <p:cNvPr id="5" name="文本框 4">

--- a/render/TinyRenderer.pptx
+++ b/render/TinyRenderer.pptx
@@ -17,6 +17,13 @@
     <p:sldId id="266" r:id="rId11"/>
     <p:sldId id="267" r:id="rId12"/>
     <p:sldId id="268" r:id="rId13"/>
+    <p:sldId id="269" r:id="rId14"/>
+    <p:sldId id="270" r:id="rId15"/>
+    <p:sldId id="271" r:id="rId16"/>
+    <p:sldId id="272" r:id="rId17"/>
+    <p:sldId id="273" r:id="rId18"/>
+    <p:sldId id="274" r:id="rId19"/>
+    <p:sldId id="275" r:id="rId20"/>
   </p:sldIdLst>
   <p:sldSz cx="12192000" cy="6858000"/>
   <p:notesSz cx="6858000" cy="9144000"/>
@@ -281,7 +288,7 @@
           <a:p>
             <a:fld id="{D975DD19-BC94-4039-8C23-459E84C63CD3}" type="datetimeFigureOut">
               <a:rPr lang="zh-CN" altLang="en-US" smtClean="0"/>
-              <a:t>2024/1/16</a:t>
+              <a:t>2024/1/24</a:t>
             </a:fld>
             <a:endParaRPr lang="zh-CN" altLang="en-US"/>
           </a:p>
@@ -479,7 +486,7 @@
           <a:p>
             <a:fld id="{D975DD19-BC94-4039-8C23-459E84C63CD3}" type="datetimeFigureOut">
               <a:rPr lang="zh-CN" altLang="en-US" smtClean="0"/>
-              <a:t>2024/1/16</a:t>
+              <a:t>2024/1/24</a:t>
             </a:fld>
             <a:endParaRPr lang="zh-CN" altLang="en-US"/>
           </a:p>
@@ -687,7 +694,7 @@
           <a:p>
             <a:fld id="{D975DD19-BC94-4039-8C23-459E84C63CD3}" type="datetimeFigureOut">
               <a:rPr lang="zh-CN" altLang="en-US" smtClean="0"/>
-              <a:t>2024/1/16</a:t>
+              <a:t>2024/1/24</a:t>
             </a:fld>
             <a:endParaRPr lang="zh-CN" altLang="en-US"/>
           </a:p>
@@ -885,7 +892,7 @@
           <a:p>
             <a:fld id="{D975DD19-BC94-4039-8C23-459E84C63CD3}" type="datetimeFigureOut">
               <a:rPr lang="zh-CN" altLang="en-US" smtClean="0"/>
-              <a:t>2024/1/16</a:t>
+              <a:t>2024/1/24</a:t>
             </a:fld>
             <a:endParaRPr lang="zh-CN" altLang="en-US"/>
           </a:p>
@@ -1160,7 +1167,7 @@
           <a:p>
             <a:fld id="{D975DD19-BC94-4039-8C23-459E84C63CD3}" type="datetimeFigureOut">
               <a:rPr lang="zh-CN" altLang="en-US" smtClean="0"/>
-              <a:t>2024/1/16</a:t>
+              <a:t>2024/1/24</a:t>
             </a:fld>
             <a:endParaRPr lang="zh-CN" altLang="en-US"/>
           </a:p>
@@ -1425,7 +1432,7 @@
           <a:p>
             <a:fld id="{D975DD19-BC94-4039-8C23-459E84C63CD3}" type="datetimeFigureOut">
               <a:rPr lang="zh-CN" altLang="en-US" smtClean="0"/>
-              <a:t>2024/1/16</a:t>
+              <a:t>2024/1/24</a:t>
             </a:fld>
             <a:endParaRPr lang="zh-CN" altLang="en-US"/>
           </a:p>
@@ -1837,7 +1844,7 @@
           <a:p>
             <a:fld id="{D975DD19-BC94-4039-8C23-459E84C63CD3}" type="datetimeFigureOut">
               <a:rPr lang="zh-CN" altLang="en-US" smtClean="0"/>
-              <a:t>2024/1/16</a:t>
+              <a:t>2024/1/24</a:t>
             </a:fld>
             <a:endParaRPr lang="zh-CN" altLang="en-US"/>
           </a:p>
@@ -1978,7 +1985,7 @@
           <a:p>
             <a:fld id="{D975DD19-BC94-4039-8C23-459E84C63CD3}" type="datetimeFigureOut">
               <a:rPr lang="zh-CN" altLang="en-US" smtClean="0"/>
-              <a:t>2024/1/16</a:t>
+              <a:t>2024/1/24</a:t>
             </a:fld>
             <a:endParaRPr lang="zh-CN" altLang="en-US"/>
           </a:p>
@@ -2091,7 +2098,7 @@
           <a:p>
             <a:fld id="{D975DD19-BC94-4039-8C23-459E84C63CD3}" type="datetimeFigureOut">
               <a:rPr lang="zh-CN" altLang="en-US" smtClean="0"/>
-              <a:t>2024/1/16</a:t>
+              <a:t>2024/1/24</a:t>
             </a:fld>
             <a:endParaRPr lang="zh-CN" altLang="en-US"/>
           </a:p>
@@ -2402,7 +2409,7 @@
           <a:p>
             <a:fld id="{D975DD19-BC94-4039-8C23-459E84C63CD3}" type="datetimeFigureOut">
               <a:rPr lang="zh-CN" altLang="en-US" smtClean="0"/>
-              <a:t>2024/1/16</a:t>
+              <a:t>2024/1/24</a:t>
             </a:fld>
             <a:endParaRPr lang="zh-CN" altLang="en-US"/>
           </a:p>
@@ -2690,7 +2697,7 @@
           <a:p>
             <a:fld id="{D975DD19-BC94-4039-8C23-459E84C63CD3}" type="datetimeFigureOut">
               <a:rPr lang="zh-CN" altLang="en-US" smtClean="0"/>
-              <a:t>2024/1/16</a:t>
+              <a:t>2024/1/24</a:t>
             </a:fld>
             <a:endParaRPr lang="zh-CN" altLang="en-US"/>
           </a:p>
@@ -2931,7 +2938,7 @@
           <a:p>
             <a:fld id="{D975DD19-BC94-4039-8C23-459E84C63CD3}" type="datetimeFigureOut">
               <a:rPr lang="zh-CN" altLang="en-US" smtClean="0"/>
-              <a:t>2024/1/16</a:t>
+              <a:t>2024/1/24</a:t>
             </a:fld>
             <a:endParaRPr lang="zh-CN" altLang="en-US"/>
           </a:p>
@@ -5746,6 +5753,2122 @@
     <p:extLst>
       <p:ext uri="{BB962C8B-B14F-4D97-AF65-F5344CB8AC3E}">
         <p14:creationId xmlns:p14="http://schemas.microsoft.com/office/powerpoint/2010/main" val="3465812080"/>
+      </p:ext>
+    </p:extLst>
+  </p:cSld>
+  <p:clrMapOvr>
+    <a:masterClrMapping/>
+  </p:clrMapOvr>
+</p:sld>
+</file>
+
+<file path=ppt/slides/slide13.xml><?xml version="1.0" encoding="utf-8"?>
+<p:sld xmlns:a="http://schemas.openxmlformats.org/drawingml/2006/main" xmlns:r="http://schemas.openxmlformats.org/officeDocument/2006/relationships" xmlns:p="http://schemas.openxmlformats.org/presentationml/2006/main">
+  <p:cSld>
+    <p:spTree>
+      <p:nvGrpSpPr>
+        <p:cNvPr id="1" name=""/>
+        <p:cNvGrpSpPr/>
+        <p:nvPr/>
+      </p:nvGrpSpPr>
+      <p:grpSpPr>
+        <a:xfrm>
+          <a:off x="0" y="0"/>
+          <a:ext cx="0" cy="0"/>
+          <a:chOff x="0" y="0"/>
+          <a:chExt cx="0" cy="0"/>
+        </a:xfrm>
+      </p:grpSpPr>
+      <mc:AlternateContent xmlns:mc="http://schemas.openxmlformats.org/markup-compatibility/2006" xmlns:a14="http://schemas.microsoft.com/office/drawing/2010/main">
+        <mc:Choice Requires="a14">
+          <p:sp>
+            <p:nvSpPr>
+              <p:cNvPr id="8" name="文本框 7">
+                <a:extLst>
+                  <a:ext uri="{FF2B5EF4-FFF2-40B4-BE49-F238E27FC236}">
+                    <a16:creationId xmlns:a16="http://schemas.microsoft.com/office/drawing/2014/main" id="{AEA12C06-AE2A-F135-B7EC-FE13FCC8F281}"/>
+                  </a:ext>
+                </a:extLst>
+              </p:cNvPr>
+              <p:cNvSpPr txBox="1"/>
+              <p:nvPr/>
+            </p:nvSpPr>
+            <p:spPr>
+              <a:xfrm>
+                <a:off x="759276" y="329899"/>
+                <a:ext cx="11013621" cy="2282420"/>
+              </a:xfrm>
+              <a:prstGeom prst="rect">
+                <a:avLst/>
+              </a:prstGeom>
+              <a:noFill/>
+            </p:spPr>
+            <p:txBody>
+              <a:bodyPr wrap="square" rtlCol="0">
+                <a:spAutoFit/>
+              </a:bodyPr>
+              <a:lstStyle/>
+              <a:p>
+                <a:r>
+                  <a:rPr lang="zh-CN" altLang="en-US" dirty="0"/>
+                  <a:t>变换矩阵：通过矩阵的形式来对一个点进行变换</a:t>
+                </a:r>
+                <a:endParaRPr lang="en-US" altLang="zh-CN" dirty="0"/>
+              </a:p>
+              <a:p>
+                <a:endParaRPr lang="en-US" altLang="zh-CN" dirty="0"/>
+              </a:p>
+              <a:p>
+                <a:pPr/>
+                <a14:m>
+                  <m:oMathPara xmlns:m="http://schemas.openxmlformats.org/officeDocument/2006/math">
+                    <m:oMathParaPr>
+                      <m:jc m:val="centerGroup"/>
+                    </m:oMathParaPr>
+                    <m:oMath xmlns:m="http://schemas.openxmlformats.org/officeDocument/2006/math">
+                      <m:d>
+                        <m:dPr>
+                          <m:begChr m:val="["/>
+                          <m:endChr m:val="]"/>
+                          <m:ctrlPr>
+                            <a:rPr lang="zh-CN" altLang="en-US" i="1" dirty="0" smtClean="0">
+                              <a:solidFill>
+                                <a:srgbClr val="836967"/>
+                              </a:solidFill>
+                              <a:latin typeface="Cambria Math" panose="02040503050406030204" pitchFamily="18" charset="0"/>
+                            </a:rPr>
+                          </m:ctrlPr>
+                        </m:dPr>
+                        <m:e>
+                          <m:m>
+                            <m:mPr>
+                              <m:plcHide m:val="on"/>
+                              <m:mcs>
+                                <m:mc>
+                                  <m:mcPr>
+                                    <m:count m:val="2"/>
+                                    <m:mcJc m:val="center"/>
+                                  </m:mcPr>
+                                </m:mc>
+                              </m:mcs>
+                              <m:ctrlPr>
+                                <a:rPr lang="zh-CN" altLang="en-US" i="1" dirty="0">
+                                  <a:solidFill>
+                                    <a:srgbClr val="836967"/>
+                                  </a:solidFill>
+                                  <a:latin typeface="Cambria Math" panose="02040503050406030204" pitchFamily="18" charset="0"/>
+                                </a:rPr>
+                              </m:ctrlPr>
+                            </m:mPr>
+                            <m:mr>
+                              <m:e>
+                                <m:r>
+                                  <a:rPr lang="zh-CN" altLang="en-US" i="1" dirty="0">
+                                    <a:latin typeface="Cambria Math" panose="02040503050406030204" pitchFamily="18" charset="0"/>
+                                  </a:rPr>
+                                  <m:t>𝑎</m:t>
+                                </m:r>
+                              </m:e>
+                              <m:e>
+                                <m:r>
+                                  <a:rPr lang="zh-CN" altLang="en-US" i="1" dirty="0">
+                                    <a:latin typeface="Cambria Math" panose="02040503050406030204" pitchFamily="18" charset="0"/>
+                                  </a:rPr>
+                                  <m:t>𝑏</m:t>
+                                </m:r>
+                              </m:e>
+                            </m:mr>
+                            <m:mr>
+                              <m:e>
+                                <m:r>
+                                  <a:rPr lang="zh-CN" altLang="en-US" i="1" dirty="0">
+                                    <a:latin typeface="Cambria Math" panose="02040503050406030204" pitchFamily="18" charset="0"/>
+                                  </a:rPr>
+                                  <m:t>𝑐</m:t>
+                                </m:r>
+                              </m:e>
+                              <m:e>
+                                <m:r>
+                                  <a:rPr lang="zh-CN" altLang="en-US" i="1" dirty="0">
+                                    <a:latin typeface="Cambria Math" panose="02040503050406030204" pitchFamily="18" charset="0"/>
+                                  </a:rPr>
+                                  <m:t>𝑑</m:t>
+                                </m:r>
+                              </m:e>
+                            </m:mr>
+                          </m:m>
+                        </m:e>
+                      </m:d>
+                      <m:d>
+                        <m:dPr>
+                          <m:begChr m:val="["/>
+                          <m:endChr m:val="]"/>
+                          <m:ctrlPr>
+                            <a:rPr lang="zh-CN" altLang="en-US" i="1" dirty="0">
+                              <a:solidFill>
+                                <a:srgbClr val="836967"/>
+                              </a:solidFill>
+                              <a:latin typeface="Cambria Math" panose="02040503050406030204" pitchFamily="18" charset="0"/>
+                            </a:rPr>
+                          </m:ctrlPr>
+                        </m:dPr>
+                        <m:e>
+                          <m:m>
+                            <m:mPr>
+                              <m:plcHide m:val="on"/>
+                              <m:mcs>
+                                <m:mc>
+                                  <m:mcPr>
+                                    <m:count m:val="1"/>
+                                    <m:mcJc m:val="center"/>
+                                  </m:mcPr>
+                                </m:mc>
+                              </m:mcs>
+                              <m:ctrlPr>
+                                <a:rPr lang="zh-CN" altLang="en-US" i="1" dirty="0">
+                                  <a:solidFill>
+                                    <a:srgbClr val="836967"/>
+                                  </a:solidFill>
+                                  <a:latin typeface="Cambria Math" panose="02040503050406030204" pitchFamily="18" charset="0"/>
+                                </a:rPr>
+                              </m:ctrlPr>
+                            </m:mPr>
+                            <m:mr>
+                              <m:e>
+                                <m:r>
+                                  <a:rPr lang="zh-CN" altLang="en-US" i="1" dirty="0">
+                                    <a:latin typeface="Cambria Math" panose="02040503050406030204" pitchFamily="18" charset="0"/>
+                                  </a:rPr>
+                                  <m:t>𝑥</m:t>
+                                </m:r>
+                              </m:e>
+                            </m:mr>
+                            <m:mr>
+                              <m:e>
+                                <m:r>
+                                  <a:rPr lang="zh-CN" altLang="en-US" i="1" dirty="0">
+                                    <a:latin typeface="Cambria Math" panose="02040503050406030204" pitchFamily="18" charset="0"/>
+                                  </a:rPr>
+                                  <m:t>𝑦</m:t>
+                                </m:r>
+                              </m:e>
+                            </m:mr>
+                          </m:m>
+                        </m:e>
+                      </m:d>
+                      <m:r>
+                        <a:rPr lang="zh-CN" altLang="en-US" i="0" dirty="0">
+                          <a:latin typeface="Cambria Math" panose="02040503050406030204" pitchFamily="18" charset="0"/>
+                        </a:rPr>
+                        <m:t>=</m:t>
+                      </m:r>
+                      <m:d>
+                        <m:dPr>
+                          <m:begChr m:val="["/>
+                          <m:endChr m:val="]"/>
+                          <m:ctrlPr>
+                            <a:rPr lang="zh-CN" altLang="en-US" i="1" dirty="0">
+                              <a:solidFill>
+                                <a:srgbClr val="836967"/>
+                              </a:solidFill>
+                              <a:latin typeface="Cambria Math" panose="02040503050406030204" pitchFamily="18" charset="0"/>
+                            </a:rPr>
+                          </m:ctrlPr>
+                        </m:dPr>
+                        <m:e>
+                          <m:m>
+                            <m:mPr>
+                              <m:plcHide m:val="on"/>
+                              <m:mcs>
+                                <m:mc>
+                                  <m:mcPr>
+                                    <m:count m:val="1"/>
+                                    <m:mcJc m:val="center"/>
+                                  </m:mcPr>
+                                </m:mc>
+                              </m:mcs>
+                              <m:ctrlPr>
+                                <a:rPr lang="zh-CN" altLang="en-US" i="1" dirty="0">
+                                  <a:solidFill>
+                                    <a:srgbClr val="836967"/>
+                                  </a:solidFill>
+                                  <a:latin typeface="Cambria Math" panose="02040503050406030204" pitchFamily="18" charset="0"/>
+                                </a:rPr>
+                              </m:ctrlPr>
+                            </m:mPr>
+                            <m:mr>
+                              <m:e>
+                                <m:r>
+                                  <a:rPr lang="zh-CN" altLang="en-US" i="1" dirty="0">
+                                    <a:latin typeface="Cambria Math" panose="02040503050406030204" pitchFamily="18" charset="0"/>
+                                  </a:rPr>
+                                  <m:t>𝑎𝑥</m:t>
+                                </m:r>
+                                <m:r>
+                                  <a:rPr lang="zh-CN" altLang="en-US" i="0" dirty="0">
+                                    <a:latin typeface="Cambria Math" panose="02040503050406030204" pitchFamily="18" charset="0"/>
+                                  </a:rPr>
+                                  <m:t>+</m:t>
+                                </m:r>
+                                <m:r>
+                                  <a:rPr lang="zh-CN" altLang="en-US" i="1" dirty="0">
+                                    <a:latin typeface="Cambria Math" panose="02040503050406030204" pitchFamily="18" charset="0"/>
+                                  </a:rPr>
+                                  <m:t>𝑏𝑦</m:t>
+                                </m:r>
+                              </m:e>
+                            </m:mr>
+                            <m:mr>
+                              <m:e>
+                                <m:r>
+                                  <a:rPr lang="zh-CN" altLang="en-US" i="1" dirty="0">
+                                    <a:latin typeface="Cambria Math" panose="02040503050406030204" pitchFamily="18" charset="0"/>
+                                  </a:rPr>
+                                  <m:t>𝑐𝑥</m:t>
+                                </m:r>
+                                <m:r>
+                                  <a:rPr lang="zh-CN" altLang="en-US" i="0" dirty="0">
+                                    <a:latin typeface="Cambria Math" panose="02040503050406030204" pitchFamily="18" charset="0"/>
+                                  </a:rPr>
+                                  <m:t>+ⅆ</m:t>
+                                </m:r>
+                                <m:r>
+                                  <a:rPr lang="zh-CN" altLang="en-US" i="1" dirty="0">
+                                    <a:latin typeface="Cambria Math" panose="02040503050406030204" pitchFamily="18" charset="0"/>
+                                  </a:rPr>
+                                  <m:t>𝑦</m:t>
+                                </m:r>
+                              </m:e>
+                            </m:mr>
+                          </m:m>
+                        </m:e>
+                      </m:d>
+                    </m:oMath>
+                  </m:oMathPara>
+                </a14:m>
+                <a:endParaRPr lang="en-US" altLang="zh-CN" dirty="0"/>
+              </a:p>
+              <a:p>
+                <a:r>
+                  <a:rPr lang="zh-CN" altLang="en-US" dirty="0"/>
+                  <a:t>矩阵中左上到右下的对角线</a:t>
+                </a:r>
+                <a:r>
+                  <a:rPr lang="en-US" altLang="zh-CN" dirty="0" err="1"/>
+                  <a:t>a,d</a:t>
+                </a:r>
+                <a:r>
+                  <a:rPr lang="zh-CN" altLang="en-US" dirty="0"/>
+                  <a:t>元素可以表示 点</a:t>
+                </a:r>
+                <a:r>
+                  <a:rPr lang="en-US" altLang="zh-CN" dirty="0"/>
+                  <a:t>(</a:t>
+                </a:r>
+                <a:r>
+                  <a:rPr lang="en-US" altLang="zh-CN" dirty="0" err="1"/>
+                  <a:t>x,y</a:t>
+                </a:r>
+                <a:r>
+                  <a:rPr lang="en-US" altLang="zh-CN" dirty="0"/>
+                  <a:t>)</a:t>
+                </a:r>
+                <a:r>
+                  <a:rPr lang="zh-CN" altLang="en-US" dirty="0"/>
+                  <a:t>的缩放</a:t>
+                </a:r>
+                <a:endParaRPr lang="en-US" altLang="zh-CN" dirty="0"/>
+              </a:p>
+              <a:p>
+                <a:r>
+                  <a:rPr lang="zh-CN" altLang="en-US" dirty="0"/>
+                  <a:t>利用连续的变化矩阵乘积可以得到从起始点到目标点的变化</a:t>
+                </a:r>
+                <a:endParaRPr lang="en-US" altLang="zh-CN" dirty="0"/>
+              </a:p>
+              <a:p>
+                <a:endParaRPr lang="en-US" altLang="zh-CN" dirty="0"/>
+              </a:p>
+              <a:p>
+                <a:r>
+                  <a:rPr lang="zh-CN" altLang="en-US" dirty="0"/>
+                  <a:t>矩阵中右上到左下的对角线</a:t>
+                </a:r>
+                <a:r>
+                  <a:rPr lang="en-US" altLang="zh-CN" dirty="0" err="1"/>
+                  <a:t>b,c</a:t>
+                </a:r>
+                <a:r>
+                  <a:rPr lang="zh-CN" altLang="en-US" dirty="0"/>
+                  <a:t>元素可以表示对点</a:t>
+                </a:r>
+                <a:r>
+                  <a:rPr lang="en-US" altLang="zh-CN" dirty="0"/>
+                  <a:t>(</a:t>
+                </a:r>
+                <a:r>
+                  <a:rPr lang="en-US" altLang="zh-CN" dirty="0" err="1"/>
+                  <a:t>x,y</a:t>
+                </a:r>
+                <a:r>
+                  <a:rPr lang="en-US" altLang="zh-CN" dirty="0"/>
+                  <a:t>)</a:t>
+                </a:r>
+                <a:r>
+                  <a:rPr lang="zh-CN" altLang="en-US" dirty="0"/>
+                  <a:t>的剪切。</a:t>
+                </a:r>
+                <a:endParaRPr lang="en-US" altLang="zh-CN" dirty="0"/>
+              </a:p>
+            </p:txBody>
+          </p:sp>
+        </mc:Choice>
+        <mc:Fallback xmlns="">
+          <p:sp>
+            <p:nvSpPr>
+              <p:cNvPr id="8" name="文本框 7">
+                <a:extLst>
+                  <a:ext uri="{FF2B5EF4-FFF2-40B4-BE49-F238E27FC236}">
+                    <a16:creationId xmlns:a16="http://schemas.microsoft.com/office/drawing/2014/main" id="{AEA12C06-AE2A-F135-B7EC-FE13FCC8F281}"/>
+                  </a:ext>
+                </a:extLst>
+              </p:cNvPr>
+              <p:cNvSpPr txBox="1">
+                <a:spLocks noRot="1" noChangeAspect="1" noMove="1" noResize="1" noEditPoints="1" noAdjustHandles="1" noChangeArrowheads="1" noChangeShapeType="1" noTextEdit="1"/>
+              </p:cNvSpPr>
+              <p:nvPr/>
+            </p:nvSpPr>
+            <p:spPr>
+              <a:xfrm>
+                <a:off x="759276" y="329899"/>
+                <a:ext cx="11013621" cy="2282420"/>
+              </a:xfrm>
+              <a:prstGeom prst="rect">
+                <a:avLst/>
+              </a:prstGeom>
+              <a:blipFill>
+                <a:blip r:embed="rId2"/>
+                <a:stretch>
+                  <a:fillRect l="-498" t="-1333" b="-3200"/>
+                </a:stretch>
+              </a:blipFill>
+            </p:spPr>
+            <p:txBody>
+              <a:bodyPr/>
+              <a:lstStyle/>
+              <a:p>
+                <a:r>
+                  <a:rPr lang="zh-CN" altLang="en-US">
+                    <a:noFill/>
+                  </a:rPr>
+                  <a:t> </a:t>
+                </a:r>
+              </a:p>
+            </p:txBody>
+          </p:sp>
+        </mc:Fallback>
+      </mc:AlternateContent>
+      <p:pic>
+        <p:nvPicPr>
+          <p:cNvPr id="3" name="图片 2">
+            <a:extLst>
+              <a:ext uri="{FF2B5EF4-FFF2-40B4-BE49-F238E27FC236}">
+                <a16:creationId xmlns:a16="http://schemas.microsoft.com/office/drawing/2014/main" id="{F78F53CA-A574-01C0-5968-54088FB02249}"/>
+              </a:ext>
+            </a:extLst>
+          </p:cNvPr>
+          <p:cNvPicPr>
+            <a:picLocks noChangeAspect="1"/>
+          </p:cNvPicPr>
+          <p:nvPr/>
+        </p:nvPicPr>
+        <p:blipFill>
+          <a:blip r:embed="rId3"/>
+          <a:stretch>
+            <a:fillRect/>
+          </a:stretch>
+        </p:blipFill>
+        <p:spPr>
+          <a:xfrm>
+            <a:off x="2280705" y="2883730"/>
+            <a:ext cx="7630590" cy="3258005"/>
+          </a:xfrm>
+          <a:prstGeom prst="rect">
+            <a:avLst/>
+          </a:prstGeom>
+        </p:spPr>
+      </p:pic>
+    </p:spTree>
+    <p:extLst>
+      <p:ext uri="{BB962C8B-B14F-4D97-AF65-F5344CB8AC3E}">
+        <p14:creationId xmlns:p14="http://schemas.microsoft.com/office/powerpoint/2010/main" val="2620387591"/>
+      </p:ext>
+    </p:extLst>
+  </p:cSld>
+  <p:clrMapOvr>
+    <a:masterClrMapping/>
+  </p:clrMapOvr>
+</p:sld>
+</file>
+
+<file path=ppt/slides/slide14.xml><?xml version="1.0" encoding="utf-8"?>
+<p:sld xmlns:a="http://schemas.openxmlformats.org/drawingml/2006/main" xmlns:r="http://schemas.openxmlformats.org/officeDocument/2006/relationships" xmlns:p="http://schemas.openxmlformats.org/presentationml/2006/main">
+  <p:cSld>
+    <p:spTree>
+      <p:nvGrpSpPr>
+        <p:cNvPr id="1" name=""/>
+        <p:cNvGrpSpPr/>
+        <p:nvPr/>
+      </p:nvGrpSpPr>
+      <p:grpSpPr>
+        <a:xfrm>
+          <a:off x="0" y="0"/>
+          <a:ext cx="0" cy="0"/>
+          <a:chOff x="0" y="0"/>
+          <a:chExt cx="0" cy="0"/>
+        </a:xfrm>
+      </p:grpSpPr>
+      <p:sp>
+        <p:nvSpPr>
+          <p:cNvPr id="8" name="文本框 7">
+            <a:extLst>
+              <a:ext uri="{FF2B5EF4-FFF2-40B4-BE49-F238E27FC236}">
+                <a16:creationId xmlns:a16="http://schemas.microsoft.com/office/drawing/2014/main" id="{AEA12C06-AE2A-F135-B7EC-FE13FCC8F281}"/>
+              </a:ext>
+            </a:extLst>
+          </p:cNvPr>
+          <p:cNvSpPr txBox="1"/>
+          <p:nvPr/>
+        </p:nvSpPr>
+        <p:spPr>
+          <a:xfrm>
+            <a:off x="759276" y="329899"/>
+            <a:ext cx="11013621" cy="369332"/>
+          </a:xfrm>
+          <a:prstGeom prst="rect">
+            <a:avLst/>
+          </a:prstGeom>
+          <a:noFill/>
+        </p:spPr>
+        <p:txBody>
+          <a:bodyPr wrap="square" rtlCol="0">
+            <a:spAutoFit/>
+          </a:bodyPr>
+          <a:lstStyle/>
+          <a:p>
+            <a:r>
+              <a:rPr lang="zh-CN" altLang="en-US" dirty="0"/>
+              <a:t>对于旋转变化</a:t>
+            </a:r>
+            <a:endParaRPr lang="en-US" altLang="zh-CN" dirty="0"/>
+          </a:p>
+        </p:txBody>
+      </p:sp>
+      <p:pic>
+        <p:nvPicPr>
+          <p:cNvPr id="4" name="图片 3">
+            <a:extLst>
+              <a:ext uri="{FF2B5EF4-FFF2-40B4-BE49-F238E27FC236}">
+                <a16:creationId xmlns:a16="http://schemas.microsoft.com/office/drawing/2014/main" id="{AA9C54CA-83FF-CA41-6413-1D9801B850EB}"/>
+              </a:ext>
+            </a:extLst>
+          </p:cNvPr>
+          <p:cNvPicPr>
+            <a:picLocks noChangeAspect="1"/>
+          </p:cNvPicPr>
+          <p:nvPr/>
+        </p:nvPicPr>
+        <p:blipFill>
+          <a:blip r:embed="rId2"/>
+          <a:stretch>
+            <a:fillRect/>
+          </a:stretch>
+        </p:blipFill>
+        <p:spPr>
+          <a:xfrm>
+            <a:off x="2322524" y="413916"/>
+            <a:ext cx="7411484" cy="6030167"/>
+          </a:xfrm>
+          <a:prstGeom prst="rect">
+            <a:avLst/>
+          </a:prstGeom>
+        </p:spPr>
+      </p:pic>
+    </p:spTree>
+    <p:extLst>
+      <p:ext uri="{BB962C8B-B14F-4D97-AF65-F5344CB8AC3E}">
+        <p14:creationId xmlns:p14="http://schemas.microsoft.com/office/powerpoint/2010/main" val="2690235981"/>
+      </p:ext>
+    </p:extLst>
+  </p:cSld>
+  <p:clrMapOvr>
+    <a:masterClrMapping/>
+  </p:clrMapOvr>
+</p:sld>
+</file>
+
+<file path=ppt/slides/slide15.xml><?xml version="1.0" encoding="utf-8"?>
+<p:sld xmlns:a="http://schemas.openxmlformats.org/drawingml/2006/main" xmlns:r="http://schemas.openxmlformats.org/officeDocument/2006/relationships" xmlns:p="http://schemas.openxmlformats.org/presentationml/2006/main">
+  <p:cSld>
+    <p:spTree>
+      <p:nvGrpSpPr>
+        <p:cNvPr id="1" name=""/>
+        <p:cNvGrpSpPr/>
+        <p:nvPr/>
+      </p:nvGrpSpPr>
+      <p:grpSpPr>
+        <a:xfrm>
+          <a:off x="0" y="0"/>
+          <a:ext cx="0" cy="0"/>
+          <a:chOff x="0" y="0"/>
+          <a:chExt cx="0" cy="0"/>
+        </a:xfrm>
+      </p:grpSpPr>
+      <p:pic>
+        <p:nvPicPr>
+          <p:cNvPr id="5" name="图片 4">
+            <a:extLst>
+              <a:ext uri="{FF2B5EF4-FFF2-40B4-BE49-F238E27FC236}">
+                <a16:creationId xmlns:a16="http://schemas.microsoft.com/office/drawing/2014/main" id="{5E1C9608-36BE-5540-7CF4-0B02CEAC40FB}"/>
+              </a:ext>
+            </a:extLst>
+          </p:cNvPr>
+          <p:cNvPicPr>
+            <a:picLocks noChangeAspect="1"/>
+          </p:cNvPicPr>
+          <p:nvPr/>
+        </p:nvPicPr>
+        <p:blipFill>
+          <a:blip r:embed="rId2"/>
+          <a:stretch>
+            <a:fillRect/>
+          </a:stretch>
+        </p:blipFill>
+        <p:spPr>
+          <a:xfrm>
+            <a:off x="933992" y="1404517"/>
+            <a:ext cx="4442342" cy="3614400"/>
+          </a:xfrm>
+          <a:prstGeom prst="rect">
+            <a:avLst/>
+          </a:prstGeom>
+        </p:spPr>
+      </p:pic>
+      <p:sp>
+        <p:nvSpPr>
+          <p:cNvPr id="6" name="文本框 5">
+            <a:extLst>
+              <a:ext uri="{FF2B5EF4-FFF2-40B4-BE49-F238E27FC236}">
+                <a16:creationId xmlns:a16="http://schemas.microsoft.com/office/drawing/2014/main" id="{1EEB42D1-3777-918A-F56D-D6D49271035B}"/>
+              </a:ext>
+            </a:extLst>
+          </p:cNvPr>
+          <p:cNvSpPr txBox="1"/>
+          <p:nvPr/>
+        </p:nvSpPr>
+        <p:spPr>
+          <a:xfrm>
+            <a:off x="742343" y="660097"/>
+            <a:ext cx="3042256" cy="381302"/>
+          </a:xfrm>
+          <a:prstGeom prst="rect">
+            <a:avLst/>
+          </a:prstGeom>
+          <a:noFill/>
+        </p:spPr>
+        <p:txBody>
+          <a:bodyPr wrap="square" rtlCol="0">
+            <a:spAutoFit/>
+          </a:bodyPr>
+          <a:lstStyle/>
+          <a:p>
+            <a:r>
+              <a:rPr lang="zh-CN" altLang="en-US" dirty="0"/>
+              <a:t>利用齐次坐标来简化方程</a:t>
+            </a:r>
+            <a:endParaRPr lang="en-US" altLang="zh-CN" dirty="0"/>
+          </a:p>
+        </p:txBody>
+      </p:sp>
+      <p:sp>
+        <p:nvSpPr>
+          <p:cNvPr id="7" name="文本框 6">
+            <a:extLst>
+              <a:ext uri="{FF2B5EF4-FFF2-40B4-BE49-F238E27FC236}">
+                <a16:creationId xmlns:a16="http://schemas.microsoft.com/office/drawing/2014/main" id="{5BA16CBE-71D3-02FF-AB10-BF9D2CAB9D27}"/>
+              </a:ext>
+            </a:extLst>
+          </p:cNvPr>
+          <p:cNvSpPr txBox="1"/>
+          <p:nvPr/>
+        </p:nvSpPr>
+        <p:spPr>
+          <a:xfrm>
+            <a:off x="6364209" y="660097"/>
+            <a:ext cx="5412923" cy="369332"/>
+          </a:xfrm>
+          <a:prstGeom prst="rect">
+            <a:avLst/>
+          </a:prstGeom>
+          <a:noFill/>
+        </p:spPr>
+        <p:txBody>
+          <a:bodyPr wrap="square" rtlCol="0">
+            <a:spAutoFit/>
+          </a:bodyPr>
+          <a:lstStyle/>
+          <a:p>
+            <a:r>
+              <a:rPr lang="zh-CN" altLang="en-US" dirty="0"/>
+              <a:t>可以将三维上的点，同除于</a:t>
+            </a:r>
+            <a:r>
+              <a:rPr lang="en-US" altLang="zh-CN" dirty="0"/>
+              <a:t>z</a:t>
+            </a:r>
+            <a:r>
+              <a:rPr lang="zh-CN" altLang="en-US" dirty="0"/>
+              <a:t>值，变为二维上的点</a:t>
+            </a:r>
+            <a:endParaRPr lang="en-US" altLang="zh-CN" dirty="0"/>
+          </a:p>
+        </p:txBody>
+      </p:sp>
+      <p:pic>
+        <p:nvPicPr>
+          <p:cNvPr id="9" name="图片 8">
+            <a:extLst>
+              <a:ext uri="{FF2B5EF4-FFF2-40B4-BE49-F238E27FC236}">
+                <a16:creationId xmlns:a16="http://schemas.microsoft.com/office/drawing/2014/main" id="{F4FF3DDA-90E0-4DEF-D585-44781204B695}"/>
+              </a:ext>
+            </a:extLst>
+          </p:cNvPr>
+          <p:cNvPicPr>
+            <a:picLocks noChangeAspect="1"/>
+          </p:cNvPicPr>
+          <p:nvPr/>
+        </p:nvPicPr>
+        <p:blipFill>
+          <a:blip r:embed="rId3"/>
+          <a:stretch>
+            <a:fillRect/>
+          </a:stretch>
+        </p:blipFill>
+        <p:spPr>
+          <a:xfrm>
+            <a:off x="6815668" y="1257694"/>
+            <a:ext cx="4622799" cy="3761223"/>
+          </a:xfrm>
+          <a:prstGeom prst="rect">
+            <a:avLst/>
+          </a:prstGeom>
+        </p:spPr>
+      </p:pic>
+    </p:spTree>
+    <p:extLst>
+      <p:ext uri="{BB962C8B-B14F-4D97-AF65-F5344CB8AC3E}">
+        <p14:creationId xmlns:p14="http://schemas.microsoft.com/office/powerpoint/2010/main" val="898594594"/>
+      </p:ext>
+    </p:extLst>
+  </p:cSld>
+  <p:clrMapOvr>
+    <a:masterClrMapping/>
+  </p:clrMapOvr>
+</p:sld>
+</file>
+
+<file path=ppt/slides/slide16.xml><?xml version="1.0" encoding="utf-8"?>
+<p:sld xmlns:a="http://schemas.openxmlformats.org/drawingml/2006/main" xmlns:r="http://schemas.openxmlformats.org/officeDocument/2006/relationships" xmlns:p="http://schemas.openxmlformats.org/presentationml/2006/main">
+  <p:cSld>
+    <p:spTree>
+      <p:nvGrpSpPr>
+        <p:cNvPr id="1" name=""/>
+        <p:cNvGrpSpPr/>
+        <p:nvPr/>
+      </p:nvGrpSpPr>
+      <p:grpSpPr>
+        <a:xfrm>
+          <a:off x="0" y="0"/>
+          <a:ext cx="0" cy="0"/>
+          <a:chOff x="0" y="0"/>
+          <a:chExt cx="0" cy="0"/>
+        </a:xfrm>
+      </p:grpSpPr>
+      <p:pic>
+        <p:nvPicPr>
+          <p:cNvPr id="1027" name="Picture 3">
+            <a:extLst>
+              <a:ext uri="{FF2B5EF4-FFF2-40B4-BE49-F238E27FC236}">
+                <a16:creationId xmlns:a16="http://schemas.microsoft.com/office/drawing/2014/main" id="{759E1694-562B-3E8C-ABDA-0BF45F532FB8}"/>
+              </a:ext>
+            </a:extLst>
+          </p:cNvPr>
+          <p:cNvPicPr>
+            <a:picLocks noChangeAspect="1" noChangeArrowheads="1"/>
+          </p:cNvPicPr>
+          <p:nvPr/>
+        </p:nvPicPr>
+        <p:blipFill>
+          <a:blip r:embed="rId2">
+            <a:extLst>
+              <a:ext uri="{28A0092B-C50C-407E-A947-70E740481C1C}">
+                <a14:useLocalDpi xmlns:a14="http://schemas.microsoft.com/office/drawing/2010/main" val="0"/>
+              </a:ext>
+            </a:extLst>
+          </a:blip>
+          <a:srcRect/>
+          <a:stretch>
+            <a:fillRect/>
+          </a:stretch>
+        </p:blipFill>
+        <p:spPr bwMode="auto">
+          <a:xfrm>
+            <a:off x="8639252" y="1321662"/>
+            <a:ext cx="3293005" cy="2107338"/>
+          </a:xfrm>
+          <a:prstGeom prst="rect">
+            <a:avLst/>
+          </a:prstGeom>
+          <a:noFill/>
+          <a:extLst>
+            <a:ext uri="{909E8E84-426E-40DD-AFC4-6F175D3DCCD1}">
+              <a14:hiddenFill xmlns:a14="http://schemas.microsoft.com/office/drawing/2010/main">
+                <a:solidFill>
+                  <a:srgbClr val="FFFFFF"/>
+                </a:solidFill>
+              </a14:hiddenFill>
+            </a:ext>
+          </a:extLst>
+        </p:spPr>
+      </p:pic>
+      <p:sp>
+        <p:nvSpPr>
+          <p:cNvPr id="6" name="文本框 5">
+            <a:extLst>
+              <a:ext uri="{FF2B5EF4-FFF2-40B4-BE49-F238E27FC236}">
+                <a16:creationId xmlns:a16="http://schemas.microsoft.com/office/drawing/2014/main" id="{1EEB42D1-3777-918A-F56D-D6D49271035B}"/>
+              </a:ext>
+            </a:extLst>
+          </p:cNvPr>
+          <p:cNvSpPr txBox="1"/>
+          <p:nvPr/>
+        </p:nvSpPr>
+        <p:spPr>
+          <a:xfrm>
+            <a:off x="742343" y="660097"/>
+            <a:ext cx="9197524" cy="2308324"/>
+          </a:xfrm>
+          <a:prstGeom prst="rect">
+            <a:avLst/>
+          </a:prstGeom>
+          <a:noFill/>
+        </p:spPr>
+        <p:txBody>
+          <a:bodyPr wrap="square" rtlCol="0">
+            <a:spAutoFit/>
+          </a:bodyPr>
+          <a:lstStyle/>
+          <a:p>
+            <a:r>
+              <a:rPr lang="zh-CN" altLang="en-US" dirty="0"/>
+              <a:t>透视投影</a:t>
+            </a:r>
+            <a:endParaRPr lang="en-US" altLang="zh-CN" dirty="0"/>
+          </a:p>
+          <a:p>
+            <a:endParaRPr lang="en-US" altLang="zh-CN" dirty="0"/>
+          </a:p>
+          <a:p>
+            <a:r>
+              <a:rPr lang="zh-CN" altLang="en-US" dirty="0"/>
+              <a:t>我们之前绘制的一直都是正交投影，我们处理的</a:t>
+            </a:r>
+            <a:r>
+              <a:rPr lang="en-US" altLang="zh-CN" dirty="0" err="1"/>
+              <a:t>x,y,z</a:t>
+            </a:r>
+            <a:r>
+              <a:rPr lang="zh-CN" altLang="en-US" dirty="0"/>
+              <a:t>坐标已经是归一化之后的值，我们所采用的绘制只是把归一化之后的坐标变为屏幕坐标</a:t>
+            </a:r>
+            <a:r>
+              <a:rPr lang="en-US" altLang="zh-CN" dirty="0"/>
+              <a:t>(</a:t>
+            </a:r>
+            <a:r>
+              <a:rPr lang="zh-CN" altLang="en-US" dirty="0"/>
+              <a:t>视口变化</a:t>
+            </a:r>
+            <a:r>
+              <a:rPr lang="en-US" altLang="zh-CN" dirty="0"/>
+              <a:t>)</a:t>
+            </a:r>
+          </a:p>
+          <a:p>
+            <a:r>
+              <a:rPr lang="en-US" altLang="zh-CN" dirty="0"/>
+              <a:t>Vec3f world2screen(Vec3f v)</a:t>
+            </a:r>
+          </a:p>
+          <a:p>
+            <a:r>
+              <a:rPr lang="en-US" altLang="zh-CN" dirty="0"/>
+              <a:t>{</a:t>
+            </a:r>
+          </a:p>
+          <a:p>
+            <a:r>
+              <a:rPr lang="en-US" altLang="zh-CN" dirty="0"/>
+              <a:t>    return Vec3f(int((</a:t>
+            </a:r>
+            <a:r>
+              <a:rPr lang="en-US" altLang="zh-CN" dirty="0" err="1"/>
+              <a:t>v.x</a:t>
+            </a:r>
+            <a:r>
+              <a:rPr lang="en-US" altLang="zh-CN" dirty="0"/>
+              <a:t> + 1.) * width / 2. + .5), int((</a:t>
+            </a:r>
+            <a:r>
+              <a:rPr lang="en-US" altLang="zh-CN" dirty="0" err="1"/>
+              <a:t>v.y</a:t>
+            </a:r>
+            <a:r>
+              <a:rPr lang="en-US" altLang="zh-CN" dirty="0"/>
+              <a:t> + 1.) * height / 2. + .5), </a:t>
+            </a:r>
+            <a:r>
+              <a:rPr lang="en-US" altLang="zh-CN" dirty="0" err="1"/>
+              <a:t>v.z</a:t>
+            </a:r>
+            <a:r>
+              <a:rPr lang="en-US" altLang="zh-CN" dirty="0"/>
+              <a:t>);</a:t>
+            </a:r>
+          </a:p>
+          <a:p>
+            <a:r>
+              <a:rPr lang="en-US" altLang="zh-CN" dirty="0"/>
+              <a:t>}</a:t>
+            </a:r>
+          </a:p>
+        </p:txBody>
+      </p:sp>
+      <p:sp>
+        <p:nvSpPr>
+          <p:cNvPr id="4" name="文本框 3">
+            <a:extLst>
+              <a:ext uri="{FF2B5EF4-FFF2-40B4-BE49-F238E27FC236}">
+                <a16:creationId xmlns:a16="http://schemas.microsoft.com/office/drawing/2014/main" id="{9EF7F26E-1574-105B-527C-75DA0A1C196B}"/>
+              </a:ext>
+            </a:extLst>
+          </p:cNvPr>
+          <p:cNvSpPr txBox="1"/>
+          <p:nvPr/>
+        </p:nvSpPr>
+        <p:spPr>
+          <a:xfrm>
+            <a:off x="742343" y="3704914"/>
+            <a:ext cx="6096000" cy="369332"/>
+          </a:xfrm>
+          <a:prstGeom prst="rect">
+            <a:avLst/>
+          </a:prstGeom>
+          <a:noFill/>
+        </p:spPr>
+        <p:txBody>
+          <a:bodyPr wrap="square">
+            <a:spAutoFit/>
+          </a:bodyPr>
+          <a:lstStyle/>
+          <a:p>
+            <a:r>
+              <a:rPr lang="zh-CN" altLang="en-US" dirty="0"/>
+              <a:t>透视投影相较于正交投影，最大的区别就是近大远小，</a:t>
+            </a:r>
+            <a:endParaRPr lang="en-US" altLang="zh-CN" dirty="0"/>
+          </a:p>
+        </p:txBody>
+      </p:sp>
+      <p:pic>
+        <p:nvPicPr>
+          <p:cNvPr id="10" name="图片 9">
+            <a:extLst>
+              <a:ext uri="{FF2B5EF4-FFF2-40B4-BE49-F238E27FC236}">
+                <a16:creationId xmlns:a16="http://schemas.microsoft.com/office/drawing/2014/main" id="{EDD2488A-69D4-7DE6-5B20-F62850CDA462}"/>
+              </a:ext>
+            </a:extLst>
+          </p:cNvPr>
+          <p:cNvPicPr>
+            <a:picLocks noChangeAspect="1"/>
+          </p:cNvPicPr>
+          <p:nvPr/>
+        </p:nvPicPr>
+        <p:blipFill>
+          <a:blip r:embed="rId3"/>
+          <a:stretch>
+            <a:fillRect/>
+          </a:stretch>
+        </p:blipFill>
+        <p:spPr>
+          <a:xfrm>
+            <a:off x="5643221" y="4051612"/>
+            <a:ext cx="5992061" cy="2553056"/>
+          </a:xfrm>
+          <a:prstGeom prst="rect">
+            <a:avLst/>
+          </a:prstGeom>
+        </p:spPr>
+      </p:pic>
+    </p:spTree>
+    <p:extLst>
+      <p:ext uri="{BB962C8B-B14F-4D97-AF65-F5344CB8AC3E}">
+        <p14:creationId xmlns:p14="http://schemas.microsoft.com/office/powerpoint/2010/main" val="141689508"/>
+      </p:ext>
+    </p:extLst>
+  </p:cSld>
+  <p:clrMapOvr>
+    <a:masterClrMapping/>
+  </p:clrMapOvr>
+</p:sld>
+</file>
+
+<file path=ppt/slides/slide17.xml><?xml version="1.0" encoding="utf-8"?>
+<p:sld xmlns:a="http://schemas.openxmlformats.org/drawingml/2006/main" xmlns:r="http://schemas.openxmlformats.org/officeDocument/2006/relationships" xmlns:p="http://schemas.openxmlformats.org/presentationml/2006/main">
+  <p:cSld>
+    <p:spTree>
+      <p:nvGrpSpPr>
+        <p:cNvPr id="1" name=""/>
+        <p:cNvGrpSpPr/>
+        <p:nvPr/>
+      </p:nvGrpSpPr>
+      <p:grpSpPr>
+        <a:xfrm>
+          <a:off x="0" y="0"/>
+          <a:ext cx="0" cy="0"/>
+          <a:chOff x="0" y="0"/>
+          <a:chExt cx="0" cy="0"/>
+        </a:xfrm>
+      </p:grpSpPr>
+      <p:sp>
+        <p:nvSpPr>
+          <p:cNvPr id="6" name="文本框 5">
+            <a:extLst>
+              <a:ext uri="{FF2B5EF4-FFF2-40B4-BE49-F238E27FC236}">
+                <a16:creationId xmlns:a16="http://schemas.microsoft.com/office/drawing/2014/main" id="{1EEB42D1-3777-918A-F56D-D6D49271035B}"/>
+              </a:ext>
+            </a:extLst>
+          </p:cNvPr>
+          <p:cNvSpPr txBox="1"/>
+          <p:nvPr/>
+        </p:nvSpPr>
+        <p:spPr>
+          <a:xfrm>
+            <a:off x="742343" y="660097"/>
+            <a:ext cx="9197524" cy="646331"/>
+          </a:xfrm>
+          <a:prstGeom prst="rect">
+            <a:avLst/>
+          </a:prstGeom>
+          <a:noFill/>
+        </p:spPr>
+        <p:txBody>
+          <a:bodyPr wrap="square" rtlCol="0">
+            <a:spAutoFit/>
+          </a:bodyPr>
+          <a:lstStyle/>
+          <a:p>
+            <a:r>
+              <a:rPr lang="zh-CN" altLang="en-US" dirty="0"/>
+              <a:t>透视投影</a:t>
+            </a:r>
+            <a:endParaRPr lang="en-US" altLang="zh-CN" dirty="0"/>
+          </a:p>
+          <a:p>
+            <a:endParaRPr lang="en-US" altLang="zh-CN" dirty="0"/>
+          </a:p>
+        </p:txBody>
+      </p:sp>
+      <p:pic>
+        <p:nvPicPr>
+          <p:cNvPr id="9" name="图片 8">
+            <a:extLst>
+              <a:ext uri="{FF2B5EF4-FFF2-40B4-BE49-F238E27FC236}">
+                <a16:creationId xmlns:a16="http://schemas.microsoft.com/office/drawing/2014/main" id="{CA7A40D9-007E-6AC5-1897-7BFED47797B0}"/>
+              </a:ext>
+            </a:extLst>
+          </p:cNvPr>
+          <p:cNvPicPr>
+            <a:picLocks noChangeAspect="1"/>
+          </p:cNvPicPr>
+          <p:nvPr/>
+        </p:nvPicPr>
+        <p:blipFill>
+          <a:blip r:embed="rId2"/>
+          <a:stretch>
+            <a:fillRect/>
+          </a:stretch>
+        </p:blipFill>
+        <p:spPr>
+          <a:xfrm>
+            <a:off x="603792" y="1501248"/>
+            <a:ext cx="4738675" cy="3855504"/>
+          </a:xfrm>
+          <a:prstGeom prst="rect">
+            <a:avLst/>
+          </a:prstGeom>
+        </p:spPr>
+      </p:pic>
+      <p:pic>
+        <p:nvPicPr>
+          <p:cNvPr id="12" name="图片 11">
+            <a:extLst>
+              <a:ext uri="{FF2B5EF4-FFF2-40B4-BE49-F238E27FC236}">
+                <a16:creationId xmlns:a16="http://schemas.microsoft.com/office/drawing/2014/main" id="{DB315A52-5FE2-C724-EEF0-59ADA373D3FE}"/>
+              </a:ext>
+            </a:extLst>
+          </p:cNvPr>
+          <p:cNvPicPr>
+            <a:picLocks noChangeAspect="1"/>
+          </p:cNvPicPr>
+          <p:nvPr/>
+        </p:nvPicPr>
+        <p:blipFill>
+          <a:blip r:embed="rId3"/>
+          <a:stretch>
+            <a:fillRect/>
+          </a:stretch>
+        </p:blipFill>
+        <p:spPr>
+          <a:xfrm>
+            <a:off x="5605877" y="575733"/>
+            <a:ext cx="6263326" cy="5096395"/>
+          </a:xfrm>
+          <a:prstGeom prst="rect">
+            <a:avLst/>
+          </a:prstGeom>
+        </p:spPr>
+      </p:pic>
+    </p:spTree>
+    <p:extLst>
+      <p:ext uri="{BB962C8B-B14F-4D97-AF65-F5344CB8AC3E}">
+        <p14:creationId xmlns:p14="http://schemas.microsoft.com/office/powerpoint/2010/main" val="1557844056"/>
+      </p:ext>
+    </p:extLst>
+  </p:cSld>
+  <p:clrMapOvr>
+    <a:masterClrMapping/>
+  </p:clrMapOvr>
+</p:sld>
+</file>
+
+<file path=ppt/slides/slide18.xml><?xml version="1.0" encoding="utf-8"?>
+<p:sld xmlns:a="http://schemas.openxmlformats.org/drawingml/2006/main" xmlns:r="http://schemas.openxmlformats.org/officeDocument/2006/relationships" xmlns:p="http://schemas.openxmlformats.org/presentationml/2006/main">
+  <p:cSld>
+    <p:spTree>
+      <p:nvGrpSpPr>
+        <p:cNvPr id="1" name=""/>
+        <p:cNvGrpSpPr/>
+        <p:nvPr/>
+      </p:nvGrpSpPr>
+      <p:grpSpPr>
+        <a:xfrm>
+          <a:off x="0" y="0"/>
+          <a:ext cx="0" cy="0"/>
+          <a:chOff x="0" y="0"/>
+          <a:chExt cx="0" cy="0"/>
+        </a:xfrm>
+      </p:grpSpPr>
+      <p:sp>
+        <p:nvSpPr>
+          <p:cNvPr id="6" name="文本框 5">
+            <a:extLst>
+              <a:ext uri="{FF2B5EF4-FFF2-40B4-BE49-F238E27FC236}">
+                <a16:creationId xmlns:a16="http://schemas.microsoft.com/office/drawing/2014/main" id="{1EEB42D1-3777-918A-F56D-D6D49271035B}"/>
+              </a:ext>
+            </a:extLst>
+          </p:cNvPr>
+          <p:cNvSpPr txBox="1"/>
+          <p:nvPr/>
+        </p:nvSpPr>
+        <p:spPr>
+          <a:xfrm>
+            <a:off x="742343" y="660097"/>
+            <a:ext cx="9197524" cy="1200329"/>
+          </a:xfrm>
+          <a:prstGeom prst="rect">
+            <a:avLst/>
+          </a:prstGeom>
+          <a:noFill/>
+        </p:spPr>
+        <p:txBody>
+          <a:bodyPr wrap="square" rtlCol="0">
+            <a:spAutoFit/>
+          </a:bodyPr>
+          <a:lstStyle/>
+          <a:p>
+            <a:r>
+              <a:rPr lang="zh-CN" altLang="en-US" dirty="0"/>
+              <a:t>透视投影</a:t>
+            </a:r>
+            <a:endParaRPr lang="en-US" altLang="zh-CN" dirty="0"/>
+          </a:p>
+          <a:p>
+            <a:endParaRPr lang="en-US" altLang="zh-CN" dirty="0"/>
+          </a:p>
+          <a:p>
+            <a:r>
+              <a:rPr lang="zh-CN" altLang="en-US" dirty="0"/>
+              <a:t>所以我们对之前的绘制应当做一些更改，其实就是对</a:t>
+            </a:r>
+            <a:r>
+              <a:rPr lang="en-US" altLang="zh-CN" dirty="0" err="1"/>
+              <a:t>x,y</a:t>
+            </a:r>
+            <a:r>
+              <a:rPr lang="zh-CN" altLang="en-US" dirty="0"/>
+              <a:t>的坐标点进行更改（</a:t>
+            </a:r>
+            <a:r>
+              <a:rPr lang="en-US" altLang="zh-CN" dirty="0"/>
+              <a:t>MVP</a:t>
+            </a:r>
+            <a:r>
+              <a:rPr lang="zh-CN" altLang="en-US" dirty="0"/>
+              <a:t>变换），</a:t>
+            </a:r>
+            <a:r>
+              <a:rPr lang="en-US" altLang="zh-CN" dirty="0"/>
+              <a:t>z</a:t>
+            </a:r>
+            <a:r>
+              <a:rPr lang="zh-CN" altLang="en-US" dirty="0"/>
+              <a:t>值不需要变换，用来计算</a:t>
+            </a:r>
+            <a:r>
+              <a:rPr lang="en-US" altLang="zh-CN" dirty="0" err="1"/>
+              <a:t>zbuffer</a:t>
+            </a:r>
+            <a:endParaRPr lang="en-US" altLang="zh-CN" dirty="0"/>
+          </a:p>
+        </p:txBody>
+      </p:sp>
+      <p:pic>
+        <p:nvPicPr>
+          <p:cNvPr id="3" name="图片 2">
+            <a:extLst>
+              <a:ext uri="{FF2B5EF4-FFF2-40B4-BE49-F238E27FC236}">
+                <a16:creationId xmlns:a16="http://schemas.microsoft.com/office/drawing/2014/main" id="{9060AC86-7E3F-DB73-9437-0F17A31F7B8E}"/>
+              </a:ext>
+            </a:extLst>
+          </p:cNvPr>
+          <p:cNvPicPr>
+            <a:picLocks noChangeAspect="1"/>
+          </p:cNvPicPr>
+          <p:nvPr/>
+        </p:nvPicPr>
+        <p:blipFill>
+          <a:blip r:embed="rId2"/>
+          <a:stretch>
+            <a:fillRect/>
+          </a:stretch>
+        </p:blipFill>
+        <p:spPr>
+          <a:xfrm>
+            <a:off x="9431866" y="213963"/>
+            <a:ext cx="2666999" cy="1646463"/>
+          </a:xfrm>
+          <a:prstGeom prst="rect">
+            <a:avLst/>
+          </a:prstGeom>
+        </p:spPr>
+      </p:pic>
+      <p:sp>
+        <p:nvSpPr>
+          <p:cNvPr id="4" name="文本框 3">
+            <a:extLst>
+              <a:ext uri="{FF2B5EF4-FFF2-40B4-BE49-F238E27FC236}">
+                <a16:creationId xmlns:a16="http://schemas.microsoft.com/office/drawing/2014/main" id="{7BF6170A-B486-8693-DDD6-F8ECEC7B66BF}"/>
+              </a:ext>
+            </a:extLst>
+          </p:cNvPr>
+          <p:cNvSpPr txBox="1"/>
+          <p:nvPr/>
+        </p:nvSpPr>
+        <p:spPr>
+          <a:xfrm>
+            <a:off x="9796591" y="2239042"/>
+            <a:ext cx="1941590" cy="369332"/>
+          </a:xfrm>
+          <a:prstGeom prst="rect">
+            <a:avLst/>
+          </a:prstGeom>
+          <a:noFill/>
+        </p:spPr>
+        <p:txBody>
+          <a:bodyPr wrap="square" rtlCol="0">
+            <a:spAutoFit/>
+          </a:bodyPr>
+          <a:lstStyle/>
+          <a:p>
+            <a:r>
+              <a:rPr lang="zh-CN" altLang="en-US" dirty="0"/>
+              <a:t>转换为屏幕坐标</a:t>
+            </a:r>
+            <a:endParaRPr lang="en-US" altLang="zh-CN" dirty="0"/>
+          </a:p>
+        </p:txBody>
+      </p:sp>
+      <p:sp>
+        <p:nvSpPr>
+          <p:cNvPr id="13" name="文本框 12">
+            <a:extLst>
+              <a:ext uri="{FF2B5EF4-FFF2-40B4-BE49-F238E27FC236}">
+                <a16:creationId xmlns:a16="http://schemas.microsoft.com/office/drawing/2014/main" id="{E08875F1-236C-A1AE-1E2D-029E12DA3ED0}"/>
+              </a:ext>
+            </a:extLst>
+          </p:cNvPr>
+          <p:cNvSpPr txBox="1"/>
+          <p:nvPr/>
+        </p:nvSpPr>
+        <p:spPr>
+          <a:xfrm>
+            <a:off x="453819" y="2515806"/>
+            <a:ext cx="6792990" cy="1600438"/>
+          </a:xfrm>
+          <a:prstGeom prst="rect">
+            <a:avLst/>
+          </a:prstGeom>
+          <a:noFill/>
+        </p:spPr>
+        <p:txBody>
+          <a:bodyPr wrap="square">
+            <a:spAutoFit/>
+          </a:bodyPr>
+          <a:lstStyle/>
+          <a:p>
+            <a:r>
+              <a:rPr lang="en-US" altLang="zh-CN" sz="1400" dirty="0">
+                <a:solidFill>
+                  <a:srgbClr val="008000"/>
+                </a:solidFill>
+                <a:latin typeface="新宋体" panose="02010609030101010101" pitchFamily="49" charset="-122"/>
+                <a:ea typeface="新宋体" panose="02010609030101010101" pitchFamily="49" charset="-122"/>
+              </a:rPr>
+              <a:t>//1. </a:t>
+            </a:r>
+            <a:r>
+              <a:rPr lang="zh-CN" altLang="en-US" sz="1400" dirty="0">
+                <a:solidFill>
+                  <a:srgbClr val="008000"/>
+                </a:solidFill>
+                <a:latin typeface="新宋体" panose="02010609030101010101" pitchFamily="49" charset="-122"/>
+                <a:ea typeface="新宋体" panose="02010609030101010101" pitchFamily="49" charset="-122"/>
+              </a:rPr>
+              <a:t>转换为齐次坐标 </a:t>
+            </a:r>
+            <a:r>
+              <a:rPr lang="en-US" altLang="zh-CN" sz="1400" dirty="0">
+                <a:solidFill>
+                  <a:srgbClr val="008000"/>
+                </a:solidFill>
+                <a:latin typeface="新宋体" panose="02010609030101010101" pitchFamily="49" charset="-122"/>
+                <a:ea typeface="新宋体" panose="02010609030101010101" pitchFamily="49" charset="-122"/>
+              </a:rPr>
+              <a:t>v2m(Vec3f v)</a:t>
+            </a:r>
+            <a:endParaRPr lang="zh-CN" altLang="en-US" sz="1400" dirty="0">
+              <a:solidFill>
+                <a:srgbClr val="000000"/>
+              </a:solidFill>
+              <a:latin typeface="新宋体" panose="02010609030101010101" pitchFamily="49" charset="-122"/>
+              <a:ea typeface="新宋体" panose="02010609030101010101" pitchFamily="49" charset="-122"/>
+            </a:endParaRPr>
+          </a:p>
+          <a:p>
+            <a:r>
+              <a:rPr lang="en-US" altLang="zh-CN" sz="1400" dirty="0">
+                <a:solidFill>
+                  <a:srgbClr val="008000"/>
+                </a:solidFill>
+                <a:latin typeface="新宋体" panose="02010609030101010101" pitchFamily="49" charset="-122"/>
+                <a:ea typeface="新宋体" panose="02010609030101010101" pitchFamily="49" charset="-122"/>
+              </a:rPr>
+              <a:t>//2. </a:t>
+            </a:r>
+            <a:r>
+              <a:rPr lang="zh-CN" altLang="en-US" sz="1400" dirty="0">
+                <a:solidFill>
+                  <a:srgbClr val="008000"/>
+                </a:solidFill>
+                <a:latin typeface="新宋体" panose="02010609030101010101" pitchFamily="49" charset="-122"/>
+                <a:ea typeface="新宋体" panose="02010609030101010101" pitchFamily="49" charset="-122"/>
+              </a:rPr>
+              <a:t>模型变换 将模型摆放到合理位置，不需要操作，</a:t>
+            </a:r>
+            <a:r>
+              <a:rPr lang="en-US" altLang="zh-CN" sz="1400" dirty="0">
+                <a:solidFill>
+                  <a:srgbClr val="008000"/>
+                </a:solidFill>
+                <a:latin typeface="新宋体" panose="02010609030101010101" pitchFamily="49" charset="-122"/>
+                <a:ea typeface="新宋体" panose="02010609030101010101" pitchFamily="49" charset="-122"/>
+              </a:rPr>
+              <a:t>obj</a:t>
+            </a:r>
+            <a:r>
+              <a:rPr lang="zh-CN" altLang="en-US" sz="1400" dirty="0">
+                <a:solidFill>
+                  <a:srgbClr val="008000"/>
+                </a:solidFill>
+                <a:latin typeface="新宋体" panose="02010609030101010101" pitchFamily="49" charset="-122"/>
+                <a:ea typeface="新宋体" panose="02010609030101010101" pitchFamily="49" charset="-122"/>
+              </a:rPr>
+              <a:t>文件已经满足 </a:t>
+            </a:r>
+            <a:r>
+              <a:rPr lang="en-US" altLang="zh-CN" sz="1400" dirty="0" err="1">
+                <a:solidFill>
+                  <a:srgbClr val="008000"/>
+                </a:solidFill>
+                <a:latin typeface="新宋体" panose="02010609030101010101" pitchFamily="49" charset="-122"/>
+                <a:ea typeface="新宋体" panose="02010609030101010101" pitchFamily="49" charset="-122"/>
+              </a:rPr>
+              <a:t>modelMatrix</a:t>
+            </a:r>
+            <a:r>
+              <a:rPr lang="en-US" altLang="zh-CN" sz="1400" dirty="0">
+                <a:solidFill>
+                  <a:srgbClr val="008000"/>
+                </a:solidFill>
+                <a:latin typeface="新宋体" panose="02010609030101010101" pitchFamily="49" charset="-122"/>
+                <a:ea typeface="新宋体" panose="02010609030101010101" pitchFamily="49" charset="-122"/>
+              </a:rPr>
+              <a:t>()</a:t>
+            </a:r>
+            <a:endParaRPr lang="zh-CN" altLang="en-US" sz="1400" dirty="0">
+              <a:solidFill>
+                <a:srgbClr val="000000"/>
+              </a:solidFill>
+              <a:latin typeface="新宋体" panose="02010609030101010101" pitchFamily="49" charset="-122"/>
+              <a:ea typeface="新宋体" panose="02010609030101010101" pitchFamily="49" charset="-122"/>
+            </a:endParaRPr>
+          </a:p>
+          <a:p>
+            <a:r>
+              <a:rPr lang="en-US" altLang="zh-CN" sz="1400" dirty="0">
+                <a:solidFill>
+                  <a:srgbClr val="008000"/>
+                </a:solidFill>
+                <a:latin typeface="新宋体" panose="02010609030101010101" pitchFamily="49" charset="-122"/>
+                <a:ea typeface="新宋体" panose="02010609030101010101" pitchFamily="49" charset="-122"/>
+              </a:rPr>
+              <a:t>//3. </a:t>
+            </a:r>
+            <a:r>
+              <a:rPr lang="zh-CN" altLang="en-US" sz="1400" dirty="0">
+                <a:solidFill>
+                  <a:srgbClr val="008000"/>
+                </a:solidFill>
+                <a:latin typeface="新宋体" panose="02010609030101010101" pitchFamily="49" charset="-122"/>
+                <a:ea typeface="新宋体" panose="02010609030101010101" pitchFamily="49" charset="-122"/>
+              </a:rPr>
+              <a:t>视口变换 将立方体变为</a:t>
+            </a:r>
+            <a:r>
+              <a:rPr lang="en-US" altLang="zh-CN" sz="1400" dirty="0">
+                <a:solidFill>
+                  <a:srgbClr val="008000"/>
+                </a:solidFill>
+                <a:latin typeface="新宋体" panose="02010609030101010101" pitchFamily="49" charset="-122"/>
+                <a:ea typeface="新宋体" panose="02010609030101010101" pitchFamily="49" charset="-122"/>
+              </a:rPr>
+              <a:t>1*1*1</a:t>
+            </a:r>
+            <a:r>
+              <a:rPr lang="zh-CN" altLang="en-US" sz="1400" dirty="0">
+                <a:solidFill>
+                  <a:srgbClr val="008000"/>
+                </a:solidFill>
+                <a:latin typeface="新宋体" panose="02010609030101010101" pitchFamily="49" charset="-122"/>
+                <a:ea typeface="新宋体" panose="02010609030101010101" pitchFamily="49" charset="-122"/>
+              </a:rPr>
+              <a:t>已经是了，不需要操作 </a:t>
+            </a:r>
+            <a:r>
+              <a:rPr lang="en-US" altLang="zh-CN" sz="1400" dirty="0" err="1">
+                <a:solidFill>
+                  <a:srgbClr val="008000"/>
+                </a:solidFill>
+                <a:latin typeface="新宋体" panose="02010609030101010101" pitchFamily="49" charset="-122"/>
+                <a:ea typeface="新宋体" panose="02010609030101010101" pitchFamily="49" charset="-122"/>
+              </a:rPr>
+              <a:t>viewMatrix</a:t>
+            </a:r>
+            <a:r>
+              <a:rPr lang="en-US" altLang="zh-CN" sz="1400" dirty="0">
+                <a:solidFill>
+                  <a:srgbClr val="008000"/>
+                </a:solidFill>
+                <a:latin typeface="新宋体" panose="02010609030101010101" pitchFamily="49" charset="-122"/>
+                <a:ea typeface="新宋体" panose="02010609030101010101" pitchFamily="49" charset="-122"/>
+              </a:rPr>
+              <a:t>*()</a:t>
+            </a:r>
+            <a:endParaRPr lang="zh-CN" altLang="en-US" sz="1400" dirty="0">
+              <a:solidFill>
+                <a:srgbClr val="000000"/>
+              </a:solidFill>
+              <a:latin typeface="新宋体" panose="02010609030101010101" pitchFamily="49" charset="-122"/>
+              <a:ea typeface="新宋体" panose="02010609030101010101" pitchFamily="49" charset="-122"/>
+            </a:endParaRPr>
+          </a:p>
+          <a:p>
+            <a:r>
+              <a:rPr lang="en-US" altLang="zh-CN" sz="1400" dirty="0">
+                <a:solidFill>
+                  <a:srgbClr val="008000"/>
+                </a:solidFill>
+                <a:latin typeface="新宋体" panose="02010609030101010101" pitchFamily="49" charset="-122"/>
+                <a:ea typeface="新宋体" panose="02010609030101010101" pitchFamily="49" charset="-122"/>
+              </a:rPr>
+              <a:t>//4. </a:t>
+            </a:r>
+            <a:r>
+              <a:rPr lang="zh-CN" altLang="en-US" sz="1400" dirty="0">
+                <a:solidFill>
+                  <a:srgbClr val="008000"/>
+                </a:solidFill>
+                <a:latin typeface="新宋体" panose="02010609030101010101" pitchFamily="49" charset="-122"/>
+                <a:ea typeface="新宋体" panose="02010609030101010101" pitchFamily="49" charset="-122"/>
+              </a:rPr>
+              <a:t>投影变换 透视投影 </a:t>
+            </a:r>
+            <a:r>
+              <a:rPr lang="en-US" altLang="zh-CN" sz="1400" dirty="0" err="1">
+                <a:solidFill>
+                  <a:srgbClr val="008000"/>
+                </a:solidFill>
+                <a:latin typeface="新宋体" panose="02010609030101010101" pitchFamily="49" charset="-122"/>
+                <a:ea typeface="新宋体" panose="02010609030101010101" pitchFamily="49" charset="-122"/>
+              </a:rPr>
+              <a:t>projectionMatrix</a:t>
+            </a:r>
+            <a:r>
+              <a:rPr lang="en-US" altLang="zh-CN" sz="1400" dirty="0">
+                <a:solidFill>
+                  <a:srgbClr val="008000"/>
+                </a:solidFill>
+                <a:latin typeface="新宋体" panose="02010609030101010101" pitchFamily="49" charset="-122"/>
+                <a:ea typeface="新宋体" panose="02010609030101010101" pitchFamily="49" charset="-122"/>
+              </a:rPr>
+              <a:t>()</a:t>
+            </a:r>
+            <a:endParaRPr lang="en-US" altLang="zh-CN" sz="1400" dirty="0">
+              <a:solidFill>
+                <a:srgbClr val="000000"/>
+              </a:solidFill>
+              <a:latin typeface="新宋体" panose="02010609030101010101" pitchFamily="49" charset="-122"/>
+              <a:ea typeface="新宋体" panose="02010609030101010101" pitchFamily="49" charset="-122"/>
+            </a:endParaRPr>
+          </a:p>
+          <a:p>
+            <a:r>
+              <a:rPr lang="en-US" altLang="zh-CN" sz="1400" dirty="0">
+                <a:solidFill>
+                  <a:srgbClr val="008000"/>
+                </a:solidFill>
+                <a:latin typeface="新宋体" panose="02010609030101010101" pitchFamily="49" charset="-122"/>
+                <a:ea typeface="新宋体" panose="02010609030101010101" pitchFamily="49" charset="-122"/>
+              </a:rPr>
+              <a:t>//5. </a:t>
+            </a:r>
+            <a:r>
+              <a:rPr lang="zh-CN" altLang="en-US" sz="1400" dirty="0">
+                <a:solidFill>
+                  <a:srgbClr val="008000"/>
+                </a:solidFill>
+                <a:latin typeface="新宋体" panose="02010609030101010101" pitchFamily="49" charset="-122"/>
+                <a:ea typeface="新宋体" panose="02010609030101010101" pitchFamily="49" charset="-122"/>
+              </a:rPr>
+              <a:t>转换为屏幕坐标  </a:t>
+            </a:r>
+            <a:r>
+              <a:rPr lang="en-US" altLang="zh-CN" sz="1400" dirty="0">
+                <a:solidFill>
+                  <a:srgbClr val="008000"/>
+                </a:solidFill>
+                <a:latin typeface="新宋体" panose="02010609030101010101" pitchFamily="49" charset="-122"/>
+                <a:ea typeface="新宋体" panose="02010609030101010101" pitchFamily="49" charset="-122"/>
+              </a:rPr>
+              <a:t>viewport(int x, int y, int w, int h)</a:t>
+            </a:r>
+            <a:endParaRPr lang="en-US" altLang="zh-CN" sz="1400" dirty="0">
+              <a:solidFill>
+                <a:srgbClr val="000000"/>
+              </a:solidFill>
+              <a:latin typeface="新宋体" panose="02010609030101010101" pitchFamily="49" charset="-122"/>
+              <a:ea typeface="新宋体" panose="02010609030101010101" pitchFamily="49" charset="-122"/>
+            </a:endParaRPr>
+          </a:p>
+          <a:p>
+            <a:r>
+              <a:rPr lang="en-US" altLang="zh-CN" sz="1400" dirty="0">
+                <a:solidFill>
+                  <a:srgbClr val="008000"/>
+                </a:solidFill>
+                <a:latin typeface="新宋体" panose="02010609030101010101" pitchFamily="49" charset="-122"/>
+                <a:ea typeface="新宋体" panose="02010609030101010101" pitchFamily="49" charset="-122"/>
+              </a:rPr>
+              <a:t>//6. </a:t>
+            </a:r>
+            <a:r>
+              <a:rPr lang="zh-CN" altLang="en-US" sz="1400" dirty="0">
+                <a:solidFill>
+                  <a:srgbClr val="008000"/>
+                </a:solidFill>
+                <a:latin typeface="新宋体" panose="02010609030101010101" pitchFamily="49" charset="-122"/>
+                <a:ea typeface="新宋体" panose="02010609030101010101" pitchFamily="49" charset="-122"/>
+              </a:rPr>
+              <a:t>变回一个正常点 就是除以第</a:t>
+            </a:r>
+            <a:r>
+              <a:rPr lang="en-US" altLang="zh-CN" sz="1400" dirty="0">
+                <a:solidFill>
+                  <a:srgbClr val="008000"/>
+                </a:solidFill>
+                <a:latin typeface="新宋体" panose="02010609030101010101" pitchFamily="49" charset="-122"/>
+                <a:ea typeface="新宋体" panose="02010609030101010101" pitchFamily="49" charset="-122"/>
+              </a:rPr>
+              <a:t>4</a:t>
+            </a:r>
+            <a:r>
+              <a:rPr lang="zh-CN" altLang="en-US" sz="1400" dirty="0">
+                <a:solidFill>
+                  <a:srgbClr val="008000"/>
+                </a:solidFill>
+                <a:latin typeface="新宋体" panose="02010609030101010101" pitchFamily="49" charset="-122"/>
+                <a:ea typeface="新宋体" panose="02010609030101010101" pitchFamily="49" charset="-122"/>
+              </a:rPr>
+              <a:t>个量 </a:t>
+            </a:r>
+            <a:r>
+              <a:rPr lang="en-US" altLang="zh-CN" sz="1400" dirty="0">
+                <a:solidFill>
+                  <a:srgbClr val="008000"/>
+                </a:solidFill>
+                <a:latin typeface="新宋体" panose="02010609030101010101" pitchFamily="49" charset="-122"/>
+                <a:ea typeface="新宋体" panose="02010609030101010101" pitchFamily="49" charset="-122"/>
+              </a:rPr>
+              <a:t>m2v(Matrix m)</a:t>
+            </a:r>
+            <a:endParaRPr lang="zh-CN" altLang="en-US" sz="1400" dirty="0"/>
+          </a:p>
+        </p:txBody>
+      </p:sp>
+      <p:pic>
+        <p:nvPicPr>
+          <p:cNvPr id="15" name="图片 14">
+            <a:extLst>
+              <a:ext uri="{FF2B5EF4-FFF2-40B4-BE49-F238E27FC236}">
+                <a16:creationId xmlns:a16="http://schemas.microsoft.com/office/drawing/2014/main" id="{52C30586-CD4A-BF81-E8EF-0E45AEECED30}"/>
+              </a:ext>
+            </a:extLst>
+          </p:cNvPr>
+          <p:cNvPicPr>
+            <a:picLocks noChangeAspect="1"/>
+          </p:cNvPicPr>
+          <p:nvPr/>
+        </p:nvPicPr>
+        <p:blipFill>
+          <a:blip r:embed="rId3"/>
+          <a:stretch>
+            <a:fillRect/>
+          </a:stretch>
+        </p:blipFill>
+        <p:spPr>
+          <a:xfrm>
+            <a:off x="6671732" y="1882792"/>
+            <a:ext cx="2535767" cy="2488443"/>
+          </a:xfrm>
+          <a:prstGeom prst="rect">
+            <a:avLst/>
+          </a:prstGeom>
+        </p:spPr>
+      </p:pic>
+      <p:sp>
+        <p:nvSpPr>
+          <p:cNvPr id="17" name="文本框 16">
+            <a:extLst>
+              <a:ext uri="{FF2B5EF4-FFF2-40B4-BE49-F238E27FC236}">
+                <a16:creationId xmlns:a16="http://schemas.microsoft.com/office/drawing/2014/main" id="{FA60917B-9E5F-249E-7C53-B877F9A7FB13}"/>
+              </a:ext>
+            </a:extLst>
+          </p:cNvPr>
+          <p:cNvSpPr txBox="1"/>
+          <p:nvPr/>
+        </p:nvSpPr>
+        <p:spPr>
+          <a:xfrm>
+            <a:off x="328838" y="4997575"/>
+            <a:ext cx="10024533" cy="1200329"/>
+          </a:xfrm>
+          <a:prstGeom prst="rect">
+            <a:avLst/>
+          </a:prstGeom>
+          <a:noFill/>
+        </p:spPr>
+        <p:txBody>
+          <a:bodyPr wrap="square">
+            <a:spAutoFit/>
+          </a:bodyPr>
+          <a:lstStyle/>
+          <a:p>
+            <a:r>
+              <a:rPr lang="en-US" altLang="zh-CN" sz="1800" dirty="0">
+                <a:solidFill>
+                  <a:srgbClr val="000000"/>
+                </a:solidFill>
+                <a:latin typeface="新宋体" panose="02010609030101010101" pitchFamily="49" charset="-122"/>
+                <a:ea typeface="新宋体" panose="02010609030101010101" pitchFamily="49" charset="-122"/>
+              </a:rPr>
+              <a:t>//</a:t>
+            </a:r>
+            <a:r>
+              <a:rPr lang="zh-CN" altLang="en-US" sz="1800" dirty="0">
+                <a:solidFill>
+                  <a:srgbClr val="000000"/>
+                </a:solidFill>
+                <a:latin typeface="新宋体" panose="02010609030101010101" pitchFamily="49" charset="-122"/>
+                <a:ea typeface="新宋体" panose="02010609030101010101" pitchFamily="49" charset="-122"/>
+              </a:rPr>
+              <a:t>正交投影，就是直接变为屏幕坐标 </a:t>
+            </a:r>
+            <a:r>
+              <a:rPr lang="zh-CN" altLang="en-US" dirty="0">
+                <a:solidFill>
+                  <a:srgbClr val="000000"/>
+                </a:solidFill>
+                <a:latin typeface="新宋体" panose="02010609030101010101" pitchFamily="49" charset="-122"/>
+                <a:ea typeface="新宋体" panose="02010609030101010101" pitchFamily="49" charset="-122"/>
+              </a:rPr>
+              <a:t>相当于只是</a:t>
+            </a:r>
+            <a:r>
+              <a:rPr lang="en-US" altLang="zh-CN" dirty="0">
+                <a:solidFill>
+                  <a:srgbClr val="000000"/>
+                </a:solidFill>
+                <a:latin typeface="新宋体" panose="02010609030101010101" pitchFamily="49" charset="-122"/>
+                <a:ea typeface="新宋体" panose="02010609030101010101" pitchFamily="49" charset="-122"/>
+              </a:rPr>
+              <a:t>*VP</a:t>
+            </a:r>
+            <a:endParaRPr lang="en-US" altLang="zh-CN" sz="1800" dirty="0">
+              <a:solidFill>
+                <a:srgbClr val="000000"/>
+              </a:solidFill>
+              <a:latin typeface="新宋体" panose="02010609030101010101" pitchFamily="49" charset="-122"/>
+              <a:ea typeface="新宋体" panose="02010609030101010101" pitchFamily="49" charset="-122"/>
+            </a:endParaRPr>
+          </a:p>
+          <a:p>
+            <a:r>
+              <a:rPr lang="en-US" altLang="zh-CN" sz="1800" dirty="0" err="1">
+                <a:solidFill>
+                  <a:srgbClr val="000000"/>
+                </a:solidFill>
+                <a:latin typeface="新宋体" panose="02010609030101010101" pitchFamily="49" charset="-122"/>
+                <a:ea typeface="新宋体" panose="02010609030101010101" pitchFamily="49" charset="-122"/>
+              </a:rPr>
+              <a:t>screen_coords</a:t>
+            </a:r>
+            <a:r>
+              <a:rPr lang="en-US" altLang="zh-CN" sz="1800" dirty="0">
+                <a:solidFill>
+                  <a:srgbClr val="000000"/>
+                </a:solidFill>
+                <a:latin typeface="新宋体" panose="02010609030101010101" pitchFamily="49" charset="-122"/>
+                <a:ea typeface="新宋体" panose="02010609030101010101" pitchFamily="49" charset="-122"/>
+              </a:rPr>
+              <a:t>[j] </a:t>
+            </a:r>
+            <a:r>
+              <a:rPr lang="en-US" altLang="zh-CN" sz="1800" dirty="0">
+                <a:solidFill>
+                  <a:srgbClr val="008080"/>
+                </a:solidFill>
+                <a:latin typeface="新宋体" panose="02010609030101010101" pitchFamily="49" charset="-122"/>
+                <a:ea typeface="新宋体" panose="02010609030101010101" pitchFamily="49" charset="-122"/>
+              </a:rPr>
+              <a:t>=</a:t>
+            </a:r>
+            <a:r>
+              <a:rPr lang="en-US" altLang="zh-CN" sz="1800" dirty="0">
+                <a:solidFill>
+                  <a:srgbClr val="000000"/>
+                </a:solidFill>
+                <a:latin typeface="新宋体" panose="02010609030101010101" pitchFamily="49" charset="-122"/>
+                <a:ea typeface="新宋体" panose="02010609030101010101" pitchFamily="49" charset="-122"/>
+              </a:rPr>
+              <a:t> </a:t>
+            </a:r>
+            <a:r>
+              <a:rPr lang="en-US" altLang="zh-CN" dirty="0"/>
+              <a:t>Vec3f(int((</a:t>
+            </a:r>
+            <a:r>
+              <a:rPr lang="en-US" altLang="zh-CN" dirty="0" err="1"/>
+              <a:t>v.x</a:t>
+            </a:r>
+            <a:r>
+              <a:rPr lang="en-US" altLang="zh-CN" dirty="0"/>
+              <a:t> + 1.) * width / 2. + .5), int((</a:t>
+            </a:r>
+            <a:r>
+              <a:rPr lang="en-US" altLang="zh-CN" dirty="0" err="1"/>
+              <a:t>v.y</a:t>
+            </a:r>
+            <a:r>
+              <a:rPr lang="en-US" altLang="zh-CN" dirty="0"/>
+              <a:t> + 1.) * height / 2. + .5), </a:t>
+            </a:r>
+            <a:r>
+              <a:rPr lang="en-US" altLang="zh-CN" dirty="0" err="1"/>
+              <a:t>v.z</a:t>
+            </a:r>
+            <a:r>
+              <a:rPr lang="en-US" altLang="zh-CN" dirty="0"/>
+              <a:t>)</a:t>
+            </a:r>
+            <a:endParaRPr lang="en-US" altLang="zh-CN" sz="1800" dirty="0">
+              <a:solidFill>
+                <a:srgbClr val="000000"/>
+              </a:solidFill>
+              <a:latin typeface="新宋体" panose="02010609030101010101" pitchFamily="49" charset="-122"/>
+              <a:ea typeface="新宋体" panose="02010609030101010101" pitchFamily="49" charset="-122"/>
+            </a:endParaRPr>
+          </a:p>
+          <a:p>
+            <a:r>
+              <a:rPr lang="en-US" altLang="zh-CN" dirty="0">
+                <a:solidFill>
+                  <a:srgbClr val="000000"/>
+                </a:solidFill>
+                <a:latin typeface="新宋体" panose="02010609030101010101" pitchFamily="49" charset="-122"/>
+                <a:ea typeface="新宋体" panose="02010609030101010101" pitchFamily="49" charset="-122"/>
+              </a:rPr>
+              <a:t>//</a:t>
+            </a:r>
+            <a:r>
+              <a:rPr lang="zh-CN" altLang="en-US" dirty="0">
+                <a:solidFill>
+                  <a:srgbClr val="000000"/>
+                </a:solidFill>
+                <a:latin typeface="新宋体" panose="02010609030101010101" pitchFamily="49" charset="-122"/>
+                <a:ea typeface="新宋体" panose="02010609030101010101" pitchFamily="49" charset="-122"/>
+              </a:rPr>
+              <a:t>多了投影变换这个乘积</a:t>
+            </a:r>
+            <a:endParaRPr lang="en-US" altLang="zh-CN" dirty="0">
+              <a:solidFill>
+                <a:srgbClr val="000000"/>
+              </a:solidFill>
+              <a:latin typeface="新宋体" panose="02010609030101010101" pitchFamily="49" charset="-122"/>
+              <a:ea typeface="新宋体" panose="02010609030101010101" pitchFamily="49" charset="-122"/>
+            </a:endParaRPr>
+          </a:p>
+          <a:p>
+            <a:r>
+              <a:rPr lang="en-US" altLang="zh-CN" sz="1800" dirty="0" err="1">
+                <a:solidFill>
+                  <a:srgbClr val="000000"/>
+                </a:solidFill>
+                <a:latin typeface="新宋体" panose="02010609030101010101" pitchFamily="49" charset="-122"/>
+                <a:ea typeface="新宋体" panose="02010609030101010101" pitchFamily="49" charset="-122"/>
+              </a:rPr>
+              <a:t>screen_coords</a:t>
+            </a:r>
+            <a:r>
+              <a:rPr lang="en-US" altLang="zh-CN" sz="1800" dirty="0">
+                <a:solidFill>
+                  <a:srgbClr val="000000"/>
+                </a:solidFill>
+                <a:latin typeface="新宋体" panose="02010609030101010101" pitchFamily="49" charset="-122"/>
+                <a:ea typeface="新宋体" panose="02010609030101010101" pitchFamily="49" charset="-122"/>
+              </a:rPr>
+              <a:t>[j] </a:t>
+            </a:r>
+            <a:r>
+              <a:rPr lang="en-US" altLang="zh-CN" sz="1800" dirty="0">
+                <a:solidFill>
+                  <a:srgbClr val="008080"/>
+                </a:solidFill>
+                <a:latin typeface="新宋体" panose="02010609030101010101" pitchFamily="49" charset="-122"/>
+                <a:ea typeface="新宋体" panose="02010609030101010101" pitchFamily="49" charset="-122"/>
+              </a:rPr>
+              <a:t>=</a:t>
+            </a:r>
+            <a:r>
+              <a:rPr lang="en-US" altLang="zh-CN" sz="1800" dirty="0">
+                <a:solidFill>
+                  <a:srgbClr val="000000"/>
+                </a:solidFill>
+                <a:latin typeface="新宋体" panose="02010609030101010101" pitchFamily="49" charset="-122"/>
+                <a:ea typeface="新宋体" panose="02010609030101010101" pitchFamily="49" charset="-122"/>
+              </a:rPr>
+              <a:t>  m2v(VP </a:t>
+            </a:r>
+            <a:r>
+              <a:rPr lang="en-US" altLang="zh-CN" sz="1800" dirty="0">
+                <a:solidFill>
+                  <a:srgbClr val="008080"/>
+                </a:solidFill>
+                <a:latin typeface="新宋体" panose="02010609030101010101" pitchFamily="49" charset="-122"/>
+                <a:ea typeface="新宋体" panose="02010609030101010101" pitchFamily="49" charset="-122"/>
+              </a:rPr>
+              <a:t>*</a:t>
+            </a:r>
+            <a:r>
+              <a:rPr lang="en-US" altLang="zh-CN" sz="1800" dirty="0">
+                <a:solidFill>
+                  <a:srgbClr val="000000"/>
+                </a:solidFill>
+                <a:latin typeface="新宋体" panose="02010609030101010101" pitchFamily="49" charset="-122"/>
+                <a:ea typeface="新宋体" panose="02010609030101010101" pitchFamily="49" charset="-122"/>
+              </a:rPr>
+              <a:t> PR </a:t>
+            </a:r>
+            <a:r>
+              <a:rPr lang="en-US" altLang="zh-CN" sz="1800" dirty="0">
+                <a:solidFill>
+                  <a:srgbClr val="008080"/>
+                </a:solidFill>
+                <a:latin typeface="新宋体" panose="02010609030101010101" pitchFamily="49" charset="-122"/>
+                <a:ea typeface="新宋体" panose="02010609030101010101" pitchFamily="49" charset="-122"/>
+              </a:rPr>
+              <a:t>*</a:t>
+            </a:r>
+            <a:r>
+              <a:rPr lang="en-US" altLang="zh-CN" sz="1800" dirty="0">
+                <a:solidFill>
+                  <a:srgbClr val="000000"/>
+                </a:solidFill>
+                <a:latin typeface="新宋体" panose="02010609030101010101" pitchFamily="49" charset="-122"/>
+                <a:ea typeface="新宋体" panose="02010609030101010101" pitchFamily="49" charset="-122"/>
+              </a:rPr>
+              <a:t> VM </a:t>
+            </a:r>
+            <a:r>
+              <a:rPr lang="en-US" altLang="zh-CN" sz="1800" dirty="0">
+                <a:solidFill>
+                  <a:srgbClr val="008080"/>
+                </a:solidFill>
+                <a:latin typeface="新宋体" panose="02010609030101010101" pitchFamily="49" charset="-122"/>
+                <a:ea typeface="新宋体" panose="02010609030101010101" pitchFamily="49" charset="-122"/>
+              </a:rPr>
+              <a:t>*</a:t>
+            </a:r>
+            <a:r>
+              <a:rPr lang="en-US" altLang="zh-CN" sz="1800" dirty="0">
+                <a:solidFill>
+                  <a:srgbClr val="000000"/>
+                </a:solidFill>
+                <a:latin typeface="新宋体" panose="02010609030101010101" pitchFamily="49" charset="-122"/>
+                <a:ea typeface="新宋体" panose="02010609030101010101" pitchFamily="49" charset="-122"/>
+              </a:rPr>
+              <a:t> MO </a:t>
+            </a:r>
+            <a:r>
+              <a:rPr lang="en-US" altLang="zh-CN" sz="1800" dirty="0">
+                <a:solidFill>
+                  <a:srgbClr val="008080"/>
+                </a:solidFill>
+                <a:latin typeface="新宋体" panose="02010609030101010101" pitchFamily="49" charset="-122"/>
+                <a:ea typeface="新宋体" panose="02010609030101010101" pitchFamily="49" charset="-122"/>
+              </a:rPr>
+              <a:t>*</a:t>
+            </a:r>
+            <a:r>
+              <a:rPr lang="en-US" altLang="zh-CN" sz="1800" dirty="0">
+                <a:solidFill>
+                  <a:srgbClr val="000000"/>
+                </a:solidFill>
+                <a:latin typeface="新宋体" panose="02010609030101010101" pitchFamily="49" charset="-122"/>
+                <a:ea typeface="新宋体" panose="02010609030101010101" pitchFamily="49" charset="-122"/>
+              </a:rPr>
+              <a:t> v2m(v));</a:t>
+            </a:r>
+            <a:endParaRPr lang="zh-CN" altLang="en-US" dirty="0"/>
+          </a:p>
+        </p:txBody>
+      </p:sp>
+    </p:spTree>
+    <p:extLst>
+      <p:ext uri="{BB962C8B-B14F-4D97-AF65-F5344CB8AC3E}">
+        <p14:creationId xmlns:p14="http://schemas.microsoft.com/office/powerpoint/2010/main" val="757928014"/>
+      </p:ext>
+    </p:extLst>
+  </p:cSld>
+  <p:clrMapOvr>
+    <a:masterClrMapping/>
+  </p:clrMapOvr>
+</p:sld>
+</file>
+
+<file path=ppt/slides/slide19.xml><?xml version="1.0" encoding="utf-8"?>
+<p:sld xmlns:a="http://schemas.openxmlformats.org/drawingml/2006/main" xmlns:r="http://schemas.openxmlformats.org/officeDocument/2006/relationships" xmlns:p="http://schemas.openxmlformats.org/presentationml/2006/main">
+  <p:cSld>
+    <p:spTree>
+      <p:nvGrpSpPr>
+        <p:cNvPr id="1" name=""/>
+        <p:cNvGrpSpPr/>
+        <p:nvPr/>
+      </p:nvGrpSpPr>
+      <p:grpSpPr>
+        <a:xfrm>
+          <a:off x="0" y="0"/>
+          <a:ext cx="0" cy="0"/>
+          <a:chOff x="0" y="0"/>
+          <a:chExt cx="0" cy="0"/>
+        </a:xfrm>
+      </p:grpSpPr>
+      <p:pic>
+        <p:nvPicPr>
+          <p:cNvPr id="15" name="图片 14">
+            <a:extLst>
+              <a:ext uri="{FF2B5EF4-FFF2-40B4-BE49-F238E27FC236}">
+                <a16:creationId xmlns:a16="http://schemas.microsoft.com/office/drawing/2014/main" id="{52C30586-CD4A-BF81-E8EF-0E45AEECED30}"/>
+              </a:ext>
+            </a:extLst>
+          </p:cNvPr>
+          <p:cNvPicPr>
+            <a:picLocks noChangeAspect="1"/>
+          </p:cNvPicPr>
+          <p:nvPr/>
+        </p:nvPicPr>
+        <p:blipFill>
+          <a:blip r:embed="rId2"/>
+          <a:stretch>
+            <a:fillRect/>
+          </a:stretch>
+        </p:blipFill>
+        <p:spPr>
+          <a:xfrm>
+            <a:off x="7073303" y="281198"/>
+            <a:ext cx="4113173" cy="4036411"/>
+          </a:xfrm>
+          <a:prstGeom prst="rect">
+            <a:avLst/>
+          </a:prstGeom>
+        </p:spPr>
+      </p:pic>
+      <p:pic>
+        <p:nvPicPr>
+          <p:cNvPr id="19" name="图片 18">
+            <a:extLst>
+              <a:ext uri="{FF2B5EF4-FFF2-40B4-BE49-F238E27FC236}">
+                <a16:creationId xmlns:a16="http://schemas.microsoft.com/office/drawing/2014/main" id="{EBE4A1BA-7493-C44E-B504-5A048F95B581}"/>
+              </a:ext>
+            </a:extLst>
+          </p:cNvPr>
+          <p:cNvPicPr>
+            <a:picLocks noChangeAspect="1"/>
+          </p:cNvPicPr>
+          <p:nvPr/>
+        </p:nvPicPr>
+        <p:blipFill>
+          <a:blip r:embed="rId3"/>
+          <a:stretch>
+            <a:fillRect/>
+          </a:stretch>
+        </p:blipFill>
+        <p:spPr>
+          <a:xfrm>
+            <a:off x="611230" y="281198"/>
+            <a:ext cx="4113172" cy="4190901"/>
+          </a:xfrm>
+          <a:prstGeom prst="rect">
+            <a:avLst/>
+          </a:prstGeom>
+        </p:spPr>
+      </p:pic>
+      <p:sp>
+        <p:nvSpPr>
+          <p:cNvPr id="2" name="文本框 1">
+            <a:extLst>
+              <a:ext uri="{FF2B5EF4-FFF2-40B4-BE49-F238E27FC236}">
+                <a16:creationId xmlns:a16="http://schemas.microsoft.com/office/drawing/2014/main" id="{1D8EB8E6-52FD-8071-A361-D9F1E04CC473}"/>
+              </a:ext>
+            </a:extLst>
+          </p:cNvPr>
+          <p:cNvSpPr txBox="1"/>
+          <p:nvPr/>
+        </p:nvSpPr>
+        <p:spPr>
+          <a:xfrm>
+            <a:off x="8811077" y="4614030"/>
+            <a:ext cx="1416656" cy="369332"/>
+          </a:xfrm>
+          <a:prstGeom prst="rect">
+            <a:avLst/>
+          </a:prstGeom>
+          <a:noFill/>
+        </p:spPr>
+        <p:txBody>
+          <a:bodyPr wrap="square" rtlCol="0">
+            <a:spAutoFit/>
+          </a:bodyPr>
+          <a:lstStyle/>
+          <a:p>
+            <a:r>
+              <a:rPr lang="zh-CN" altLang="en-US" dirty="0"/>
+              <a:t>透视投影</a:t>
+            </a:r>
+            <a:endParaRPr lang="en-US" altLang="zh-CN" dirty="0"/>
+          </a:p>
+        </p:txBody>
+      </p:sp>
+      <p:sp>
+        <p:nvSpPr>
+          <p:cNvPr id="5" name="文本框 4">
+            <a:extLst>
+              <a:ext uri="{FF2B5EF4-FFF2-40B4-BE49-F238E27FC236}">
+                <a16:creationId xmlns:a16="http://schemas.microsoft.com/office/drawing/2014/main" id="{52C9803A-139E-7B90-4169-E3604C976762}"/>
+              </a:ext>
+            </a:extLst>
+          </p:cNvPr>
+          <p:cNvSpPr txBox="1"/>
+          <p:nvPr/>
+        </p:nvSpPr>
+        <p:spPr>
+          <a:xfrm>
+            <a:off x="1964268" y="4798696"/>
+            <a:ext cx="1416656" cy="369332"/>
+          </a:xfrm>
+          <a:prstGeom prst="rect">
+            <a:avLst/>
+          </a:prstGeom>
+          <a:noFill/>
+        </p:spPr>
+        <p:txBody>
+          <a:bodyPr wrap="square" rtlCol="0">
+            <a:spAutoFit/>
+          </a:bodyPr>
+          <a:lstStyle/>
+          <a:p>
+            <a:r>
+              <a:rPr lang="zh-CN" altLang="en-US" dirty="0"/>
+              <a:t>正交投影</a:t>
+            </a:r>
+            <a:endParaRPr lang="en-US" altLang="zh-CN" dirty="0"/>
+          </a:p>
+        </p:txBody>
+      </p:sp>
+    </p:spTree>
+    <p:extLst>
+      <p:ext uri="{BB962C8B-B14F-4D97-AF65-F5344CB8AC3E}">
+        <p14:creationId xmlns:p14="http://schemas.microsoft.com/office/powerpoint/2010/main" val="696446591"/>
       </p:ext>
     </p:extLst>
   </p:cSld>

--- a/render/TinyRenderer.pptx
+++ b/render/TinyRenderer.pptx
@@ -24,6 +24,15 @@
     <p:sldId id="273" r:id="rId18"/>
     <p:sldId id="274" r:id="rId19"/>
     <p:sldId id="275" r:id="rId20"/>
+    <p:sldId id="276" r:id="rId21"/>
+    <p:sldId id="277" r:id="rId22"/>
+    <p:sldId id="278" r:id="rId23"/>
+    <p:sldId id="279" r:id="rId24"/>
+    <p:sldId id="280" r:id="rId25"/>
+    <p:sldId id="281" r:id="rId26"/>
+    <p:sldId id="282" r:id="rId27"/>
+    <p:sldId id="283" r:id="rId28"/>
+    <p:sldId id="284" r:id="rId29"/>
   </p:sldIdLst>
   <p:sldSz cx="12192000" cy="6858000"/>
   <p:notesSz cx="6858000" cy="9144000"/>
@@ -288,7 +297,7 @@
           <a:p>
             <a:fld id="{D975DD19-BC94-4039-8C23-459E84C63CD3}" type="datetimeFigureOut">
               <a:rPr lang="zh-CN" altLang="en-US" smtClean="0"/>
-              <a:t>2024/1/24</a:t>
+              <a:t>2024/1/30</a:t>
             </a:fld>
             <a:endParaRPr lang="zh-CN" altLang="en-US"/>
           </a:p>
@@ -486,7 +495,7 @@
           <a:p>
             <a:fld id="{D975DD19-BC94-4039-8C23-459E84C63CD3}" type="datetimeFigureOut">
               <a:rPr lang="zh-CN" altLang="en-US" smtClean="0"/>
-              <a:t>2024/1/24</a:t>
+              <a:t>2024/1/30</a:t>
             </a:fld>
             <a:endParaRPr lang="zh-CN" altLang="en-US"/>
           </a:p>
@@ -694,7 +703,7 @@
           <a:p>
             <a:fld id="{D975DD19-BC94-4039-8C23-459E84C63CD3}" type="datetimeFigureOut">
               <a:rPr lang="zh-CN" altLang="en-US" smtClean="0"/>
-              <a:t>2024/1/24</a:t>
+              <a:t>2024/1/30</a:t>
             </a:fld>
             <a:endParaRPr lang="zh-CN" altLang="en-US"/>
           </a:p>
@@ -892,7 +901,7 @@
           <a:p>
             <a:fld id="{D975DD19-BC94-4039-8C23-459E84C63CD3}" type="datetimeFigureOut">
               <a:rPr lang="zh-CN" altLang="en-US" smtClean="0"/>
-              <a:t>2024/1/24</a:t>
+              <a:t>2024/1/30</a:t>
             </a:fld>
             <a:endParaRPr lang="zh-CN" altLang="en-US"/>
           </a:p>
@@ -1167,7 +1176,7 @@
           <a:p>
             <a:fld id="{D975DD19-BC94-4039-8C23-459E84C63CD3}" type="datetimeFigureOut">
               <a:rPr lang="zh-CN" altLang="en-US" smtClean="0"/>
-              <a:t>2024/1/24</a:t>
+              <a:t>2024/1/30</a:t>
             </a:fld>
             <a:endParaRPr lang="zh-CN" altLang="en-US"/>
           </a:p>
@@ -1432,7 +1441,7 @@
           <a:p>
             <a:fld id="{D975DD19-BC94-4039-8C23-459E84C63CD3}" type="datetimeFigureOut">
               <a:rPr lang="zh-CN" altLang="en-US" smtClean="0"/>
-              <a:t>2024/1/24</a:t>
+              <a:t>2024/1/30</a:t>
             </a:fld>
             <a:endParaRPr lang="zh-CN" altLang="en-US"/>
           </a:p>
@@ -1844,7 +1853,7 @@
           <a:p>
             <a:fld id="{D975DD19-BC94-4039-8C23-459E84C63CD3}" type="datetimeFigureOut">
               <a:rPr lang="zh-CN" altLang="en-US" smtClean="0"/>
-              <a:t>2024/1/24</a:t>
+              <a:t>2024/1/30</a:t>
             </a:fld>
             <a:endParaRPr lang="zh-CN" altLang="en-US"/>
           </a:p>
@@ -1985,7 +1994,7 @@
           <a:p>
             <a:fld id="{D975DD19-BC94-4039-8C23-459E84C63CD3}" type="datetimeFigureOut">
               <a:rPr lang="zh-CN" altLang="en-US" smtClean="0"/>
-              <a:t>2024/1/24</a:t>
+              <a:t>2024/1/30</a:t>
             </a:fld>
             <a:endParaRPr lang="zh-CN" altLang="en-US"/>
           </a:p>
@@ -2098,7 +2107,7 @@
           <a:p>
             <a:fld id="{D975DD19-BC94-4039-8C23-459E84C63CD3}" type="datetimeFigureOut">
               <a:rPr lang="zh-CN" altLang="en-US" smtClean="0"/>
-              <a:t>2024/1/24</a:t>
+              <a:t>2024/1/30</a:t>
             </a:fld>
             <a:endParaRPr lang="zh-CN" altLang="en-US"/>
           </a:p>
@@ -2409,7 +2418,7 @@
           <a:p>
             <a:fld id="{D975DD19-BC94-4039-8C23-459E84C63CD3}" type="datetimeFigureOut">
               <a:rPr lang="zh-CN" altLang="en-US" smtClean="0"/>
-              <a:t>2024/1/24</a:t>
+              <a:t>2024/1/30</a:t>
             </a:fld>
             <a:endParaRPr lang="zh-CN" altLang="en-US"/>
           </a:p>
@@ -2697,7 +2706,7 @@
           <a:p>
             <a:fld id="{D975DD19-BC94-4039-8C23-459E84C63CD3}" type="datetimeFigureOut">
               <a:rPr lang="zh-CN" altLang="en-US" smtClean="0"/>
-              <a:t>2024/1/24</a:t>
+              <a:t>2024/1/30</a:t>
             </a:fld>
             <a:endParaRPr lang="zh-CN" altLang="en-US"/>
           </a:p>
@@ -2938,7 +2947,7 @@
           <a:p>
             <a:fld id="{D975DD19-BC94-4039-8C23-459E84C63CD3}" type="datetimeFigureOut">
               <a:rPr lang="zh-CN" altLang="en-US" smtClean="0"/>
-              <a:t>2024/1/24</a:t>
+              <a:t>2024/1/30</a:t>
             </a:fld>
             <a:endParaRPr lang="zh-CN" altLang="en-US"/>
           </a:p>
@@ -8943,6 +8952,2292 @@
     <p:extLst>
       <p:ext uri="{BB962C8B-B14F-4D97-AF65-F5344CB8AC3E}">
         <p14:creationId xmlns:p14="http://schemas.microsoft.com/office/powerpoint/2010/main" val="456031331"/>
+      </p:ext>
+    </p:extLst>
+  </p:cSld>
+  <p:clrMapOvr>
+    <a:masterClrMapping/>
+  </p:clrMapOvr>
+</p:sld>
+</file>
+
+<file path=ppt/slides/slide20.xml><?xml version="1.0" encoding="utf-8"?>
+<p:sld xmlns:a="http://schemas.openxmlformats.org/drawingml/2006/main" xmlns:r="http://schemas.openxmlformats.org/officeDocument/2006/relationships" xmlns:p="http://schemas.openxmlformats.org/presentationml/2006/main">
+  <p:cSld>
+    <p:spTree>
+      <p:nvGrpSpPr>
+        <p:cNvPr id="1" name=""/>
+        <p:cNvGrpSpPr/>
+        <p:nvPr/>
+      </p:nvGrpSpPr>
+      <p:grpSpPr>
+        <a:xfrm>
+          <a:off x="0" y="0"/>
+          <a:ext cx="0" cy="0"/>
+          <a:chOff x="0" y="0"/>
+          <a:chExt cx="0" cy="0"/>
+        </a:xfrm>
+      </p:grpSpPr>
+      <p:sp>
+        <p:nvSpPr>
+          <p:cNvPr id="3" name="文本框 2">
+            <a:extLst>
+              <a:ext uri="{FF2B5EF4-FFF2-40B4-BE49-F238E27FC236}">
+                <a16:creationId xmlns:a16="http://schemas.microsoft.com/office/drawing/2014/main" id="{D7EB8B12-DE0F-CAE1-5DFF-E258C6B824C7}"/>
+              </a:ext>
+            </a:extLst>
+          </p:cNvPr>
+          <p:cNvSpPr txBox="1"/>
+          <p:nvPr/>
+        </p:nvSpPr>
+        <p:spPr>
+          <a:xfrm>
+            <a:off x="698275" y="166874"/>
+            <a:ext cx="9197524" cy="4801314"/>
+          </a:xfrm>
+          <a:prstGeom prst="rect">
+            <a:avLst/>
+          </a:prstGeom>
+          <a:noFill/>
+        </p:spPr>
+        <p:txBody>
+          <a:bodyPr wrap="square" rtlCol="0">
+            <a:spAutoFit/>
+          </a:bodyPr>
+          <a:lstStyle/>
+          <a:p>
+            <a:r>
+              <a:rPr lang="zh-CN" altLang="en-US" dirty="0"/>
+              <a:t>着色</a:t>
+            </a:r>
+            <a:endParaRPr lang="en-US" altLang="zh-CN" dirty="0"/>
+          </a:p>
+          <a:p>
+            <a:endParaRPr lang="en-US" altLang="zh-CN" dirty="0"/>
+          </a:p>
+          <a:p>
+            <a:r>
+              <a:rPr lang="zh-CN" altLang="en-US" dirty="0"/>
+              <a:t>着色频率：</a:t>
+            </a:r>
+            <a:endParaRPr lang="en-US" altLang="zh-CN" dirty="0"/>
+          </a:p>
+          <a:p>
+            <a:pPr marL="342900" indent="-342900">
+              <a:buAutoNum type="arabicPeriod"/>
+            </a:pPr>
+            <a:r>
+              <a:rPr lang="en-US" altLang="zh-CN" dirty="0"/>
+              <a:t>Flat Shading: </a:t>
+            </a:r>
+            <a:r>
+              <a:rPr lang="zh-CN" altLang="en-US" dirty="0"/>
+              <a:t>之前一直的做法，对一整个面使用同一个法向量。</a:t>
+            </a:r>
+            <a:endParaRPr lang="en-US" altLang="zh-CN" dirty="0"/>
+          </a:p>
+          <a:p>
+            <a:r>
+              <a:rPr lang="zh-CN" altLang="en-US" sz="1800" dirty="0">
+                <a:solidFill>
+                  <a:srgbClr val="000000"/>
+                </a:solidFill>
+                <a:latin typeface="新宋体" panose="02010609030101010101" pitchFamily="49" charset="-122"/>
+                <a:ea typeface="新宋体" panose="02010609030101010101" pitchFamily="49" charset="-122"/>
+              </a:rPr>
+              <a:t> </a:t>
+            </a:r>
+            <a:r>
+              <a:rPr lang="en-US" altLang="zh-CN" sz="1800" dirty="0">
+                <a:solidFill>
+                  <a:srgbClr val="008000"/>
+                </a:solidFill>
+                <a:latin typeface="新宋体" panose="02010609030101010101" pitchFamily="49" charset="-122"/>
+                <a:ea typeface="新宋体" panose="02010609030101010101" pitchFamily="49" charset="-122"/>
+              </a:rPr>
+              <a:t>//</a:t>
+            </a:r>
+            <a:r>
+              <a:rPr lang="zh-CN" altLang="en-US" sz="1800" dirty="0">
+                <a:solidFill>
+                  <a:srgbClr val="008000"/>
+                </a:solidFill>
+                <a:latin typeface="新宋体" panose="02010609030101010101" pitchFamily="49" charset="-122"/>
+                <a:ea typeface="新宋体" panose="02010609030101010101" pitchFamily="49" charset="-122"/>
+              </a:rPr>
+              <a:t>三角形面的法线</a:t>
+            </a:r>
+            <a:endParaRPr lang="zh-CN" altLang="en-US" sz="1800" dirty="0">
+              <a:solidFill>
+                <a:srgbClr val="000000"/>
+              </a:solidFill>
+              <a:latin typeface="新宋体" panose="02010609030101010101" pitchFamily="49" charset="-122"/>
+              <a:ea typeface="新宋体" panose="02010609030101010101" pitchFamily="49" charset="-122"/>
+            </a:endParaRPr>
+          </a:p>
+          <a:p>
+            <a:r>
+              <a:rPr lang="en-US" altLang="zh-CN" sz="1800" dirty="0">
+                <a:solidFill>
+                  <a:srgbClr val="000000"/>
+                </a:solidFill>
+                <a:latin typeface="新宋体" panose="02010609030101010101" pitchFamily="49" charset="-122"/>
+                <a:ea typeface="新宋体" panose="02010609030101010101" pitchFamily="49" charset="-122"/>
+              </a:rPr>
+              <a:t>        </a:t>
+            </a:r>
+            <a:r>
+              <a:rPr lang="en-US" altLang="zh-CN" sz="1800" dirty="0">
+                <a:solidFill>
+                  <a:srgbClr val="2B91AF"/>
+                </a:solidFill>
+                <a:latin typeface="新宋体" panose="02010609030101010101" pitchFamily="49" charset="-122"/>
+                <a:ea typeface="新宋体" panose="02010609030101010101" pitchFamily="49" charset="-122"/>
+              </a:rPr>
+              <a:t>Vec3f</a:t>
+            </a:r>
+            <a:r>
+              <a:rPr lang="en-US" altLang="zh-CN" sz="1800" dirty="0">
+                <a:solidFill>
+                  <a:srgbClr val="000000"/>
+                </a:solidFill>
+                <a:latin typeface="新宋体" panose="02010609030101010101" pitchFamily="49" charset="-122"/>
+                <a:ea typeface="新宋体" panose="02010609030101010101" pitchFamily="49" charset="-122"/>
+              </a:rPr>
+              <a:t> n = (</a:t>
+            </a:r>
+            <a:r>
+              <a:rPr lang="en-US" altLang="zh-CN" sz="1800" dirty="0" err="1">
+                <a:solidFill>
+                  <a:srgbClr val="000000"/>
+                </a:solidFill>
+                <a:latin typeface="新宋体" panose="02010609030101010101" pitchFamily="49" charset="-122"/>
+                <a:ea typeface="新宋体" panose="02010609030101010101" pitchFamily="49" charset="-122"/>
+              </a:rPr>
+              <a:t>world_coords</a:t>
+            </a:r>
+            <a:r>
+              <a:rPr lang="en-US" altLang="zh-CN" sz="1800" dirty="0">
+                <a:solidFill>
+                  <a:srgbClr val="000000"/>
+                </a:solidFill>
+                <a:latin typeface="新宋体" panose="02010609030101010101" pitchFamily="49" charset="-122"/>
+                <a:ea typeface="新宋体" panose="02010609030101010101" pitchFamily="49" charset="-122"/>
+              </a:rPr>
+              <a:t>[2] </a:t>
+            </a:r>
+            <a:r>
+              <a:rPr lang="en-US" altLang="zh-CN" sz="1800" dirty="0">
+                <a:solidFill>
+                  <a:srgbClr val="008080"/>
+                </a:solidFill>
+                <a:latin typeface="新宋体" panose="02010609030101010101" pitchFamily="49" charset="-122"/>
+                <a:ea typeface="新宋体" panose="02010609030101010101" pitchFamily="49" charset="-122"/>
+              </a:rPr>
+              <a:t>-</a:t>
+            </a:r>
+            <a:r>
+              <a:rPr lang="en-US" altLang="zh-CN" sz="1800" dirty="0">
+                <a:solidFill>
+                  <a:srgbClr val="000000"/>
+                </a:solidFill>
+                <a:latin typeface="新宋体" panose="02010609030101010101" pitchFamily="49" charset="-122"/>
+                <a:ea typeface="新宋体" panose="02010609030101010101" pitchFamily="49" charset="-122"/>
+              </a:rPr>
+              <a:t> </a:t>
+            </a:r>
+            <a:r>
+              <a:rPr lang="en-US" altLang="zh-CN" sz="1800" dirty="0" err="1">
+                <a:solidFill>
+                  <a:srgbClr val="000000"/>
+                </a:solidFill>
+                <a:latin typeface="新宋体" panose="02010609030101010101" pitchFamily="49" charset="-122"/>
+                <a:ea typeface="新宋体" panose="02010609030101010101" pitchFamily="49" charset="-122"/>
+              </a:rPr>
+              <a:t>world_coords</a:t>
+            </a:r>
+            <a:r>
+              <a:rPr lang="en-US" altLang="zh-CN" sz="1800" dirty="0">
+                <a:solidFill>
+                  <a:srgbClr val="000000"/>
+                </a:solidFill>
+                <a:latin typeface="新宋体" panose="02010609030101010101" pitchFamily="49" charset="-122"/>
+                <a:ea typeface="新宋体" panose="02010609030101010101" pitchFamily="49" charset="-122"/>
+              </a:rPr>
+              <a:t>[0]) </a:t>
+            </a:r>
+            <a:r>
+              <a:rPr lang="en-US" altLang="zh-CN" sz="1800" dirty="0">
+                <a:solidFill>
+                  <a:srgbClr val="008080"/>
+                </a:solidFill>
+                <a:latin typeface="新宋体" panose="02010609030101010101" pitchFamily="49" charset="-122"/>
+                <a:ea typeface="新宋体" panose="02010609030101010101" pitchFamily="49" charset="-122"/>
+              </a:rPr>
+              <a:t>^</a:t>
+            </a:r>
+            <a:r>
+              <a:rPr lang="en-US" altLang="zh-CN" sz="1800" dirty="0">
+                <a:solidFill>
+                  <a:srgbClr val="000000"/>
+                </a:solidFill>
+                <a:latin typeface="新宋体" panose="02010609030101010101" pitchFamily="49" charset="-122"/>
+                <a:ea typeface="新宋体" panose="02010609030101010101" pitchFamily="49" charset="-122"/>
+              </a:rPr>
+              <a:t> (</a:t>
+            </a:r>
+            <a:r>
+              <a:rPr lang="en-US" altLang="zh-CN" sz="1800" dirty="0" err="1">
+                <a:solidFill>
+                  <a:srgbClr val="000000"/>
+                </a:solidFill>
+                <a:latin typeface="新宋体" panose="02010609030101010101" pitchFamily="49" charset="-122"/>
+                <a:ea typeface="新宋体" panose="02010609030101010101" pitchFamily="49" charset="-122"/>
+              </a:rPr>
+              <a:t>world_coords</a:t>
+            </a:r>
+            <a:r>
+              <a:rPr lang="en-US" altLang="zh-CN" sz="1800" dirty="0">
+                <a:solidFill>
+                  <a:srgbClr val="000000"/>
+                </a:solidFill>
+                <a:latin typeface="新宋体" panose="02010609030101010101" pitchFamily="49" charset="-122"/>
+                <a:ea typeface="新宋体" panose="02010609030101010101" pitchFamily="49" charset="-122"/>
+              </a:rPr>
+              <a:t>[1] </a:t>
+            </a:r>
+            <a:r>
+              <a:rPr lang="en-US" altLang="zh-CN" sz="1800" dirty="0">
+                <a:solidFill>
+                  <a:srgbClr val="008080"/>
+                </a:solidFill>
+                <a:latin typeface="新宋体" panose="02010609030101010101" pitchFamily="49" charset="-122"/>
+                <a:ea typeface="新宋体" panose="02010609030101010101" pitchFamily="49" charset="-122"/>
+              </a:rPr>
+              <a:t>-</a:t>
+            </a:r>
+            <a:r>
+              <a:rPr lang="en-US" altLang="zh-CN" sz="1800" dirty="0">
+                <a:solidFill>
+                  <a:srgbClr val="000000"/>
+                </a:solidFill>
+                <a:latin typeface="新宋体" panose="02010609030101010101" pitchFamily="49" charset="-122"/>
+                <a:ea typeface="新宋体" panose="02010609030101010101" pitchFamily="49" charset="-122"/>
+              </a:rPr>
+              <a:t> </a:t>
+            </a:r>
+            <a:r>
+              <a:rPr lang="en-US" altLang="zh-CN" sz="1800" dirty="0" err="1">
+                <a:solidFill>
+                  <a:srgbClr val="000000"/>
+                </a:solidFill>
+                <a:latin typeface="新宋体" panose="02010609030101010101" pitchFamily="49" charset="-122"/>
+                <a:ea typeface="新宋体" panose="02010609030101010101" pitchFamily="49" charset="-122"/>
+              </a:rPr>
+              <a:t>world_coords</a:t>
+            </a:r>
+            <a:r>
+              <a:rPr lang="en-US" altLang="zh-CN" sz="1800" dirty="0">
+                <a:solidFill>
+                  <a:srgbClr val="000000"/>
+                </a:solidFill>
+                <a:latin typeface="新宋体" panose="02010609030101010101" pitchFamily="49" charset="-122"/>
+                <a:ea typeface="新宋体" panose="02010609030101010101" pitchFamily="49" charset="-122"/>
+              </a:rPr>
+              <a:t>[0]);</a:t>
+            </a:r>
+          </a:p>
+          <a:p>
+            <a:r>
+              <a:rPr lang="zh-CN" altLang="en-US" sz="1800" dirty="0">
+                <a:solidFill>
+                  <a:srgbClr val="000000"/>
+                </a:solidFill>
+                <a:latin typeface="新宋体" panose="02010609030101010101" pitchFamily="49" charset="-122"/>
+                <a:ea typeface="新宋体" panose="02010609030101010101" pitchFamily="49" charset="-122"/>
+              </a:rPr>
+              <a:t>        </a:t>
+            </a:r>
+            <a:r>
+              <a:rPr lang="en-US" altLang="zh-CN" sz="1800" dirty="0">
+                <a:solidFill>
+                  <a:srgbClr val="008000"/>
+                </a:solidFill>
+                <a:latin typeface="新宋体" panose="02010609030101010101" pitchFamily="49" charset="-122"/>
+                <a:ea typeface="新宋体" panose="02010609030101010101" pitchFamily="49" charset="-122"/>
+              </a:rPr>
+              <a:t>//</a:t>
+            </a:r>
+            <a:r>
+              <a:rPr lang="zh-CN" altLang="en-US" sz="1800" dirty="0">
+                <a:solidFill>
+                  <a:srgbClr val="008000"/>
+                </a:solidFill>
+                <a:latin typeface="新宋体" panose="02010609030101010101" pitchFamily="49" charset="-122"/>
+                <a:ea typeface="新宋体" panose="02010609030101010101" pitchFamily="49" charset="-122"/>
+              </a:rPr>
+              <a:t>归一化</a:t>
+            </a:r>
+            <a:endParaRPr lang="zh-CN" altLang="en-US" sz="1800" dirty="0">
+              <a:solidFill>
+                <a:srgbClr val="000000"/>
+              </a:solidFill>
+              <a:latin typeface="新宋体" panose="02010609030101010101" pitchFamily="49" charset="-122"/>
+              <a:ea typeface="新宋体" panose="02010609030101010101" pitchFamily="49" charset="-122"/>
+            </a:endParaRPr>
+          </a:p>
+          <a:p>
+            <a:r>
+              <a:rPr lang="en-US" altLang="zh-CN" sz="1800" dirty="0">
+                <a:solidFill>
+                  <a:srgbClr val="000000"/>
+                </a:solidFill>
+                <a:latin typeface="新宋体" panose="02010609030101010101" pitchFamily="49" charset="-122"/>
+                <a:ea typeface="新宋体" panose="02010609030101010101" pitchFamily="49" charset="-122"/>
+              </a:rPr>
+              <a:t>        </a:t>
+            </a:r>
+            <a:r>
+              <a:rPr lang="en-US" altLang="zh-CN" sz="1800" dirty="0" err="1">
+                <a:solidFill>
+                  <a:srgbClr val="000000"/>
+                </a:solidFill>
+                <a:latin typeface="新宋体" panose="02010609030101010101" pitchFamily="49" charset="-122"/>
+                <a:ea typeface="新宋体" panose="02010609030101010101" pitchFamily="49" charset="-122"/>
+              </a:rPr>
+              <a:t>n.normalize</a:t>
+            </a:r>
+            <a:r>
+              <a:rPr lang="en-US" altLang="zh-CN" sz="1800" dirty="0">
+                <a:solidFill>
+                  <a:srgbClr val="000000"/>
+                </a:solidFill>
+                <a:latin typeface="新宋体" panose="02010609030101010101" pitchFamily="49" charset="-122"/>
+                <a:ea typeface="新宋体" panose="02010609030101010101" pitchFamily="49" charset="-122"/>
+              </a:rPr>
+              <a:t>();</a:t>
+            </a:r>
+          </a:p>
+          <a:p>
+            <a:r>
+              <a:rPr lang="zh-CN" altLang="en-US" sz="1800" dirty="0">
+                <a:solidFill>
+                  <a:srgbClr val="000000"/>
+                </a:solidFill>
+                <a:latin typeface="新宋体" panose="02010609030101010101" pitchFamily="49" charset="-122"/>
+                <a:ea typeface="新宋体" panose="02010609030101010101" pitchFamily="49" charset="-122"/>
+              </a:rPr>
+              <a:t>        </a:t>
+            </a:r>
+            <a:r>
+              <a:rPr lang="en-US" altLang="zh-CN" sz="1800" dirty="0">
+                <a:solidFill>
+                  <a:srgbClr val="008000"/>
+                </a:solidFill>
+                <a:latin typeface="新宋体" panose="02010609030101010101" pitchFamily="49" charset="-122"/>
+                <a:ea typeface="新宋体" panose="02010609030101010101" pitchFamily="49" charset="-122"/>
+              </a:rPr>
+              <a:t>//</a:t>
+            </a:r>
+            <a:r>
+              <a:rPr lang="zh-CN" altLang="en-US" sz="1800" dirty="0">
+                <a:solidFill>
+                  <a:srgbClr val="008000"/>
+                </a:solidFill>
+                <a:latin typeface="新宋体" panose="02010609030101010101" pitchFamily="49" charset="-122"/>
+                <a:ea typeface="新宋体" panose="02010609030101010101" pitchFamily="49" charset="-122"/>
+              </a:rPr>
+              <a:t>光照强度比例</a:t>
+            </a:r>
+            <a:endParaRPr lang="zh-CN" altLang="en-US" sz="1800" dirty="0">
+              <a:solidFill>
+                <a:srgbClr val="000000"/>
+              </a:solidFill>
+              <a:latin typeface="新宋体" panose="02010609030101010101" pitchFamily="49" charset="-122"/>
+              <a:ea typeface="新宋体" panose="02010609030101010101" pitchFamily="49" charset="-122"/>
+            </a:endParaRPr>
+          </a:p>
+          <a:p>
+            <a:r>
+              <a:rPr lang="en-US" altLang="zh-CN" sz="1800" dirty="0">
+                <a:solidFill>
+                  <a:srgbClr val="000000"/>
+                </a:solidFill>
+                <a:latin typeface="新宋体" panose="02010609030101010101" pitchFamily="49" charset="-122"/>
+                <a:ea typeface="新宋体" panose="02010609030101010101" pitchFamily="49" charset="-122"/>
+              </a:rPr>
+              <a:t>        </a:t>
+            </a:r>
+            <a:r>
+              <a:rPr lang="en-US" altLang="zh-CN" sz="1800" dirty="0">
+                <a:solidFill>
+                  <a:srgbClr val="0000FF"/>
+                </a:solidFill>
+                <a:latin typeface="新宋体" panose="02010609030101010101" pitchFamily="49" charset="-122"/>
+                <a:ea typeface="新宋体" panose="02010609030101010101" pitchFamily="49" charset="-122"/>
+              </a:rPr>
+              <a:t>float</a:t>
+            </a:r>
+            <a:r>
+              <a:rPr lang="en-US" altLang="zh-CN" sz="1800" dirty="0">
+                <a:solidFill>
+                  <a:srgbClr val="000000"/>
+                </a:solidFill>
+                <a:latin typeface="新宋体" panose="02010609030101010101" pitchFamily="49" charset="-122"/>
+                <a:ea typeface="新宋体" panose="02010609030101010101" pitchFamily="49" charset="-122"/>
+              </a:rPr>
+              <a:t> intensity = n </a:t>
+            </a:r>
+            <a:r>
+              <a:rPr lang="en-US" altLang="zh-CN" sz="1800" dirty="0">
+                <a:solidFill>
+                  <a:srgbClr val="008080"/>
+                </a:solidFill>
+                <a:latin typeface="新宋体" panose="02010609030101010101" pitchFamily="49" charset="-122"/>
+                <a:ea typeface="新宋体" panose="02010609030101010101" pitchFamily="49" charset="-122"/>
+              </a:rPr>
+              <a:t>*</a:t>
+            </a:r>
+            <a:r>
+              <a:rPr lang="en-US" altLang="zh-CN" sz="1800" dirty="0">
+                <a:solidFill>
+                  <a:srgbClr val="000000"/>
+                </a:solidFill>
+                <a:latin typeface="新宋体" panose="02010609030101010101" pitchFamily="49" charset="-122"/>
+                <a:ea typeface="新宋体" panose="02010609030101010101" pitchFamily="49" charset="-122"/>
+              </a:rPr>
+              <a:t> </a:t>
+            </a:r>
+            <a:r>
+              <a:rPr lang="en-US" altLang="zh-CN" sz="1800" dirty="0" err="1">
+                <a:solidFill>
+                  <a:srgbClr val="000000"/>
+                </a:solidFill>
+                <a:latin typeface="新宋体" panose="02010609030101010101" pitchFamily="49" charset="-122"/>
+                <a:ea typeface="新宋体" panose="02010609030101010101" pitchFamily="49" charset="-122"/>
+              </a:rPr>
+              <a:t>light_Dir</a:t>
+            </a:r>
+            <a:r>
+              <a:rPr lang="en-US" altLang="zh-CN" sz="1800" dirty="0">
+                <a:solidFill>
+                  <a:srgbClr val="000000"/>
+                </a:solidFill>
+                <a:latin typeface="新宋体" panose="02010609030101010101" pitchFamily="49" charset="-122"/>
+                <a:ea typeface="新宋体" panose="02010609030101010101" pitchFamily="49" charset="-122"/>
+              </a:rPr>
+              <a:t>;</a:t>
+            </a:r>
+          </a:p>
+          <a:p>
+            <a:endParaRPr lang="en-US" altLang="zh-CN" dirty="0">
+              <a:solidFill>
+                <a:srgbClr val="000000"/>
+              </a:solidFill>
+              <a:latin typeface="新宋体" panose="02010609030101010101" pitchFamily="49" charset="-122"/>
+              <a:ea typeface="新宋体" panose="02010609030101010101" pitchFamily="49" charset="-122"/>
+            </a:endParaRPr>
+          </a:p>
+          <a:p>
+            <a:r>
+              <a:rPr lang="en-US" altLang="zh-CN" dirty="0">
+                <a:solidFill>
+                  <a:srgbClr val="000000"/>
+                </a:solidFill>
+                <a:latin typeface="新宋体" panose="02010609030101010101" pitchFamily="49" charset="-122"/>
+                <a:ea typeface="新宋体" panose="02010609030101010101" pitchFamily="49" charset="-122"/>
+              </a:rPr>
+              <a:t>2. </a:t>
+            </a:r>
+            <a:r>
+              <a:rPr lang="zh-CN" altLang="en-US" dirty="0">
+                <a:solidFill>
+                  <a:srgbClr val="000000"/>
+                </a:solidFill>
+                <a:latin typeface="新宋体" panose="02010609030101010101" pitchFamily="49" charset="-122"/>
+                <a:ea typeface="新宋体" panose="02010609030101010101" pitchFamily="49" charset="-122"/>
+              </a:rPr>
+              <a:t>顶点着色：对三角形的每个顶点都计算法向量，然后求得其和光照的乘积，然后对三角形内部每个像素计算插值绘制着色</a:t>
+            </a:r>
+            <a:endParaRPr lang="en-US" altLang="zh-CN" dirty="0">
+              <a:solidFill>
+                <a:srgbClr val="000000"/>
+              </a:solidFill>
+              <a:latin typeface="新宋体" panose="02010609030101010101" pitchFamily="49" charset="-122"/>
+              <a:ea typeface="新宋体" panose="02010609030101010101" pitchFamily="49" charset="-122"/>
+            </a:endParaRPr>
+          </a:p>
+          <a:p>
+            <a:r>
+              <a:rPr lang="zh-CN" altLang="en-US" dirty="0">
+                <a:solidFill>
+                  <a:srgbClr val="000000"/>
+                </a:solidFill>
+                <a:latin typeface="新宋体" panose="02010609030101010101" pitchFamily="49" charset="-122"/>
+                <a:ea typeface="新宋体" panose="02010609030101010101" pitchFamily="49" charset="-122"/>
+              </a:rPr>
+              <a:t>可以通过</a:t>
+            </a:r>
+            <a:r>
+              <a:rPr lang="en-US" altLang="zh-CN" dirty="0">
+                <a:solidFill>
+                  <a:srgbClr val="000000"/>
+                </a:solidFill>
+                <a:latin typeface="新宋体" panose="02010609030101010101" pitchFamily="49" charset="-122"/>
+                <a:ea typeface="新宋体" panose="02010609030101010101" pitchFamily="49" charset="-122"/>
+              </a:rPr>
+              <a:t>obj</a:t>
+            </a:r>
+            <a:r>
+              <a:rPr lang="zh-CN" altLang="en-US" dirty="0">
+                <a:solidFill>
+                  <a:srgbClr val="000000"/>
+                </a:solidFill>
+                <a:latin typeface="新宋体" panose="02010609030101010101" pitchFamily="49" charset="-122"/>
+                <a:ea typeface="新宋体" panose="02010609030101010101" pitchFamily="49" charset="-122"/>
+              </a:rPr>
+              <a:t>中的顶点数据来获取法向量。</a:t>
+            </a:r>
+            <a:endParaRPr lang="en-US" altLang="zh-CN" dirty="0">
+              <a:solidFill>
+                <a:srgbClr val="000000"/>
+              </a:solidFill>
+              <a:latin typeface="新宋体" panose="02010609030101010101" pitchFamily="49" charset="-122"/>
+              <a:ea typeface="新宋体" panose="02010609030101010101" pitchFamily="49" charset="-122"/>
+            </a:endParaRPr>
+          </a:p>
+          <a:p>
+            <a:r>
+              <a:rPr lang="zh-CN" altLang="en-US" dirty="0">
+                <a:solidFill>
+                  <a:srgbClr val="000000"/>
+                </a:solidFill>
+                <a:latin typeface="新宋体" panose="02010609030101010101" pitchFamily="49" charset="-122"/>
+                <a:ea typeface="新宋体" panose="02010609030101010101" pitchFamily="49" charset="-122"/>
+              </a:rPr>
+              <a:t>然后通过之前获取的重心坐标求得每个像素点的法向量</a:t>
+            </a:r>
+            <a:endParaRPr lang="en-US" altLang="zh-CN" dirty="0">
+              <a:solidFill>
+                <a:srgbClr val="000000"/>
+              </a:solidFill>
+              <a:latin typeface="新宋体" panose="02010609030101010101" pitchFamily="49" charset="-122"/>
+              <a:ea typeface="新宋体" panose="02010609030101010101" pitchFamily="49" charset="-122"/>
+            </a:endParaRPr>
+          </a:p>
+          <a:p>
+            <a:endParaRPr lang="en-US" altLang="zh-CN" dirty="0"/>
+          </a:p>
+        </p:txBody>
+      </p:sp>
+      <p:pic>
+        <p:nvPicPr>
+          <p:cNvPr id="4" name="图片 3">
+            <a:extLst>
+              <a:ext uri="{FF2B5EF4-FFF2-40B4-BE49-F238E27FC236}">
+                <a16:creationId xmlns:a16="http://schemas.microsoft.com/office/drawing/2014/main" id="{09952B02-D45F-F75C-E604-C4143FA2C29B}"/>
+              </a:ext>
+            </a:extLst>
+          </p:cNvPr>
+          <p:cNvPicPr>
+            <a:picLocks noChangeAspect="1"/>
+          </p:cNvPicPr>
+          <p:nvPr/>
+        </p:nvPicPr>
+        <p:blipFill>
+          <a:blip r:embed="rId2"/>
+          <a:stretch>
+            <a:fillRect/>
+          </a:stretch>
+        </p:blipFill>
+        <p:spPr>
+          <a:xfrm>
+            <a:off x="1173282" y="6310073"/>
+            <a:ext cx="6782747" cy="381053"/>
+          </a:xfrm>
+          <a:prstGeom prst="rect">
+            <a:avLst/>
+          </a:prstGeom>
+        </p:spPr>
+      </p:pic>
+      <p:pic>
+        <p:nvPicPr>
+          <p:cNvPr id="6" name="图片 5">
+            <a:extLst>
+              <a:ext uri="{FF2B5EF4-FFF2-40B4-BE49-F238E27FC236}">
+                <a16:creationId xmlns:a16="http://schemas.microsoft.com/office/drawing/2014/main" id="{213CDE8C-AAD0-7C42-2BB3-2B520D2BF8DC}"/>
+              </a:ext>
+            </a:extLst>
+          </p:cNvPr>
+          <p:cNvPicPr>
+            <a:picLocks noChangeAspect="1"/>
+          </p:cNvPicPr>
+          <p:nvPr/>
+        </p:nvPicPr>
+        <p:blipFill>
+          <a:blip r:embed="rId3"/>
+          <a:stretch>
+            <a:fillRect/>
+          </a:stretch>
+        </p:blipFill>
+        <p:spPr>
+          <a:xfrm>
+            <a:off x="363557" y="4670035"/>
+            <a:ext cx="8941085" cy="1640038"/>
+          </a:xfrm>
+          <a:prstGeom prst="rect">
+            <a:avLst/>
+          </a:prstGeom>
+        </p:spPr>
+      </p:pic>
+    </p:spTree>
+    <p:extLst>
+      <p:ext uri="{BB962C8B-B14F-4D97-AF65-F5344CB8AC3E}">
+        <p14:creationId xmlns:p14="http://schemas.microsoft.com/office/powerpoint/2010/main" val="944610028"/>
+      </p:ext>
+    </p:extLst>
+  </p:cSld>
+  <p:clrMapOvr>
+    <a:masterClrMapping/>
+  </p:clrMapOvr>
+</p:sld>
+</file>
+
+<file path=ppt/slides/slide21.xml><?xml version="1.0" encoding="utf-8"?>
+<p:sld xmlns:a="http://schemas.openxmlformats.org/drawingml/2006/main" xmlns:r="http://schemas.openxmlformats.org/officeDocument/2006/relationships" xmlns:p="http://schemas.openxmlformats.org/presentationml/2006/main">
+  <p:cSld>
+    <p:spTree>
+      <p:nvGrpSpPr>
+        <p:cNvPr id="1" name=""/>
+        <p:cNvGrpSpPr/>
+        <p:nvPr/>
+      </p:nvGrpSpPr>
+      <p:grpSpPr>
+        <a:xfrm>
+          <a:off x="0" y="0"/>
+          <a:ext cx="0" cy="0"/>
+          <a:chOff x="0" y="0"/>
+          <a:chExt cx="0" cy="0"/>
+        </a:xfrm>
+      </p:grpSpPr>
+      <p:sp>
+        <p:nvSpPr>
+          <p:cNvPr id="2" name="文本框 1">
+            <a:extLst>
+              <a:ext uri="{FF2B5EF4-FFF2-40B4-BE49-F238E27FC236}">
+                <a16:creationId xmlns:a16="http://schemas.microsoft.com/office/drawing/2014/main" id="{1D8EB8E6-52FD-8071-A361-D9F1E04CC473}"/>
+              </a:ext>
+            </a:extLst>
+          </p:cNvPr>
+          <p:cNvSpPr txBox="1"/>
+          <p:nvPr/>
+        </p:nvSpPr>
+        <p:spPr>
+          <a:xfrm>
+            <a:off x="8357855" y="4985983"/>
+            <a:ext cx="2018503" cy="369332"/>
+          </a:xfrm>
+          <a:prstGeom prst="rect">
+            <a:avLst/>
+          </a:prstGeom>
+          <a:noFill/>
+        </p:spPr>
+        <p:txBody>
+          <a:bodyPr wrap="square" rtlCol="0">
+            <a:spAutoFit/>
+          </a:bodyPr>
+          <a:lstStyle/>
+          <a:p>
+            <a:r>
+              <a:rPr lang="en-US" altLang="zh-CN" dirty="0" err="1"/>
+              <a:t>Gouraud</a:t>
+            </a:r>
+            <a:r>
+              <a:rPr lang="en-US" altLang="zh-CN" dirty="0"/>
+              <a:t> Shading</a:t>
+            </a:r>
+          </a:p>
+        </p:txBody>
+      </p:sp>
+      <p:sp>
+        <p:nvSpPr>
+          <p:cNvPr id="5" name="文本框 4">
+            <a:extLst>
+              <a:ext uri="{FF2B5EF4-FFF2-40B4-BE49-F238E27FC236}">
+                <a16:creationId xmlns:a16="http://schemas.microsoft.com/office/drawing/2014/main" id="{52C9803A-139E-7B90-4169-E3604C976762}"/>
+              </a:ext>
+            </a:extLst>
+          </p:cNvPr>
+          <p:cNvSpPr txBox="1"/>
+          <p:nvPr/>
+        </p:nvSpPr>
+        <p:spPr>
+          <a:xfrm>
+            <a:off x="1815642" y="4985983"/>
+            <a:ext cx="1416656" cy="369332"/>
+          </a:xfrm>
+          <a:prstGeom prst="rect">
+            <a:avLst/>
+          </a:prstGeom>
+          <a:noFill/>
+        </p:spPr>
+        <p:txBody>
+          <a:bodyPr wrap="square" rtlCol="0">
+            <a:spAutoFit/>
+          </a:bodyPr>
+          <a:lstStyle/>
+          <a:p>
+            <a:r>
+              <a:rPr lang="en-US" altLang="zh-CN" dirty="0"/>
+              <a:t>Flat Shading</a:t>
+            </a:r>
+          </a:p>
+        </p:txBody>
+      </p:sp>
+      <p:pic>
+        <p:nvPicPr>
+          <p:cNvPr id="7" name="图片 6">
+            <a:extLst>
+              <a:ext uri="{FF2B5EF4-FFF2-40B4-BE49-F238E27FC236}">
+                <a16:creationId xmlns:a16="http://schemas.microsoft.com/office/drawing/2014/main" id="{0A42572E-FEEC-3052-B477-D424010002E7}"/>
+              </a:ext>
+            </a:extLst>
+          </p:cNvPr>
+          <p:cNvPicPr>
+            <a:picLocks noChangeAspect="1"/>
+          </p:cNvPicPr>
+          <p:nvPr/>
+        </p:nvPicPr>
+        <p:blipFill>
+          <a:blip r:embed="rId2"/>
+          <a:stretch>
+            <a:fillRect/>
+          </a:stretch>
+        </p:blipFill>
+        <p:spPr>
+          <a:xfrm>
+            <a:off x="623962" y="391099"/>
+            <a:ext cx="4314222" cy="4314222"/>
+          </a:xfrm>
+          <a:prstGeom prst="rect">
+            <a:avLst/>
+          </a:prstGeom>
+        </p:spPr>
+      </p:pic>
+      <p:pic>
+        <p:nvPicPr>
+          <p:cNvPr id="10" name="图片 9">
+            <a:extLst>
+              <a:ext uri="{FF2B5EF4-FFF2-40B4-BE49-F238E27FC236}">
+                <a16:creationId xmlns:a16="http://schemas.microsoft.com/office/drawing/2014/main" id="{B4669638-DFB3-79E3-1789-5A5539671656}"/>
+              </a:ext>
+            </a:extLst>
+          </p:cNvPr>
+          <p:cNvPicPr>
+            <a:picLocks noChangeAspect="1"/>
+          </p:cNvPicPr>
+          <p:nvPr/>
+        </p:nvPicPr>
+        <p:blipFill>
+          <a:blip r:embed="rId3"/>
+          <a:stretch>
+            <a:fillRect/>
+          </a:stretch>
+        </p:blipFill>
+        <p:spPr>
+          <a:xfrm>
+            <a:off x="7253818" y="391099"/>
+            <a:ext cx="4028075" cy="4314222"/>
+          </a:xfrm>
+          <a:prstGeom prst="rect">
+            <a:avLst/>
+          </a:prstGeom>
+        </p:spPr>
+      </p:pic>
+    </p:spTree>
+    <p:extLst>
+      <p:ext uri="{BB962C8B-B14F-4D97-AF65-F5344CB8AC3E}">
+        <p14:creationId xmlns:p14="http://schemas.microsoft.com/office/powerpoint/2010/main" val="2637833387"/>
+      </p:ext>
+    </p:extLst>
+  </p:cSld>
+  <p:clrMapOvr>
+    <a:masterClrMapping/>
+  </p:clrMapOvr>
+</p:sld>
+</file>
+
+<file path=ppt/slides/slide22.xml><?xml version="1.0" encoding="utf-8"?>
+<p:sld xmlns:a="http://schemas.openxmlformats.org/drawingml/2006/main" xmlns:r="http://schemas.openxmlformats.org/officeDocument/2006/relationships" xmlns:p="http://schemas.openxmlformats.org/presentationml/2006/main">
+  <p:cSld>
+    <p:spTree>
+      <p:nvGrpSpPr>
+        <p:cNvPr id="1" name=""/>
+        <p:cNvGrpSpPr/>
+        <p:nvPr/>
+      </p:nvGrpSpPr>
+      <p:grpSpPr>
+        <a:xfrm>
+          <a:off x="0" y="0"/>
+          <a:ext cx="0" cy="0"/>
+          <a:chOff x="0" y="0"/>
+          <a:chExt cx="0" cy="0"/>
+        </a:xfrm>
+      </p:grpSpPr>
+      <p:sp>
+        <p:nvSpPr>
+          <p:cNvPr id="3" name="文本框 2">
+            <a:extLst>
+              <a:ext uri="{FF2B5EF4-FFF2-40B4-BE49-F238E27FC236}">
+                <a16:creationId xmlns:a16="http://schemas.microsoft.com/office/drawing/2014/main" id="{D7EB8B12-DE0F-CAE1-5DFF-E258C6B824C7}"/>
+              </a:ext>
+            </a:extLst>
+          </p:cNvPr>
+          <p:cNvSpPr txBox="1"/>
+          <p:nvPr/>
+        </p:nvSpPr>
+        <p:spPr>
+          <a:xfrm>
+            <a:off x="698275" y="166874"/>
+            <a:ext cx="9197524" cy="1477328"/>
+          </a:xfrm>
+          <a:prstGeom prst="rect">
+            <a:avLst/>
+          </a:prstGeom>
+          <a:noFill/>
+        </p:spPr>
+        <p:txBody>
+          <a:bodyPr wrap="square" rtlCol="0">
+            <a:spAutoFit/>
+          </a:bodyPr>
+          <a:lstStyle/>
+          <a:p>
+            <a:r>
+              <a:rPr lang="zh-CN" altLang="en-US" dirty="0"/>
+              <a:t>着色</a:t>
+            </a:r>
+            <a:endParaRPr lang="en-US" altLang="zh-CN" dirty="0"/>
+          </a:p>
+          <a:p>
+            <a:endParaRPr lang="en-US" altLang="zh-CN" dirty="0"/>
+          </a:p>
+          <a:p>
+            <a:r>
+              <a:rPr lang="en-US" altLang="zh-CN" dirty="0"/>
+              <a:t>2. </a:t>
+            </a:r>
+            <a:r>
+              <a:rPr lang="zh-CN" altLang="en-US" dirty="0"/>
+              <a:t>顶点着色</a:t>
+            </a:r>
+            <a:endParaRPr lang="en-US" altLang="zh-CN" dirty="0"/>
+          </a:p>
+          <a:p>
+            <a:r>
+              <a:rPr lang="zh-CN" altLang="en-US" dirty="0"/>
+              <a:t>如果</a:t>
+            </a:r>
+            <a:r>
+              <a:rPr lang="en-US" altLang="zh-CN" dirty="0"/>
+              <a:t>obj</a:t>
+            </a:r>
+            <a:r>
+              <a:rPr lang="zh-CN" altLang="en-US" dirty="0"/>
+              <a:t>文件没有给出顶点的法线向量，可以通过三角形的面法向量来求得顶点的法向量，一个顶点的法向量可以由，拥有该顶点的所有三角形的面法向量求得</a:t>
+            </a:r>
+            <a:endParaRPr lang="en-US" altLang="zh-CN" dirty="0"/>
+          </a:p>
+        </p:txBody>
+      </p:sp>
+      <mc:AlternateContent xmlns:mc="http://schemas.openxmlformats.org/markup-compatibility/2006">
+        <mc:Choice xmlns:a14="http://schemas.microsoft.com/office/drawing/2010/main" Requires="a14">
+          <p:sp>
+            <p:nvSpPr>
+              <p:cNvPr id="2" name="文本框 1">
+                <a:extLst>
+                  <a:ext uri="{FF2B5EF4-FFF2-40B4-BE49-F238E27FC236}">
+                    <a16:creationId xmlns:a16="http://schemas.microsoft.com/office/drawing/2014/main" id="{C6238B5A-B451-3562-B0FD-8C1298B4482C}"/>
+                  </a:ext>
+                </a:extLst>
+              </p:cNvPr>
+              <p:cNvSpPr txBox="1"/>
+              <p:nvPr/>
+            </p:nvSpPr>
+            <p:spPr>
+              <a:xfrm>
+                <a:off x="3701667" y="1927952"/>
+                <a:ext cx="3183875" cy="565411"/>
+              </a:xfrm>
+              <a:prstGeom prst="rect">
+                <a:avLst/>
+              </a:prstGeom>
+              <a:noFill/>
+            </p:spPr>
+            <p:txBody>
+              <a:bodyPr wrap="square" lIns="0" tIns="0" rIns="0" bIns="0" rtlCol="0">
+                <a:spAutoFit/>
+              </a:bodyPr>
+              <a:lstStyle/>
+              <a:p>
+                <a14:m>
+                  <m:oMathPara xmlns:m="http://schemas.openxmlformats.org/officeDocument/2006/math">
+                    <m:oMathParaPr>
+                      <m:jc m:val="centerGroup"/>
+                    </m:oMathParaPr>
+                    <m:oMath xmlns:m="http://schemas.openxmlformats.org/officeDocument/2006/math">
+                      <m:sSub>
+                        <m:sSubPr>
+                          <m:ctrlPr>
+                            <a:rPr lang="zh-CN" altLang="en-US" smtClean="0">
+                              <a:solidFill>
+                                <a:srgbClr val="836967"/>
+                              </a:solidFill>
+                              <a:latin typeface="Cambria Math" panose="02040503050406030204" pitchFamily="18" charset="0"/>
+                            </a:rPr>
+                          </m:ctrlPr>
+                        </m:sSubPr>
+                        <m:e>
+                          <m:r>
+                            <a:rPr lang="zh-CN" altLang="en-US" i="1">
+                              <a:latin typeface="Cambria Math" panose="02040503050406030204" pitchFamily="18" charset="0"/>
+                            </a:rPr>
+                            <m:t>𝑁</m:t>
+                          </m:r>
+                        </m:e>
+                        <m:sub>
+                          <m:r>
+                            <a:rPr lang="zh-CN" altLang="en-US" i="1">
+                              <a:latin typeface="Cambria Math" panose="02040503050406030204" pitchFamily="18" charset="0"/>
+                            </a:rPr>
+                            <m:t>𝜈</m:t>
+                          </m:r>
+                        </m:sub>
+                      </m:sSub>
+                      <m:r>
+                        <a:rPr lang="zh-CN" altLang="en-US" i="0">
+                          <a:latin typeface="Cambria Math" panose="02040503050406030204" pitchFamily="18" charset="0"/>
+                        </a:rPr>
+                        <m:t>=</m:t>
+                      </m:r>
+                      <m:f>
+                        <m:fPr>
+                          <m:ctrlPr>
+                            <a:rPr lang="zh-CN" altLang="en-US" i="1">
+                              <a:solidFill>
+                                <a:srgbClr val="836967"/>
+                              </a:solidFill>
+                              <a:latin typeface="Cambria Math" panose="02040503050406030204" pitchFamily="18" charset="0"/>
+                            </a:rPr>
+                          </m:ctrlPr>
+                        </m:fPr>
+                        <m:num>
+                          <m:sSub>
+                            <m:sSubPr>
+                              <m:ctrlPr>
+                                <a:rPr lang="zh-CN" altLang="en-US" i="1">
+                                  <a:solidFill>
+                                    <a:srgbClr val="836967"/>
+                                  </a:solidFill>
+                                  <a:latin typeface="Cambria Math" panose="02040503050406030204" pitchFamily="18" charset="0"/>
+                                </a:rPr>
+                              </m:ctrlPr>
+                            </m:sSubPr>
+                            <m:e>
+                              <m:r>
+                                <a:rPr lang="zh-CN" altLang="en-US" i="1">
+                                  <a:latin typeface="Cambria Math" panose="02040503050406030204" pitchFamily="18" charset="0"/>
+                                </a:rPr>
+                                <m:t>𝛴</m:t>
+                              </m:r>
+                            </m:e>
+                            <m:sub>
+                              <m:r>
+                                <a:rPr lang="zh-CN" altLang="en-US" i="1">
+                                  <a:latin typeface="Cambria Math" panose="02040503050406030204" pitchFamily="18" charset="0"/>
+                                </a:rPr>
+                                <m:t>𝑖</m:t>
+                              </m:r>
+                            </m:sub>
+                          </m:sSub>
+                          <m:sSub>
+                            <m:sSubPr>
+                              <m:ctrlPr>
+                                <a:rPr lang="zh-CN" altLang="en-US" i="1">
+                                  <a:solidFill>
+                                    <a:srgbClr val="836967"/>
+                                  </a:solidFill>
+                                  <a:latin typeface="Cambria Math" panose="02040503050406030204" pitchFamily="18" charset="0"/>
+                                </a:rPr>
+                              </m:ctrlPr>
+                            </m:sSubPr>
+                            <m:e>
+                              <m:r>
+                                <a:rPr lang="zh-CN" altLang="en-US" i="1">
+                                  <a:latin typeface="Cambria Math" panose="02040503050406030204" pitchFamily="18" charset="0"/>
+                                </a:rPr>
+                                <m:t>𝑁</m:t>
+                              </m:r>
+                            </m:e>
+                            <m:sub>
+                              <m:r>
+                                <a:rPr lang="zh-CN" altLang="en-US" i="1">
+                                  <a:latin typeface="Cambria Math" panose="02040503050406030204" pitchFamily="18" charset="0"/>
+                                </a:rPr>
+                                <m:t>𝑖</m:t>
+                              </m:r>
+                            </m:sub>
+                          </m:sSub>
+                        </m:num>
+                        <m:den>
+                          <m:d>
+                            <m:dPr>
+                              <m:begChr m:val="‖"/>
+                              <m:endChr m:val="‖"/>
+                              <m:ctrlPr>
+                                <a:rPr lang="zh-CN" altLang="en-US" i="1">
+                                  <a:solidFill>
+                                    <a:srgbClr val="836967"/>
+                                  </a:solidFill>
+                                  <a:latin typeface="Cambria Math" panose="02040503050406030204" pitchFamily="18" charset="0"/>
+                                </a:rPr>
+                              </m:ctrlPr>
+                            </m:dPr>
+                            <m:e>
+                              <m:sSub>
+                                <m:sSubPr>
+                                  <m:ctrlPr>
+                                    <a:rPr lang="zh-CN" altLang="en-US" i="1">
+                                      <a:solidFill>
+                                        <a:srgbClr val="836967"/>
+                                      </a:solidFill>
+                                      <a:latin typeface="Cambria Math" panose="02040503050406030204" pitchFamily="18" charset="0"/>
+                                    </a:rPr>
+                                  </m:ctrlPr>
+                                </m:sSubPr>
+                                <m:e>
+                                  <m:r>
+                                    <a:rPr lang="zh-CN" altLang="en-US" i="1">
+                                      <a:latin typeface="Cambria Math" panose="02040503050406030204" pitchFamily="18" charset="0"/>
+                                    </a:rPr>
+                                    <m:t>𝛴</m:t>
+                                  </m:r>
+                                </m:e>
+                                <m:sub>
+                                  <m:r>
+                                    <a:rPr lang="zh-CN" altLang="en-US" i="1">
+                                      <a:latin typeface="Cambria Math" panose="02040503050406030204" pitchFamily="18" charset="0"/>
+                                    </a:rPr>
+                                    <m:t>𝑖</m:t>
+                                  </m:r>
+                                </m:sub>
+                              </m:sSub>
+                              <m:sSub>
+                                <m:sSubPr>
+                                  <m:ctrlPr>
+                                    <a:rPr lang="zh-CN" altLang="en-US" i="1">
+                                      <a:solidFill>
+                                        <a:srgbClr val="836967"/>
+                                      </a:solidFill>
+                                      <a:latin typeface="Cambria Math" panose="02040503050406030204" pitchFamily="18" charset="0"/>
+                                    </a:rPr>
+                                  </m:ctrlPr>
+                                </m:sSubPr>
+                                <m:e>
+                                  <m:r>
+                                    <a:rPr lang="zh-CN" altLang="en-US" i="1">
+                                      <a:latin typeface="Cambria Math" panose="02040503050406030204" pitchFamily="18" charset="0"/>
+                                    </a:rPr>
+                                    <m:t>𝑁</m:t>
+                                  </m:r>
+                                </m:e>
+                                <m:sub>
+                                  <m:r>
+                                    <a:rPr lang="zh-CN" altLang="en-US" i="1">
+                                      <a:latin typeface="Cambria Math" panose="02040503050406030204" pitchFamily="18" charset="0"/>
+                                    </a:rPr>
+                                    <m:t>𝑖</m:t>
+                                  </m:r>
+                                </m:sub>
+                              </m:sSub>
+                            </m:e>
+                          </m:d>
+                        </m:den>
+                      </m:f>
+                    </m:oMath>
+                  </m:oMathPara>
+                </a14:m>
+                <a:endParaRPr lang="zh-CN" altLang="en-US" dirty="0"/>
+              </a:p>
+            </p:txBody>
+          </p:sp>
+        </mc:Choice>
+        <mc:Fallback>
+          <p:sp>
+            <p:nvSpPr>
+              <p:cNvPr id="2" name="文本框 1">
+                <a:extLst>
+                  <a:ext uri="{FF2B5EF4-FFF2-40B4-BE49-F238E27FC236}">
+                    <a16:creationId xmlns:a16="http://schemas.microsoft.com/office/drawing/2014/main" id="{C6238B5A-B451-3562-B0FD-8C1298B4482C}"/>
+                  </a:ext>
+                </a:extLst>
+              </p:cNvPr>
+              <p:cNvSpPr txBox="1">
+                <a:spLocks noRot="1" noChangeAspect="1" noMove="1" noResize="1" noEditPoints="1" noAdjustHandles="1" noChangeArrowheads="1" noChangeShapeType="1" noTextEdit="1"/>
+              </p:cNvSpPr>
+              <p:nvPr/>
+            </p:nvSpPr>
+            <p:spPr>
+              <a:xfrm>
+                <a:off x="3701667" y="1927952"/>
+                <a:ext cx="3183875" cy="565411"/>
+              </a:xfrm>
+              <a:prstGeom prst="rect">
+                <a:avLst/>
+              </a:prstGeom>
+              <a:blipFill>
+                <a:blip r:embed="rId2"/>
+                <a:stretch>
+                  <a:fillRect/>
+                </a:stretch>
+              </a:blipFill>
+            </p:spPr>
+            <p:txBody>
+              <a:bodyPr/>
+              <a:lstStyle/>
+              <a:p>
+                <a:r>
+                  <a:rPr lang="zh-CN" altLang="en-US">
+                    <a:noFill/>
+                  </a:rPr>
+                  <a:t> </a:t>
+                </a:r>
+              </a:p>
+            </p:txBody>
+          </p:sp>
+        </mc:Fallback>
+      </mc:AlternateContent>
+      <p:sp>
+        <p:nvSpPr>
+          <p:cNvPr id="5" name="文本框 4">
+            <a:extLst>
+              <a:ext uri="{FF2B5EF4-FFF2-40B4-BE49-F238E27FC236}">
+                <a16:creationId xmlns:a16="http://schemas.microsoft.com/office/drawing/2014/main" id="{3E3A35A2-D189-1B0A-3E10-8FDDA6EA7910}"/>
+              </a:ext>
+            </a:extLst>
+          </p:cNvPr>
+          <p:cNvSpPr txBox="1"/>
+          <p:nvPr/>
+        </p:nvSpPr>
+        <p:spPr>
+          <a:xfrm>
+            <a:off x="694842" y="2690336"/>
+            <a:ext cx="9197524" cy="923330"/>
+          </a:xfrm>
+          <a:prstGeom prst="rect">
+            <a:avLst/>
+          </a:prstGeom>
+          <a:noFill/>
+        </p:spPr>
+        <p:txBody>
+          <a:bodyPr wrap="square" rtlCol="0">
+            <a:spAutoFit/>
+          </a:bodyPr>
+          <a:lstStyle/>
+          <a:p>
+            <a:r>
+              <a:rPr lang="en-US" altLang="zh-CN" dirty="0"/>
+              <a:t>3. Phone Shading</a:t>
+            </a:r>
+          </a:p>
+          <a:p>
+            <a:r>
+              <a:rPr lang="zh-CN" altLang="en-US" dirty="0"/>
+              <a:t>与</a:t>
+            </a:r>
+            <a:r>
+              <a:rPr lang="en-US" altLang="zh-CN" dirty="0" err="1"/>
+              <a:t>Gouraud</a:t>
+            </a:r>
+            <a:r>
+              <a:rPr lang="en-US" altLang="zh-CN" dirty="0"/>
+              <a:t> Shading </a:t>
+            </a:r>
+            <a:r>
+              <a:rPr lang="zh-CN" altLang="en-US" dirty="0"/>
+              <a:t>主要的区别是，其是先求每个像素点的法向量，然后每个像素点依据自己的法向量计算光照颜色</a:t>
+            </a:r>
+            <a:endParaRPr lang="en-US" altLang="zh-CN" dirty="0"/>
+          </a:p>
+        </p:txBody>
+      </p:sp>
+      <p:pic>
+        <p:nvPicPr>
+          <p:cNvPr id="14" name="图片 13">
+            <a:extLst>
+              <a:ext uri="{FF2B5EF4-FFF2-40B4-BE49-F238E27FC236}">
+                <a16:creationId xmlns:a16="http://schemas.microsoft.com/office/drawing/2014/main" id="{72DFC8A1-1312-A1AC-D1D8-AE75C1306251}"/>
+              </a:ext>
+            </a:extLst>
+          </p:cNvPr>
+          <p:cNvPicPr>
+            <a:picLocks noChangeAspect="1"/>
+          </p:cNvPicPr>
+          <p:nvPr/>
+        </p:nvPicPr>
+        <p:blipFill>
+          <a:blip r:embed="rId3">
+            <a:extLst>
+              <a:ext uri="{28A0092B-C50C-407E-A947-70E740481C1C}">
+                <a14:useLocalDpi xmlns:a14="http://schemas.microsoft.com/office/drawing/2010/main" val="0"/>
+              </a:ext>
+            </a:extLst>
+          </a:blip>
+          <a:stretch>
+            <a:fillRect/>
+          </a:stretch>
+        </p:blipFill>
+        <p:spPr>
+          <a:xfrm>
+            <a:off x="6196369" y="3468827"/>
+            <a:ext cx="4473072" cy="3244334"/>
+          </a:xfrm>
+          <a:prstGeom prst="rect">
+            <a:avLst/>
+          </a:prstGeom>
+        </p:spPr>
+      </p:pic>
+    </p:spTree>
+    <p:extLst>
+      <p:ext uri="{BB962C8B-B14F-4D97-AF65-F5344CB8AC3E}">
+        <p14:creationId xmlns:p14="http://schemas.microsoft.com/office/powerpoint/2010/main" val="3390996987"/>
+      </p:ext>
+    </p:extLst>
+  </p:cSld>
+  <p:clrMapOvr>
+    <a:masterClrMapping/>
+  </p:clrMapOvr>
+</p:sld>
+</file>
+
+<file path=ppt/slides/slide23.xml><?xml version="1.0" encoding="utf-8"?>
+<p:sld xmlns:a="http://schemas.openxmlformats.org/drawingml/2006/main" xmlns:r="http://schemas.openxmlformats.org/officeDocument/2006/relationships" xmlns:p="http://schemas.openxmlformats.org/presentationml/2006/main">
+  <p:cSld>
+    <p:spTree>
+      <p:nvGrpSpPr>
+        <p:cNvPr id="1" name=""/>
+        <p:cNvGrpSpPr/>
+        <p:nvPr/>
+      </p:nvGrpSpPr>
+      <p:grpSpPr>
+        <a:xfrm>
+          <a:off x="0" y="0"/>
+          <a:ext cx="0" cy="0"/>
+          <a:chOff x="0" y="0"/>
+          <a:chExt cx="0" cy="0"/>
+        </a:xfrm>
+      </p:grpSpPr>
+      <p:sp>
+        <p:nvSpPr>
+          <p:cNvPr id="3" name="文本框 2">
+            <a:extLst>
+              <a:ext uri="{FF2B5EF4-FFF2-40B4-BE49-F238E27FC236}">
+                <a16:creationId xmlns:a16="http://schemas.microsoft.com/office/drawing/2014/main" id="{D7EB8B12-DE0F-CAE1-5DFF-E258C6B824C7}"/>
+              </a:ext>
+            </a:extLst>
+          </p:cNvPr>
+          <p:cNvSpPr txBox="1"/>
+          <p:nvPr/>
+        </p:nvSpPr>
+        <p:spPr>
+          <a:xfrm>
+            <a:off x="698275" y="166874"/>
+            <a:ext cx="9197524" cy="1477328"/>
+          </a:xfrm>
+          <a:prstGeom prst="rect">
+            <a:avLst/>
+          </a:prstGeom>
+          <a:noFill/>
+        </p:spPr>
+        <p:txBody>
+          <a:bodyPr wrap="square" rtlCol="0">
+            <a:spAutoFit/>
+          </a:bodyPr>
+          <a:lstStyle/>
+          <a:p>
+            <a:r>
+              <a:rPr lang="zh-CN" altLang="en-US" dirty="0"/>
+              <a:t>相机变换</a:t>
+            </a:r>
+            <a:endParaRPr lang="en-US" altLang="zh-CN" dirty="0"/>
+          </a:p>
+          <a:p>
+            <a:r>
+              <a:rPr lang="zh-CN" altLang="en-US" dirty="0"/>
+              <a:t>相当于是坐标系原点的变化</a:t>
+            </a:r>
+            <a:endParaRPr lang="en-US" altLang="zh-CN" dirty="0"/>
+          </a:p>
+          <a:p>
+            <a:endParaRPr lang="en-US" altLang="zh-CN" dirty="0"/>
+          </a:p>
+          <a:p>
+            <a:r>
+              <a:rPr lang="zh-CN" altLang="en-US" dirty="0"/>
+              <a:t>对于一点</a:t>
+            </a:r>
+            <a:r>
+              <a:rPr lang="en-US" altLang="zh-CN" dirty="0"/>
+              <a:t>p</a:t>
+            </a:r>
+            <a:r>
+              <a:rPr lang="zh-CN" altLang="en-US" dirty="0"/>
+              <a:t>，从一个坐标系原点到</a:t>
+            </a:r>
+            <a:r>
+              <a:rPr lang="en-US" altLang="zh-CN" dirty="0"/>
+              <a:t>p</a:t>
+            </a:r>
+            <a:r>
+              <a:rPr lang="zh-CN" altLang="en-US" dirty="0"/>
+              <a:t>形成的向量可以写为该坐标系的基向量</a:t>
+            </a:r>
+            <a:r>
+              <a:rPr lang="en-US" altLang="zh-CN" dirty="0"/>
+              <a:t>×p</a:t>
+            </a:r>
+            <a:r>
+              <a:rPr lang="zh-CN" altLang="en-US" dirty="0"/>
+              <a:t>在该坐标下的坐标。</a:t>
+            </a:r>
+            <a:endParaRPr lang="en-US" altLang="zh-CN" dirty="0"/>
+          </a:p>
+        </p:txBody>
+      </p:sp>
+      <p:pic>
+        <p:nvPicPr>
+          <p:cNvPr id="8" name="图片 7">
+            <a:extLst>
+              <a:ext uri="{FF2B5EF4-FFF2-40B4-BE49-F238E27FC236}">
+                <a16:creationId xmlns:a16="http://schemas.microsoft.com/office/drawing/2014/main" id="{81326DA7-413B-DD85-F66A-43949635F995}"/>
+              </a:ext>
+            </a:extLst>
+          </p:cNvPr>
+          <p:cNvPicPr>
+            <a:picLocks noChangeAspect="1"/>
+          </p:cNvPicPr>
+          <p:nvPr/>
+        </p:nvPicPr>
+        <p:blipFill>
+          <a:blip r:embed="rId2"/>
+          <a:stretch>
+            <a:fillRect/>
+          </a:stretch>
+        </p:blipFill>
+        <p:spPr>
+          <a:xfrm>
+            <a:off x="583491" y="1644202"/>
+            <a:ext cx="7411484" cy="5029902"/>
+          </a:xfrm>
+          <a:prstGeom prst="rect">
+            <a:avLst/>
+          </a:prstGeom>
+        </p:spPr>
+      </p:pic>
+      <p:sp>
+        <p:nvSpPr>
+          <p:cNvPr id="9" name="文本框 8">
+            <a:extLst>
+              <a:ext uri="{FF2B5EF4-FFF2-40B4-BE49-F238E27FC236}">
+                <a16:creationId xmlns:a16="http://schemas.microsoft.com/office/drawing/2014/main" id="{CAD0ADA5-A069-DAC3-507D-0B2E7C2DAC14}"/>
+              </a:ext>
+            </a:extLst>
+          </p:cNvPr>
+          <p:cNvSpPr txBox="1"/>
+          <p:nvPr/>
+        </p:nvSpPr>
+        <p:spPr>
+          <a:xfrm>
+            <a:off x="8097397" y="4307596"/>
+            <a:ext cx="3152282" cy="923330"/>
+          </a:xfrm>
+          <a:prstGeom prst="rect">
+            <a:avLst/>
+          </a:prstGeom>
+          <a:noFill/>
+        </p:spPr>
+        <p:txBody>
+          <a:bodyPr wrap="square" rtlCol="0">
+            <a:spAutoFit/>
+          </a:bodyPr>
+          <a:lstStyle/>
+          <a:p>
+            <a:r>
+              <a:rPr lang="zh-CN" altLang="en-US" dirty="0"/>
+              <a:t>相机变换，相当于就是坐标原点</a:t>
+            </a:r>
+            <a:r>
+              <a:rPr lang="en-US" altLang="zh-CN" dirty="0"/>
+              <a:t>O</a:t>
+            </a:r>
+            <a:r>
+              <a:rPr lang="zh-CN" altLang="en-US" dirty="0"/>
+              <a:t>到</a:t>
+            </a:r>
+            <a:r>
+              <a:rPr lang="en-US" altLang="zh-CN" dirty="0"/>
+              <a:t>O</a:t>
+            </a:r>
+            <a:r>
+              <a:rPr lang="zh-CN" altLang="en-US" dirty="0"/>
+              <a:t>‘的变化</a:t>
+            </a:r>
+            <a:endParaRPr lang="en-US" altLang="zh-CN" dirty="0"/>
+          </a:p>
+          <a:p>
+            <a:r>
+              <a:rPr lang="zh-CN" altLang="en-US" dirty="0"/>
+              <a:t>对应的坐标点</a:t>
+            </a:r>
+            <a:r>
+              <a:rPr lang="en-US" altLang="zh-CN" dirty="0"/>
+              <a:t>P</a:t>
+            </a:r>
+            <a:r>
+              <a:rPr lang="zh-CN" altLang="en-US" dirty="0"/>
+              <a:t>的变换</a:t>
+            </a:r>
+            <a:endParaRPr lang="en-US" altLang="zh-CN" dirty="0"/>
+          </a:p>
+        </p:txBody>
+      </p:sp>
+    </p:spTree>
+    <p:extLst>
+      <p:ext uri="{BB962C8B-B14F-4D97-AF65-F5344CB8AC3E}">
+        <p14:creationId xmlns:p14="http://schemas.microsoft.com/office/powerpoint/2010/main" val="1002070317"/>
+      </p:ext>
+    </p:extLst>
+  </p:cSld>
+  <p:clrMapOvr>
+    <a:masterClrMapping/>
+  </p:clrMapOvr>
+</p:sld>
+</file>
+
+<file path=ppt/slides/slide24.xml><?xml version="1.0" encoding="utf-8"?>
+<p:sld xmlns:a="http://schemas.openxmlformats.org/drawingml/2006/main" xmlns:r="http://schemas.openxmlformats.org/officeDocument/2006/relationships" xmlns:p="http://schemas.openxmlformats.org/presentationml/2006/main">
+  <p:cSld>
+    <p:spTree>
+      <p:nvGrpSpPr>
+        <p:cNvPr id="1" name=""/>
+        <p:cNvGrpSpPr/>
+        <p:nvPr/>
+      </p:nvGrpSpPr>
+      <p:grpSpPr>
+        <a:xfrm>
+          <a:off x="0" y="0"/>
+          <a:ext cx="0" cy="0"/>
+          <a:chOff x="0" y="0"/>
+          <a:chExt cx="0" cy="0"/>
+        </a:xfrm>
+      </p:grpSpPr>
+      <p:sp>
+        <p:nvSpPr>
+          <p:cNvPr id="3" name="文本框 2">
+            <a:extLst>
+              <a:ext uri="{FF2B5EF4-FFF2-40B4-BE49-F238E27FC236}">
+                <a16:creationId xmlns:a16="http://schemas.microsoft.com/office/drawing/2014/main" id="{D7EB8B12-DE0F-CAE1-5DFF-E258C6B824C7}"/>
+              </a:ext>
+            </a:extLst>
+          </p:cNvPr>
+          <p:cNvSpPr txBox="1"/>
+          <p:nvPr/>
+        </p:nvSpPr>
+        <p:spPr>
+          <a:xfrm>
+            <a:off x="698275" y="166874"/>
+            <a:ext cx="9197524" cy="2308324"/>
+          </a:xfrm>
+          <a:prstGeom prst="rect">
+            <a:avLst/>
+          </a:prstGeom>
+          <a:noFill/>
+        </p:spPr>
+        <p:txBody>
+          <a:bodyPr wrap="square" rtlCol="0">
+            <a:spAutoFit/>
+          </a:bodyPr>
+          <a:lstStyle/>
+          <a:p>
+            <a:r>
+              <a:rPr lang="zh-CN" altLang="en-US" dirty="0"/>
+              <a:t>相机变换</a:t>
+            </a:r>
+            <a:endParaRPr lang="en-US" altLang="zh-CN" dirty="0"/>
+          </a:p>
+          <a:p>
+            <a:endParaRPr lang="en-US" altLang="zh-CN" dirty="0"/>
+          </a:p>
+          <a:p>
+            <a:r>
+              <a:rPr lang="zh-CN" altLang="en-US" dirty="0"/>
+              <a:t>在该项目中，只有当相机处于图像的</a:t>
+            </a:r>
+            <a:r>
+              <a:rPr lang="en-US" altLang="zh-CN" dirty="0"/>
+              <a:t>z</a:t>
+            </a:r>
+            <a:r>
+              <a:rPr lang="zh-CN" altLang="en-US" dirty="0"/>
+              <a:t>轴上时，才可以绘制图像。所以如果对于一个没有处在图像</a:t>
+            </a:r>
+            <a:r>
+              <a:rPr lang="en-US" altLang="zh-CN" dirty="0"/>
+              <a:t>z</a:t>
+            </a:r>
+            <a:r>
+              <a:rPr lang="zh-CN" altLang="en-US" dirty="0"/>
+              <a:t>轴的相机，我们可以通过保持相机不动，移动整个场景来达到相机处于图像</a:t>
+            </a:r>
+            <a:r>
+              <a:rPr lang="en-US" altLang="zh-CN" dirty="0"/>
+              <a:t>z</a:t>
+            </a:r>
+            <a:r>
+              <a:rPr lang="zh-CN" altLang="en-US" dirty="0"/>
+              <a:t>轴的效果</a:t>
+            </a:r>
+            <a:endParaRPr lang="en-US" altLang="zh-CN" dirty="0"/>
+          </a:p>
+          <a:p>
+            <a:endParaRPr lang="en-US" altLang="zh-CN" dirty="0"/>
+          </a:p>
+          <a:p>
+            <a:r>
+              <a:rPr lang="zh-CN" altLang="en-US" dirty="0"/>
+              <a:t>这样的问题可以变为，我们的相机在</a:t>
+            </a:r>
+            <a:r>
+              <a:rPr lang="en-US" altLang="zh-CN" dirty="0"/>
+              <a:t>e</a:t>
+            </a:r>
+            <a:r>
+              <a:rPr lang="zh-CN" altLang="en-US" dirty="0"/>
+              <a:t>点，然后图像在其初始坐标下为点</a:t>
+            </a:r>
+            <a:r>
+              <a:rPr lang="en-US" altLang="zh-CN" dirty="0"/>
+              <a:t>c</a:t>
+            </a:r>
+            <a:r>
+              <a:rPr lang="zh-CN" altLang="en-US" dirty="0"/>
+              <a:t>，那么要绘制</a:t>
+            </a:r>
+            <a:r>
+              <a:rPr lang="en-US" altLang="zh-CN" dirty="0"/>
+              <a:t>e</a:t>
+            </a:r>
+            <a:r>
+              <a:rPr lang="zh-CN" altLang="en-US" dirty="0"/>
+              <a:t>点下的</a:t>
+            </a:r>
+            <a:r>
+              <a:rPr lang="en-US" altLang="zh-CN" dirty="0"/>
+              <a:t>c</a:t>
+            </a:r>
+            <a:r>
+              <a:rPr lang="zh-CN" altLang="en-US" dirty="0"/>
+              <a:t>，就需要将初始坐标变换</a:t>
+            </a:r>
+            <a:endParaRPr lang="en-US" altLang="zh-CN" dirty="0"/>
+          </a:p>
+        </p:txBody>
+      </p:sp>
+      <p:pic>
+        <p:nvPicPr>
+          <p:cNvPr id="4" name="图片 3">
+            <a:extLst>
+              <a:ext uri="{FF2B5EF4-FFF2-40B4-BE49-F238E27FC236}">
+                <a16:creationId xmlns:a16="http://schemas.microsoft.com/office/drawing/2014/main" id="{B9287632-F072-E99D-FF01-425296C71461}"/>
+              </a:ext>
+            </a:extLst>
+          </p:cNvPr>
+          <p:cNvPicPr>
+            <a:picLocks noChangeAspect="1"/>
+          </p:cNvPicPr>
+          <p:nvPr/>
+        </p:nvPicPr>
+        <p:blipFill>
+          <a:blip r:embed="rId2"/>
+          <a:stretch>
+            <a:fillRect/>
+          </a:stretch>
+        </p:blipFill>
+        <p:spPr>
+          <a:xfrm>
+            <a:off x="392834" y="2475198"/>
+            <a:ext cx="4573064" cy="2798442"/>
+          </a:xfrm>
+          <a:prstGeom prst="rect">
+            <a:avLst/>
+          </a:prstGeom>
+        </p:spPr>
+      </p:pic>
+      <p:sp>
+        <p:nvSpPr>
+          <p:cNvPr id="5" name="文本框 4">
+            <a:extLst>
+              <a:ext uri="{FF2B5EF4-FFF2-40B4-BE49-F238E27FC236}">
+                <a16:creationId xmlns:a16="http://schemas.microsoft.com/office/drawing/2014/main" id="{8B7B9CE6-3BE8-A1D4-978D-0B6F8C3B1ADC}"/>
+              </a:ext>
+            </a:extLst>
+          </p:cNvPr>
+          <p:cNvSpPr txBox="1"/>
+          <p:nvPr/>
+        </p:nvSpPr>
+        <p:spPr>
+          <a:xfrm>
+            <a:off x="392834" y="4936800"/>
+            <a:ext cx="5153517" cy="1754326"/>
+          </a:xfrm>
+          <a:prstGeom prst="rect">
+            <a:avLst/>
+          </a:prstGeom>
+          <a:noFill/>
+        </p:spPr>
+        <p:txBody>
+          <a:bodyPr wrap="square" rtlCol="0">
+            <a:spAutoFit/>
+          </a:bodyPr>
+          <a:lstStyle/>
+          <a:p>
+            <a:r>
+              <a:rPr lang="zh-CN" altLang="en-US" dirty="0"/>
+              <a:t>相当于，我们将原始在</a:t>
+            </a:r>
+            <a:r>
+              <a:rPr lang="en-US" altLang="zh-CN" dirty="0"/>
+              <a:t>(</a:t>
+            </a:r>
+            <a:r>
+              <a:rPr lang="en-US" altLang="zh-CN" dirty="0" err="1"/>
+              <a:t>x,y,z</a:t>
+            </a:r>
+            <a:r>
+              <a:rPr lang="en-US" altLang="zh-CN" dirty="0"/>
+              <a:t>)</a:t>
+            </a:r>
+            <a:r>
+              <a:rPr lang="zh-CN" altLang="en-US" dirty="0"/>
+              <a:t>坐标系下的图像，</a:t>
+            </a:r>
+            <a:endParaRPr lang="en-US" altLang="zh-CN" dirty="0"/>
+          </a:p>
+          <a:p>
+            <a:r>
+              <a:rPr lang="zh-CN" altLang="en-US" dirty="0"/>
+              <a:t>需要变换到</a:t>
+            </a:r>
+            <a:r>
+              <a:rPr lang="en-US" altLang="zh-CN" dirty="0"/>
+              <a:t>(</a:t>
+            </a:r>
+            <a:r>
+              <a:rPr lang="en-US" altLang="zh-CN" dirty="0" err="1"/>
+              <a:t>x’,y’,z</a:t>
+            </a:r>
+            <a:r>
+              <a:rPr lang="en-US" altLang="zh-CN" dirty="0"/>
+              <a:t>’)</a:t>
+            </a:r>
+            <a:r>
+              <a:rPr lang="zh-CN" altLang="en-US" dirty="0"/>
+              <a:t>坐标系下，</a:t>
+            </a:r>
+            <a:endParaRPr lang="en-US" altLang="zh-CN" dirty="0"/>
+          </a:p>
+          <a:p>
+            <a:r>
+              <a:rPr lang="zh-CN" altLang="en-US" dirty="0"/>
+              <a:t>然后按照之前的绘制方式即可绘制出相机在点</a:t>
+            </a:r>
+            <a:r>
+              <a:rPr lang="en-US" altLang="zh-CN" dirty="0"/>
+              <a:t>e</a:t>
+            </a:r>
+            <a:r>
+              <a:rPr lang="zh-CN" altLang="en-US" dirty="0"/>
+              <a:t>下的图像。</a:t>
+            </a:r>
+            <a:endParaRPr lang="en-US" altLang="zh-CN" dirty="0"/>
+          </a:p>
+          <a:p>
+            <a:endParaRPr lang="en-US" altLang="zh-CN" dirty="0"/>
+          </a:p>
+          <a:p>
+            <a:r>
+              <a:rPr lang="zh-CN" altLang="en-US" dirty="0"/>
+              <a:t>那么接下来就需要求出</a:t>
+            </a:r>
+            <a:r>
+              <a:rPr lang="en-US" altLang="zh-CN" dirty="0"/>
+              <a:t>(</a:t>
+            </a:r>
+            <a:r>
+              <a:rPr lang="en-US" altLang="zh-CN" dirty="0" err="1"/>
+              <a:t>x’,y’,z</a:t>
+            </a:r>
+            <a:r>
+              <a:rPr lang="en-US" altLang="zh-CN" dirty="0"/>
+              <a:t>’)</a:t>
+            </a:r>
+            <a:r>
+              <a:rPr lang="zh-CN" altLang="en-US" dirty="0"/>
+              <a:t>的基向量就可以了</a:t>
+            </a:r>
+            <a:endParaRPr lang="en-US" altLang="zh-CN" dirty="0"/>
+          </a:p>
+        </p:txBody>
+      </p:sp>
+      <p:pic>
+        <p:nvPicPr>
+          <p:cNvPr id="11" name="图片 10">
+            <a:extLst>
+              <a:ext uri="{FF2B5EF4-FFF2-40B4-BE49-F238E27FC236}">
+                <a16:creationId xmlns:a16="http://schemas.microsoft.com/office/drawing/2014/main" id="{286D2401-844F-6E1A-D063-3AE6635CB35C}"/>
+              </a:ext>
+            </a:extLst>
+          </p:cNvPr>
+          <p:cNvPicPr>
+            <a:picLocks noChangeAspect="1"/>
+          </p:cNvPicPr>
+          <p:nvPr/>
+        </p:nvPicPr>
+        <p:blipFill>
+          <a:blip r:embed="rId3"/>
+          <a:stretch>
+            <a:fillRect/>
+          </a:stretch>
+        </p:blipFill>
+        <p:spPr>
+          <a:xfrm>
+            <a:off x="6030740" y="2475198"/>
+            <a:ext cx="5462985" cy="3707527"/>
+          </a:xfrm>
+          <a:prstGeom prst="rect">
+            <a:avLst/>
+          </a:prstGeom>
+        </p:spPr>
+      </p:pic>
+    </p:spTree>
+    <p:extLst>
+      <p:ext uri="{BB962C8B-B14F-4D97-AF65-F5344CB8AC3E}">
+        <p14:creationId xmlns:p14="http://schemas.microsoft.com/office/powerpoint/2010/main" val="764316170"/>
+      </p:ext>
+    </p:extLst>
+  </p:cSld>
+  <p:clrMapOvr>
+    <a:masterClrMapping/>
+  </p:clrMapOvr>
+</p:sld>
+</file>
+
+<file path=ppt/slides/slide25.xml><?xml version="1.0" encoding="utf-8"?>
+<p:sld xmlns:a="http://schemas.openxmlformats.org/drawingml/2006/main" xmlns:r="http://schemas.openxmlformats.org/officeDocument/2006/relationships" xmlns:p="http://schemas.openxmlformats.org/presentationml/2006/main">
+  <p:cSld>
+    <p:spTree>
+      <p:nvGrpSpPr>
+        <p:cNvPr id="1" name=""/>
+        <p:cNvGrpSpPr/>
+        <p:nvPr/>
+      </p:nvGrpSpPr>
+      <p:grpSpPr>
+        <a:xfrm>
+          <a:off x="0" y="0"/>
+          <a:ext cx="0" cy="0"/>
+          <a:chOff x="0" y="0"/>
+          <a:chExt cx="0" cy="0"/>
+        </a:xfrm>
+      </p:grpSpPr>
+      <p:pic>
+        <p:nvPicPr>
+          <p:cNvPr id="5" name="图片 4">
+            <a:extLst>
+              <a:ext uri="{FF2B5EF4-FFF2-40B4-BE49-F238E27FC236}">
+                <a16:creationId xmlns:a16="http://schemas.microsoft.com/office/drawing/2014/main" id="{1D1EDE2F-CBB0-491E-740A-E94B948BACD1}"/>
+              </a:ext>
+            </a:extLst>
+          </p:cNvPr>
+          <p:cNvPicPr>
+            <a:picLocks noChangeAspect="1"/>
+          </p:cNvPicPr>
+          <p:nvPr/>
+        </p:nvPicPr>
+        <p:blipFill>
+          <a:blip r:embed="rId2"/>
+          <a:stretch>
+            <a:fillRect/>
+          </a:stretch>
+        </p:blipFill>
+        <p:spPr>
+          <a:xfrm>
+            <a:off x="6783262" y="1415676"/>
+            <a:ext cx="4398858" cy="4026648"/>
+          </a:xfrm>
+          <a:prstGeom prst="rect">
+            <a:avLst/>
+          </a:prstGeom>
+        </p:spPr>
+      </p:pic>
+      <p:pic>
+        <p:nvPicPr>
+          <p:cNvPr id="7" name="图片 6">
+            <a:extLst>
+              <a:ext uri="{FF2B5EF4-FFF2-40B4-BE49-F238E27FC236}">
+                <a16:creationId xmlns:a16="http://schemas.microsoft.com/office/drawing/2014/main" id="{F7A97206-6D38-9DC1-5CC9-95DB4FA75445}"/>
+              </a:ext>
+            </a:extLst>
+          </p:cNvPr>
+          <p:cNvPicPr>
+            <a:picLocks noChangeAspect="1"/>
+          </p:cNvPicPr>
+          <p:nvPr/>
+        </p:nvPicPr>
+        <p:blipFill>
+          <a:blip r:embed="rId3"/>
+          <a:stretch>
+            <a:fillRect/>
+          </a:stretch>
+        </p:blipFill>
+        <p:spPr>
+          <a:xfrm>
+            <a:off x="341832" y="177253"/>
+            <a:ext cx="5449060" cy="2476846"/>
+          </a:xfrm>
+          <a:prstGeom prst="rect">
+            <a:avLst/>
+          </a:prstGeom>
+        </p:spPr>
+      </p:pic>
+      <p:pic>
+        <p:nvPicPr>
+          <p:cNvPr id="9" name="图片 8">
+            <a:extLst>
+              <a:ext uri="{FF2B5EF4-FFF2-40B4-BE49-F238E27FC236}">
+                <a16:creationId xmlns:a16="http://schemas.microsoft.com/office/drawing/2014/main" id="{7BD6CA42-DA94-AD8E-46A6-3837B0A15558}"/>
+              </a:ext>
+            </a:extLst>
+          </p:cNvPr>
+          <p:cNvPicPr>
+            <a:picLocks noChangeAspect="1"/>
+          </p:cNvPicPr>
+          <p:nvPr/>
+        </p:nvPicPr>
+        <p:blipFill>
+          <a:blip r:embed="rId4"/>
+          <a:stretch>
+            <a:fillRect/>
+          </a:stretch>
+        </p:blipFill>
+        <p:spPr>
+          <a:xfrm>
+            <a:off x="341832" y="2654099"/>
+            <a:ext cx="5772956" cy="4115374"/>
+          </a:xfrm>
+          <a:prstGeom prst="rect">
+            <a:avLst/>
+          </a:prstGeom>
+        </p:spPr>
+      </p:pic>
+    </p:spTree>
+    <p:extLst>
+      <p:ext uri="{BB962C8B-B14F-4D97-AF65-F5344CB8AC3E}">
+        <p14:creationId xmlns:p14="http://schemas.microsoft.com/office/powerpoint/2010/main" val="2514089644"/>
+      </p:ext>
+    </p:extLst>
+  </p:cSld>
+  <p:clrMapOvr>
+    <a:masterClrMapping/>
+  </p:clrMapOvr>
+</p:sld>
+</file>
+
+<file path=ppt/slides/slide26.xml><?xml version="1.0" encoding="utf-8"?>
+<p:sld xmlns:a="http://schemas.openxmlformats.org/drawingml/2006/main" xmlns:r="http://schemas.openxmlformats.org/officeDocument/2006/relationships" xmlns:p="http://schemas.openxmlformats.org/presentationml/2006/main">
+  <p:cSld>
+    <p:spTree>
+      <p:nvGrpSpPr>
+        <p:cNvPr id="1" name=""/>
+        <p:cNvGrpSpPr/>
+        <p:nvPr/>
+      </p:nvGrpSpPr>
+      <p:grpSpPr>
+        <a:xfrm>
+          <a:off x="0" y="0"/>
+          <a:ext cx="0" cy="0"/>
+          <a:chOff x="0" y="0"/>
+          <a:chExt cx="0" cy="0"/>
+        </a:xfrm>
+      </p:grpSpPr>
+      <p:sp>
+        <p:nvSpPr>
+          <p:cNvPr id="2" name="文本框 1">
+            <a:extLst>
+              <a:ext uri="{FF2B5EF4-FFF2-40B4-BE49-F238E27FC236}">
+                <a16:creationId xmlns:a16="http://schemas.microsoft.com/office/drawing/2014/main" id="{C69761E3-DFD4-63E0-854A-82CF8A87CB46}"/>
+              </a:ext>
+            </a:extLst>
+          </p:cNvPr>
+          <p:cNvSpPr txBox="1"/>
+          <p:nvPr/>
+        </p:nvSpPr>
+        <p:spPr>
+          <a:xfrm>
+            <a:off x="484741" y="616945"/>
+            <a:ext cx="10455008" cy="369332"/>
+          </a:xfrm>
+          <a:prstGeom prst="rect">
+            <a:avLst/>
+          </a:prstGeom>
+          <a:noFill/>
+        </p:spPr>
+        <p:txBody>
+          <a:bodyPr wrap="square" rtlCol="0">
+            <a:spAutoFit/>
+          </a:bodyPr>
+          <a:lstStyle/>
+          <a:p>
+            <a:r>
+              <a:rPr lang="en-US" altLang="zh-CN" dirty="0" err="1"/>
+              <a:t>ViewPort</a:t>
+            </a:r>
+            <a:r>
+              <a:rPr lang="en-US" altLang="zh-CN" dirty="0"/>
+              <a:t> : </a:t>
+            </a:r>
+            <a:r>
+              <a:rPr lang="zh-CN" altLang="en-US" dirty="0"/>
+              <a:t>将处于</a:t>
+            </a:r>
+            <a:r>
+              <a:rPr lang="en-US" altLang="zh-CN" dirty="0"/>
+              <a:t>[-1,1]*[-1,1]</a:t>
+            </a:r>
+            <a:r>
+              <a:rPr lang="zh-CN" altLang="en-US" dirty="0"/>
+              <a:t>上的物体</a:t>
+            </a:r>
+            <a:r>
+              <a:rPr lang="en-US" altLang="zh-CN" dirty="0"/>
+              <a:t>vec2f</a:t>
+            </a:r>
+            <a:r>
+              <a:rPr lang="zh-CN" altLang="en-US" dirty="0"/>
+              <a:t>坐标值 映射到</a:t>
+            </a:r>
+            <a:r>
+              <a:rPr lang="en-US" altLang="zh-CN" dirty="0"/>
+              <a:t>(</a:t>
+            </a:r>
+            <a:r>
+              <a:rPr lang="en-US" altLang="zh-CN" dirty="0" err="1"/>
+              <a:t>width,height</a:t>
+            </a:r>
+            <a:r>
+              <a:rPr lang="en-US" altLang="zh-CN" dirty="0"/>
+              <a:t>)</a:t>
+            </a:r>
+            <a:r>
+              <a:rPr lang="zh-CN" altLang="en-US" dirty="0"/>
+              <a:t>上 </a:t>
+            </a:r>
+            <a:r>
+              <a:rPr lang="en-US" altLang="zh-CN" dirty="0"/>
+              <a:t>NDC</a:t>
+            </a:r>
+            <a:r>
+              <a:rPr lang="zh-CN" altLang="en-US" dirty="0"/>
+              <a:t>坐标</a:t>
+            </a:r>
+            <a:r>
+              <a:rPr lang="en-US" altLang="zh-CN" dirty="0"/>
+              <a:t>-&gt;</a:t>
+            </a:r>
+            <a:r>
+              <a:rPr lang="zh-CN" altLang="en-US" dirty="0"/>
+              <a:t>屏幕坐标 </a:t>
+            </a:r>
+          </a:p>
+        </p:txBody>
+      </p:sp>
+      <p:pic>
+        <p:nvPicPr>
+          <p:cNvPr id="8" name="图片 7">
+            <a:extLst>
+              <a:ext uri="{FF2B5EF4-FFF2-40B4-BE49-F238E27FC236}">
+                <a16:creationId xmlns:a16="http://schemas.microsoft.com/office/drawing/2014/main" id="{6CF95873-09C8-3B83-6201-9C3F5EBBF0BB}"/>
+              </a:ext>
+            </a:extLst>
+          </p:cNvPr>
+          <p:cNvPicPr>
+            <a:picLocks noChangeAspect="1"/>
+          </p:cNvPicPr>
+          <p:nvPr/>
+        </p:nvPicPr>
+        <p:blipFill>
+          <a:blip r:embed="rId2"/>
+          <a:stretch>
+            <a:fillRect/>
+          </a:stretch>
+        </p:blipFill>
+        <p:spPr>
+          <a:xfrm>
+            <a:off x="6096000" y="1393767"/>
+            <a:ext cx="5884334" cy="3993481"/>
+          </a:xfrm>
+          <a:prstGeom prst="rect">
+            <a:avLst/>
+          </a:prstGeom>
+        </p:spPr>
+      </p:pic>
+      <p:pic>
+        <p:nvPicPr>
+          <p:cNvPr id="4" name="图片 3">
+            <a:extLst>
+              <a:ext uri="{FF2B5EF4-FFF2-40B4-BE49-F238E27FC236}">
+                <a16:creationId xmlns:a16="http://schemas.microsoft.com/office/drawing/2014/main" id="{C8839516-DD62-1F0C-C377-B50CC47C54C0}"/>
+              </a:ext>
+            </a:extLst>
+          </p:cNvPr>
+          <p:cNvPicPr>
+            <a:picLocks noChangeAspect="1"/>
+          </p:cNvPicPr>
+          <p:nvPr/>
+        </p:nvPicPr>
+        <p:blipFill>
+          <a:blip r:embed="rId3"/>
+          <a:stretch>
+            <a:fillRect/>
+          </a:stretch>
+        </p:blipFill>
+        <p:spPr>
+          <a:xfrm>
+            <a:off x="330104" y="1586077"/>
+            <a:ext cx="5600968" cy="3801171"/>
+          </a:xfrm>
+          <a:prstGeom prst="rect">
+            <a:avLst/>
+          </a:prstGeom>
+        </p:spPr>
+      </p:pic>
+    </p:spTree>
+    <p:extLst>
+      <p:ext uri="{BB962C8B-B14F-4D97-AF65-F5344CB8AC3E}">
+        <p14:creationId xmlns:p14="http://schemas.microsoft.com/office/powerpoint/2010/main" val="1692083702"/>
+      </p:ext>
+    </p:extLst>
+  </p:cSld>
+  <p:clrMapOvr>
+    <a:masterClrMapping/>
+  </p:clrMapOvr>
+</p:sld>
+</file>
+
+<file path=ppt/slides/slide27.xml><?xml version="1.0" encoding="utf-8"?>
+<p:sld xmlns:a="http://schemas.openxmlformats.org/drawingml/2006/main" xmlns:r="http://schemas.openxmlformats.org/officeDocument/2006/relationships" xmlns:p="http://schemas.openxmlformats.org/presentationml/2006/main">
+  <p:cSld>
+    <p:spTree>
+      <p:nvGrpSpPr>
+        <p:cNvPr id="1" name=""/>
+        <p:cNvGrpSpPr/>
+        <p:nvPr/>
+      </p:nvGrpSpPr>
+      <p:grpSpPr>
+        <a:xfrm>
+          <a:off x="0" y="0"/>
+          <a:ext cx="0" cy="0"/>
+          <a:chOff x="0" y="0"/>
+          <a:chExt cx="0" cy="0"/>
+        </a:xfrm>
+      </p:grpSpPr>
+      <p:sp>
+        <p:nvSpPr>
+          <p:cNvPr id="2" name="文本框 1">
+            <a:extLst>
+              <a:ext uri="{FF2B5EF4-FFF2-40B4-BE49-F238E27FC236}">
+                <a16:creationId xmlns:a16="http://schemas.microsoft.com/office/drawing/2014/main" id="{C69761E3-DFD4-63E0-854A-82CF8A87CB46}"/>
+              </a:ext>
+            </a:extLst>
+          </p:cNvPr>
+          <p:cNvSpPr txBox="1"/>
+          <p:nvPr/>
+        </p:nvSpPr>
+        <p:spPr>
+          <a:xfrm>
+            <a:off x="484741" y="616945"/>
+            <a:ext cx="10455008" cy="369332"/>
+          </a:xfrm>
+          <a:prstGeom prst="rect">
+            <a:avLst/>
+          </a:prstGeom>
+          <a:noFill/>
+        </p:spPr>
+        <p:txBody>
+          <a:bodyPr wrap="square" rtlCol="0">
+            <a:spAutoFit/>
+          </a:bodyPr>
+          <a:lstStyle/>
+          <a:p>
+            <a:r>
+              <a:rPr lang="zh-CN" altLang="en-US" dirty="0"/>
+              <a:t>至此对于一个点的从</a:t>
+            </a:r>
+            <a:r>
+              <a:rPr lang="en-US" altLang="zh-CN" dirty="0"/>
+              <a:t>obj</a:t>
+            </a:r>
+            <a:r>
+              <a:rPr lang="zh-CN" altLang="en-US" dirty="0"/>
+              <a:t>文件中的空间原始坐标，转换到屏幕上的透视投影坐标的变化过程结束了</a:t>
+            </a:r>
+          </a:p>
+        </p:txBody>
+      </p:sp>
+      <p:pic>
+        <p:nvPicPr>
+          <p:cNvPr id="5" name="图片 4">
+            <a:extLst>
+              <a:ext uri="{FF2B5EF4-FFF2-40B4-BE49-F238E27FC236}">
+                <a16:creationId xmlns:a16="http://schemas.microsoft.com/office/drawing/2014/main" id="{8989A47A-3688-6E9A-478B-07BE66FBBD5B}"/>
+              </a:ext>
+            </a:extLst>
+          </p:cNvPr>
+          <p:cNvPicPr>
+            <a:picLocks noChangeAspect="1"/>
+          </p:cNvPicPr>
+          <p:nvPr/>
+        </p:nvPicPr>
+        <p:blipFill>
+          <a:blip r:embed="rId2"/>
+          <a:stretch>
+            <a:fillRect/>
+          </a:stretch>
+        </p:blipFill>
+        <p:spPr>
+          <a:xfrm>
+            <a:off x="2006503" y="1433624"/>
+            <a:ext cx="7411484" cy="4982270"/>
+          </a:xfrm>
+          <a:prstGeom prst="rect">
+            <a:avLst/>
+          </a:prstGeom>
+        </p:spPr>
+      </p:pic>
+    </p:spTree>
+    <p:extLst>
+      <p:ext uri="{BB962C8B-B14F-4D97-AF65-F5344CB8AC3E}">
+        <p14:creationId xmlns:p14="http://schemas.microsoft.com/office/powerpoint/2010/main" val="1913148201"/>
+      </p:ext>
+    </p:extLst>
+  </p:cSld>
+  <p:clrMapOvr>
+    <a:masterClrMapping/>
+  </p:clrMapOvr>
+</p:sld>
+</file>
+
+<file path=ppt/slides/slide28.xml><?xml version="1.0" encoding="utf-8"?>
+<p:sld xmlns:a="http://schemas.openxmlformats.org/drawingml/2006/main" xmlns:r="http://schemas.openxmlformats.org/officeDocument/2006/relationships" xmlns:p="http://schemas.openxmlformats.org/presentationml/2006/main">
+  <p:cSld>
+    <p:spTree>
+      <p:nvGrpSpPr>
+        <p:cNvPr id="1" name=""/>
+        <p:cNvGrpSpPr/>
+        <p:nvPr/>
+      </p:nvGrpSpPr>
+      <p:grpSpPr>
+        <a:xfrm>
+          <a:off x="0" y="0"/>
+          <a:ext cx="0" cy="0"/>
+          <a:chOff x="0" y="0"/>
+          <a:chExt cx="0" cy="0"/>
+        </a:xfrm>
+      </p:grpSpPr>
+      <p:sp>
+        <p:nvSpPr>
+          <p:cNvPr id="2" name="文本框 1">
+            <a:extLst>
+              <a:ext uri="{FF2B5EF4-FFF2-40B4-BE49-F238E27FC236}">
+                <a16:creationId xmlns:a16="http://schemas.microsoft.com/office/drawing/2014/main" id="{C69761E3-DFD4-63E0-854A-82CF8A87CB46}"/>
+              </a:ext>
+            </a:extLst>
+          </p:cNvPr>
+          <p:cNvSpPr txBox="1"/>
+          <p:nvPr/>
+        </p:nvSpPr>
+        <p:spPr>
+          <a:xfrm>
+            <a:off x="462708" y="418641"/>
+            <a:ext cx="10455008" cy="646331"/>
+          </a:xfrm>
+          <a:prstGeom prst="rect">
+            <a:avLst/>
+          </a:prstGeom>
+          <a:noFill/>
+        </p:spPr>
+        <p:txBody>
+          <a:bodyPr wrap="square" rtlCol="0">
+            <a:spAutoFit/>
+          </a:bodyPr>
+          <a:lstStyle/>
+          <a:p>
+            <a:r>
+              <a:rPr lang="zh-CN" altLang="en-US" dirty="0"/>
+              <a:t>对法向量的变换</a:t>
+            </a:r>
+            <a:endParaRPr lang="en-US" altLang="zh-CN" dirty="0"/>
+          </a:p>
+          <a:p>
+            <a:r>
+              <a:rPr lang="zh-CN" altLang="en-US" dirty="0"/>
+              <a:t>法向量的转换矩阵等于坐标点的转换矩阵转置的逆矩阵</a:t>
+            </a:r>
+          </a:p>
+        </p:txBody>
+      </p:sp>
+      <p:pic>
+        <p:nvPicPr>
+          <p:cNvPr id="4" name="图片 3">
+            <a:extLst>
+              <a:ext uri="{FF2B5EF4-FFF2-40B4-BE49-F238E27FC236}">
+                <a16:creationId xmlns:a16="http://schemas.microsoft.com/office/drawing/2014/main" id="{FC1BBC9E-AE0D-7E56-D0EF-1D3DFC14455E}"/>
+              </a:ext>
+            </a:extLst>
+          </p:cNvPr>
+          <p:cNvPicPr>
+            <a:picLocks noChangeAspect="1"/>
+          </p:cNvPicPr>
+          <p:nvPr/>
+        </p:nvPicPr>
+        <p:blipFill>
+          <a:blip r:embed="rId2"/>
+          <a:stretch>
+            <a:fillRect/>
+          </a:stretch>
+        </p:blipFill>
+        <p:spPr>
+          <a:xfrm>
+            <a:off x="2115239" y="1180285"/>
+            <a:ext cx="7987227" cy="5420638"/>
+          </a:xfrm>
+          <a:prstGeom prst="rect">
+            <a:avLst/>
+          </a:prstGeom>
+        </p:spPr>
+      </p:pic>
+    </p:spTree>
+    <p:extLst>
+      <p:ext uri="{BB962C8B-B14F-4D97-AF65-F5344CB8AC3E}">
+        <p14:creationId xmlns:p14="http://schemas.microsoft.com/office/powerpoint/2010/main" val="228825765"/>
       </p:ext>
     </p:extLst>
   </p:cSld>
